--- a/郭秦龙初稿汇报.pptx
+++ b/郭秦龙初稿汇报.pptx
@@ -4919,15 +4919,15 @@
     </dgm:pt>
   </dgm:ptLst>
   <dgm:cxnLst>
-    <dgm:cxn modelId="{C5402DCC-527D-489B-9042-99D846B993ED}" type="presOf" srcId="{9B90631F-13B4-4813-851A-F05CB4D7D6D0}" destId="{F7985A54-CDB3-4897-A5D1-29A086A25050}" srcOrd="0" destOrd="0" presId="urn:microsoft.com/office/officeart/2005/8/layout/vList2"/>
-    <dgm:cxn modelId="{B97A586C-9DE6-43EA-98E2-5522CA21FBCF}" type="presOf" srcId="{0C1F92F0-87B0-47CC-A764-35FEB1F85B8B}" destId="{E0E6F4E1-B250-4D12-B616-2EE21F8977E7}" srcOrd="0" destOrd="0" presId="urn:microsoft.com/office/officeart/2005/8/layout/vList2"/>
-    <dgm:cxn modelId="{E80E2F63-FDB7-4538-B51F-42B23DAC3A15}" srcId="{FF3DE86A-2D4B-488C-97DD-695FE7AE705C}" destId="{9B90631F-13B4-4813-851A-F05CB4D7D6D0}" srcOrd="0" destOrd="0" parTransId="{243885C9-AB94-4C14-8717-82003A7BD5FF}" sibTransId="{01401AC7-4B66-42E8-A13E-D0247BFA2346}"/>
     <dgm:cxn modelId="{42BFFDC2-DDEC-43A3-9E14-35E4908074E7}" srcId="{FF3DE86A-2D4B-488C-97DD-695FE7AE705C}" destId="{B024B668-F1D7-4961-BCDF-A946CA1AC9C6}" srcOrd="3" destOrd="0" parTransId="{AC3B464F-CDF7-4B7E-ABE9-F729B4B7C52A}" sibTransId="{C1A2458F-78FF-4546-A97D-02D2D17F15F8}"/>
     <dgm:cxn modelId="{20A3D81B-8243-4386-8E7C-146E01DEAE91}" type="presOf" srcId="{B024B668-F1D7-4961-BCDF-A946CA1AC9C6}" destId="{888B1B9D-411D-4964-87FC-D65512886639}" srcOrd="0" destOrd="0" presId="urn:microsoft.com/office/officeart/2005/8/layout/vList2"/>
+    <dgm:cxn modelId="{B97A586C-9DE6-43EA-98E2-5522CA21FBCF}" type="presOf" srcId="{0C1F92F0-87B0-47CC-A764-35FEB1F85B8B}" destId="{E0E6F4E1-B250-4D12-B616-2EE21F8977E7}" srcOrd="0" destOrd="0" presId="urn:microsoft.com/office/officeart/2005/8/layout/vList2"/>
+    <dgm:cxn modelId="{C5402DCC-527D-489B-9042-99D846B993ED}" type="presOf" srcId="{9B90631F-13B4-4813-851A-F05CB4D7D6D0}" destId="{F7985A54-CDB3-4897-A5D1-29A086A25050}" srcOrd="0" destOrd="0" presId="urn:microsoft.com/office/officeart/2005/8/layout/vList2"/>
+    <dgm:cxn modelId="{2D2B9EF6-F94B-4965-98B3-FE70D40FBFD3}" type="presOf" srcId="{68E4DDAB-D5FA-4187-A492-F4BF22DACC6E}" destId="{ADEBA1E4-ED54-4608-9737-5D52C9B5EE72}" srcOrd="0" destOrd="0" presId="urn:microsoft.com/office/officeart/2005/8/layout/vList2"/>
+    <dgm:cxn modelId="{EB11EDDA-8CC0-400E-A03C-F43AB9E2F5B5}" srcId="{FF3DE86A-2D4B-488C-97DD-695FE7AE705C}" destId="{0C1F92F0-87B0-47CC-A764-35FEB1F85B8B}" srcOrd="2" destOrd="0" parTransId="{1B584C93-7DFB-4BB8-A3F2-11850F38351D}" sibTransId="{79B7AC86-7711-422C-BB7A-A17A8FF82F8F}"/>
+    <dgm:cxn modelId="{E80E2F63-FDB7-4538-B51F-42B23DAC3A15}" srcId="{FF3DE86A-2D4B-488C-97DD-695FE7AE705C}" destId="{9B90631F-13B4-4813-851A-F05CB4D7D6D0}" srcOrd="0" destOrd="0" parTransId="{243885C9-AB94-4C14-8717-82003A7BD5FF}" sibTransId="{01401AC7-4B66-42E8-A13E-D0247BFA2346}"/>
     <dgm:cxn modelId="{7F725B4A-0906-4125-AFFD-27BA608C7724}" srcId="{FF3DE86A-2D4B-488C-97DD-695FE7AE705C}" destId="{68E4DDAB-D5FA-4187-A492-F4BF22DACC6E}" srcOrd="1" destOrd="0" parTransId="{59601CAA-64C7-4CF9-9E6C-B531F478C198}" sibTransId="{3DFC4228-09E4-4D5E-A354-AF676DAB024E}"/>
     <dgm:cxn modelId="{9B976832-B588-4FE6-AB35-75F4CDDBE63D}" type="presOf" srcId="{FF3DE86A-2D4B-488C-97DD-695FE7AE705C}" destId="{BCDC59C4-D8E7-4FCB-8BEA-69D41C96DFDB}" srcOrd="0" destOrd="0" presId="urn:microsoft.com/office/officeart/2005/8/layout/vList2"/>
-    <dgm:cxn modelId="{EB11EDDA-8CC0-400E-A03C-F43AB9E2F5B5}" srcId="{FF3DE86A-2D4B-488C-97DD-695FE7AE705C}" destId="{0C1F92F0-87B0-47CC-A764-35FEB1F85B8B}" srcOrd="2" destOrd="0" parTransId="{1B584C93-7DFB-4BB8-A3F2-11850F38351D}" sibTransId="{79B7AC86-7711-422C-BB7A-A17A8FF82F8F}"/>
-    <dgm:cxn modelId="{2D2B9EF6-F94B-4965-98B3-FE70D40FBFD3}" type="presOf" srcId="{68E4DDAB-D5FA-4187-A492-F4BF22DACC6E}" destId="{ADEBA1E4-ED54-4608-9737-5D52C9B5EE72}" srcOrd="0" destOrd="0" presId="urn:microsoft.com/office/officeart/2005/8/layout/vList2"/>
     <dgm:cxn modelId="{EB26806E-A2F5-466D-B63C-9713BB25E44E}" type="presParOf" srcId="{BCDC59C4-D8E7-4FCB-8BEA-69D41C96DFDB}" destId="{F7985A54-CDB3-4897-A5D1-29A086A25050}" srcOrd="0" destOrd="0" presId="urn:microsoft.com/office/officeart/2005/8/layout/vList2"/>
     <dgm:cxn modelId="{04DF5DEB-FA03-422C-9FEA-C94E866A5C21}" type="presParOf" srcId="{BCDC59C4-D8E7-4FCB-8BEA-69D41C96DFDB}" destId="{044E59CB-3D07-4711-B3F8-9BF36B2BF06F}" srcOrd="1" destOrd="0" presId="urn:microsoft.com/office/officeart/2005/8/layout/vList2"/>
     <dgm:cxn modelId="{11DE8C2F-0AD2-4300-B23D-F23B2DBACF2B}" type="presParOf" srcId="{BCDC59C4-D8E7-4FCB-8BEA-69D41C96DFDB}" destId="{ADEBA1E4-ED54-4608-9737-5D52C9B5EE72}" srcOrd="2" destOrd="0" presId="urn:microsoft.com/office/officeart/2005/8/layout/vList2"/>
@@ -5588,8 +5588,8 @@
   </dgm:ptLst>
   <dgm:cxnLst>
     <dgm:cxn modelId="{42BFFDC2-DDEC-43A3-9E14-35E4908074E7}" srcId="{FF3DE86A-2D4B-488C-97DD-695FE7AE705C}" destId="{B024B668-F1D7-4961-BCDF-A946CA1AC9C6}" srcOrd="3" destOrd="0" parTransId="{AC3B464F-CDF7-4B7E-ABE9-F729B4B7C52A}" sibTransId="{C1A2458F-78FF-4546-A97D-02D2D17F15F8}"/>
+    <dgm:cxn modelId="{C3DF7036-1023-4BB2-A8E3-7445B714EB8A}" type="presOf" srcId="{FF3DE86A-2D4B-488C-97DD-695FE7AE705C}" destId="{BCDC59C4-D8E7-4FCB-8BEA-69D41C96DFDB}" srcOrd="0" destOrd="0" presId="urn:microsoft.com/office/officeart/2005/8/layout/vList2"/>
     <dgm:cxn modelId="{8856AA87-583B-427A-AE3F-C413D4E51B0F}" type="presOf" srcId="{B024B668-F1D7-4961-BCDF-A946CA1AC9C6}" destId="{888B1B9D-411D-4964-87FC-D65512886639}" srcOrd="0" destOrd="0" presId="urn:microsoft.com/office/officeart/2005/8/layout/vList2"/>
-    <dgm:cxn modelId="{C3DF7036-1023-4BB2-A8E3-7445B714EB8A}" type="presOf" srcId="{FF3DE86A-2D4B-488C-97DD-695FE7AE705C}" destId="{BCDC59C4-D8E7-4FCB-8BEA-69D41C96DFDB}" srcOrd="0" destOrd="0" presId="urn:microsoft.com/office/officeart/2005/8/layout/vList2"/>
     <dgm:cxn modelId="{EB11EDDA-8CC0-400E-A03C-F43AB9E2F5B5}" srcId="{FF3DE86A-2D4B-488C-97DD-695FE7AE705C}" destId="{0C1F92F0-87B0-47CC-A764-35FEB1F85B8B}" srcOrd="2" destOrd="0" parTransId="{1B584C93-7DFB-4BB8-A3F2-11850F38351D}" sibTransId="{79B7AC86-7711-422C-BB7A-A17A8FF82F8F}"/>
     <dgm:cxn modelId="{98676D10-44E8-49C0-B742-BE525160919A}" type="presOf" srcId="{68E4DDAB-D5FA-4187-A492-F4BF22DACC6E}" destId="{ADEBA1E4-ED54-4608-9737-5D52C9B5EE72}" srcOrd="0" destOrd="0" presId="urn:microsoft.com/office/officeart/2005/8/layout/vList2"/>
     <dgm:cxn modelId="{E80E2F63-FDB7-4538-B51F-42B23DAC3A15}" srcId="{FF3DE86A-2D4B-488C-97DD-695FE7AE705C}" destId="{9B90631F-13B4-4813-851A-F05CB4D7D6D0}" srcOrd="0" destOrd="0" parTransId="{243885C9-AB94-4C14-8717-82003A7BD5FF}" sibTransId="{01401AC7-4B66-42E8-A13E-D0247BFA2346}"/>
@@ -6088,6 +6088,13 @@
         </dgm:presLayoutVars>
       </dgm:prSet>
       <dgm:spPr/>
+      <dgm:t>
+        <a:bodyPr/>
+        <a:lstStyle/>
+        <a:p>
+          <a:endParaRPr lang="zh-CN" altLang="en-US"/>
+        </a:p>
+      </dgm:t>
     </dgm:pt>
     <dgm:pt modelId="{F04F8630-E203-4A78-B57D-F34786185C5B}" type="pres">
       <dgm:prSet presAssocID="{FB5FD425-C9E5-4488-BB70-20E63FE9EC95}" presName="spacerT" presStyleCnt="0"/>
@@ -6096,6 +6103,13 @@
     <dgm:pt modelId="{2C7BB825-7D2C-4D40-AE13-3B23C7D2259B}" type="pres">
       <dgm:prSet presAssocID="{FB5FD425-C9E5-4488-BB70-20E63FE9EC95}" presName="sibTrans" presStyleLbl="sibTrans2D1" presStyleIdx="0" presStyleCnt="2"/>
       <dgm:spPr/>
+      <dgm:t>
+        <a:bodyPr/>
+        <a:lstStyle/>
+        <a:p>
+          <a:endParaRPr lang="zh-CN" altLang="en-US"/>
+        </a:p>
+      </dgm:t>
     </dgm:pt>
     <dgm:pt modelId="{5B398C02-C09B-4D7E-BAAD-772A7C2BF3DE}" type="pres">
       <dgm:prSet presAssocID="{FB5FD425-C9E5-4488-BB70-20E63FE9EC95}" presName="spacerB" presStyleCnt="0"/>
@@ -6108,14 +6122,35 @@
         </dgm:presLayoutVars>
       </dgm:prSet>
       <dgm:spPr/>
+      <dgm:t>
+        <a:bodyPr/>
+        <a:lstStyle/>
+        <a:p>
+          <a:endParaRPr lang="zh-CN" altLang="en-US"/>
+        </a:p>
+      </dgm:t>
     </dgm:pt>
     <dgm:pt modelId="{EECF76B9-E390-4C5E-B012-9B2724BF4598}" type="pres">
       <dgm:prSet presAssocID="{F4443D36-6995-4FB1-B318-C24BFE8E1943}" presName="sibTransLast" presStyleLbl="sibTrans2D1" presStyleIdx="1" presStyleCnt="2"/>
       <dgm:spPr/>
+      <dgm:t>
+        <a:bodyPr/>
+        <a:lstStyle/>
+        <a:p>
+          <a:endParaRPr lang="zh-CN" altLang="en-US"/>
+        </a:p>
+      </dgm:t>
     </dgm:pt>
     <dgm:pt modelId="{F5802750-2249-4199-9A4B-79A1CF947392}" type="pres">
       <dgm:prSet presAssocID="{F4443D36-6995-4FB1-B318-C24BFE8E1943}" presName="connectorText" presStyleLbl="sibTrans2D1" presStyleIdx="1" presStyleCnt="2"/>
       <dgm:spPr/>
+      <dgm:t>
+        <a:bodyPr/>
+        <a:lstStyle/>
+        <a:p>
+          <a:endParaRPr lang="zh-CN" altLang="en-US"/>
+        </a:p>
+      </dgm:t>
     </dgm:pt>
     <dgm:pt modelId="{10897D0E-CF1E-4E67-BED7-7DC1FEBB0CF9}" type="pres">
       <dgm:prSet presAssocID="{F4443D36-6995-4FB1-B318-C24BFE8E1943}" presName="lastNode" presStyleLbl="node1" presStyleIdx="2" presStyleCnt="3">
@@ -6124,6 +6159,13 @@
         </dgm:presLayoutVars>
       </dgm:prSet>
       <dgm:spPr/>
+      <dgm:t>
+        <a:bodyPr/>
+        <a:lstStyle/>
+        <a:p>
+          <a:endParaRPr lang="zh-CN" altLang="en-US"/>
+        </a:p>
+      </dgm:t>
     </dgm:pt>
   </dgm:ptLst>
   <dgm:cxnLst>
@@ -6131,8 +6173,8 @@
     <dgm:cxn modelId="{5FB1A71F-ABB4-43A3-945E-E4C7FF2FC6E9}" type="presOf" srcId="{9B846F0B-9107-421D-B814-406833297DEA}" destId="{803F1408-45E9-44D1-9929-CF21E16C9DC8}" srcOrd="0" destOrd="0" presId="urn:microsoft.com/office/officeart/2005/8/layout/equation2"/>
     <dgm:cxn modelId="{76288256-5EFC-48AD-85C1-D4D838B707BB}" srcId="{F4443D36-6995-4FB1-B318-C24BFE8E1943}" destId="{06B48395-7FA4-468D-AC17-1291A30E9897}" srcOrd="2" destOrd="0" parTransId="{EB73D46B-641E-44D1-BED8-F53C8A01F20E}" sibTransId="{3D08AB8A-4D5B-42E4-AEF0-6211ACA10A22}"/>
     <dgm:cxn modelId="{540B7BB6-A474-4F17-A509-83968D4AFB59}" srcId="{F4443D36-6995-4FB1-B318-C24BFE8E1943}" destId="{49DB25FA-71C6-4C7D-AC21-628F53514C15}" srcOrd="1" destOrd="0" parTransId="{A3AEB16B-476C-467F-9E93-2763A1BE7ABB}" sibTransId="{50D3B632-55DD-41DA-8583-7283DC7EB375}"/>
+    <dgm:cxn modelId="{32ADAC14-4FD4-46CF-9804-30AB148F46A7}" type="presOf" srcId="{F4443D36-6995-4FB1-B318-C24BFE8E1943}" destId="{352AD106-4C18-4324-80E9-BB5A021903A5}" srcOrd="0" destOrd="0" presId="urn:microsoft.com/office/officeart/2005/8/layout/equation2"/>
     <dgm:cxn modelId="{4766C37F-AFC6-42C8-B9C3-449F24045AFF}" srcId="{F4443D36-6995-4FB1-B318-C24BFE8E1943}" destId="{9B846F0B-9107-421D-B814-406833297DEA}" srcOrd="0" destOrd="0" parTransId="{ED37E45E-DDD6-4D16-8C32-3D83AA7DA822}" sibTransId="{FB5FD425-C9E5-4488-BB70-20E63FE9EC95}"/>
-    <dgm:cxn modelId="{32ADAC14-4FD4-46CF-9804-30AB148F46A7}" type="presOf" srcId="{F4443D36-6995-4FB1-B318-C24BFE8E1943}" destId="{352AD106-4C18-4324-80E9-BB5A021903A5}" srcOrd="0" destOrd="0" presId="urn:microsoft.com/office/officeart/2005/8/layout/equation2"/>
     <dgm:cxn modelId="{B2BB4C51-9440-4163-90DA-3EAA894A3BBD}" type="presOf" srcId="{49DB25FA-71C6-4C7D-AC21-628F53514C15}" destId="{53843995-41FF-498B-BC49-8E11DBEDB99C}" srcOrd="0" destOrd="0" presId="urn:microsoft.com/office/officeart/2005/8/layout/equation2"/>
     <dgm:cxn modelId="{059839B2-3BC1-4983-AD8E-549A62A0EA6A}" type="presOf" srcId="{50D3B632-55DD-41DA-8583-7283DC7EB375}" destId="{EECF76B9-E390-4C5E-B012-9B2724BF4598}" srcOrd="0" destOrd="0" presId="urn:microsoft.com/office/officeart/2005/8/layout/equation2"/>
     <dgm:cxn modelId="{2D7D54DC-8AFE-4837-94C6-16EFE4E89C3D}" type="presOf" srcId="{FB5FD425-C9E5-4488-BB70-20E63FE9EC95}" destId="{2C7BB825-7D2C-4D40-AE13-3B23C7D2259B}" srcOrd="0" destOrd="0" presId="urn:microsoft.com/office/officeart/2005/8/layout/equation2"/>
@@ -19281,25 +19323,6 @@
           </a:p>
           <a:p>
             <a:r>
-              <a:rPr lang="zh-CN" altLang="en-US" sz="2400" dirty="0" smtClean="0"/>
-              <a:t>第二</a:t>
-            </a:r>
-            <a:r>
-              <a:rPr lang="zh-CN" altLang="en-US" sz="2400" dirty="0"/>
-              <a:t>导师</a:t>
-            </a:r>
-            <a:r>
-              <a:rPr lang="zh-CN" altLang="en-US" sz="2400" dirty="0"/>
-              <a:t> </a:t>
-            </a:r>
-            <a:r>
-              <a:rPr lang="zh-CN" altLang="en-US" sz="2400" dirty="0" smtClean="0"/>
-              <a:t>闻立杰</a:t>
-            </a:r>
-            <a:endParaRPr lang="en-US" altLang="zh-CN" sz="2400" dirty="0" smtClean="0"/>
-          </a:p>
-          <a:p>
-            <a:r>
               <a:rPr lang="en-US" altLang="zh-Hans" sz="2400" dirty="0" smtClean="0"/>
               <a:t>2015.4.6</a:t>
             </a:r>
@@ -19435,7 +19458,7 @@
         <p:spPr>
           <a:xfrm>
             <a:off x="2877312" y="1839053"/>
-            <a:ext cx="5309616" cy="4525963"/>
+            <a:ext cx="5333238" cy="4525963"/>
           </a:xfrm>
           <a:prstGeom prst="rect">
             <a:avLst/>
@@ -20498,7 +20521,6 @@
               <a:rPr lang="zh-CN" altLang="en-US" dirty="0"/>
               <a:t>主要工作</a:t>
             </a:r>
-            <a:endParaRPr lang="zh-CN" altLang="en-US" dirty="0"/>
           </a:p>
         </p:txBody>
       </p:sp>
@@ -20582,7 +20604,6 @@
               <a:rPr lang="zh-CN" altLang="en-US" dirty="0"/>
               <a:t>主要工作</a:t>
             </a:r>
-            <a:endParaRPr lang="zh-CN" altLang="en-US" dirty="0"/>
           </a:p>
         </p:txBody>
       </p:sp>
@@ -20934,7 +20955,19 @@
                 </a:r>
                 <a:r>
                   <a:rPr lang="zh-CN" altLang="en-US" dirty="0" smtClean="0"/>
-                  <a:t>的隐示的依赖和虚假依赖</a:t>
+                  <a:t>的</a:t>
+                </a:r>
+                <a:r>
+                  <a:rPr lang="zh-CN" altLang="en-US" dirty="0"/>
+                  <a:t>隐式</a:t>
+                </a:r>
+                <a:r>
+                  <a:rPr lang="zh-CN" altLang="en-US" dirty="0" smtClean="0"/>
+                  <a:t>依赖</a:t>
+                </a:r>
+                <a:r>
+                  <a:rPr lang="zh-CN" altLang="en-US" dirty="0" smtClean="0"/>
+                  <a:t>和虚假依赖</a:t>
                 </a:r>
                 <a:endParaRPr lang="en-US" altLang="zh-CN" dirty="0" smtClean="0"/>
               </a:p>
@@ -21350,6 +21383,88 @@
       </p:grpSpPr>
       <p:sp>
         <p:nvSpPr>
+          <p:cNvPr id="14" name="矩形 13"/>
+          <p:cNvSpPr/>
+          <p:nvPr/>
+        </p:nvSpPr>
+        <p:spPr>
+          <a:xfrm>
+            <a:off x="457200" y="1901952"/>
+            <a:ext cx="8229600" cy="2289048"/>
+          </a:xfrm>
+          <a:prstGeom prst="rect">
+            <a:avLst/>
+          </a:prstGeom>
+          <a:noFill/>
+          <a:ln w="76200"/>
+        </p:spPr>
+        <p:style>
+          <a:lnRef idx="2">
+            <a:schemeClr val="accent4"/>
+          </a:lnRef>
+          <a:fillRef idx="1">
+            <a:schemeClr val="lt1"/>
+          </a:fillRef>
+          <a:effectRef idx="0">
+            <a:schemeClr val="accent4"/>
+          </a:effectRef>
+          <a:fontRef idx="minor">
+            <a:schemeClr val="dk1"/>
+          </a:fontRef>
+        </p:style>
+        <p:txBody>
+          <a:bodyPr rtlCol="0" anchor="ctr"/>
+          <a:lstStyle/>
+          <a:p>
+            <a:pPr algn="ctr"/>
+            <a:endParaRPr lang="zh-CN" altLang="en-US"/>
+          </a:p>
+        </p:txBody>
+      </p:sp>
+      <p:sp>
+        <p:nvSpPr>
+          <p:cNvPr id="15" name="矩形 14"/>
+          <p:cNvSpPr/>
+          <p:nvPr/>
+        </p:nvSpPr>
+        <p:spPr>
+          <a:xfrm>
+            <a:off x="457200" y="4360768"/>
+            <a:ext cx="8229600" cy="2335779"/>
+          </a:xfrm>
+          <a:prstGeom prst="rect">
+            <a:avLst/>
+          </a:prstGeom>
+          <a:solidFill>
+            <a:schemeClr val="bg1"/>
+          </a:solidFill>
+          <a:ln w="76200"/>
+        </p:spPr>
+        <p:style>
+          <a:lnRef idx="2">
+            <a:schemeClr val="accent4"/>
+          </a:lnRef>
+          <a:fillRef idx="1">
+            <a:schemeClr val="lt1"/>
+          </a:fillRef>
+          <a:effectRef idx="0">
+            <a:schemeClr val="accent4"/>
+          </a:effectRef>
+          <a:fontRef idx="minor">
+            <a:schemeClr val="dk1"/>
+          </a:fontRef>
+        </p:style>
+        <p:txBody>
+          <a:bodyPr rtlCol="0" anchor="ctr"/>
+          <a:lstStyle/>
+          <a:p>
+            <a:pPr algn="ctr"/>
+            <a:endParaRPr lang="zh-CN" altLang="en-US"/>
+          </a:p>
+        </p:txBody>
+      </p:sp>
+      <p:sp>
+        <p:nvSpPr>
           <p:cNvPr id="2" name="标题 1"/>
           <p:cNvSpPr txBox="1">
             <a:spLocks/>
@@ -21409,46 +21524,6 @@
       </p:sp>
       <p:sp>
         <p:nvSpPr>
-          <p:cNvPr id="3" name="矩形 2"/>
-          <p:cNvSpPr/>
-          <p:nvPr/>
-        </p:nvSpPr>
-        <p:spPr>
-          <a:xfrm>
-            <a:off x="457200" y="1901952"/>
-            <a:ext cx="3602736" cy="4498848"/>
-          </a:xfrm>
-          <a:prstGeom prst="rect">
-            <a:avLst/>
-          </a:prstGeom>
-          <a:noFill/>
-          <a:ln w="76200"/>
-        </p:spPr>
-        <p:style>
-          <a:lnRef idx="2">
-            <a:schemeClr val="accent4"/>
-          </a:lnRef>
-          <a:fillRef idx="1">
-            <a:schemeClr val="lt1"/>
-          </a:fillRef>
-          <a:effectRef idx="0">
-            <a:schemeClr val="accent4"/>
-          </a:effectRef>
-          <a:fontRef idx="minor">
-            <a:schemeClr val="dk1"/>
-          </a:fontRef>
-        </p:style>
-        <p:txBody>
-          <a:bodyPr rtlCol="0" anchor="ctr"/>
-          <a:lstStyle/>
-          <a:p>
-            <a:pPr algn="ctr"/>
-            <a:endParaRPr lang="zh-CN" altLang="en-US"/>
-          </a:p>
-        </p:txBody>
-      </p:sp>
-      <p:sp>
-        <p:nvSpPr>
           <p:cNvPr id="4" name="文本框 3"/>
           <p:cNvSpPr txBox="1"/>
           <p:nvPr/>
@@ -21481,53 +21556,13 @@
       </p:sp>
       <p:sp>
         <p:nvSpPr>
-          <p:cNvPr id="5" name="矩形 4"/>
-          <p:cNvSpPr/>
-          <p:nvPr/>
-        </p:nvSpPr>
-        <p:spPr>
-          <a:xfrm>
-            <a:off x="4937760" y="1901952"/>
-            <a:ext cx="3602736" cy="4498848"/>
-          </a:xfrm>
-          <a:prstGeom prst="rect">
-            <a:avLst/>
-          </a:prstGeom>
-          <a:noFill/>
-          <a:ln w="76200"/>
-        </p:spPr>
-        <p:style>
-          <a:lnRef idx="2">
-            <a:schemeClr val="accent4"/>
-          </a:lnRef>
-          <a:fillRef idx="1">
-            <a:schemeClr val="lt1"/>
-          </a:fillRef>
-          <a:effectRef idx="0">
-            <a:schemeClr val="accent4"/>
-          </a:effectRef>
-          <a:fontRef idx="minor">
-            <a:schemeClr val="dk1"/>
-          </a:fontRef>
-        </p:style>
-        <p:txBody>
-          <a:bodyPr rtlCol="0" anchor="ctr"/>
-          <a:lstStyle/>
-          <a:p>
-            <a:pPr algn="ctr"/>
-            <a:endParaRPr lang="zh-CN" altLang="en-US"/>
-          </a:p>
-        </p:txBody>
-      </p:sp>
-      <p:sp>
-        <p:nvSpPr>
           <p:cNvPr id="6" name="文本框 5"/>
           <p:cNvSpPr txBox="1"/>
           <p:nvPr/>
         </p:nvSpPr>
         <p:spPr>
           <a:xfrm>
-            <a:off x="5205984" y="1712976"/>
+            <a:off x="690284" y="4265834"/>
             <a:ext cx="1633728" cy="377952"/>
           </a:xfrm>
           <a:prstGeom prst="rect">
@@ -21560,20 +21595,20 @@
           <p:nvPr>
             <p:extLst>
               <p:ext uri="{D42A27DB-BD31-4B8C-83A1-F6EECF244321}">
-                <p14:modId xmlns:p14="http://schemas.microsoft.com/office/powerpoint/2010/main" val="2386478504"/>
+                <p14:modId xmlns:p14="http://schemas.microsoft.com/office/powerpoint/2010/main" val="4271905337"/>
               </p:ext>
             </p:extLst>
           </p:nvPr>
         </p:nvGraphicFramePr>
         <p:xfrm>
-          <a:off x="690284" y="3328571"/>
-          <a:ext cx="3272116" cy="1337818"/>
+          <a:off x="4496491" y="2115448"/>
+          <a:ext cx="4107250" cy="1679266"/>
         </p:xfrm>
         <a:graphic>
           <a:graphicData uri="http://schemas.openxmlformats.org/presentationml/2006/ole">
             <mc:AlternateContent xmlns:mc="http://schemas.openxmlformats.org/markup-compatibility/2006">
               <mc:Choice xmlns:v="urn:schemas-microsoft-com:vml" Requires="v">
-                <p:oleObj spid="_x0000_s3089" name="Acrobat Document" r:id="rId3" imgW="29432178" imgH="12030032" progId="AcroExch.Document.11">
+                <p:oleObj spid="_x0000_s3121" name="Acrobat Document" r:id="rId3" imgW="29432178" imgH="12030032" progId="AcroExch.Document.11">
                   <p:embed/>
                 </p:oleObj>
               </mc:Choice>
@@ -21594,8 +21629,8 @@
                     </p:blipFill>
                     <p:spPr>
                       <a:xfrm>
-                        <a:off x="690284" y="3328571"/>
-                        <a:ext cx="3272116" cy="1337818"/>
+                        <a:off x="4496491" y="2115448"/>
+                        <a:ext cx="4107250" cy="1679266"/>
                       </a:xfrm>
                       <a:prstGeom prst="rect">
                         <a:avLst/>
@@ -21647,20 +21682,20 @@
           <p:nvPr>
             <p:extLst>
               <p:ext uri="{D42A27DB-BD31-4B8C-83A1-F6EECF244321}">
-                <p14:modId xmlns:p14="http://schemas.microsoft.com/office/powerpoint/2010/main" val="1082281105"/>
+                <p14:modId xmlns:p14="http://schemas.microsoft.com/office/powerpoint/2010/main" val="3940891944"/>
               </p:ext>
             </p:extLst>
           </p:nvPr>
         </p:nvGraphicFramePr>
         <p:xfrm>
-          <a:off x="5144488" y="3718510"/>
-          <a:ext cx="3188743" cy="816709"/>
+          <a:off x="4178989" y="4740519"/>
+          <a:ext cx="4424752" cy="1479306"/>
         </p:xfrm>
         <a:graphic>
           <a:graphicData uri="http://schemas.openxmlformats.org/presentationml/2006/ole">
             <mc:AlternateContent xmlns:mc="http://schemas.openxmlformats.org/markup-compatibility/2006">
               <mc:Choice xmlns:v="urn:schemas-microsoft-com:vml" Requires="v">
-                <p:oleObj spid="_x0000_s3090" name="Acrobat Document" r:id="rId5" imgW="28946415" imgH="6972129" progId="AcroExch.Document.11">
+                <p:oleObj spid="_x0000_s3122" name="Acrobat Document" r:id="rId5" imgW="28946415" imgH="6972129" progId="AcroExch.Document.11">
                   <p:embed/>
                 </p:oleObj>
               </mc:Choice>
@@ -21681,8 +21716,8 @@
                     </p:blipFill>
                     <p:spPr>
                       <a:xfrm>
-                        <a:off x="5144488" y="3718510"/>
-                        <a:ext cx="3188743" cy="816709"/>
+                        <a:off x="4178989" y="4740519"/>
+                        <a:ext cx="4424752" cy="1479306"/>
                       </a:xfrm>
                       <a:prstGeom prst="rect">
                         <a:avLst/>
@@ -21703,7 +21738,7 @@
         </p:nvSpPr>
         <p:spPr>
           <a:xfrm>
-            <a:off x="5346191" y="2348566"/>
+            <a:off x="729592" y="4878333"/>
             <a:ext cx="2987040" cy="923330"/>
           </a:xfrm>
           <a:prstGeom prst="rect">
@@ -21830,7 +21865,7 @@
         <p:spPr>
           <a:xfrm>
             <a:off x="457200" y="1901952"/>
-            <a:ext cx="3602736" cy="4498848"/>
+            <a:ext cx="8229600" cy="2289048"/>
           </a:xfrm>
           <a:prstGeom prst="rect">
             <a:avLst/>
@@ -21901,13 +21936,15 @@
         </p:nvSpPr>
         <p:spPr>
           <a:xfrm>
-            <a:off x="4937760" y="1901952"/>
-            <a:ext cx="3602736" cy="4498848"/>
+            <a:off x="457200" y="4360768"/>
+            <a:ext cx="8229600" cy="2335779"/>
           </a:xfrm>
           <a:prstGeom prst="rect">
             <a:avLst/>
           </a:prstGeom>
-          <a:noFill/>
+          <a:solidFill>
+            <a:schemeClr val="bg1"/>
+          </a:solidFill>
           <a:ln w="76200"/>
         </p:spPr>
         <p:style>
@@ -21941,7 +21978,7 @@
         </p:nvSpPr>
         <p:spPr>
           <a:xfrm>
-            <a:off x="5205984" y="1712976"/>
+            <a:off x="594360" y="4283298"/>
             <a:ext cx="1877568" cy="369332"/>
           </a:xfrm>
           <a:prstGeom prst="rect">
@@ -21974,20 +22011,20 @@
           <p:nvPr>
             <p:extLst>
               <p:ext uri="{D42A27DB-BD31-4B8C-83A1-F6EECF244321}">
-                <p14:modId xmlns:p14="http://schemas.microsoft.com/office/powerpoint/2010/main" val="2368440887"/>
+                <p14:modId xmlns:p14="http://schemas.microsoft.com/office/powerpoint/2010/main" val="3602496625"/>
               </p:ext>
             </p:extLst>
           </p:nvPr>
         </p:nvGraphicFramePr>
         <p:xfrm>
-          <a:off x="594360" y="3480990"/>
-          <a:ext cx="3355848" cy="1573054"/>
+          <a:off x="4133851" y="1997952"/>
+          <a:ext cx="4473702" cy="2097048"/>
         </p:xfrm>
         <a:graphic>
           <a:graphicData uri="http://schemas.openxmlformats.org/presentationml/2006/ole">
             <mc:AlternateContent xmlns:mc="http://schemas.openxmlformats.org/markup-compatibility/2006">
               <mc:Choice xmlns:v="urn:schemas-microsoft-com:vml" Requires="v">
-                <p:oleObj spid="_x0000_s4115" name="Acrobat Document" r:id="rId3" imgW="27993675" imgH="13125137" progId="AcroExch.Document.11">
+                <p:oleObj spid="_x0000_s4147" name="Acrobat Document" r:id="rId3" imgW="27993675" imgH="13125137" progId="AcroExch.Document.11">
                   <p:embed/>
                 </p:oleObj>
               </mc:Choice>
@@ -22008,8 +22045,8 @@
                     </p:blipFill>
                     <p:spPr>
                       <a:xfrm>
-                        <a:off x="594360" y="3480990"/>
-                        <a:ext cx="3355848" cy="1573054"/>
+                        <a:off x="4133851" y="1997952"/>
+                        <a:ext cx="4473702" cy="2097048"/>
                       </a:xfrm>
                       <a:prstGeom prst="rect">
                         <a:avLst/>
@@ -22031,20 +22068,20 @@
           <p:nvPr>
             <p:extLst>
               <p:ext uri="{D42A27DB-BD31-4B8C-83A1-F6EECF244321}">
-                <p14:modId xmlns:p14="http://schemas.microsoft.com/office/powerpoint/2010/main" val="4027425502"/>
+                <p14:modId xmlns:p14="http://schemas.microsoft.com/office/powerpoint/2010/main" val="1486681688"/>
               </p:ext>
             </p:extLst>
           </p:nvPr>
         </p:nvGraphicFramePr>
         <p:xfrm>
-          <a:off x="5116045" y="3480990"/>
-          <a:ext cx="3317339" cy="1749378"/>
+          <a:off x="4133851" y="4414365"/>
+          <a:ext cx="4473702" cy="2228583"/>
         </p:xfrm>
         <a:graphic>
           <a:graphicData uri="http://schemas.openxmlformats.org/presentationml/2006/ole">
             <mc:AlternateContent xmlns:mc="http://schemas.openxmlformats.org/markup-compatibility/2006">
               <mc:Choice xmlns:v="urn:schemas-microsoft-com:vml" Requires="v">
-                <p:oleObj spid="_x0000_s4116" name="Acrobat Document" r:id="rId5" imgW="28736697" imgH="15154133" progId="AcroExch.Document.11">
+                <p:oleObj spid="_x0000_s4148" name="Acrobat Document" r:id="rId5" imgW="28736697" imgH="15154133" progId="AcroExch.Document.11">
                   <p:embed/>
                 </p:oleObj>
               </mc:Choice>
@@ -22065,8 +22102,8 @@
                     </p:blipFill>
                     <p:spPr>
                       <a:xfrm>
-                        <a:off x="5116045" y="3480990"/>
-                        <a:ext cx="3317339" cy="1749378"/>
+                        <a:off x="4133851" y="4414365"/>
+                        <a:ext cx="4473702" cy="2228583"/>
                       </a:xfrm>
                       <a:prstGeom prst="rect">
                         <a:avLst/>
@@ -22133,7 +22170,7 @@
         </p:nvSpPr>
         <p:spPr>
           <a:xfrm>
-            <a:off x="5205984" y="2271284"/>
+            <a:off x="594360" y="4917056"/>
             <a:ext cx="2987040" cy="923330"/>
           </a:xfrm>
           <a:prstGeom prst="rect">
@@ -22192,6 +22229,48 @@
           <a:chExt cx="0" cy="0"/>
         </a:xfrm>
       </p:grpSpPr>
+      <p:sp>
+        <p:nvSpPr>
+          <p:cNvPr id="6" name="矩形 5"/>
+          <p:cNvSpPr/>
+          <p:nvPr/>
+        </p:nvSpPr>
+        <p:spPr>
+          <a:xfrm>
+            <a:off x="457200" y="4255008"/>
+            <a:ext cx="8229600" cy="2097024"/>
+          </a:xfrm>
+          <a:prstGeom prst="rect">
+            <a:avLst/>
+          </a:prstGeom>
+          <a:solidFill>
+            <a:schemeClr val="bg1"/>
+          </a:solidFill>
+          <a:ln w="76200"/>
+        </p:spPr>
+        <p:style>
+          <a:lnRef idx="2">
+            <a:schemeClr val="accent4"/>
+          </a:lnRef>
+          <a:fillRef idx="1">
+            <a:schemeClr val="lt1"/>
+          </a:fillRef>
+          <a:effectRef idx="0">
+            <a:schemeClr val="accent4"/>
+          </a:effectRef>
+          <a:fontRef idx="minor">
+            <a:schemeClr val="dk1"/>
+          </a:fontRef>
+        </p:style>
+        <p:txBody>
+          <a:bodyPr rtlCol="0" anchor="ctr"/>
+          <a:lstStyle/>
+          <a:p>
+            <a:pPr algn="ctr"/>
+            <a:endParaRPr lang="zh-CN" altLang="en-US"/>
+          </a:p>
+        </p:txBody>
+      </p:sp>
       <p:sp>
         <p:nvSpPr>
           <p:cNvPr id="2" name="标题 1"/>
@@ -22339,46 +22418,6 @@
           </a:prstGeom>
         </p:spPr>
       </p:pic>
-      <p:sp>
-        <p:nvSpPr>
-          <p:cNvPr id="6" name="矩形 5"/>
-          <p:cNvSpPr/>
-          <p:nvPr/>
-        </p:nvSpPr>
-        <p:spPr>
-          <a:xfrm>
-            <a:off x="457200" y="4255008"/>
-            <a:ext cx="8229600" cy="2097024"/>
-          </a:xfrm>
-          <a:prstGeom prst="rect">
-            <a:avLst/>
-          </a:prstGeom>
-          <a:noFill/>
-          <a:ln w="76200"/>
-        </p:spPr>
-        <p:style>
-          <a:lnRef idx="2">
-            <a:schemeClr val="accent4"/>
-          </a:lnRef>
-          <a:fillRef idx="1">
-            <a:schemeClr val="lt1"/>
-          </a:fillRef>
-          <a:effectRef idx="0">
-            <a:schemeClr val="accent4"/>
-          </a:effectRef>
-          <a:fontRef idx="minor">
-            <a:schemeClr val="dk1"/>
-          </a:fontRef>
-        </p:style>
-        <p:txBody>
-          <a:bodyPr rtlCol="0" anchor="ctr"/>
-          <a:lstStyle/>
-          <a:p>
-            <a:pPr algn="ctr"/>
-            <a:endParaRPr lang="zh-CN" altLang="en-US"/>
-          </a:p>
-        </p:txBody>
-      </p:sp>
       <p:sp>
         <p:nvSpPr>
           <p:cNvPr id="7" name="文本框 6"/>
@@ -23201,15 +23240,19 @@
             </a:r>
             <a:r>
               <a:rPr lang="en-US" altLang="zh-CN" dirty="0" smtClean="0"/>
-              <a:t>46</a:t>
+              <a:t>6</a:t>
+            </a:r>
+            <a:r>
+              <a:rPr lang="zh-CN" altLang="en-US" dirty="0"/>
+              <a:t>任意</a:t>
             </a:r>
             <a:r>
               <a:rPr lang="zh-CN" altLang="en-US" dirty="0" smtClean="0"/>
-              <a:t>绝对</a:t>
+              <a:t>循环</a:t>
             </a:r>
             <a:r>
               <a:rPr lang="zh-CN" altLang="en-US" dirty="0"/>
-              <a:t>循环个数 </a:t>
+              <a:t>个数 </a:t>
             </a:r>
           </a:p>
         </p:txBody>
@@ -23727,8 +23770,8 @@
         </p:nvSpPr>
         <p:spPr>
           <a:xfrm>
-            <a:off x="5002639" y="2275101"/>
-            <a:ext cx="3880104" cy="923330"/>
+            <a:off x="5002639" y="2082308"/>
+            <a:ext cx="3880104" cy="1477328"/>
           </a:xfrm>
           <a:prstGeom prst="rect">
             <a:avLst/>
@@ -23743,9 +23786,51 @@
           <a:p>
             <a:r>
               <a:rPr lang="zh-CN" altLang="en-US" dirty="0" smtClean="0"/>
-              <a:t>在评估框架中，分别用通用参考模型集合与模型中自身的参考集合进行时间和准确度对比。</a:t>
+              <a:t>在评估框架中，分别用通用参考模型集合与模型中自身的参考集合进行时间和准确度对比</a:t>
+            </a:r>
+            <a:r>
+              <a:rPr lang="zh-CN" altLang="en-US" dirty="0" smtClean="0"/>
+              <a:t>。</a:t>
             </a:r>
             <a:endParaRPr lang="en-US" altLang="zh-CN" dirty="0" smtClean="0"/>
+          </a:p>
+          <a:p>
+            <a:r>
+              <a:rPr lang="zh-CN" altLang="en-US" dirty="0"/>
+              <a:t>时间</a:t>
+            </a:r>
+            <a:r>
+              <a:rPr lang="en-US" altLang="zh-CN" dirty="0" smtClean="0"/>
+              <a:t>:</a:t>
+            </a:r>
+            <a:r>
+              <a:rPr lang="zh-CN" altLang="en-US" dirty="0"/>
+              <a:t>通用</a:t>
+            </a:r>
+            <a:r>
+              <a:rPr lang="zh-CN" altLang="en-US" dirty="0" smtClean="0"/>
+              <a:t>模型集大幅减少</a:t>
+            </a:r>
+            <a:endParaRPr lang="en-US" altLang="zh-CN" dirty="0" smtClean="0"/>
+          </a:p>
+          <a:p>
+            <a:r>
+              <a:rPr lang="zh-CN" altLang="en-US" dirty="0" smtClean="0"/>
+              <a:t>准确度</a:t>
+            </a:r>
+            <a:r>
+              <a:rPr lang="en-US" altLang="zh-CN" dirty="0" smtClean="0"/>
+              <a:t>:</a:t>
+            </a:r>
+            <a:r>
+              <a:rPr lang="zh-CN" altLang="en-US" dirty="0"/>
+              <a:t>通用</a:t>
+            </a:r>
+            <a:r>
+              <a:rPr lang="zh-CN" altLang="en-US" dirty="0" smtClean="0"/>
+              <a:t>模型小幅减少</a:t>
+            </a:r>
+            <a:endParaRPr lang="en-US" altLang="zh-CN" dirty="0"/>
           </a:p>
         </p:txBody>
       </p:sp>
@@ -23757,8 +23842,8 @@
         </p:nvSpPr>
         <p:spPr>
           <a:xfrm>
-            <a:off x="691896" y="2275101"/>
-            <a:ext cx="3880104" cy="923330"/>
+            <a:off x="594360" y="2085371"/>
+            <a:ext cx="3977640" cy="1477328"/>
           </a:xfrm>
           <a:prstGeom prst="rect">
             <a:avLst/>
@@ -23789,7 +23874,41 @@
             </a:r>
             <a:r>
               <a:rPr lang="zh-CN" altLang="en-US" dirty="0" smtClean="0"/>
-              <a:t>维属性，在时间和推荐准确度上进行对比。</a:t>
+              <a:t>维属性，在时间和推荐准确度上进行对比</a:t>
+            </a:r>
+            <a:r>
+              <a:rPr lang="zh-CN" altLang="en-US" dirty="0" smtClean="0"/>
+              <a:t>。</a:t>
+            </a:r>
+            <a:endParaRPr lang="en-US" altLang="zh-CN" dirty="0" smtClean="0"/>
+          </a:p>
+          <a:p>
+            <a:r>
+              <a:rPr lang="zh-CN" altLang="en-US" dirty="0" smtClean="0"/>
+              <a:t>时间</a:t>
+            </a:r>
+            <a:r>
+              <a:rPr lang="en-US" altLang="zh-CN" dirty="0" smtClean="0"/>
+              <a:t>:6</a:t>
+            </a:r>
+            <a:r>
+              <a:rPr lang="zh-CN" altLang="en-US" dirty="0" smtClean="0"/>
+              <a:t>维较短</a:t>
+            </a:r>
+            <a:endParaRPr lang="en-US" altLang="zh-CN" dirty="0" smtClean="0"/>
+          </a:p>
+          <a:p>
+            <a:r>
+              <a:rPr lang="zh-CN" altLang="en-US" dirty="0" smtClean="0"/>
+              <a:t>准确度</a:t>
+            </a:r>
+            <a:r>
+              <a:rPr lang="en-US" altLang="zh-CN" dirty="0" smtClean="0"/>
+              <a:t>:6</a:t>
+            </a:r>
+            <a:r>
+              <a:rPr lang="zh-CN" altLang="en-US" dirty="0" smtClean="0"/>
+              <a:t>维较高</a:t>
             </a:r>
             <a:endParaRPr lang="en-US" altLang="zh-CN" dirty="0" smtClean="0"/>
           </a:p>
@@ -24002,7 +24121,6 @@
               <a:rPr lang="zh-CN" altLang="en-US" dirty="0"/>
               <a:t>创新点</a:t>
             </a:r>
-            <a:endParaRPr lang="zh-CN" altLang="en-US" dirty="0"/>
           </a:p>
         </p:txBody>
       </p:sp>
@@ -24086,7 +24204,6 @@
               <a:rPr lang="zh-CN" altLang="en-US" dirty="0"/>
               <a:t>创新点</a:t>
             </a:r>
-            <a:endParaRPr lang="zh-CN" altLang="en-US" dirty="0"/>
           </a:p>
         </p:txBody>
       </p:sp>
@@ -24588,8 +24705,8 @@
           <a:chExt cx="0" cy="0"/>
         </a:xfrm>
       </p:grpSpPr>
-      <mc:AlternateContent xmlns:mc="http://schemas.openxmlformats.org/markup-compatibility/2006">
-        <mc:Choice xmlns:a14="http://schemas.microsoft.com/office/drawing/2010/main" Requires="a14">
+      <mc:AlternateContent xmlns:mc="http://schemas.openxmlformats.org/markup-compatibility/2006" xmlns:a14="http://schemas.microsoft.com/office/drawing/2010/main">
+        <mc:Choice Requires="a14">
           <p:sp>
             <p:nvSpPr>
               <p:cNvPr id="3" name="内容占位符 2"/>
@@ -24742,7 +24859,7 @@
             </p:txBody>
           </p:sp>
         </mc:Choice>
-        <mc:Fallback>
+        <mc:Fallback xmlns="">
           <p:sp>
             <p:nvSpPr>
               <p:cNvPr id="3" name="内容占位符 2"/>
@@ -25051,7 +25168,7 @@
         <p:spPr>
           <a:xfrm>
             <a:off x="2877312" y="1839053"/>
-            <a:ext cx="5309616" cy="4525963"/>
+            <a:ext cx="5504688" cy="4525963"/>
           </a:xfrm>
           <a:prstGeom prst="rect">
             <a:avLst/>
@@ -25935,8 +26052,8 @@
             </p:nvSpPr>
             <p:spPr>
               <a:xfrm>
-                <a:off x="2877312" y="1839053"/>
-                <a:ext cx="5309616" cy="4525963"/>
+                <a:off x="2877311" y="1839053"/>
+                <a:ext cx="6161913" cy="4525963"/>
               </a:xfrm>
               <a:prstGeom prst="rect">
                 <a:avLst/>
@@ -26286,8 +26403,8 @@
             </p:nvSpPr>
             <p:spPr>
               <a:xfrm>
-                <a:off x="2877312" y="1839053"/>
-                <a:ext cx="5309616" cy="4525963"/>
+                <a:off x="2877311" y="1839053"/>
+                <a:ext cx="6161913" cy="4525963"/>
               </a:xfrm>
               <a:prstGeom prst="rect">
                 <a:avLst/>
@@ -26295,7 +26412,7 @@
               <a:blipFill rotWithShape="0">
                 <a:blip r:embed="rId3"/>
                 <a:stretch>
-                  <a:fillRect l="-2067" t="-1482"/>
+                  <a:fillRect l="-1780" t="-1482" r="-989"/>
                 </a:stretch>
               </a:blipFill>
             </p:spPr>
@@ -26530,7 +26647,7 @@
         <p:spPr>
           <a:xfrm>
             <a:off x="2877312" y="1839053"/>
-            <a:ext cx="5309616" cy="4525963"/>
+            <a:ext cx="5809488" cy="4525963"/>
           </a:xfrm>
           <a:prstGeom prst="rect">
             <a:avLst/>
@@ -26785,7 +26902,7 @@
             <a:pPr lvl="2"/>
             <a:r>
               <a:rPr lang="en-US" altLang="zh-CN" dirty="0" err="1" smtClean="0"/>
-              <a:t>beehiveZ</a:t>
+              <a:t>BeehiveZ</a:t>
             </a:r>
             <a:r>
               <a:rPr lang="zh-CN" altLang="en-US" dirty="0" smtClean="0"/>

--- a/郭秦龙初稿汇报.pptx
+++ b/郭秦龙初稿汇报.pptx
@@ -21608,7 +21608,7 @@
           <a:graphicData uri="http://schemas.openxmlformats.org/presentationml/2006/ole">
             <mc:AlternateContent xmlns:mc="http://schemas.openxmlformats.org/markup-compatibility/2006">
               <mc:Choice xmlns:v="urn:schemas-microsoft-com:vml" Requires="v">
-                <p:oleObj spid="_x0000_s3121" name="Acrobat Document" r:id="rId3" imgW="29432178" imgH="12030032" progId="AcroExch.Document.11">
+                <p:oleObj spid="_x0000_s3127" name="Acrobat Document" r:id="rId3" imgW="29432178" imgH="12030032" progId="AcroExch.Document.11">
                   <p:embed/>
                 </p:oleObj>
               </mc:Choice>
@@ -21695,7 +21695,7 @@
           <a:graphicData uri="http://schemas.openxmlformats.org/presentationml/2006/ole">
             <mc:AlternateContent xmlns:mc="http://schemas.openxmlformats.org/markup-compatibility/2006">
               <mc:Choice xmlns:v="urn:schemas-microsoft-com:vml" Requires="v">
-                <p:oleObj spid="_x0000_s3122" name="Acrobat Document" r:id="rId5" imgW="28946415" imgH="6972129" progId="AcroExch.Document.11">
+                <p:oleObj spid="_x0000_s3128" name="Acrobat Document" r:id="rId5" imgW="28946415" imgH="6972129" progId="AcroExch.Document.11">
                   <p:embed/>
                 </p:oleObj>
               </mc:Choice>
@@ -22024,7 +22024,7 @@
           <a:graphicData uri="http://schemas.openxmlformats.org/presentationml/2006/ole">
             <mc:AlternateContent xmlns:mc="http://schemas.openxmlformats.org/markup-compatibility/2006">
               <mc:Choice xmlns:v="urn:schemas-microsoft-com:vml" Requires="v">
-                <p:oleObj spid="_x0000_s4147" name="Acrobat Document" r:id="rId3" imgW="27993675" imgH="13125137" progId="AcroExch.Document.11">
+                <p:oleObj spid="_x0000_s4153" name="Acrobat Document" r:id="rId3" imgW="27993675" imgH="13125137" progId="AcroExch.Document.11">
                   <p:embed/>
                 </p:oleObj>
               </mc:Choice>
@@ -22081,7 +22081,7 @@
           <a:graphicData uri="http://schemas.openxmlformats.org/presentationml/2006/ole">
             <mc:AlternateContent xmlns:mc="http://schemas.openxmlformats.org/markup-compatibility/2006">
               <mc:Choice xmlns:v="urn:schemas-microsoft-com:vml" Requires="v">
-                <p:oleObj spid="_x0000_s4148" name="Acrobat Document" r:id="rId5" imgW="28736697" imgH="15154133" progId="AcroExch.Document.11">
+                <p:oleObj spid="_x0000_s4154" name="Acrobat Document" r:id="rId5" imgW="28736697" imgH="15154133" progId="AcroExch.Document.11">
                   <p:embed/>
                 </p:oleObj>
               </mc:Choice>
@@ -23271,7 +23271,9 @@
           <a:prstGeom prst="rect">
             <a:avLst/>
           </a:prstGeom>
-          <a:noFill/>
+          <a:solidFill>
+            <a:schemeClr val="bg1"/>
+          </a:solidFill>
           <a:ln w="76200"/>
         </p:spPr>
         <p:style>
@@ -23410,8 +23412,8 @@
         </p:blipFill>
         <p:spPr>
           <a:xfrm>
-            <a:off x="4907716" y="3039192"/>
-            <a:ext cx="3779083" cy="2621379"/>
+            <a:off x="4888524" y="3039638"/>
+            <a:ext cx="3898745" cy="2704383"/>
           </a:xfrm>
           <a:prstGeom prst="rect">
             <a:avLst/>
@@ -23608,7 +23610,9 @@
           <a:prstGeom prst="rect">
             <a:avLst/>
           </a:prstGeom>
-          <a:noFill/>
+          <a:solidFill>
+            <a:schemeClr val="bg1"/>
+          </a:solidFill>
           <a:ln w="76200"/>
         </p:spPr>
         <p:style>
@@ -24480,8 +24484,8 @@
         </p:nvSpPr>
         <p:spPr>
           <a:xfrm>
-            <a:off x="3787173" y="2967335"/>
-            <a:ext cx="1569660" cy="923330"/>
+            <a:off x="1709681" y="2967335"/>
+            <a:ext cx="5724645" cy="923330"/>
           </a:xfrm>
           <a:prstGeom prst="rect">
             <a:avLst/>
@@ -24540,7 +24544,7 @@
                   <a:lin ang="5400000"/>
                 </a:gradFill>
               </a:rPr>
-              <a:t>感谢</a:t>
+              <a:t>感谢老师批评指正</a:t>
             </a:r>
             <a:endParaRPr lang="zh-CN" altLang="en-US" sz="5400" b="1" cap="none" spc="0" dirty="0">
               <a:ln w="10160">

--- a/郭秦龙初稿汇报.pptx
+++ b/郭秦龙初稿汇报.pptx
@@ -35,7 +35,7 @@
   <p:notesSz cx="6858000" cy="9144000"/>
   <p:defaultTextStyle>
     <a:defPPr>
-      <a:defRPr lang="zh-Hans"/>
+      <a:defRPr lang="zh-CHS"/>
     </a:defPPr>
     <a:lvl1pPr marL="0" algn="l" defTabSz="914400" rtl="0" eaLnBrk="1" latinLnBrk="0" hangingPunct="1">
       <a:defRPr sz="1800" kern="1200">
@@ -4628,7 +4628,7 @@
         <a:bodyPr/>
         <a:lstStyle/>
         <a:p>
-          <a:endParaRPr lang="zh-Hans" altLang="en-US"/>
+          <a:endParaRPr lang="zh-CHS" altLang="en-US"/>
         </a:p>
       </dgm:t>
     </dgm:pt>
@@ -4640,14 +4640,14 @@
         <a:lstStyle/>
         <a:p>
           <a:r>
-            <a:rPr lang="en-US" altLang="zh-CN" dirty="0" smtClean="0"/>
+            <a:rPr lang="en-US" altLang="zh-CHS" dirty="0" smtClean="0"/>
             <a:t>1</a:t>
           </a:r>
           <a:r>
-            <a:rPr lang="zh-CN" altLang="en-US" dirty="0" smtClean="0"/>
+            <a:rPr lang="zh-CHS" altLang="en-US" dirty="0" smtClean="0"/>
             <a:t>、毕业论文题目</a:t>
           </a:r>
-          <a:endParaRPr lang="en-US" altLang="zh-Hans" dirty="0" smtClean="0"/>
+          <a:endParaRPr lang="en-US" altLang="zh-CHS" dirty="0" smtClean="0"/>
         </a:p>
       </dgm:t>
     </dgm:pt>
@@ -4658,7 +4658,7 @@
         <a:bodyPr/>
         <a:lstStyle/>
         <a:p>
-          <a:endParaRPr lang="zh-Hans" altLang="en-US"/>
+          <a:endParaRPr lang="zh-CHS" altLang="en-US"/>
         </a:p>
       </dgm:t>
     </dgm:pt>
@@ -4669,7 +4669,7 @@
         <a:bodyPr/>
         <a:lstStyle/>
         <a:p>
-          <a:endParaRPr lang="zh-Hans" altLang="en-US"/>
+          <a:endParaRPr lang="zh-CHS" altLang="en-US"/>
         </a:p>
       </dgm:t>
     </dgm:pt>
@@ -4681,14 +4681,14 @@
         <a:lstStyle/>
         <a:p>
           <a:r>
-            <a:rPr lang="en-US" altLang="zh-Hans" dirty="0" smtClean="0"/>
+            <a:rPr lang="en-US" altLang="zh-CHS" dirty="0" smtClean="0"/>
             <a:t>2</a:t>
           </a:r>
           <a:r>
-            <a:rPr lang="zh-CN" altLang="en-US" dirty="0" smtClean="0"/>
+            <a:rPr lang="zh-CHS" altLang="en-US" dirty="0" smtClean="0"/>
             <a:t>、框架结构</a:t>
           </a:r>
-          <a:endParaRPr lang="en-US" altLang="zh-Hans" dirty="0" smtClean="0"/>
+          <a:endParaRPr lang="en-US" altLang="zh-CHS" dirty="0" smtClean="0"/>
         </a:p>
       </dgm:t>
     </dgm:pt>
@@ -4699,7 +4699,7 @@
         <a:bodyPr/>
         <a:lstStyle/>
         <a:p>
-          <a:endParaRPr lang="zh-Hans" altLang="en-US"/>
+          <a:endParaRPr lang="zh-CHS" altLang="en-US"/>
         </a:p>
       </dgm:t>
     </dgm:pt>
@@ -4710,7 +4710,7 @@
         <a:bodyPr/>
         <a:lstStyle/>
         <a:p>
-          <a:endParaRPr lang="zh-Hans" altLang="en-US"/>
+          <a:endParaRPr lang="zh-CHS" altLang="en-US"/>
         </a:p>
       </dgm:t>
     </dgm:pt>
@@ -4722,18 +4722,14 @@
         <a:lstStyle/>
         <a:p>
           <a:r>
-            <a:rPr lang="en-US" altLang="zh-Hans" dirty="0" smtClean="0"/>
+            <a:rPr lang="en-US" altLang="zh-CHS" dirty="0" smtClean="0"/>
             <a:t>3</a:t>
           </a:r>
           <a:r>
-            <a:rPr lang="zh-Hans" altLang="en-US" dirty="0" smtClean="0"/>
-            <a:t>、</a:t>
+            <a:rPr lang="zh-CHS" altLang="en-US" dirty="0" smtClean="0"/>
+            <a:t>、主要工作</a:t>
           </a:r>
-          <a:r>
-            <a:rPr lang="zh-CN" altLang="en-US" dirty="0" smtClean="0"/>
-            <a:t>主要工作</a:t>
-          </a:r>
-          <a:endParaRPr lang="en-US" altLang="zh-Hans" dirty="0" smtClean="0"/>
+          <a:endParaRPr lang="en-US" altLang="zh-CHS" dirty="0" smtClean="0"/>
         </a:p>
       </dgm:t>
     </dgm:pt>
@@ -4744,7 +4740,7 @@
         <a:bodyPr/>
         <a:lstStyle/>
         <a:p>
-          <a:endParaRPr lang="zh-Hans" altLang="en-US"/>
+          <a:endParaRPr lang="zh-CHS" altLang="en-US"/>
         </a:p>
       </dgm:t>
     </dgm:pt>
@@ -4755,7 +4751,7 @@
         <a:bodyPr/>
         <a:lstStyle/>
         <a:p>
-          <a:endParaRPr lang="zh-Hans" altLang="en-US"/>
+          <a:endParaRPr lang="zh-CHS" altLang="en-US"/>
         </a:p>
       </dgm:t>
     </dgm:pt>
@@ -4767,18 +4763,14 @@
         <a:lstStyle/>
         <a:p>
           <a:r>
-            <a:rPr lang="en-US" altLang="zh-Hans" dirty="0" smtClean="0"/>
+            <a:rPr lang="en-US" altLang="zh-CHS" dirty="0" smtClean="0"/>
             <a:t>4</a:t>
           </a:r>
           <a:r>
-            <a:rPr lang="zh-Hans" altLang="en-US" dirty="0" smtClean="0"/>
-            <a:t>、</a:t>
+            <a:rPr lang="zh-CHS" altLang="en-US" dirty="0" smtClean="0"/>
+            <a:t>、创新点</a:t>
           </a:r>
-          <a:r>
-            <a:rPr lang="zh-CN" altLang="en-US" dirty="0" smtClean="0"/>
-            <a:t>创新点</a:t>
-          </a:r>
-          <a:endParaRPr lang="en-US" altLang="zh-Hans" dirty="0" smtClean="0"/>
+          <a:endParaRPr lang="en-US" altLang="zh-CHS" dirty="0" smtClean="0"/>
         </a:p>
       </dgm:t>
     </dgm:pt>
@@ -4789,7 +4781,7 @@
         <a:bodyPr/>
         <a:lstStyle/>
         <a:p>
-          <a:endParaRPr lang="zh-Hans" altLang="en-US"/>
+          <a:endParaRPr lang="zh-CHS" altLang="en-US"/>
         </a:p>
       </dgm:t>
     </dgm:pt>
@@ -4800,7 +4792,7 @@
         <a:bodyPr/>
         <a:lstStyle/>
         <a:p>
-          <a:endParaRPr lang="zh-Hans" altLang="en-US"/>
+          <a:endParaRPr lang="zh-CHS" altLang="en-US"/>
         </a:p>
       </dgm:t>
     </dgm:pt>
@@ -4816,7 +4808,7 @@
         <a:bodyPr/>
         <a:lstStyle/>
         <a:p>
-          <a:endParaRPr lang="zh-Hans" altLang="en-US"/>
+          <a:endParaRPr lang="zh-CHS" altLang="en-US"/>
         </a:p>
       </dgm:t>
     </dgm:pt>
@@ -4832,7 +4824,7 @@
         <a:bodyPr/>
         <a:lstStyle/>
         <a:p>
-          <a:endParaRPr lang="zh-Hans" altLang="en-US"/>
+          <a:endParaRPr lang="zh-CHS" altLang="en-US"/>
         </a:p>
       </dgm:t>
     </dgm:pt>
@@ -4843,7 +4835,7 @@
         <a:bodyPr/>
         <a:lstStyle/>
         <a:p>
-          <a:endParaRPr lang="zh-Hans" altLang="en-US"/>
+          <a:endParaRPr lang="zh-CHS" altLang="en-US"/>
         </a:p>
       </dgm:t>
     </dgm:pt>
@@ -4859,7 +4851,7 @@
         <a:bodyPr/>
         <a:lstStyle/>
         <a:p>
-          <a:endParaRPr lang="zh-Hans" altLang="en-US"/>
+          <a:endParaRPr lang="zh-CHS" altLang="en-US"/>
         </a:p>
       </dgm:t>
     </dgm:pt>
@@ -4870,7 +4862,7 @@
         <a:bodyPr/>
         <a:lstStyle/>
         <a:p>
-          <a:endParaRPr lang="zh-Hans" altLang="en-US"/>
+          <a:endParaRPr lang="zh-CHS" altLang="en-US"/>
         </a:p>
       </dgm:t>
     </dgm:pt>
@@ -4886,7 +4878,7 @@
         <a:bodyPr/>
         <a:lstStyle/>
         <a:p>
-          <a:endParaRPr lang="zh-Hans" altLang="en-US"/>
+          <a:endParaRPr lang="zh-CHS" altLang="en-US"/>
         </a:p>
       </dgm:t>
     </dgm:pt>
@@ -4897,7 +4889,7 @@
         <a:bodyPr/>
         <a:lstStyle/>
         <a:p>
-          <a:endParaRPr lang="zh-Hans" altLang="en-US"/>
+          <a:endParaRPr lang="zh-CHS" altLang="en-US"/>
         </a:p>
       </dgm:t>
     </dgm:pt>
@@ -4913,7 +4905,7 @@
         <a:bodyPr/>
         <a:lstStyle/>
         <a:p>
-          <a:endParaRPr lang="zh-Hans" altLang="en-US"/>
+          <a:endParaRPr lang="zh-CHS" altLang="en-US"/>
         </a:p>
       </dgm:t>
     </dgm:pt>
@@ -4956,7 +4948,7 @@
         <a:bodyPr/>
         <a:lstStyle/>
         <a:p>
-          <a:endParaRPr lang="zh-Hans" altLang="en-US"/>
+          <a:endParaRPr lang="zh-CHS" altLang="en-US"/>
         </a:p>
       </dgm:t>
     </dgm:pt>
@@ -4972,14 +4964,14 @@
         <a:lstStyle/>
         <a:p>
           <a:r>
-            <a:rPr lang="en-US" altLang="zh-CN" dirty="0" smtClean="0"/>
+            <a:rPr lang="en-US" altLang="zh-CHS" dirty="0" smtClean="0"/>
             <a:t>1</a:t>
           </a:r>
           <a:r>
-            <a:rPr lang="zh-CN" altLang="en-US" dirty="0" smtClean="0"/>
+            <a:rPr lang="zh-CHS" altLang="en-US" dirty="0" smtClean="0"/>
             <a:t>、毕业论文题目</a:t>
           </a:r>
-          <a:endParaRPr lang="en-US" altLang="zh-Hans" dirty="0" smtClean="0"/>
+          <a:endParaRPr lang="en-US" altLang="zh-CHS" dirty="0" smtClean="0"/>
         </a:p>
       </dgm:t>
     </dgm:pt>
@@ -4990,7 +4982,7 @@
         <a:bodyPr/>
         <a:lstStyle/>
         <a:p>
-          <a:endParaRPr lang="zh-Hans" altLang="en-US"/>
+          <a:endParaRPr lang="zh-CHS" altLang="en-US"/>
         </a:p>
       </dgm:t>
     </dgm:pt>
@@ -5001,7 +4993,7 @@
         <a:bodyPr/>
         <a:lstStyle/>
         <a:p>
-          <a:endParaRPr lang="zh-Hans" altLang="en-US"/>
+          <a:endParaRPr lang="zh-CHS" altLang="en-US"/>
         </a:p>
       </dgm:t>
     </dgm:pt>
@@ -5013,14 +5005,14 @@
         <a:lstStyle/>
         <a:p>
           <a:r>
-            <a:rPr lang="en-US" altLang="zh-Hans" dirty="0" smtClean="0"/>
+            <a:rPr lang="en-US" altLang="zh-CHS" dirty="0" smtClean="0"/>
             <a:t>2</a:t>
           </a:r>
           <a:r>
-            <a:rPr lang="zh-CN" altLang="en-US" dirty="0" smtClean="0"/>
+            <a:rPr lang="zh-CHS" altLang="en-US" dirty="0" smtClean="0"/>
             <a:t>、框架结构</a:t>
           </a:r>
-          <a:endParaRPr lang="en-US" altLang="zh-Hans" dirty="0" smtClean="0"/>
+          <a:endParaRPr lang="en-US" altLang="zh-CHS" dirty="0" smtClean="0"/>
         </a:p>
       </dgm:t>
     </dgm:pt>
@@ -5031,7 +5023,7 @@
         <a:bodyPr/>
         <a:lstStyle/>
         <a:p>
-          <a:endParaRPr lang="zh-Hans" altLang="en-US"/>
+          <a:endParaRPr lang="zh-CHS" altLang="en-US"/>
         </a:p>
       </dgm:t>
     </dgm:pt>
@@ -5042,7 +5034,7 @@
         <a:bodyPr/>
         <a:lstStyle/>
         <a:p>
-          <a:endParaRPr lang="zh-Hans" altLang="en-US"/>
+          <a:endParaRPr lang="zh-CHS" altLang="en-US"/>
         </a:p>
       </dgm:t>
     </dgm:pt>
@@ -5054,18 +5046,14 @@
         <a:lstStyle/>
         <a:p>
           <a:r>
-            <a:rPr lang="en-US" altLang="zh-Hans" dirty="0" smtClean="0"/>
+            <a:rPr lang="en-US" altLang="zh-CHS" dirty="0" smtClean="0"/>
             <a:t>3</a:t>
           </a:r>
           <a:r>
-            <a:rPr lang="zh-Hans" altLang="en-US" dirty="0" smtClean="0"/>
-            <a:t>、</a:t>
+            <a:rPr lang="zh-CHS" altLang="en-US" dirty="0" smtClean="0"/>
+            <a:t>、主要工作</a:t>
           </a:r>
-          <a:r>
-            <a:rPr lang="zh-CN" altLang="en-US" dirty="0" smtClean="0"/>
-            <a:t>主要工作</a:t>
-          </a:r>
-          <a:endParaRPr lang="en-US" altLang="zh-Hans" dirty="0" smtClean="0"/>
+          <a:endParaRPr lang="en-US" altLang="zh-CHS" dirty="0" smtClean="0"/>
         </a:p>
       </dgm:t>
     </dgm:pt>
@@ -5076,7 +5064,7 @@
         <a:bodyPr/>
         <a:lstStyle/>
         <a:p>
-          <a:endParaRPr lang="zh-Hans" altLang="en-US"/>
+          <a:endParaRPr lang="zh-CHS" altLang="en-US"/>
         </a:p>
       </dgm:t>
     </dgm:pt>
@@ -5087,7 +5075,7 @@
         <a:bodyPr/>
         <a:lstStyle/>
         <a:p>
-          <a:endParaRPr lang="zh-Hans" altLang="en-US"/>
+          <a:endParaRPr lang="zh-CHS" altLang="en-US"/>
         </a:p>
       </dgm:t>
     </dgm:pt>
@@ -5099,18 +5087,14 @@
         <a:lstStyle/>
         <a:p>
           <a:r>
-            <a:rPr lang="en-US" altLang="zh-Hans" dirty="0" smtClean="0"/>
+            <a:rPr lang="en-US" altLang="zh-CHS" dirty="0" smtClean="0"/>
             <a:t>4</a:t>
           </a:r>
           <a:r>
-            <a:rPr lang="zh-Hans" altLang="en-US" dirty="0" smtClean="0"/>
-            <a:t>、</a:t>
+            <a:rPr lang="zh-CHS" altLang="en-US" dirty="0" smtClean="0"/>
+            <a:t>、创新点</a:t>
           </a:r>
-          <a:r>
-            <a:rPr lang="zh-CN" altLang="en-US" dirty="0" smtClean="0"/>
-            <a:t>创新点</a:t>
-          </a:r>
-          <a:endParaRPr lang="en-US" altLang="zh-Hans" dirty="0" smtClean="0"/>
+          <a:endParaRPr lang="en-US" altLang="zh-CHS" dirty="0" smtClean="0"/>
         </a:p>
       </dgm:t>
     </dgm:pt>
@@ -5121,7 +5105,7 @@
         <a:bodyPr/>
         <a:lstStyle/>
         <a:p>
-          <a:endParaRPr lang="zh-Hans" altLang="en-US"/>
+          <a:endParaRPr lang="zh-CHS" altLang="en-US"/>
         </a:p>
       </dgm:t>
     </dgm:pt>
@@ -5132,7 +5116,7 @@
         <a:bodyPr/>
         <a:lstStyle/>
         <a:p>
-          <a:endParaRPr lang="zh-Hans" altLang="en-US"/>
+          <a:endParaRPr lang="zh-CHS" altLang="en-US"/>
         </a:p>
       </dgm:t>
     </dgm:pt>
@@ -5148,7 +5132,7 @@
         <a:bodyPr/>
         <a:lstStyle/>
         <a:p>
-          <a:endParaRPr lang="zh-Hans" altLang="en-US"/>
+          <a:endParaRPr lang="zh-CHS" altLang="en-US"/>
         </a:p>
       </dgm:t>
     </dgm:pt>
@@ -5164,7 +5148,7 @@
         <a:bodyPr/>
         <a:lstStyle/>
         <a:p>
-          <a:endParaRPr lang="zh-Hans" altLang="en-US"/>
+          <a:endParaRPr lang="zh-CHS" altLang="en-US"/>
         </a:p>
       </dgm:t>
     </dgm:pt>
@@ -5175,7 +5159,7 @@
         <a:bodyPr/>
         <a:lstStyle/>
         <a:p>
-          <a:endParaRPr lang="zh-Hans" altLang="en-US"/>
+          <a:endParaRPr lang="zh-CHS" altLang="en-US"/>
         </a:p>
       </dgm:t>
     </dgm:pt>
@@ -5191,7 +5175,7 @@
         <a:bodyPr/>
         <a:lstStyle/>
         <a:p>
-          <a:endParaRPr lang="zh-Hans" altLang="en-US"/>
+          <a:endParaRPr lang="zh-CHS" altLang="en-US"/>
         </a:p>
       </dgm:t>
     </dgm:pt>
@@ -5202,7 +5186,7 @@
         <a:bodyPr/>
         <a:lstStyle/>
         <a:p>
-          <a:endParaRPr lang="zh-Hans" altLang="en-US"/>
+          <a:endParaRPr lang="zh-CHS" altLang="en-US"/>
         </a:p>
       </dgm:t>
     </dgm:pt>
@@ -5218,7 +5202,7 @@
         <a:bodyPr/>
         <a:lstStyle/>
         <a:p>
-          <a:endParaRPr lang="zh-Hans" altLang="en-US"/>
+          <a:endParaRPr lang="zh-CHS" altLang="en-US"/>
         </a:p>
       </dgm:t>
     </dgm:pt>
@@ -5229,7 +5213,7 @@
         <a:bodyPr/>
         <a:lstStyle/>
         <a:p>
-          <a:endParaRPr lang="zh-Hans" altLang="en-US"/>
+          <a:endParaRPr lang="zh-CHS" altLang="en-US"/>
         </a:p>
       </dgm:t>
     </dgm:pt>
@@ -5245,7 +5229,7 @@
         <a:bodyPr/>
         <a:lstStyle/>
         <a:p>
-          <a:endParaRPr lang="zh-Hans" altLang="en-US"/>
+          <a:endParaRPr lang="zh-CHS" altLang="en-US"/>
         </a:p>
       </dgm:t>
     </dgm:pt>
@@ -5288,7 +5272,7 @@
         <a:bodyPr/>
         <a:lstStyle/>
         <a:p>
-          <a:endParaRPr lang="zh-Hans" altLang="en-US"/>
+          <a:endParaRPr lang="zh-CHS" altLang="en-US"/>
         </a:p>
       </dgm:t>
     </dgm:pt>
@@ -5304,14 +5288,14 @@
         <a:lstStyle/>
         <a:p>
           <a:r>
-            <a:rPr lang="en-US" altLang="zh-CN" dirty="0" smtClean="0"/>
+            <a:rPr lang="en-US" altLang="zh-CHS" dirty="0" smtClean="0"/>
             <a:t>1</a:t>
           </a:r>
           <a:r>
-            <a:rPr lang="zh-CN" altLang="en-US" dirty="0" smtClean="0"/>
+            <a:rPr lang="zh-CHS" altLang="en-US" dirty="0" smtClean="0"/>
             <a:t>、毕业论文题目</a:t>
           </a:r>
-          <a:endParaRPr lang="en-US" altLang="zh-Hans" dirty="0" smtClean="0"/>
+          <a:endParaRPr lang="en-US" altLang="zh-CHS" dirty="0" smtClean="0"/>
         </a:p>
       </dgm:t>
     </dgm:pt>
@@ -5322,7 +5306,7 @@
         <a:bodyPr/>
         <a:lstStyle/>
         <a:p>
-          <a:endParaRPr lang="zh-Hans" altLang="en-US"/>
+          <a:endParaRPr lang="zh-CHS" altLang="en-US"/>
         </a:p>
       </dgm:t>
     </dgm:pt>
@@ -5333,7 +5317,7 @@
         <a:bodyPr/>
         <a:lstStyle/>
         <a:p>
-          <a:endParaRPr lang="zh-Hans" altLang="en-US"/>
+          <a:endParaRPr lang="zh-CHS" altLang="en-US"/>
         </a:p>
       </dgm:t>
     </dgm:pt>
@@ -5349,14 +5333,14 @@
         <a:lstStyle/>
         <a:p>
           <a:r>
-            <a:rPr lang="en-US" altLang="zh-Hans" dirty="0" smtClean="0"/>
+            <a:rPr lang="en-US" altLang="zh-CHS" dirty="0" smtClean="0"/>
             <a:t>2</a:t>
           </a:r>
           <a:r>
-            <a:rPr lang="zh-CN" altLang="en-US" dirty="0" smtClean="0"/>
+            <a:rPr lang="zh-CHS" altLang="en-US" dirty="0" smtClean="0"/>
             <a:t>、框架结构</a:t>
           </a:r>
-          <a:endParaRPr lang="en-US" altLang="zh-Hans" dirty="0" smtClean="0"/>
+          <a:endParaRPr lang="en-US" altLang="zh-CHS" dirty="0" smtClean="0"/>
         </a:p>
       </dgm:t>
     </dgm:pt>
@@ -5367,7 +5351,7 @@
         <a:bodyPr/>
         <a:lstStyle/>
         <a:p>
-          <a:endParaRPr lang="zh-Hans" altLang="en-US"/>
+          <a:endParaRPr lang="zh-CHS" altLang="en-US"/>
         </a:p>
       </dgm:t>
     </dgm:pt>
@@ -5378,7 +5362,7 @@
         <a:bodyPr/>
         <a:lstStyle/>
         <a:p>
-          <a:endParaRPr lang="zh-Hans" altLang="en-US"/>
+          <a:endParaRPr lang="zh-CHS" altLang="en-US"/>
         </a:p>
       </dgm:t>
     </dgm:pt>
@@ -5390,18 +5374,14 @@
         <a:lstStyle/>
         <a:p>
           <a:r>
-            <a:rPr lang="en-US" altLang="zh-Hans" dirty="0" smtClean="0"/>
+            <a:rPr lang="en-US" altLang="zh-CHS" dirty="0" smtClean="0"/>
             <a:t>3</a:t>
           </a:r>
           <a:r>
-            <a:rPr lang="zh-Hans" altLang="en-US" dirty="0" smtClean="0"/>
-            <a:t>、</a:t>
+            <a:rPr lang="zh-CHS" altLang="en-US" dirty="0" smtClean="0"/>
+            <a:t>、主要工作</a:t>
           </a:r>
-          <a:r>
-            <a:rPr lang="zh-CN" altLang="en-US" dirty="0" smtClean="0"/>
-            <a:t>主要工作</a:t>
-          </a:r>
-          <a:endParaRPr lang="en-US" altLang="zh-Hans" dirty="0" smtClean="0"/>
+          <a:endParaRPr lang="en-US" altLang="zh-CHS" dirty="0" smtClean="0"/>
         </a:p>
       </dgm:t>
     </dgm:pt>
@@ -5412,7 +5392,7 @@
         <a:bodyPr/>
         <a:lstStyle/>
         <a:p>
-          <a:endParaRPr lang="zh-Hans" altLang="en-US"/>
+          <a:endParaRPr lang="zh-CHS" altLang="en-US"/>
         </a:p>
       </dgm:t>
     </dgm:pt>
@@ -5423,7 +5403,7 @@
         <a:bodyPr/>
         <a:lstStyle/>
         <a:p>
-          <a:endParaRPr lang="zh-Hans" altLang="en-US"/>
+          <a:endParaRPr lang="zh-CHS" altLang="en-US"/>
         </a:p>
       </dgm:t>
     </dgm:pt>
@@ -5435,18 +5415,14 @@
         <a:lstStyle/>
         <a:p>
           <a:r>
-            <a:rPr lang="en-US" altLang="zh-Hans" dirty="0" smtClean="0"/>
+            <a:rPr lang="en-US" altLang="zh-CHS" dirty="0" smtClean="0"/>
             <a:t>4</a:t>
           </a:r>
           <a:r>
-            <a:rPr lang="zh-Hans" altLang="en-US" dirty="0" smtClean="0"/>
-            <a:t>、</a:t>
+            <a:rPr lang="zh-CHS" altLang="en-US" dirty="0" smtClean="0"/>
+            <a:t>、创新点</a:t>
           </a:r>
-          <a:r>
-            <a:rPr lang="zh-CN" altLang="en-US" dirty="0" smtClean="0"/>
-            <a:t>创新点</a:t>
-          </a:r>
-          <a:endParaRPr lang="en-US" altLang="zh-Hans" dirty="0" smtClean="0"/>
+          <a:endParaRPr lang="en-US" altLang="zh-CHS" dirty="0" smtClean="0"/>
         </a:p>
       </dgm:t>
     </dgm:pt>
@@ -5457,7 +5433,7 @@
         <a:bodyPr/>
         <a:lstStyle/>
         <a:p>
-          <a:endParaRPr lang="zh-Hans" altLang="en-US"/>
+          <a:endParaRPr lang="zh-CHS" altLang="en-US"/>
         </a:p>
       </dgm:t>
     </dgm:pt>
@@ -5468,7 +5444,7 @@
         <a:bodyPr/>
         <a:lstStyle/>
         <a:p>
-          <a:endParaRPr lang="zh-Hans" altLang="en-US"/>
+          <a:endParaRPr lang="zh-CHS" altLang="en-US"/>
         </a:p>
       </dgm:t>
     </dgm:pt>
@@ -5484,7 +5460,7 @@
         <a:bodyPr/>
         <a:lstStyle/>
         <a:p>
-          <a:endParaRPr lang="zh-Hans" altLang="en-US"/>
+          <a:endParaRPr lang="zh-CHS" altLang="en-US"/>
         </a:p>
       </dgm:t>
     </dgm:pt>
@@ -5500,7 +5476,7 @@
         <a:bodyPr/>
         <a:lstStyle/>
         <a:p>
-          <a:endParaRPr lang="zh-Hans" altLang="en-US"/>
+          <a:endParaRPr lang="zh-CHS" altLang="en-US"/>
         </a:p>
       </dgm:t>
     </dgm:pt>
@@ -5511,7 +5487,7 @@
         <a:bodyPr/>
         <a:lstStyle/>
         <a:p>
-          <a:endParaRPr lang="zh-Hans" altLang="en-US"/>
+          <a:endParaRPr lang="zh-CHS" altLang="en-US"/>
         </a:p>
       </dgm:t>
     </dgm:pt>
@@ -5527,7 +5503,7 @@
         <a:bodyPr/>
         <a:lstStyle/>
         <a:p>
-          <a:endParaRPr lang="zh-Hans" altLang="en-US"/>
+          <a:endParaRPr lang="zh-CHS" altLang="en-US"/>
         </a:p>
       </dgm:t>
     </dgm:pt>
@@ -5538,7 +5514,7 @@
         <a:bodyPr/>
         <a:lstStyle/>
         <a:p>
-          <a:endParaRPr lang="zh-Hans" altLang="en-US"/>
+          <a:endParaRPr lang="zh-CHS" altLang="en-US"/>
         </a:p>
       </dgm:t>
     </dgm:pt>
@@ -5554,7 +5530,7 @@
         <a:bodyPr/>
         <a:lstStyle/>
         <a:p>
-          <a:endParaRPr lang="zh-Hans" altLang="en-US"/>
+          <a:endParaRPr lang="zh-CHS" altLang="en-US"/>
         </a:p>
       </dgm:t>
     </dgm:pt>
@@ -5565,7 +5541,7 @@
         <a:bodyPr/>
         <a:lstStyle/>
         <a:p>
-          <a:endParaRPr lang="zh-Hans" altLang="en-US"/>
+          <a:endParaRPr lang="zh-CHS" altLang="en-US"/>
         </a:p>
       </dgm:t>
     </dgm:pt>
@@ -5581,7 +5557,7 @@
         <a:bodyPr/>
         <a:lstStyle/>
         <a:p>
-          <a:endParaRPr lang="zh-Hans" altLang="en-US"/>
+          <a:endParaRPr lang="zh-CHS" altLang="en-US"/>
         </a:p>
       </dgm:t>
     </dgm:pt>
@@ -5624,7 +5600,7 @@
         <a:bodyPr/>
         <a:lstStyle/>
         <a:p>
-          <a:endParaRPr lang="zh-Hans" altLang="en-US"/>
+          <a:endParaRPr lang="zh-CHS" altLang="en-US"/>
         </a:p>
       </dgm:t>
     </dgm:pt>
@@ -5640,14 +5616,14 @@
         <a:lstStyle/>
         <a:p>
           <a:r>
-            <a:rPr lang="en-US" altLang="zh-CN" dirty="0" smtClean="0"/>
+            <a:rPr lang="en-US" altLang="zh-CHS" dirty="0" smtClean="0"/>
             <a:t>1</a:t>
           </a:r>
           <a:r>
-            <a:rPr lang="zh-CN" altLang="en-US" dirty="0" smtClean="0"/>
+            <a:rPr lang="zh-CHS" altLang="en-US" dirty="0" smtClean="0"/>
             <a:t>、毕业论文题目</a:t>
           </a:r>
-          <a:endParaRPr lang="en-US" altLang="zh-Hans" dirty="0" smtClean="0"/>
+          <a:endParaRPr lang="en-US" altLang="zh-CHS" dirty="0" smtClean="0"/>
         </a:p>
       </dgm:t>
     </dgm:pt>
@@ -5658,7 +5634,7 @@
         <a:bodyPr/>
         <a:lstStyle/>
         <a:p>
-          <a:endParaRPr lang="zh-Hans" altLang="en-US"/>
+          <a:endParaRPr lang="zh-CHS" altLang="en-US"/>
         </a:p>
       </dgm:t>
     </dgm:pt>
@@ -5669,7 +5645,7 @@
         <a:bodyPr/>
         <a:lstStyle/>
         <a:p>
-          <a:endParaRPr lang="zh-Hans" altLang="en-US"/>
+          <a:endParaRPr lang="zh-CHS" altLang="en-US"/>
         </a:p>
       </dgm:t>
     </dgm:pt>
@@ -5681,14 +5657,14 @@
         <a:lstStyle/>
         <a:p>
           <a:r>
-            <a:rPr lang="en-US" altLang="zh-Hans" dirty="0" smtClean="0"/>
+            <a:rPr lang="en-US" altLang="zh-CHS" dirty="0" smtClean="0"/>
             <a:t>2</a:t>
           </a:r>
           <a:r>
-            <a:rPr lang="zh-CN" altLang="en-US" dirty="0" smtClean="0"/>
+            <a:rPr lang="zh-CHS" altLang="en-US" dirty="0" smtClean="0"/>
             <a:t>、框架结构</a:t>
           </a:r>
-          <a:endParaRPr lang="en-US" altLang="zh-Hans" dirty="0" smtClean="0"/>
+          <a:endParaRPr lang="en-US" altLang="zh-CHS" dirty="0" smtClean="0"/>
         </a:p>
       </dgm:t>
     </dgm:pt>
@@ -5699,7 +5675,7 @@
         <a:bodyPr/>
         <a:lstStyle/>
         <a:p>
-          <a:endParaRPr lang="zh-Hans" altLang="en-US"/>
+          <a:endParaRPr lang="zh-CHS" altLang="en-US"/>
         </a:p>
       </dgm:t>
     </dgm:pt>
@@ -5710,7 +5686,7 @@
         <a:bodyPr/>
         <a:lstStyle/>
         <a:p>
-          <a:endParaRPr lang="zh-Hans" altLang="en-US"/>
+          <a:endParaRPr lang="zh-CHS" altLang="en-US"/>
         </a:p>
       </dgm:t>
     </dgm:pt>
@@ -5726,18 +5702,14 @@
         <a:lstStyle/>
         <a:p>
           <a:r>
-            <a:rPr lang="en-US" altLang="zh-Hans" dirty="0" smtClean="0"/>
+            <a:rPr lang="en-US" altLang="zh-CHS" dirty="0" smtClean="0"/>
             <a:t>3</a:t>
           </a:r>
           <a:r>
-            <a:rPr lang="zh-Hans" altLang="en-US" dirty="0" smtClean="0"/>
-            <a:t>、</a:t>
+            <a:rPr lang="zh-CHS" altLang="en-US" dirty="0" smtClean="0"/>
+            <a:t>、主要工作</a:t>
           </a:r>
-          <a:r>
-            <a:rPr lang="zh-CN" altLang="en-US" dirty="0" smtClean="0"/>
-            <a:t>主要工作</a:t>
-          </a:r>
-          <a:endParaRPr lang="en-US" altLang="zh-Hans" dirty="0" smtClean="0"/>
+          <a:endParaRPr lang="en-US" altLang="zh-CHS" dirty="0" smtClean="0"/>
         </a:p>
       </dgm:t>
     </dgm:pt>
@@ -5748,7 +5720,7 @@
         <a:bodyPr/>
         <a:lstStyle/>
         <a:p>
-          <a:endParaRPr lang="zh-Hans" altLang="en-US"/>
+          <a:endParaRPr lang="zh-CHS" altLang="en-US"/>
         </a:p>
       </dgm:t>
     </dgm:pt>
@@ -5759,7 +5731,7 @@
         <a:bodyPr/>
         <a:lstStyle/>
         <a:p>
-          <a:endParaRPr lang="zh-Hans" altLang="en-US"/>
+          <a:endParaRPr lang="zh-CHS" altLang="en-US"/>
         </a:p>
       </dgm:t>
     </dgm:pt>
@@ -5771,18 +5743,14 @@
         <a:lstStyle/>
         <a:p>
           <a:r>
-            <a:rPr lang="en-US" altLang="zh-Hans" dirty="0" smtClean="0"/>
+            <a:rPr lang="en-US" altLang="zh-CHS" dirty="0" smtClean="0"/>
             <a:t>4</a:t>
           </a:r>
           <a:r>
-            <a:rPr lang="zh-Hans" altLang="en-US" dirty="0" smtClean="0"/>
-            <a:t>、</a:t>
+            <a:rPr lang="zh-CHS" altLang="en-US" dirty="0" smtClean="0"/>
+            <a:t>、创新点</a:t>
           </a:r>
-          <a:r>
-            <a:rPr lang="zh-CN" altLang="en-US" dirty="0" smtClean="0"/>
-            <a:t>创新点</a:t>
-          </a:r>
-          <a:endParaRPr lang="en-US" altLang="zh-Hans" dirty="0" smtClean="0"/>
+          <a:endParaRPr lang="en-US" altLang="zh-CHS" dirty="0" smtClean="0"/>
         </a:p>
       </dgm:t>
     </dgm:pt>
@@ -5793,7 +5761,7 @@
         <a:bodyPr/>
         <a:lstStyle/>
         <a:p>
-          <a:endParaRPr lang="zh-Hans" altLang="en-US"/>
+          <a:endParaRPr lang="zh-CHS" altLang="en-US"/>
         </a:p>
       </dgm:t>
     </dgm:pt>
@@ -5804,7 +5772,7 @@
         <a:bodyPr/>
         <a:lstStyle/>
         <a:p>
-          <a:endParaRPr lang="zh-Hans" altLang="en-US"/>
+          <a:endParaRPr lang="zh-CHS" altLang="en-US"/>
         </a:p>
       </dgm:t>
     </dgm:pt>
@@ -5820,7 +5788,7 @@
         <a:bodyPr/>
         <a:lstStyle/>
         <a:p>
-          <a:endParaRPr lang="zh-Hans" altLang="en-US"/>
+          <a:endParaRPr lang="zh-CHS" altLang="en-US"/>
         </a:p>
       </dgm:t>
     </dgm:pt>
@@ -5836,7 +5804,7 @@
         <a:bodyPr/>
         <a:lstStyle/>
         <a:p>
-          <a:endParaRPr lang="zh-Hans" altLang="en-US"/>
+          <a:endParaRPr lang="zh-CHS" altLang="en-US"/>
         </a:p>
       </dgm:t>
     </dgm:pt>
@@ -5847,7 +5815,7 @@
         <a:bodyPr/>
         <a:lstStyle/>
         <a:p>
-          <a:endParaRPr lang="zh-Hans" altLang="en-US"/>
+          <a:endParaRPr lang="zh-CHS" altLang="en-US"/>
         </a:p>
       </dgm:t>
     </dgm:pt>
@@ -5863,7 +5831,7 @@
         <a:bodyPr/>
         <a:lstStyle/>
         <a:p>
-          <a:endParaRPr lang="zh-Hans" altLang="en-US"/>
+          <a:endParaRPr lang="zh-CHS" altLang="en-US"/>
         </a:p>
       </dgm:t>
     </dgm:pt>
@@ -5874,7 +5842,7 @@
         <a:bodyPr/>
         <a:lstStyle/>
         <a:p>
-          <a:endParaRPr lang="zh-Hans" altLang="en-US"/>
+          <a:endParaRPr lang="zh-CHS" altLang="en-US"/>
         </a:p>
       </dgm:t>
     </dgm:pt>
@@ -5890,7 +5858,7 @@
         <a:bodyPr/>
         <a:lstStyle/>
         <a:p>
-          <a:endParaRPr lang="zh-Hans" altLang="en-US"/>
+          <a:endParaRPr lang="zh-CHS" altLang="en-US"/>
         </a:p>
       </dgm:t>
     </dgm:pt>
@@ -5901,7 +5869,7 @@
         <a:bodyPr/>
         <a:lstStyle/>
         <a:p>
-          <a:endParaRPr lang="zh-Hans" altLang="en-US"/>
+          <a:endParaRPr lang="zh-CHS" altLang="en-US"/>
         </a:p>
       </dgm:t>
     </dgm:pt>
@@ -5917,7 +5885,7 @@
         <a:bodyPr/>
         <a:lstStyle/>
         <a:p>
-          <a:endParaRPr lang="zh-Hans" altLang="en-US"/>
+          <a:endParaRPr lang="zh-CHS" altLang="en-US"/>
         </a:p>
       </dgm:t>
     </dgm:pt>
@@ -5965,10 +5933,10 @@
         <a:lstStyle/>
         <a:p>
           <a:r>
-            <a:rPr lang="zh-CN" altLang="en-US" dirty="0" smtClean="0"/>
+            <a:rPr lang="zh-CHS" altLang="en-US" dirty="0" smtClean="0"/>
             <a:t>设计流程挖掘算法</a:t>
           </a:r>
-          <a:endParaRPr lang="zh-CN" altLang="en-US" dirty="0"/>
+          <a:endParaRPr lang="zh-CHS" altLang="en-US" dirty="0"/>
         </a:p>
       </dgm:t>
     </dgm:pt>
@@ -5979,7 +5947,7 @@
         <a:bodyPr/>
         <a:lstStyle/>
         <a:p>
-          <a:endParaRPr lang="zh-CN" altLang="en-US"/>
+          <a:endParaRPr lang="zh-CHS" altLang="en-US"/>
         </a:p>
       </dgm:t>
     </dgm:pt>
@@ -5990,7 +5958,7 @@
         <a:bodyPr/>
         <a:lstStyle/>
         <a:p>
-          <a:endParaRPr lang="zh-CN" altLang="en-US"/>
+          <a:endParaRPr lang="zh-CHS" altLang="en-US"/>
         </a:p>
       </dgm:t>
     </dgm:pt>
@@ -6002,10 +5970,10 @@
         <a:lstStyle/>
         <a:p>
           <a:r>
-            <a:rPr lang="zh-CN" altLang="en-US" dirty="0" smtClean="0"/>
+            <a:rPr lang="zh-CHS" altLang="en-US" dirty="0" smtClean="0"/>
             <a:t>改进流程评估框架</a:t>
           </a:r>
-          <a:endParaRPr lang="zh-CN" altLang="en-US" dirty="0"/>
+          <a:endParaRPr lang="zh-CHS" altLang="en-US" dirty="0"/>
         </a:p>
       </dgm:t>
     </dgm:pt>
@@ -6016,7 +5984,7 @@
         <a:bodyPr/>
         <a:lstStyle/>
         <a:p>
-          <a:endParaRPr lang="zh-CN" altLang="en-US"/>
+          <a:endParaRPr lang="zh-CHS" altLang="en-US"/>
         </a:p>
       </dgm:t>
     </dgm:pt>
@@ -6027,7 +5995,7 @@
         <a:bodyPr/>
         <a:lstStyle/>
         <a:p>
-          <a:endParaRPr lang="zh-CN" altLang="en-US"/>
+          <a:endParaRPr lang="zh-CHS" altLang="en-US"/>
         </a:p>
       </dgm:t>
     </dgm:pt>
@@ -6039,10 +6007,10 @@
         <a:lstStyle/>
         <a:p>
           <a:r>
-            <a:rPr lang="zh-CN" altLang="en-US" dirty="0" smtClean="0"/>
+            <a:rPr lang="zh-CHS" altLang="en-US" dirty="0" smtClean="0"/>
             <a:t>主要工作</a:t>
           </a:r>
-          <a:endParaRPr lang="zh-CN" altLang="en-US" dirty="0"/>
+          <a:endParaRPr lang="zh-CHS" altLang="en-US" dirty="0"/>
         </a:p>
       </dgm:t>
     </dgm:pt>
@@ -6053,7 +6021,7 @@
         <a:bodyPr/>
         <a:lstStyle/>
         <a:p>
-          <a:endParaRPr lang="zh-CN" altLang="en-US"/>
+          <a:endParaRPr lang="zh-CHS" altLang="en-US"/>
         </a:p>
       </dgm:t>
     </dgm:pt>
@@ -6064,7 +6032,7 @@
         <a:bodyPr/>
         <a:lstStyle/>
         <a:p>
-          <a:endParaRPr lang="zh-CN" altLang="en-US"/>
+          <a:endParaRPr lang="zh-CHS" altLang="en-US"/>
         </a:p>
       </dgm:t>
     </dgm:pt>
@@ -6092,7 +6060,7 @@
         <a:bodyPr/>
         <a:lstStyle/>
         <a:p>
-          <a:endParaRPr lang="zh-CN" altLang="en-US"/>
+          <a:endParaRPr lang="zh-CHS" altLang="en-US"/>
         </a:p>
       </dgm:t>
     </dgm:pt>
@@ -6107,7 +6075,7 @@
         <a:bodyPr/>
         <a:lstStyle/>
         <a:p>
-          <a:endParaRPr lang="zh-CN" altLang="en-US"/>
+          <a:endParaRPr lang="zh-CHS" altLang="en-US"/>
         </a:p>
       </dgm:t>
     </dgm:pt>
@@ -6126,7 +6094,7 @@
         <a:bodyPr/>
         <a:lstStyle/>
         <a:p>
-          <a:endParaRPr lang="zh-CN" altLang="en-US"/>
+          <a:endParaRPr lang="zh-CHS" altLang="en-US"/>
         </a:p>
       </dgm:t>
     </dgm:pt>
@@ -6137,7 +6105,7 @@
         <a:bodyPr/>
         <a:lstStyle/>
         <a:p>
-          <a:endParaRPr lang="zh-CN" altLang="en-US"/>
+          <a:endParaRPr lang="zh-CHS" altLang="en-US"/>
         </a:p>
       </dgm:t>
     </dgm:pt>
@@ -6148,7 +6116,7 @@
         <a:bodyPr/>
         <a:lstStyle/>
         <a:p>
-          <a:endParaRPr lang="zh-CN" altLang="en-US"/>
+          <a:endParaRPr lang="zh-CHS" altLang="en-US"/>
         </a:p>
       </dgm:t>
     </dgm:pt>
@@ -6163,7 +6131,7 @@
         <a:bodyPr/>
         <a:lstStyle/>
         <a:p>
-          <a:endParaRPr lang="zh-CN" altLang="en-US"/>
+          <a:endParaRPr lang="zh-CHS" altLang="en-US"/>
         </a:p>
       </dgm:t>
     </dgm:pt>
@@ -6209,7 +6177,7 @@
         <a:bodyPr/>
         <a:lstStyle/>
         <a:p>
-          <a:endParaRPr lang="zh-Hans" altLang="en-US"/>
+          <a:endParaRPr lang="zh-CHS" altLang="en-US"/>
         </a:p>
       </dgm:t>
     </dgm:pt>
@@ -6225,14 +6193,14 @@
         <a:lstStyle/>
         <a:p>
           <a:r>
-            <a:rPr lang="en-US" altLang="zh-CN" dirty="0" smtClean="0"/>
+            <a:rPr lang="en-US" altLang="zh-CHS" dirty="0" smtClean="0"/>
             <a:t>1</a:t>
           </a:r>
           <a:r>
-            <a:rPr lang="zh-CN" altLang="en-US" dirty="0" smtClean="0"/>
+            <a:rPr lang="zh-CHS" altLang="en-US" dirty="0" smtClean="0"/>
             <a:t>、毕业论文题目</a:t>
           </a:r>
-          <a:endParaRPr lang="en-US" altLang="zh-Hans" dirty="0" smtClean="0"/>
+          <a:endParaRPr lang="en-US" altLang="zh-CHS" dirty="0" smtClean="0"/>
         </a:p>
       </dgm:t>
     </dgm:pt>
@@ -6243,7 +6211,7 @@
         <a:bodyPr/>
         <a:lstStyle/>
         <a:p>
-          <a:endParaRPr lang="zh-Hans" altLang="en-US"/>
+          <a:endParaRPr lang="zh-CHS" altLang="en-US"/>
         </a:p>
       </dgm:t>
     </dgm:pt>
@@ -6254,7 +6222,7 @@
         <a:bodyPr/>
         <a:lstStyle/>
         <a:p>
-          <a:endParaRPr lang="zh-Hans" altLang="en-US"/>
+          <a:endParaRPr lang="zh-CHS" altLang="en-US"/>
         </a:p>
       </dgm:t>
     </dgm:pt>
@@ -6266,14 +6234,14 @@
         <a:lstStyle/>
         <a:p>
           <a:r>
-            <a:rPr lang="en-US" altLang="zh-Hans" dirty="0" smtClean="0"/>
+            <a:rPr lang="en-US" altLang="zh-CHS" dirty="0" smtClean="0"/>
             <a:t>2</a:t>
           </a:r>
           <a:r>
-            <a:rPr lang="zh-CN" altLang="en-US" dirty="0" smtClean="0"/>
+            <a:rPr lang="zh-CHS" altLang="en-US" dirty="0" smtClean="0"/>
             <a:t>、框架结构</a:t>
           </a:r>
-          <a:endParaRPr lang="en-US" altLang="zh-Hans" dirty="0" smtClean="0"/>
+          <a:endParaRPr lang="en-US" altLang="zh-CHS" dirty="0" smtClean="0"/>
         </a:p>
       </dgm:t>
     </dgm:pt>
@@ -6284,7 +6252,7 @@
         <a:bodyPr/>
         <a:lstStyle/>
         <a:p>
-          <a:endParaRPr lang="zh-Hans" altLang="en-US"/>
+          <a:endParaRPr lang="zh-CHS" altLang="en-US"/>
         </a:p>
       </dgm:t>
     </dgm:pt>
@@ -6295,7 +6263,7 @@
         <a:bodyPr/>
         <a:lstStyle/>
         <a:p>
-          <a:endParaRPr lang="zh-Hans" altLang="en-US"/>
+          <a:endParaRPr lang="zh-CHS" altLang="en-US"/>
         </a:p>
       </dgm:t>
     </dgm:pt>
@@ -6307,18 +6275,14 @@
         <a:lstStyle/>
         <a:p>
           <a:r>
-            <a:rPr lang="en-US" altLang="zh-Hans" dirty="0" smtClean="0"/>
+            <a:rPr lang="en-US" altLang="zh-CHS" dirty="0" smtClean="0"/>
             <a:t>3</a:t>
           </a:r>
           <a:r>
-            <a:rPr lang="zh-Hans" altLang="en-US" dirty="0" smtClean="0"/>
-            <a:t>、</a:t>
+            <a:rPr lang="zh-CHS" altLang="en-US" dirty="0" smtClean="0"/>
+            <a:t>、主要工作</a:t>
           </a:r>
-          <a:r>
-            <a:rPr lang="zh-CN" altLang="en-US" dirty="0" smtClean="0"/>
-            <a:t>主要工作</a:t>
-          </a:r>
-          <a:endParaRPr lang="en-US" altLang="zh-Hans" dirty="0" smtClean="0"/>
+          <a:endParaRPr lang="en-US" altLang="zh-CHS" dirty="0" smtClean="0"/>
         </a:p>
       </dgm:t>
     </dgm:pt>
@@ -6329,7 +6293,7 @@
         <a:bodyPr/>
         <a:lstStyle/>
         <a:p>
-          <a:endParaRPr lang="zh-Hans" altLang="en-US"/>
+          <a:endParaRPr lang="zh-CHS" altLang="en-US"/>
         </a:p>
       </dgm:t>
     </dgm:pt>
@@ -6340,7 +6304,7 @@
         <a:bodyPr/>
         <a:lstStyle/>
         <a:p>
-          <a:endParaRPr lang="zh-Hans" altLang="en-US"/>
+          <a:endParaRPr lang="zh-CHS" altLang="en-US"/>
         </a:p>
       </dgm:t>
     </dgm:pt>
@@ -6356,18 +6320,14 @@
         <a:lstStyle/>
         <a:p>
           <a:r>
-            <a:rPr lang="en-US" altLang="zh-Hans" dirty="0" smtClean="0"/>
+            <a:rPr lang="en-US" altLang="zh-CHS" dirty="0" smtClean="0"/>
             <a:t>4</a:t>
           </a:r>
           <a:r>
-            <a:rPr lang="zh-Hans" altLang="en-US" dirty="0" smtClean="0"/>
-            <a:t>、</a:t>
+            <a:rPr lang="zh-CHS" altLang="en-US" dirty="0" smtClean="0"/>
+            <a:t>、创新点</a:t>
           </a:r>
-          <a:r>
-            <a:rPr lang="zh-CN" altLang="en-US" dirty="0" smtClean="0"/>
-            <a:t>创新点</a:t>
-          </a:r>
-          <a:endParaRPr lang="en-US" altLang="zh-Hans" dirty="0" smtClean="0"/>
+          <a:endParaRPr lang="en-US" altLang="zh-CHS" dirty="0" smtClean="0"/>
         </a:p>
       </dgm:t>
     </dgm:pt>
@@ -6378,7 +6338,7 @@
         <a:bodyPr/>
         <a:lstStyle/>
         <a:p>
-          <a:endParaRPr lang="zh-Hans" altLang="en-US"/>
+          <a:endParaRPr lang="zh-CHS" altLang="en-US"/>
         </a:p>
       </dgm:t>
     </dgm:pt>
@@ -6389,7 +6349,7 @@
         <a:bodyPr/>
         <a:lstStyle/>
         <a:p>
-          <a:endParaRPr lang="zh-Hans" altLang="en-US"/>
+          <a:endParaRPr lang="zh-CHS" altLang="en-US"/>
         </a:p>
       </dgm:t>
     </dgm:pt>
@@ -6405,7 +6365,7 @@
         <a:bodyPr/>
         <a:lstStyle/>
         <a:p>
-          <a:endParaRPr lang="zh-Hans" altLang="en-US"/>
+          <a:endParaRPr lang="zh-CHS" altLang="en-US"/>
         </a:p>
       </dgm:t>
     </dgm:pt>
@@ -6421,7 +6381,7 @@
         <a:bodyPr/>
         <a:lstStyle/>
         <a:p>
-          <a:endParaRPr lang="zh-Hans" altLang="en-US"/>
+          <a:endParaRPr lang="zh-CHS" altLang="en-US"/>
         </a:p>
       </dgm:t>
     </dgm:pt>
@@ -6432,7 +6392,7 @@
         <a:bodyPr/>
         <a:lstStyle/>
         <a:p>
-          <a:endParaRPr lang="zh-Hans" altLang="en-US"/>
+          <a:endParaRPr lang="zh-CHS" altLang="en-US"/>
         </a:p>
       </dgm:t>
     </dgm:pt>
@@ -6448,7 +6408,7 @@
         <a:bodyPr/>
         <a:lstStyle/>
         <a:p>
-          <a:endParaRPr lang="zh-Hans" altLang="en-US"/>
+          <a:endParaRPr lang="zh-CHS" altLang="en-US"/>
         </a:p>
       </dgm:t>
     </dgm:pt>
@@ -6459,7 +6419,7 @@
         <a:bodyPr/>
         <a:lstStyle/>
         <a:p>
-          <a:endParaRPr lang="zh-Hans" altLang="en-US"/>
+          <a:endParaRPr lang="zh-CHS" altLang="en-US"/>
         </a:p>
       </dgm:t>
     </dgm:pt>
@@ -6475,7 +6435,7 @@
         <a:bodyPr/>
         <a:lstStyle/>
         <a:p>
-          <a:endParaRPr lang="zh-Hans" altLang="en-US"/>
+          <a:endParaRPr lang="zh-CHS" altLang="en-US"/>
         </a:p>
       </dgm:t>
     </dgm:pt>
@@ -6486,7 +6446,7 @@
         <a:bodyPr/>
         <a:lstStyle/>
         <a:p>
-          <a:endParaRPr lang="zh-Hans" altLang="en-US"/>
+          <a:endParaRPr lang="zh-CHS" altLang="en-US"/>
         </a:p>
       </dgm:t>
     </dgm:pt>
@@ -6502,7 +6462,7 @@
         <a:bodyPr/>
         <a:lstStyle/>
         <a:p>
-          <a:endParaRPr lang="zh-Hans" altLang="en-US"/>
+          <a:endParaRPr lang="zh-CHS" altLang="en-US"/>
         </a:p>
       </dgm:t>
     </dgm:pt>
@@ -6550,8 +6510,8 @@
       </dsp:nvSpPr>
       <dsp:spPr>
         <a:xfrm>
-          <a:off x="0" y="50594"/>
-          <a:ext cx="5348804" cy="899360"/>
+          <a:off x="0" y="21595"/>
+          <a:ext cx="5348804" cy="900899"/>
         </a:xfrm>
         <a:prstGeom prst="roundRect">
           <a:avLst/>
@@ -6592,12 +6552,12 @@
         </a:fontRef>
       </dsp:style>
       <dsp:txBody>
-        <a:bodyPr spcFirstLastPara="0" vert="horz" wrap="square" lIns="110490" tIns="110490" rIns="110490" bIns="110490" numCol="1" spcCol="1270" anchor="ctr" anchorCtr="0">
+        <a:bodyPr spcFirstLastPara="0" vert="horz" wrap="square" lIns="133350" tIns="133350" rIns="133350" bIns="133350" numCol="1" spcCol="1270" anchor="ctr" anchorCtr="0">
           <a:noAutofit/>
         </a:bodyPr>
         <a:lstStyle/>
         <a:p>
-          <a:pPr lvl="0" algn="l" defTabSz="1289050">
+          <a:pPr lvl="0" algn="l" defTabSz="1555750">
             <a:lnSpc>
               <a:spcPct val="90000"/>
             </a:lnSpc>
@@ -6609,19 +6569,19 @@
             </a:spcAft>
           </a:pPr>
           <a:r>
-            <a:rPr lang="en-US" altLang="zh-CN" sz="2900" kern="1200" dirty="0" smtClean="0"/>
+            <a:rPr lang="en-US" altLang="zh-CHS" sz="3500" kern="1200" dirty="0" smtClean="0"/>
             <a:t>1</a:t>
           </a:r>
           <a:r>
-            <a:rPr lang="zh-CN" altLang="en-US" sz="2900" kern="1200" dirty="0" smtClean="0"/>
+            <a:rPr lang="zh-CHS" altLang="en-US" sz="3500" kern="1200" dirty="0" smtClean="0"/>
             <a:t>、毕业论文题目</a:t>
           </a:r>
-          <a:endParaRPr lang="en-US" altLang="zh-Hans" sz="2900" kern="1200" dirty="0" smtClean="0"/>
+          <a:endParaRPr lang="en-US" altLang="zh-CHS" sz="3500" kern="1200" dirty="0" smtClean="0"/>
         </a:p>
       </dsp:txBody>
       <dsp:txXfrm>
-        <a:off x="43903" y="94497"/>
-        <a:ext cx="5260998" cy="811554"/>
+        <a:off x="43978" y="65573"/>
+        <a:ext cx="5260848" cy="812943"/>
       </dsp:txXfrm>
     </dsp:sp>
     <dsp:sp modelId="{ADEBA1E4-ED54-4608-9737-5D52C9B5EE72}">
@@ -6631,8 +6591,8 @@
       </dsp:nvSpPr>
       <dsp:spPr>
         <a:xfrm>
-          <a:off x="0" y="1033475"/>
-          <a:ext cx="5348804" cy="899360"/>
+          <a:off x="0" y="1023295"/>
+          <a:ext cx="5348804" cy="900899"/>
         </a:xfrm>
         <a:prstGeom prst="roundRect">
           <a:avLst/>
@@ -6673,12 +6633,12 @@
         </a:fontRef>
       </dsp:style>
       <dsp:txBody>
-        <a:bodyPr spcFirstLastPara="0" vert="horz" wrap="square" lIns="110490" tIns="110490" rIns="110490" bIns="110490" numCol="1" spcCol="1270" anchor="ctr" anchorCtr="0">
+        <a:bodyPr spcFirstLastPara="0" vert="horz" wrap="square" lIns="133350" tIns="133350" rIns="133350" bIns="133350" numCol="1" spcCol="1270" anchor="ctr" anchorCtr="0">
           <a:noAutofit/>
         </a:bodyPr>
         <a:lstStyle/>
         <a:p>
-          <a:pPr lvl="0" algn="l" defTabSz="1289050">
+          <a:pPr lvl="0" algn="l" defTabSz="1555750">
             <a:lnSpc>
               <a:spcPct val="90000"/>
             </a:lnSpc>
@@ -6690,19 +6650,19 @@
             </a:spcAft>
           </a:pPr>
           <a:r>
-            <a:rPr lang="en-US" altLang="zh-Hans" sz="2900" kern="1200" dirty="0" smtClean="0"/>
+            <a:rPr lang="en-US" altLang="zh-CHS" sz="3500" kern="1200" dirty="0" smtClean="0"/>
             <a:t>2</a:t>
           </a:r>
           <a:r>
-            <a:rPr lang="zh-CN" altLang="en-US" sz="2900" kern="1200" dirty="0" smtClean="0"/>
+            <a:rPr lang="zh-CHS" altLang="en-US" sz="3500" kern="1200" dirty="0" smtClean="0"/>
             <a:t>、框架结构</a:t>
           </a:r>
-          <a:endParaRPr lang="en-US" altLang="zh-Hans" sz="2900" kern="1200" dirty="0" smtClean="0"/>
+          <a:endParaRPr lang="en-US" altLang="zh-CHS" sz="3500" kern="1200" dirty="0" smtClean="0"/>
         </a:p>
       </dsp:txBody>
       <dsp:txXfrm>
-        <a:off x="43903" y="1077378"/>
-        <a:ext cx="5260998" cy="811554"/>
+        <a:off x="43978" y="1067273"/>
+        <a:ext cx="5260848" cy="812943"/>
       </dsp:txXfrm>
     </dsp:sp>
     <dsp:sp modelId="{E0E6F4E1-B250-4D12-B616-2EE21F8977E7}">
@@ -6712,8 +6672,8 @@
       </dsp:nvSpPr>
       <dsp:spPr>
         <a:xfrm>
-          <a:off x="0" y="2016355"/>
-          <a:ext cx="5348804" cy="899360"/>
+          <a:off x="0" y="2024995"/>
+          <a:ext cx="5348804" cy="900899"/>
         </a:xfrm>
         <a:prstGeom prst="roundRect">
           <a:avLst/>
@@ -6754,12 +6714,12 @@
         </a:fontRef>
       </dsp:style>
       <dsp:txBody>
-        <a:bodyPr spcFirstLastPara="0" vert="horz" wrap="square" lIns="110490" tIns="110490" rIns="110490" bIns="110490" numCol="1" spcCol="1270" anchor="ctr" anchorCtr="0">
+        <a:bodyPr spcFirstLastPara="0" vert="horz" wrap="square" lIns="133350" tIns="133350" rIns="133350" bIns="133350" numCol="1" spcCol="1270" anchor="ctr" anchorCtr="0">
           <a:noAutofit/>
         </a:bodyPr>
         <a:lstStyle/>
         <a:p>
-          <a:pPr lvl="0" algn="l" defTabSz="1289050">
+          <a:pPr lvl="0" algn="l" defTabSz="1555750">
             <a:lnSpc>
               <a:spcPct val="90000"/>
             </a:lnSpc>
@@ -6771,23 +6731,19 @@
             </a:spcAft>
           </a:pPr>
           <a:r>
-            <a:rPr lang="en-US" altLang="zh-Hans" sz="2900" kern="1200" dirty="0" smtClean="0"/>
+            <a:rPr lang="en-US" altLang="zh-CHS" sz="3500" kern="1200" dirty="0" smtClean="0"/>
             <a:t>3</a:t>
           </a:r>
           <a:r>
-            <a:rPr lang="zh-Hans" altLang="en-US" sz="2900" kern="1200" dirty="0" smtClean="0"/>
-            <a:t>、</a:t>
+            <a:rPr lang="zh-CHS" altLang="en-US" sz="3500" kern="1200" dirty="0" smtClean="0"/>
+            <a:t>、主要工作</a:t>
           </a:r>
-          <a:r>
-            <a:rPr lang="zh-CN" altLang="en-US" sz="2900" kern="1200" dirty="0" smtClean="0"/>
-            <a:t>主要工作</a:t>
-          </a:r>
-          <a:endParaRPr lang="en-US" altLang="zh-Hans" sz="2900" kern="1200" dirty="0" smtClean="0"/>
+          <a:endParaRPr lang="en-US" altLang="zh-CHS" sz="3500" kern="1200" dirty="0" smtClean="0"/>
         </a:p>
       </dsp:txBody>
       <dsp:txXfrm>
-        <a:off x="43903" y="2060258"/>
-        <a:ext cx="5260998" cy="811554"/>
+        <a:off x="43978" y="2068973"/>
+        <a:ext cx="5260848" cy="812943"/>
       </dsp:txXfrm>
     </dsp:sp>
     <dsp:sp modelId="{888B1B9D-411D-4964-87FC-D65512886639}">
@@ -6797,8 +6753,8 @@
       </dsp:nvSpPr>
       <dsp:spPr>
         <a:xfrm>
-          <a:off x="0" y="2999235"/>
-          <a:ext cx="5348804" cy="899360"/>
+          <a:off x="0" y="3026695"/>
+          <a:ext cx="5348804" cy="900899"/>
         </a:xfrm>
         <a:prstGeom prst="roundRect">
           <a:avLst/>
@@ -6839,12 +6795,12 @@
         </a:fontRef>
       </dsp:style>
       <dsp:txBody>
-        <a:bodyPr spcFirstLastPara="0" vert="horz" wrap="square" lIns="110490" tIns="110490" rIns="110490" bIns="110490" numCol="1" spcCol="1270" anchor="ctr" anchorCtr="0">
+        <a:bodyPr spcFirstLastPara="0" vert="horz" wrap="square" lIns="133350" tIns="133350" rIns="133350" bIns="133350" numCol="1" spcCol="1270" anchor="ctr" anchorCtr="0">
           <a:noAutofit/>
         </a:bodyPr>
         <a:lstStyle/>
         <a:p>
-          <a:pPr lvl="0" algn="l" defTabSz="1289050">
+          <a:pPr lvl="0" algn="l" defTabSz="1555750">
             <a:lnSpc>
               <a:spcPct val="90000"/>
             </a:lnSpc>
@@ -6856,23 +6812,19 @@
             </a:spcAft>
           </a:pPr>
           <a:r>
-            <a:rPr lang="en-US" altLang="zh-Hans" sz="2900" kern="1200" dirty="0" smtClean="0"/>
+            <a:rPr lang="en-US" altLang="zh-CHS" sz="3500" kern="1200" dirty="0" smtClean="0"/>
             <a:t>4</a:t>
           </a:r>
           <a:r>
-            <a:rPr lang="zh-Hans" altLang="en-US" sz="2900" kern="1200" dirty="0" smtClean="0"/>
-            <a:t>、</a:t>
+            <a:rPr lang="zh-CHS" altLang="en-US" sz="3500" kern="1200" dirty="0" smtClean="0"/>
+            <a:t>、创新点</a:t>
           </a:r>
-          <a:r>
-            <a:rPr lang="zh-CN" altLang="en-US" sz="2900" kern="1200" dirty="0" smtClean="0"/>
-            <a:t>创新点</a:t>
-          </a:r>
-          <a:endParaRPr lang="en-US" altLang="zh-Hans" sz="2900" kern="1200" dirty="0" smtClean="0"/>
+          <a:endParaRPr lang="en-US" altLang="zh-CHS" sz="3500" kern="1200" dirty="0" smtClean="0"/>
         </a:p>
       </dsp:txBody>
       <dsp:txXfrm>
-        <a:off x="43903" y="3043138"/>
-        <a:ext cx="5260998" cy="811554"/>
+        <a:off x="43978" y="3070673"/>
+        <a:ext cx="5260848" cy="812943"/>
       </dsp:txXfrm>
     </dsp:sp>
   </dsp:spTree>
@@ -6894,8 +6846,8 @@
       </dsp:nvSpPr>
       <dsp:spPr>
         <a:xfrm>
-          <a:off x="0" y="50594"/>
-          <a:ext cx="5348804" cy="899360"/>
+          <a:off x="0" y="21595"/>
+          <a:ext cx="5348804" cy="900899"/>
         </a:xfrm>
         <a:prstGeom prst="roundRect">
           <a:avLst/>
@@ -6931,12 +6883,12 @@
         </a:fontRef>
       </dsp:style>
       <dsp:txBody>
-        <a:bodyPr spcFirstLastPara="0" vert="horz" wrap="square" lIns="110490" tIns="110490" rIns="110490" bIns="110490" numCol="1" spcCol="1270" anchor="ctr" anchorCtr="0">
+        <a:bodyPr spcFirstLastPara="0" vert="horz" wrap="square" lIns="133350" tIns="133350" rIns="133350" bIns="133350" numCol="1" spcCol="1270" anchor="ctr" anchorCtr="0">
           <a:noAutofit/>
         </a:bodyPr>
         <a:lstStyle/>
         <a:p>
-          <a:pPr lvl="0" algn="l" defTabSz="1289050">
+          <a:pPr lvl="0" algn="l" defTabSz="1555750">
             <a:lnSpc>
               <a:spcPct val="90000"/>
             </a:lnSpc>
@@ -6948,19 +6900,19 @@
             </a:spcAft>
           </a:pPr>
           <a:r>
-            <a:rPr lang="en-US" altLang="zh-CN" sz="2900" kern="1200" dirty="0" smtClean="0"/>
+            <a:rPr lang="en-US" altLang="zh-CHS" sz="3500" kern="1200" dirty="0" smtClean="0"/>
             <a:t>1</a:t>
           </a:r>
           <a:r>
-            <a:rPr lang="zh-CN" altLang="en-US" sz="2900" kern="1200" dirty="0" smtClean="0"/>
+            <a:rPr lang="zh-CHS" altLang="en-US" sz="3500" kern="1200" dirty="0" smtClean="0"/>
             <a:t>、毕业论文题目</a:t>
           </a:r>
-          <a:endParaRPr lang="en-US" altLang="zh-Hans" sz="2900" kern="1200" dirty="0" smtClean="0"/>
+          <a:endParaRPr lang="en-US" altLang="zh-CHS" sz="3500" kern="1200" dirty="0" smtClean="0"/>
         </a:p>
       </dsp:txBody>
       <dsp:txXfrm>
-        <a:off x="43903" y="94497"/>
-        <a:ext cx="5260998" cy="811554"/>
+        <a:off x="43978" y="65573"/>
+        <a:ext cx="5260848" cy="812943"/>
       </dsp:txXfrm>
     </dsp:sp>
     <dsp:sp modelId="{ADEBA1E4-ED54-4608-9737-5D52C9B5EE72}">
@@ -6970,8 +6922,8 @@
       </dsp:nvSpPr>
       <dsp:spPr>
         <a:xfrm>
-          <a:off x="0" y="1033475"/>
-          <a:ext cx="5348804" cy="899360"/>
+          <a:off x="0" y="1023295"/>
+          <a:ext cx="5348804" cy="900899"/>
         </a:xfrm>
         <a:prstGeom prst="roundRect">
           <a:avLst/>
@@ -7012,12 +6964,12 @@
         </a:fontRef>
       </dsp:style>
       <dsp:txBody>
-        <a:bodyPr spcFirstLastPara="0" vert="horz" wrap="square" lIns="110490" tIns="110490" rIns="110490" bIns="110490" numCol="1" spcCol="1270" anchor="ctr" anchorCtr="0">
+        <a:bodyPr spcFirstLastPara="0" vert="horz" wrap="square" lIns="133350" tIns="133350" rIns="133350" bIns="133350" numCol="1" spcCol="1270" anchor="ctr" anchorCtr="0">
           <a:noAutofit/>
         </a:bodyPr>
         <a:lstStyle/>
         <a:p>
-          <a:pPr lvl="0" algn="l" defTabSz="1289050">
+          <a:pPr lvl="0" algn="l" defTabSz="1555750">
             <a:lnSpc>
               <a:spcPct val="90000"/>
             </a:lnSpc>
@@ -7029,19 +6981,19 @@
             </a:spcAft>
           </a:pPr>
           <a:r>
-            <a:rPr lang="en-US" altLang="zh-Hans" sz="2900" kern="1200" dirty="0" smtClean="0"/>
+            <a:rPr lang="en-US" altLang="zh-CHS" sz="3500" kern="1200" dirty="0" smtClean="0"/>
             <a:t>2</a:t>
           </a:r>
           <a:r>
-            <a:rPr lang="zh-CN" altLang="en-US" sz="2900" kern="1200" dirty="0" smtClean="0"/>
+            <a:rPr lang="zh-CHS" altLang="en-US" sz="3500" kern="1200" dirty="0" smtClean="0"/>
             <a:t>、框架结构</a:t>
           </a:r>
-          <a:endParaRPr lang="en-US" altLang="zh-Hans" sz="2900" kern="1200" dirty="0" smtClean="0"/>
+          <a:endParaRPr lang="en-US" altLang="zh-CHS" sz="3500" kern="1200" dirty="0" smtClean="0"/>
         </a:p>
       </dsp:txBody>
       <dsp:txXfrm>
-        <a:off x="43903" y="1077378"/>
-        <a:ext cx="5260998" cy="811554"/>
+        <a:off x="43978" y="1067273"/>
+        <a:ext cx="5260848" cy="812943"/>
       </dsp:txXfrm>
     </dsp:sp>
     <dsp:sp modelId="{E0E6F4E1-B250-4D12-B616-2EE21F8977E7}">
@@ -7051,8 +7003,8 @@
       </dsp:nvSpPr>
       <dsp:spPr>
         <a:xfrm>
-          <a:off x="0" y="2016355"/>
-          <a:ext cx="5348804" cy="899360"/>
+          <a:off x="0" y="2024995"/>
+          <a:ext cx="5348804" cy="900899"/>
         </a:xfrm>
         <a:prstGeom prst="roundRect">
           <a:avLst/>
@@ -7093,12 +7045,12 @@
         </a:fontRef>
       </dsp:style>
       <dsp:txBody>
-        <a:bodyPr spcFirstLastPara="0" vert="horz" wrap="square" lIns="110490" tIns="110490" rIns="110490" bIns="110490" numCol="1" spcCol="1270" anchor="ctr" anchorCtr="0">
+        <a:bodyPr spcFirstLastPara="0" vert="horz" wrap="square" lIns="133350" tIns="133350" rIns="133350" bIns="133350" numCol="1" spcCol="1270" anchor="ctr" anchorCtr="0">
           <a:noAutofit/>
         </a:bodyPr>
         <a:lstStyle/>
         <a:p>
-          <a:pPr lvl="0" algn="l" defTabSz="1289050">
+          <a:pPr lvl="0" algn="l" defTabSz="1555750">
             <a:lnSpc>
               <a:spcPct val="90000"/>
             </a:lnSpc>
@@ -7110,23 +7062,19 @@
             </a:spcAft>
           </a:pPr>
           <a:r>
-            <a:rPr lang="en-US" altLang="zh-Hans" sz="2900" kern="1200" dirty="0" smtClean="0"/>
+            <a:rPr lang="en-US" altLang="zh-CHS" sz="3500" kern="1200" dirty="0" smtClean="0"/>
             <a:t>3</a:t>
           </a:r>
           <a:r>
-            <a:rPr lang="zh-Hans" altLang="en-US" sz="2900" kern="1200" dirty="0" smtClean="0"/>
-            <a:t>、</a:t>
+            <a:rPr lang="zh-CHS" altLang="en-US" sz="3500" kern="1200" dirty="0" smtClean="0"/>
+            <a:t>、主要工作</a:t>
           </a:r>
-          <a:r>
-            <a:rPr lang="zh-CN" altLang="en-US" sz="2900" kern="1200" dirty="0" smtClean="0"/>
-            <a:t>主要工作</a:t>
-          </a:r>
-          <a:endParaRPr lang="en-US" altLang="zh-Hans" sz="2900" kern="1200" dirty="0" smtClean="0"/>
+          <a:endParaRPr lang="en-US" altLang="zh-CHS" sz="3500" kern="1200" dirty="0" smtClean="0"/>
         </a:p>
       </dsp:txBody>
       <dsp:txXfrm>
-        <a:off x="43903" y="2060258"/>
-        <a:ext cx="5260998" cy="811554"/>
+        <a:off x="43978" y="2068973"/>
+        <a:ext cx="5260848" cy="812943"/>
       </dsp:txXfrm>
     </dsp:sp>
     <dsp:sp modelId="{888B1B9D-411D-4964-87FC-D65512886639}">
@@ -7136,8 +7084,8 @@
       </dsp:nvSpPr>
       <dsp:spPr>
         <a:xfrm>
-          <a:off x="0" y="2999235"/>
-          <a:ext cx="5348804" cy="899360"/>
+          <a:off x="0" y="3026695"/>
+          <a:ext cx="5348804" cy="900899"/>
         </a:xfrm>
         <a:prstGeom prst="roundRect">
           <a:avLst/>
@@ -7178,12 +7126,12 @@
         </a:fontRef>
       </dsp:style>
       <dsp:txBody>
-        <a:bodyPr spcFirstLastPara="0" vert="horz" wrap="square" lIns="110490" tIns="110490" rIns="110490" bIns="110490" numCol="1" spcCol="1270" anchor="ctr" anchorCtr="0">
+        <a:bodyPr spcFirstLastPara="0" vert="horz" wrap="square" lIns="133350" tIns="133350" rIns="133350" bIns="133350" numCol="1" spcCol="1270" anchor="ctr" anchorCtr="0">
           <a:noAutofit/>
         </a:bodyPr>
         <a:lstStyle/>
         <a:p>
-          <a:pPr lvl="0" algn="l" defTabSz="1289050">
+          <a:pPr lvl="0" algn="l" defTabSz="1555750">
             <a:lnSpc>
               <a:spcPct val="90000"/>
             </a:lnSpc>
@@ -7195,23 +7143,19 @@
             </a:spcAft>
           </a:pPr>
           <a:r>
-            <a:rPr lang="en-US" altLang="zh-Hans" sz="2900" kern="1200" dirty="0" smtClean="0"/>
+            <a:rPr lang="en-US" altLang="zh-CHS" sz="3500" kern="1200" dirty="0" smtClean="0"/>
             <a:t>4</a:t>
           </a:r>
           <a:r>
-            <a:rPr lang="zh-Hans" altLang="en-US" sz="2900" kern="1200" dirty="0" smtClean="0"/>
-            <a:t>、</a:t>
+            <a:rPr lang="zh-CHS" altLang="en-US" sz="3500" kern="1200" dirty="0" smtClean="0"/>
+            <a:t>、创新点</a:t>
           </a:r>
-          <a:r>
-            <a:rPr lang="zh-CN" altLang="en-US" sz="2900" kern="1200" dirty="0" smtClean="0"/>
-            <a:t>创新点</a:t>
-          </a:r>
-          <a:endParaRPr lang="en-US" altLang="zh-Hans" sz="2900" kern="1200" dirty="0" smtClean="0"/>
+          <a:endParaRPr lang="en-US" altLang="zh-CHS" sz="3500" kern="1200" dirty="0" smtClean="0"/>
         </a:p>
       </dsp:txBody>
       <dsp:txXfrm>
-        <a:off x="43903" y="3043138"/>
-        <a:ext cx="5260998" cy="811554"/>
+        <a:off x="43978" y="3070673"/>
+        <a:ext cx="5260848" cy="812943"/>
       </dsp:txXfrm>
     </dsp:sp>
   </dsp:spTree>
@@ -7233,8 +7177,8 @@
       </dsp:nvSpPr>
       <dsp:spPr>
         <a:xfrm>
-          <a:off x="0" y="50594"/>
-          <a:ext cx="5348804" cy="899360"/>
+          <a:off x="0" y="21595"/>
+          <a:ext cx="5348804" cy="900899"/>
         </a:xfrm>
         <a:prstGeom prst="roundRect">
           <a:avLst/>
@@ -7270,12 +7214,12 @@
         </a:fontRef>
       </dsp:style>
       <dsp:txBody>
-        <a:bodyPr spcFirstLastPara="0" vert="horz" wrap="square" lIns="110490" tIns="110490" rIns="110490" bIns="110490" numCol="1" spcCol="1270" anchor="ctr" anchorCtr="0">
+        <a:bodyPr spcFirstLastPara="0" vert="horz" wrap="square" lIns="133350" tIns="133350" rIns="133350" bIns="133350" numCol="1" spcCol="1270" anchor="ctr" anchorCtr="0">
           <a:noAutofit/>
         </a:bodyPr>
         <a:lstStyle/>
         <a:p>
-          <a:pPr lvl="0" algn="l" defTabSz="1289050">
+          <a:pPr lvl="0" algn="l" defTabSz="1555750">
             <a:lnSpc>
               <a:spcPct val="90000"/>
             </a:lnSpc>
@@ -7287,19 +7231,19 @@
             </a:spcAft>
           </a:pPr>
           <a:r>
-            <a:rPr lang="en-US" altLang="zh-CN" sz="2900" kern="1200" dirty="0" smtClean="0"/>
+            <a:rPr lang="en-US" altLang="zh-CHS" sz="3500" kern="1200" dirty="0" smtClean="0"/>
             <a:t>1</a:t>
           </a:r>
           <a:r>
-            <a:rPr lang="zh-CN" altLang="en-US" sz="2900" kern="1200" dirty="0" smtClean="0"/>
+            <a:rPr lang="zh-CHS" altLang="en-US" sz="3500" kern="1200" dirty="0" smtClean="0"/>
             <a:t>、毕业论文题目</a:t>
           </a:r>
-          <a:endParaRPr lang="en-US" altLang="zh-Hans" sz="2900" kern="1200" dirty="0" smtClean="0"/>
+          <a:endParaRPr lang="en-US" altLang="zh-CHS" sz="3500" kern="1200" dirty="0" smtClean="0"/>
         </a:p>
       </dsp:txBody>
       <dsp:txXfrm>
-        <a:off x="43903" y="94497"/>
-        <a:ext cx="5260998" cy="811554"/>
+        <a:off x="43978" y="65573"/>
+        <a:ext cx="5260848" cy="812943"/>
       </dsp:txXfrm>
     </dsp:sp>
     <dsp:sp modelId="{ADEBA1E4-ED54-4608-9737-5D52C9B5EE72}">
@@ -7309,8 +7253,8 @@
       </dsp:nvSpPr>
       <dsp:spPr>
         <a:xfrm>
-          <a:off x="0" y="1033475"/>
-          <a:ext cx="5348804" cy="899360"/>
+          <a:off x="0" y="1023295"/>
+          <a:ext cx="5348804" cy="900899"/>
         </a:xfrm>
         <a:prstGeom prst="roundRect">
           <a:avLst/>
@@ -7346,12 +7290,12 @@
         </a:fontRef>
       </dsp:style>
       <dsp:txBody>
-        <a:bodyPr spcFirstLastPara="0" vert="horz" wrap="square" lIns="110490" tIns="110490" rIns="110490" bIns="110490" numCol="1" spcCol="1270" anchor="ctr" anchorCtr="0">
+        <a:bodyPr spcFirstLastPara="0" vert="horz" wrap="square" lIns="133350" tIns="133350" rIns="133350" bIns="133350" numCol="1" spcCol="1270" anchor="ctr" anchorCtr="0">
           <a:noAutofit/>
         </a:bodyPr>
         <a:lstStyle/>
         <a:p>
-          <a:pPr lvl="0" algn="l" defTabSz="1289050">
+          <a:pPr lvl="0" algn="l" defTabSz="1555750">
             <a:lnSpc>
               <a:spcPct val="90000"/>
             </a:lnSpc>
@@ -7363,19 +7307,19 @@
             </a:spcAft>
           </a:pPr>
           <a:r>
-            <a:rPr lang="en-US" altLang="zh-Hans" sz="2900" kern="1200" dirty="0" smtClean="0"/>
+            <a:rPr lang="en-US" altLang="zh-CHS" sz="3500" kern="1200" dirty="0" smtClean="0"/>
             <a:t>2</a:t>
           </a:r>
           <a:r>
-            <a:rPr lang="zh-CN" altLang="en-US" sz="2900" kern="1200" dirty="0" smtClean="0"/>
+            <a:rPr lang="zh-CHS" altLang="en-US" sz="3500" kern="1200" dirty="0" smtClean="0"/>
             <a:t>、框架结构</a:t>
           </a:r>
-          <a:endParaRPr lang="en-US" altLang="zh-Hans" sz="2900" kern="1200" dirty="0" smtClean="0"/>
+          <a:endParaRPr lang="en-US" altLang="zh-CHS" sz="3500" kern="1200" dirty="0" smtClean="0"/>
         </a:p>
       </dsp:txBody>
       <dsp:txXfrm>
-        <a:off x="43903" y="1077378"/>
-        <a:ext cx="5260998" cy="811554"/>
+        <a:off x="43978" y="1067273"/>
+        <a:ext cx="5260848" cy="812943"/>
       </dsp:txXfrm>
     </dsp:sp>
     <dsp:sp modelId="{E0E6F4E1-B250-4D12-B616-2EE21F8977E7}">
@@ -7385,8 +7329,8 @@
       </dsp:nvSpPr>
       <dsp:spPr>
         <a:xfrm>
-          <a:off x="0" y="2016355"/>
-          <a:ext cx="5348804" cy="899360"/>
+          <a:off x="0" y="2024995"/>
+          <a:ext cx="5348804" cy="900899"/>
         </a:xfrm>
         <a:prstGeom prst="roundRect">
           <a:avLst/>
@@ -7427,12 +7371,12 @@
         </a:fontRef>
       </dsp:style>
       <dsp:txBody>
-        <a:bodyPr spcFirstLastPara="0" vert="horz" wrap="square" lIns="110490" tIns="110490" rIns="110490" bIns="110490" numCol="1" spcCol="1270" anchor="ctr" anchorCtr="0">
+        <a:bodyPr spcFirstLastPara="0" vert="horz" wrap="square" lIns="133350" tIns="133350" rIns="133350" bIns="133350" numCol="1" spcCol="1270" anchor="ctr" anchorCtr="0">
           <a:noAutofit/>
         </a:bodyPr>
         <a:lstStyle/>
         <a:p>
-          <a:pPr lvl="0" algn="l" defTabSz="1289050">
+          <a:pPr lvl="0" algn="l" defTabSz="1555750">
             <a:lnSpc>
               <a:spcPct val="90000"/>
             </a:lnSpc>
@@ -7444,23 +7388,19 @@
             </a:spcAft>
           </a:pPr>
           <a:r>
-            <a:rPr lang="en-US" altLang="zh-Hans" sz="2900" kern="1200" dirty="0" smtClean="0"/>
+            <a:rPr lang="en-US" altLang="zh-CHS" sz="3500" kern="1200" dirty="0" smtClean="0"/>
             <a:t>3</a:t>
           </a:r>
           <a:r>
-            <a:rPr lang="zh-Hans" altLang="en-US" sz="2900" kern="1200" dirty="0" smtClean="0"/>
-            <a:t>、</a:t>
+            <a:rPr lang="zh-CHS" altLang="en-US" sz="3500" kern="1200" dirty="0" smtClean="0"/>
+            <a:t>、主要工作</a:t>
           </a:r>
-          <a:r>
-            <a:rPr lang="zh-CN" altLang="en-US" sz="2900" kern="1200" dirty="0" smtClean="0"/>
-            <a:t>主要工作</a:t>
-          </a:r>
-          <a:endParaRPr lang="en-US" altLang="zh-Hans" sz="2900" kern="1200" dirty="0" smtClean="0"/>
+          <a:endParaRPr lang="en-US" altLang="zh-CHS" sz="3500" kern="1200" dirty="0" smtClean="0"/>
         </a:p>
       </dsp:txBody>
       <dsp:txXfrm>
-        <a:off x="43903" y="2060258"/>
-        <a:ext cx="5260998" cy="811554"/>
+        <a:off x="43978" y="2068973"/>
+        <a:ext cx="5260848" cy="812943"/>
       </dsp:txXfrm>
     </dsp:sp>
     <dsp:sp modelId="{888B1B9D-411D-4964-87FC-D65512886639}">
@@ -7470,8 +7410,8 @@
       </dsp:nvSpPr>
       <dsp:spPr>
         <a:xfrm>
-          <a:off x="0" y="2999235"/>
-          <a:ext cx="5348804" cy="899360"/>
+          <a:off x="0" y="3026695"/>
+          <a:ext cx="5348804" cy="900899"/>
         </a:xfrm>
         <a:prstGeom prst="roundRect">
           <a:avLst/>
@@ -7512,12 +7452,12 @@
         </a:fontRef>
       </dsp:style>
       <dsp:txBody>
-        <a:bodyPr spcFirstLastPara="0" vert="horz" wrap="square" lIns="110490" tIns="110490" rIns="110490" bIns="110490" numCol="1" spcCol="1270" anchor="ctr" anchorCtr="0">
+        <a:bodyPr spcFirstLastPara="0" vert="horz" wrap="square" lIns="133350" tIns="133350" rIns="133350" bIns="133350" numCol="1" spcCol="1270" anchor="ctr" anchorCtr="0">
           <a:noAutofit/>
         </a:bodyPr>
         <a:lstStyle/>
         <a:p>
-          <a:pPr lvl="0" algn="l" defTabSz="1289050">
+          <a:pPr lvl="0" algn="l" defTabSz="1555750">
             <a:lnSpc>
               <a:spcPct val="90000"/>
             </a:lnSpc>
@@ -7529,23 +7469,19 @@
             </a:spcAft>
           </a:pPr>
           <a:r>
-            <a:rPr lang="en-US" altLang="zh-Hans" sz="2900" kern="1200" dirty="0" smtClean="0"/>
+            <a:rPr lang="en-US" altLang="zh-CHS" sz="3500" kern="1200" dirty="0" smtClean="0"/>
             <a:t>4</a:t>
           </a:r>
           <a:r>
-            <a:rPr lang="zh-Hans" altLang="en-US" sz="2900" kern="1200" dirty="0" smtClean="0"/>
-            <a:t>、</a:t>
+            <a:rPr lang="zh-CHS" altLang="en-US" sz="3500" kern="1200" dirty="0" smtClean="0"/>
+            <a:t>、创新点</a:t>
           </a:r>
-          <a:r>
-            <a:rPr lang="zh-CN" altLang="en-US" sz="2900" kern="1200" dirty="0" smtClean="0"/>
-            <a:t>创新点</a:t>
-          </a:r>
-          <a:endParaRPr lang="en-US" altLang="zh-Hans" sz="2900" kern="1200" dirty="0" smtClean="0"/>
+          <a:endParaRPr lang="en-US" altLang="zh-CHS" sz="3500" kern="1200" dirty="0" smtClean="0"/>
         </a:p>
       </dsp:txBody>
       <dsp:txXfrm>
-        <a:off x="43903" y="3043138"/>
-        <a:ext cx="5260998" cy="811554"/>
+        <a:off x="43978" y="3070673"/>
+        <a:ext cx="5260848" cy="812943"/>
       </dsp:txXfrm>
     </dsp:sp>
   </dsp:spTree>
@@ -7567,8 +7503,8 @@
       </dsp:nvSpPr>
       <dsp:spPr>
         <a:xfrm>
-          <a:off x="0" y="50594"/>
-          <a:ext cx="5348804" cy="899360"/>
+          <a:off x="0" y="21595"/>
+          <a:ext cx="5348804" cy="900899"/>
         </a:xfrm>
         <a:prstGeom prst="roundRect">
           <a:avLst/>
@@ -7604,12 +7540,12 @@
         </a:fontRef>
       </dsp:style>
       <dsp:txBody>
-        <a:bodyPr spcFirstLastPara="0" vert="horz" wrap="square" lIns="110490" tIns="110490" rIns="110490" bIns="110490" numCol="1" spcCol="1270" anchor="ctr" anchorCtr="0">
+        <a:bodyPr spcFirstLastPara="0" vert="horz" wrap="square" lIns="133350" tIns="133350" rIns="133350" bIns="133350" numCol="1" spcCol="1270" anchor="ctr" anchorCtr="0">
           <a:noAutofit/>
         </a:bodyPr>
         <a:lstStyle/>
         <a:p>
-          <a:pPr lvl="0" algn="l" defTabSz="1289050">
+          <a:pPr lvl="0" algn="l" defTabSz="1555750">
             <a:lnSpc>
               <a:spcPct val="90000"/>
             </a:lnSpc>
@@ -7621,19 +7557,19 @@
             </a:spcAft>
           </a:pPr>
           <a:r>
-            <a:rPr lang="en-US" altLang="zh-CN" sz="2900" kern="1200" dirty="0" smtClean="0"/>
+            <a:rPr lang="en-US" altLang="zh-CHS" sz="3500" kern="1200" dirty="0" smtClean="0"/>
             <a:t>1</a:t>
           </a:r>
           <a:r>
-            <a:rPr lang="zh-CN" altLang="en-US" sz="2900" kern="1200" dirty="0" smtClean="0"/>
+            <a:rPr lang="zh-CHS" altLang="en-US" sz="3500" kern="1200" dirty="0" smtClean="0"/>
             <a:t>、毕业论文题目</a:t>
           </a:r>
-          <a:endParaRPr lang="en-US" altLang="zh-Hans" sz="2900" kern="1200" dirty="0" smtClean="0"/>
+          <a:endParaRPr lang="en-US" altLang="zh-CHS" sz="3500" kern="1200" dirty="0" smtClean="0"/>
         </a:p>
       </dsp:txBody>
       <dsp:txXfrm>
-        <a:off x="43903" y="94497"/>
-        <a:ext cx="5260998" cy="811554"/>
+        <a:off x="43978" y="65573"/>
+        <a:ext cx="5260848" cy="812943"/>
       </dsp:txXfrm>
     </dsp:sp>
     <dsp:sp modelId="{ADEBA1E4-ED54-4608-9737-5D52C9B5EE72}">
@@ -7643,8 +7579,8 @@
       </dsp:nvSpPr>
       <dsp:spPr>
         <a:xfrm>
-          <a:off x="0" y="1033475"/>
-          <a:ext cx="5348804" cy="899360"/>
+          <a:off x="0" y="1023295"/>
+          <a:ext cx="5348804" cy="900899"/>
         </a:xfrm>
         <a:prstGeom prst="roundRect">
           <a:avLst/>
@@ -7685,12 +7621,12 @@
         </a:fontRef>
       </dsp:style>
       <dsp:txBody>
-        <a:bodyPr spcFirstLastPara="0" vert="horz" wrap="square" lIns="110490" tIns="110490" rIns="110490" bIns="110490" numCol="1" spcCol="1270" anchor="ctr" anchorCtr="0">
+        <a:bodyPr spcFirstLastPara="0" vert="horz" wrap="square" lIns="133350" tIns="133350" rIns="133350" bIns="133350" numCol="1" spcCol="1270" anchor="ctr" anchorCtr="0">
           <a:noAutofit/>
         </a:bodyPr>
         <a:lstStyle/>
         <a:p>
-          <a:pPr lvl="0" algn="l" defTabSz="1289050">
+          <a:pPr lvl="0" algn="l" defTabSz="1555750">
             <a:lnSpc>
               <a:spcPct val="90000"/>
             </a:lnSpc>
@@ -7702,19 +7638,19 @@
             </a:spcAft>
           </a:pPr>
           <a:r>
-            <a:rPr lang="en-US" altLang="zh-Hans" sz="2900" kern="1200" dirty="0" smtClean="0"/>
+            <a:rPr lang="en-US" altLang="zh-CHS" sz="3500" kern="1200" dirty="0" smtClean="0"/>
             <a:t>2</a:t>
           </a:r>
           <a:r>
-            <a:rPr lang="zh-CN" altLang="en-US" sz="2900" kern="1200" dirty="0" smtClean="0"/>
+            <a:rPr lang="zh-CHS" altLang="en-US" sz="3500" kern="1200" dirty="0" smtClean="0"/>
             <a:t>、框架结构</a:t>
           </a:r>
-          <a:endParaRPr lang="en-US" altLang="zh-Hans" sz="2900" kern="1200" dirty="0" smtClean="0"/>
+          <a:endParaRPr lang="en-US" altLang="zh-CHS" sz="3500" kern="1200" dirty="0" smtClean="0"/>
         </a:p>
       </dsp:txBody>
       <dsp:txXfrm>
-        <a:off x="43903" y="1077378"/>
-        <a:ext cx="5260998" cy="811554"/>
+        <a:off x="43978" y="1067273"/>
+        <a:ext cx="5260848" cy="812943"/>
       </dsp:txXfrm>
     </dsp:sp>
     <dsp:sp modelId="{E0E6F4E1-B250-4D12-B616-2EE21F8977E7}">
@@ -7724,8 +7660,8 @@
       </dsp:nvSpPr>
       <dsp:spPr>
         <a:xfrm>
-          <a:off x="0" y="2016355"/>
-          <a:ext cx="5348804" cy="899360"/>
+          <a:off x="0" y="2024995"/>
+          <a:ext cx="5348804" cy="900899"/>
         </a:xfrm>
         <a:prstGeom prst="roundRect">
           <a:avLst/>
@@ -7761,12 +7697,12 @@
         </a:fontRef>
       </dsp:style>
       <dsp:txBody>
-        <a:bodyPr spcFirstLastPara="0" vert="horz" wrap="square" lIns="110490" tIns="110490" rIns="110490" bIns="110490" numCol="1" spcCol="1270" anchor="ctr" anchorCtr="0">
+        <a:bodyPr spcFirstLastPara="0" vert="horz" wrap="square" lIns="133350" tIns="133350" rIns="133350" bIns="133350" numCol="1" spcCol="1270" anchor="ctr" anchorCtr="0">
           <a:noAutofit/>
         </a:bodyPr>
         <a:lstStyle/>
         <a:p>
-          <a:pPr lvl="0" algn="l" defTabSz="1289050">
+          <a:pPr lvl="0" algn="l" defTabSz="1555750">
             <a:lnSpc>
               <a:spcPct val="90000"/>
             </a:lnSpc>
@@ -7778,23 +7714,19 @@
             </a:spcAft>
           </a:pPr>
           <a:r>
-            <a:rPr lang="en-US" altLang="zh-Hans" sz="2900" kern="1200" dirty="0" smtClean="0"/>
+            <a:rPr lang="en-US" altLang="zh-CHS" sz="3500" kern="1200" dirty="0" smtClean="0"/>
             <a:t>3</a:t>
           </a:r>
           <a:r>
-            <a:rPr lang="zh-Hans" altLang="en-US" sz="2900" kern="1200" dirty="0" smtClean="0"/>
-            <a:t>、</a:t>
+            <a:rPr lang="zh-CHS" altLang="en-US" sz="3500" kern="1200" dirty="0" smtClean="0"/>
+            <a:t>、主要工作</a:t>
           </a:r>
-          <a:r>
-            <a:rPr lang="zh-CN" altLang="en-US" sz="2900" kern="1200" dirty="0" smtClean="0"/>
-            <a:t>主要工作</a:t>
-          </a:r>
-          <a:endParaRPr lang="en-US" altLang="zh-Hans" sz="2900" kern="1200" dirty="0" smtClean="0"/>
+          <a:endParaRPr lang="en-US" altLang="zh-CHS" sz="3500" kern="1200" dirty="0" smtClean="0"/>
         </a:p>
       </dsp:txBody>
       <dsp:txXfrm>
-        <a:off x="43903" y="2060258"/>
-        <a:ext cx="5260998" cy="811554"/>
+        <a:off x="43978" y="2068973"/>
+        <a:ext cx="5260848" cy="812943"/>
       </dsp:txXfrm>
     </dsp:sp>
     <dsp:sp modelId="{888B1B9D-411D-4964-87FC-D65512886639}">
@@ -7804,8 +7736,8 @@
       </dsp:nvSpPr>
       <dsp:spPr>
         <a:xfrm>
-          <a:off x="0" y="2999235"/>
-          <a:ext cx="5348804" cy="899360"/>
+          <a:off x="0" y="3026695"/>
+          <a:ext cx="5348804" cy="900899"/>
         </a:xfrm>
         <a:prstGeom prst="roundRect">
           <a:avLst/>
@@ -7846,12 +7778,12 @@
         </a:fontRef>
       </dsp:style>
       <dsp:txBody>
-        <a:bodyPr spcFirstLastPara="0" vert="horz" wrap="square" lIns="110490" tIns="110490" rIns="110490" bIns="110490" numCol="1" spcCol="1270" anchor="ctr" anchorCtr="0">
+        <a:bodyPr spcFirstLastPara="0" vert="horz" wrap="square" lIns="133350" tIns="133350" rIns="133350" bIns="133350" numCol="1" spcCol="1270" anchor="ctr" anchorCtr="0">
           <a:noAutofit/>
         </a:bodyPr>
         <a:lstStyle/>
         <a:p>
-          <a:pPr lvl="0" algn="l" defTabSz="1289050">
+          <a:pPr lvl="0" algn="l" defTabSz="1555750">
             <a:lnSpc>
               <a:spcPct val="90000"/>
             </a:lnSpc>
@@ -7863,23 +7795,19 @@
             </a:spcAft>
           </a:pPr>
           <a:r>
-            <a:rPr lang="en-US" altLang="zh-Hans" sz="2900" kern="1200" dirty="0" smtClean="0"/>
+            <a:rPr lang="en-US" altLang="zh-CHS" sz="3500" kern="1200" dirty="0" smtClean="0"/>
             <a:t>4</a:t>
           </a:r>
           <a:r>
-            <a:rPr lang="zh-Hans" altLang="en-US" sz="2900" kern="1200" dirty="0" smtClean="0"/>
-            <a:t>、</a:t>
+            <a:rPr lang="zh-CHS" altLang="en-US" sz="3500" kern="1200" dirty="0" smtClean="0"/>
+            <a:t>、创新点</a:t>
           </a:r>
-          <a:r>
-            <a:rPr lang="zh-CN" altLang="en-US" sz="2900" kern="1200" dirty="0" smtClean="0"/>
-            <a:t>创新点</a:t>
-          </a:r>
-          <a:endParaRPr lang="en-US" altLang="zh-Hans" sz="2900" kern="1200" dirty="0" smtClean="0"/>
+          <a:endParaRPr lang="en-US" altLang="zh-CHS" sz="3500" kern="1200" dirty="0" smtClean="0"/>
         </a:p>
       </dsp:txBody>
       <dsp:txXfrm>
-        <a:off x="43903" y="3043138"/>
-        <a:ext cx="5260998" cy="811554"/>
+        <a:off x="43978" y="3070673"/>
+        <a:ext cx="5260848" cy="812943"/>
       </dsp:txXfrm>
     </dsp:sp>
   </dsp:spTree>
@@ -7943,12 +7871,12 @@
         </a:fontRef>
       </dsp:style>
       <dsp:txBody>
-        <a:bodyPr spcFirstLastPara="0" vert="horz" wrap="square" lIns="24130" tIns="24130" rIns="24130" bIns="24130" numCol="1" spcCol="1270" anchor="ctr" anchorCtr="0">
+        <a:bodyPr spcFirstLastPara="0" vert="horz" wrap="square" lIns="26670" tIns="26670" rIns="26670" bIns="26670" numCol="1" spcCol="1270" anchor="ctr" anchorCtr="0">
           <a:noAutofit/>
         </a:bodyPr>
         <a:lstStyle/>
         <a:p>
-          <a:pPr lvl="0" algn="ctr" defTabSz="844550">
+          <a:pPr lvl="0" algn="ctr" defTabSz="933450">
             <a:lnSpc>
               <a:spcPct val="90000"/>
             </a:lnSpc>
@@ -7960,10 +7888,10 @@
             </a:spcAft>
           </a:pPr>
           <a:r>
-            <a:rPr lang="zh-CN" altLang="en-US" sz="1900" kern="1200" dirty="0" smtClean="0"/>
+            <a:rPr lang="zh-CHS" altLang="en-US" sz="2100" kern="1200" dirty="0" smtClean="0"/>
             <a:t>设计流程挖掘算法</a:t>
           </a:r>
-          <a:endParaRPr lang="zh-CN" altLang="en-US" sz="1900" kern="1200" dirty="0"/>
+          <a:endParaRPr lang="zh-CHS" altLang="en-US" sz="2100" kern="1200" dirty="0"/>
         </a:p>
       </dsp:txBody>
       <dsp:txXfrm>
@@ -8029,7 +7957,7 @@
               <a:spcPct val="35000"/>
             </a:spcAft>
           </a:pPr>
-          <a:endParaRPr lang="zh-CN" altLang="en-US" sz="1500" kern="1200"/>
+          <a:endParaRPr lang="zh-CHS" altLang="en-US" sz="1500" kern="1200"/>
         </a:p>
       </dsp:txBody>
       <dsp:txXfrm>
@@ -8086,12 +8014,12 @@
         </a:fontRef>
       </dsp:style>
       <dsp:txBody>
-        <a:bodyPr spcFirstLastPara="0" vert="horz" wrap="square" lIns="24130" tIns="24130" rIns="24130" bIns="24130" numCol="1" spcCol="1270" anchor="ctr" anchorCtr="0">
+        <a:bodyPr spcFirstLastPara="0" vert="horz" wrap="square" lIns="26670" tIns="26670" rIns="26670" bIns="26670" numCol="1" spcCol="1270" anchor="ctr" anchorCtr="0">
           <a:noAutofit/>
         </a:bodyPr>
         <a:lstStyle/>
         <a:p>
-          <a:pPr lvl="0" algn="ctr" defTabSz="844550">
+          <a:pPr lvl="0" algn="ctr" defTabSz="933450">
             <a:lnSpc>
               <a:spcPct val="90000"/>
             </a:lnSpc>
@@ -8103,10 +8031,10 @@
             </a:spcAft>
           </a:pPr>
           <a:r>
-            <a:rPr lang="zh-CN" altLang="en-US" sz="1900" kern="1200" dirty="0" smtClean="0"/>
+            <a:rPr lang="zh-CHS" altLang="en-US" sz="2100" kern="1200" dirty="0" smtClean="0"/>
             <a:t>改进流程评估框架</a:t>
           </a:r>
-          <a:endParaRPr lang="zh-CN" altLang="en-US" sz="1900" kern="1200" dirty="0"/>
+          <a:endParaRPr lang="zh-CHS" altLang="en-US" sz="2100" kern="1200" dirty="0"/>
         </a:p>
       </dsp:txBody>
       <dsp:txXfrm>
@@ -8164,7 +8092,7 @@
         </a:bodyPr>
         <a:lstStyle/>
         <a:p>
-          <a:pPr lvl="0" algn="ctr" defTabSz="666750">
+          <a:pPr lvl="0" algn="ctr" defTabSz="755650">
             <a:lnSpc>
               <a:spcPct val="90000"/>
             </a:lnSpc>
@@ -8175,7 +8103,7 @@
               <a:spcPct val="35000"/>
             </a:spcAft>
           </a:pPr>
-          <a:endParaRPr lang="zh-CN" altLang="en-US" sz="1500" kern="1200"/>
+          <a:endParaRPr lang="zh-CHS" altLang="en-US" sz="1700" kern="1200"/>
         </a:p>
       </dsp:txBody>
       <dsp:txXfrm>
@@ -8232,12 +8160,12 @@
         </a:fontRef>
       </dsp:style>
       <dsp:txBody>
-        <a:bodyPr spcFirstLastPara="0" vert="horz" wrap="square" lIns="71120" tIns="71120" rIns="71120" bIns="71120" numCol="1" spcCol="1270" anchor="ctr" anchorCtr="0">
+        <a:bodyPr spcFirstLastPara="0" vert="horz" wrap="square" lIns="80010" tIns="80010" rIns="80010" bIns="80010" numCol="1" spcCol="1270" anchor="ctr" anchorCtr="0">
           <a:noAutofit/>
         </a:bodyPr>
         <a:lstStyle/>
         <a:p>
-          <a:pPr lvl="0" algn="ctr" defTabSz="2489200">
+          <a:pPr lvl="0" algn="ctr" defTabSz="2800350">
             <a:lnSpc>
               <a:spcPct val="90000"/>
             </a:lnSpc>
@@ -8249,10 +8177,10 @@
             </a:spcAft>
           </a:pPr>
           <a:r>
-            <a:rPr lang="zh-CN" altLang="en-US" sz="5600" kern="1200" dirty="0" smtClean="0"/>
+            <a:rPr lang="zh-CHS" altLang="en-US" sz="6300" kern="1200" dirty="0" smtClean="0"/>
             <a:t>主要工作</a:t>
           </a:r>
-          <a:endParaRPr lang="zh-CN" altLang="en-US" sz="5600" kern="1200" dirty="0"/>
+          <a:endParaRPr lang="zh-CHS" altLang="en-US" sz="6300" kern="1200" dirty="0"/>
         </a:p>
       </dsp:txBody>
       <dsp:txXfrm>
@@ -8279,8 +8207,8 @@
       </dsp:nvSpPr>
       <dsp:spPr>
         <a:xfrm>
-          <a:off x="0" y="50594"/>
-          <a:ext cx="5348804" cy="899360"/>
+          <a:off x="0" y="21595"/>
+          <a:ext cx="5348804" cy="900899"/>
         </a:xfrm>
         <a:prstGeom prst="roundRect">
           <a:avLst/>
@@ -8316,12 +8244,12 @@
         </a:fontRef>
       </dsp:style>
       <dsp:txBody>
-        <a:bodyPr spcFirstLastPara="0" vert="horz" wrap="square" lIns="110490" tIns="110490" rIns="110490" bIns="110490" numCol="1" spcCol="1270" anchor="ctr" anchorCtr="0">
+        <a:bodyPr spcFirstLastPara="0" vert="horz" wrap="square" lIns="133350" tIns="133350" rIns="133350" bIns="133350" numCol="1" spcCol="1270" anchor="ctr" anchorCtr="0">
           <a:noAutofit/>
         </a:bodyPr>
         <a:lstStyle/>
         <a:p>
-          <a:pPr lvl="0" algn="l" defTabSz="1289050">
+          <a:pPr lvl="0" algn="l" defTabSz="1555750">
             <a:lnSpc>
               <a:spcPct val="90000"/>
             </a:lnSpc>
@@ -8333,19 +8261,19 @@
             </a:spcAft>
           </a:pPr>
           <a:r>
-            <a:rPr lang="en-US" altLang="zh-CN" sz="2900" kern="1200" dirty="0" smtClean="0"/>
+            <a:rPr lang="en-US" altLang="zh-CHS" sz="3500" kern="1200" dirty="0" smtClean="0"/>
             <a:t>1</a:t>
           </a:r>
           <a:r>
-            <a:rPr lang="zh-CN" altLang="en-US" sz="2900" kern="1200" dirty="0" smtClean="0"/>
+            <a:rPr lang="zh-CHS" altLang="en-US" sz="3500" kern="1200" dirty="0" smtClean="0"/>
             <a:t>、毕业论文题目</a:t>
           </a:r>
-          <a:endParaRPr lang="en-US" altLang="zh-Hans" sz="2900" kern="1200" dirty="0" smtClean="0"/>
+          <a:endParaRPr lang="en-US" altLang="zh-CHS" sz="3500" kern="1200" dirty="0" smtClean="0"/>
         </a:p>
       </dsp:txBody>
       <dsp:txXfrm>
-        <a:off x="43903" y="94497"/>
-        <a:ext cx="5260998" cy="811554"/>
+        <a:off x="43978" y="65573"/>
+        <a:ext cx="5260848" cy="812943"/>
       </dsp:txXfrm>
     </dsp:sp>
     <dsp:sp modelId="{ADEBA1E4-ED54-4608-9737-5D52C9B5EE72}">
@@ -8355,8 +8283,8 @@
       </dsp:nvSpPr>
       <dsp:spPr>
         <a:xfrm>
-          <a:off x="0" y="1033475"/>
-          <a:ext cx="5348804" cy="899360"/>
+          <a:off x="0" y="1023295"/>
+          <a:ext cx="5348804" cy="900899"/>
         </a:xfrm>
         <a:prstGeom prst="roundRect">
           <a:avLst/>
@@ -8397,12 +8325,12 @@
         </a:fontRef>
       </dsp:style>
       <dsp:txBody>
-        <a:bodyPr spcFirstLastPara="0" vert="horz" wrap="square" lIns="110490" tIns="110490" rIns="110490" bIns="110490" numCol="1" spcCol="1270" anchor="ctr" anchorCtr="0">
+        <a:bodyPr spcFirstLastPara="0" vert="horz" wrap="square" lIns="133350" tIns="133350" rIns="133350" bIns="133350" numCol="1" spcCol="1270" anchor="ctr" anchorCtr="0">
           <a:noAutofit/>
         </a:bodyPr>
         <a:lstStyle/>
         <a:p>
-          <a:pPr lvl="0" algn="l" defTabSz="1289050">
+          <a:pPr lvl="0" algn="l" defTabSz="1555750">
             <a:lnSpc>
               <a:spcPct val="90000"/>
             </a:lnSpc>
@@ -8414,19 +8342,19 @@
             </a:spcAft>
           </a:pPr>
           <a:r>
-            <a:rPr lang="en-US" altLang="zh-Hans" sz="2900" kern="1200" dirty="0" smtClean="0"/>
+            <a:rPr lang="en-US" altLang="zh-CHS" sz="3500" kern="1200" dirty="0" smtClean="0"/>
             <a:t>2</a:t>
           </a:r>
           <a:r>
-            <a:rPr lang="zh-CN" altLang="en-US" sz="2900" kern="1200" dirty="0" smtClean="0"/>
+            <a:rPr lang="zh-CHS" altLang="en-US" sz="3500" kern="1200" dirty="0" smtClean="0"/>
             <a:t>、框架结构</a:t>
           </a:r>
-          <a:endParaRPr lang="en-US" altLang="zh-Hans" sz="2900" kern="1200" dirty="0" smtClean="0"/>
+          <a:endParaRPr lang="en-US" altLang="zh-CHS" sz="3500" kern="1200" dirty="0" smtClean="0"/>
         </a:p>
       </dsp:txBody>
       <dsp:txXfrm>
-        <a:off x="43903" y="1077378"/>
-        <a:ext cx="5260998" cy="811554"/>
+        <a:off x="43978" y="1067273"/>
+        <a:ext cx="5260848" cy="812943"/>
       </dsp:txXfrm>
     </dsp:sp>
     <dsp:sp modelId="{E0E6F4E1-B250-4D12-B616-2EE21F8977E7}">
@@ -8436,8 +8364,8 @@
       </dsp:nvSpPr>
       <dsp:spPr>
         <a:xfrm>
-          <a:off x="0" y="2016355"/>
-          <a:ext cx="5348804" cy="899360"/>
+          <a:off x="0" y="2024995"/>
+          <a:ext cx="5348804" cy="900899"/>
         </a:xfrm>
         <a:prstGeom prst="roundRect">
           <a:avLst/>
@@ -8478,12 +8406,12 @@
         </a:fontRef>
       </dsp:style>
       <dsp:txBody>
-        <a:bodyPr spcFirstLastPara="0" vert="horz" wrap="square" lIns="110490" tIns="110490" rIns="110490" bIns="110490" numCol="1" spcCol="1270" anchor="ctr" anchorCtr="0">
+        <a:bodyPr spcFirstLastPara="0" vert="horz" wrap="square" lIns="133350" tIns="133350" rIns="133350" bIns="133350" numCol="1" spcCol="1270" anchor="ctr" anchorCtr="0">
           <a:noAutofit/>
         </a:bodyPr>
         <a:lstStyle/>
         <a:p>
-          <a:pPr lvl="0" algn="l" defTabSz="1289050">
+          <a:pPr lvl="0" algn="l" defTabSz="1555750">
             <a:lnSpc>
               <a:spcPct val="90000"/>
             </a:lnSpc>
@@ -8495,23 +8423,19 @@
             </a:spcAft>
           </a:pPr>
           <a:r>
-            <a:rPr lang="en-US" altLang="zh-Hans" sz="2900" kern="1200" dirty="0" smtClean="0"/>
+            <a:rPr lang="en-US" altLang="zh-CHS" sz="3500" kern="1200" dirty="0" smtClean="0"/>
             <a:t>3</a:t>
           </a:r>
           <a:r>
-            <a:rPr lang="zh-Hans" altLang="en-US" sz="2900" kern="1200" dirty="0" smtClean="0"/>
-            <a:t>、</a:t>
+            <a:rPr lang="zh-CHS" altLang="en-US" sz="3500" kern="1200" dirty="0" smtClean="0"/>
+            <a:t>、主要工作</a:t>
           </a:r>
-          <a:r>
-            <a:rPr lang="zh-CN" altLang="en-US" sz="2900" kern="1200" dirty="0" smtClean="0"/>
-            <a:t>主要工作</a:t>
-          </a:r>
-          <a:endParaRPr lang="en-US" altLang="zh-Hans" sz="2900" kern="1200" dirty="0" smtClean="0"/>
+          <a:endParaRPr lang="en-US" altLang="zh-CHS" sz="3500" kern="1200" dirty="0" smtClean="0"/>
         </a:p>
       </dsp:txBody>
       <dsp:txXfrm>
-        <a:off x="43903" y="2060258"/>
-        <a:ext cx="5260998" cy="811554"/>
+        <a:off x="43978" y="2068973"/>
+        <a:ext cx="5260848" cy="812943"/>
       </dsp:txXfrm>
     </dsp:sp>
     <dsp:sp modelId="{888B1B9D-411D-4964-87FC-D65512886639}">
@@ -8521,8 +8445,8 @@
       </dsp:nvSpPr>
       <dsp:spPr>
         <a:xfrm>
-          <a:off x="0" y="2999235"/>
-          <a:ext cx="5348804" cy="899360"/>
+          <a:off x="0" y="3026695"/>
+          <a:ext cx="5348804" cy="900899"/>
         </a:xfrm>
         <a:prstGeom prst="roundRect">
           <a:avLst/>
@@ -8558,12 +8482,12 @@
         </a:fontRef>
       </dsp:style>
       <dsp:txBody>
-        <a:bodyPr spcFirstLastPara="0" vert="horz" wrap="square" lIns="110490" tIns="110490" rIns="110490" bIns="110490" numCol="1" spcCol="1270" anchor="ctr" anchorCtr="0">
+        <a:bodyPr spcFirstLastPara="0" vert="horz" wrap="square" lIns="133350" tIns="133350" rIns="133350" bIns="133350" numCol="1" spcCol="1270" anchor="ctr" anchorCtr="0">
           <a:noAutofit/>
         </a:bodyPr>
         <a:lstStyle/>
         <a:p>
-          <a:pPr lvl="0" algn="l" defTabSz="1289050">
+          <a:pPr lvl="0" algn="l" defTabSz="1555750">
             <a:lnSpc>
               <a:spcPct val="90000"/>
             </a:lnSpc>
@@ -8575,23 +8499,19 @@
             </a:spcAft>
           </a:pPr>
           <a:r>
-            <a:rPr lang="en-US" altLang="zh-Hans" sz="2900" kern="1200" dirty="0" smtClean="0"/>
+            <a:rPr lang="en-US" altLang="zh-CHS" sz="3500" kern="1200" dirty="0" smtClean="0"/>
             <a:t>4</a:t>
           </a:r>
           <a:r>
-            <a:rPr lang="zh-Hans" altLang="en-US" sz="2900" kern="1200" dirty="0" smtClean="0"/>
-            <a:t>、</a:t>
+            <a:rPr lang="zh-CHS" altLang="en-US" sz="3500" kern="1200" dirty="0" smtClean="0"/>
+            <a:t>、创新点</a:t>
           </a:r>
-          <a:r>
-            <a:rPr lang="zh-CN" altLang="en-US" sz="2900" kern="1200" dirty="0" smtClean="0"/>
-            <a:t>创新点</a:t>
-          </a:r>
-          <a:endParaRPr lang="en-US" altLang="zh-Hans" sz="2900" kern="1200" dirty="0" smtClean="0"/>
+          <a:endParaRPr lang="en-US" altLang="zh-CHS" sz="3500" kern="1200" dirty="0" smtClean="0"/>
         </a:p>
       </dsp:txBody>
       <dsp:txXfrm>
-        <a:off x="43903" y="3043138"/>
-        <a:ext cx="5260998" cy="811554"/>
+        <a:off x="43978" y="3070673"/>
+        <a:ext cx="5260848" cy="812943"/>
       </dsp:txXfrm>
     </dsp:sp>
   </dsp:spTree>
@@ -15951,7 +15871,7 @@
             </a:lvl1pPr>
           </a:lstStyle>
           <a:p>
-            <a:endParaRPr lang="zh-Hans" altLang="en-US"/>
+            <a:endParaRPr lang="zh-CHS" altLang="en-US"/>
           </a:p>
         </p:txBody>
       </p:sp>
@@ -15983,10 +15903,10 @@
           </a:lstStyle>
           <a:p>
             <a:fld id="{3886B343-F061-486A-A6EF-8672489F8F13}" type="datetimeFigureOut">
-              <a:rPr lang="zh-Hans" altLang="en-US" smtClean="0"/>
-              <a:t>2015/4/5</a:t>
+              <a:rPr lang="zh-CHS" altLang="en-US" smtClean="0"/>
+              <a:t>15/4/6</a:t>
             </a:fld>
-            <a:endParaRPr lang="zh-Hans" altLang="en-US"/>
+            <a:endParaRPr lang="zh-CHS" altLang="en-US"/>
           </a:p>
         </p:txBody>
       </p:sp>
@@ -16019,7 +15939,7 @@
           <a:bodyPr vert="horz" lIns="91440" tIns="45720" rIns="91440" bIns="45720" rtlCol="0" anchor="ctr"/>
           <a:lstStyle/>
           <a:p>
-            <a:endParaRPr lang="zh-Hans" altLang="en-US"/>
+            <a:endParaRPr lang="zh-CHS" altLang="en-US"/>
           </a:p>
         </p:txBody>
       </p:sp>
@@ -16048,38 +15968,38 @@
           <a:p>
             <a:pPr lvl="0"/>
             <a:r>
-              <a:rPr lang="zh-Hans" altLang="en-US" smtClean="0"/>
+              <a:rPr lang="zh-CHS" altLang="en-US" smtClean="0"/>
               <a:t>单击此处编辑母版文本样式</a:t>
             </a:r>
           </a:p>
           <a:p>
             <a:pPr lvl="1"/>
             <a:r>
-              <a:rPr lang="zh-Hans" altLang="en-US" smtClean="0"/>
+              <a:rPr lang="zh-CHS" altLang="en-US" smtClean="0"/>
               <a:t>第二级</a:t>
             </a:r>
           </a:p>
           <a:p>
             <a:pPr lvl="2"/>
             <a:r>
-              <a:rPr lang="zh-Hans" altLang="en-US" smtClean="0"/>
+              <a:rPr lang="zh-CHS" altLang="en-US" smtClean="0"/>
               <a:t>第三级</a:t>
             </a:r>
           </a:p>
           <a:p>
             <a:pPr lvl="3"/>
             <a:r>
-              <a:rPr lang="zh-Hans" altLang="en-US" smtClean="0"/>
+              <a:rPr lang="zh-CHS" altLang="en-US" smtClean="0"/>
               <a:t>第四级</a:t>
             </a:r>
           </a:p>
           <a:p>
             <a:pPr lvl="4"/>
             <a:r>
-              <a:rPr lang="zh-Hans" altLang="en-US" smtClean="0"/>
+              <a:rPr lang="zh-CHS" altLang="en-US" smtClean="0"/>
               <a:t>第五级</a:t>
             </a:r>
-            <a:endParaRPr lang="zh-Hans" altLang="en-US"/>
+            <a:endParaRPr lang="zh-CHS" altLang="en-US"/>
           </a:p>
         </p:txBody>
       </p:sp>
@@ -16110,7 +16030,7 @@
             </a:lvl1pPr>
           </a:lstStyle>
           <a:p>
-            <a:endParaRPr lang="zh-Hans" altLang="en-US"/>
+            <a:endParaRPr lang="zh-CHS" altLang="en-US"/>
           </a:p>
         </p:txBody>
       </p:sp>
@@ -16142,10 +16062,10 @@
           </a:lstStyle>
           <a:p>
             <a:fld id="{01C25863-9E84-472F-96CF-935FA849B313}" type="slidenum">
-              <a:rPr lang="zh-Hans" altLang="en-US" smtClean="0"/>
+              <a:rPr lang="zh-CHS" altLang="en-US" smtClean="0"/>
               <a:t>‹#›</a:t>
             </a:fld>
-            <a:endParaRPr lang="zh-Hans" altLang="en-US"/>
+            <a:endParaRPr lang="zh-CHS" altLang="en-US"/>
           </a:p>
         </p:txBody>
       </p:sp>
@@ -16318,10 +16238,10 @@
           </a:lstStyle>
           <a:p>
             <a:r>
-              <a:rPr lang="zh-Hans" altLang="en-US" smtClean="0"/>
+              <a:rPr lang="zh-CHS" altLang="en-US" smtClean="0"/>
               <a:t>单击此处编辑母版标题样式</a:t>
             </a:r>
-            <a:endParaRPr lang="zh-Hans" altLang="en-US" dirty="0"/>
+            <a:endParaRPr lang="zh-CHS" altLang="en-US" dirty="0"/>
           </a:p>
         </p:txBody>
       </p:sp>
@@ -16437,10 +16357,10 @@
           </a:lstStyle>
           <a:p>
             <a:r>
-              <a:rPr lang="zh-Hans" altLang="en-US" smtClean="0"/>
+              <a:rPr lang="zh-CHS" altLang="en-US" smtClean="0"/>
               <a:t>单击此处编辑母版副标题样式</a:t>
             </a:r>
-            <a:endParaRPr lang="zh-Hans" altLang="en-US"/>
+            <a:endParaRPr lang="zh-CHS" altLang="en-US"/>
           </a:p>
         </p:txBody>
       </p:sp>
@@ -16497,10 +16417,10 @@
           <a:lstStyle/>
           <a:p>
             <a:r>
-              <a:rPr lang="zh-Hans" altLang="en-US" smtClean="0"/>
+              <a:rPr lang="zh-CHS" altLang="en-US" smtClean="0"/>
               <a:t>单击此处编辑母版标题样式</a:t>
             </a:r>
-            <a:endParaRPr lang="zh-Hans" altLang="en-US"/>
+            <a:endParaRPr lang="zh-CHS" altLang="en-US"/>
           </a:p>
         </p:txBody>
       </p:sp>
@@ -16521,38 +16441,38 @@
           <a:p>
             <a:pPr lvl="0"/>
             <a:r>
-              <a:rPr lang="zh-Hans" altLang="en-US" smtClean="0"/>
+              <a:rPr lang="zh-CHS" altLang="en-US" smtClean="0"/>
               <a:t>单击此处编辑母版文本样式</a:t>
             </a:r>
           </a:p>
           <a:p>
             <a:pPr lvl="1"/>
             <a:r>
-              <a:rPr lang="zh-Hans" altLang="en-US" smtClean="0"/>
+              <a:rPr lang="zh-CHS" altLang="en-US" smtClean="0"/>
               <a:t>第二级</a:t>
             </a:r>
           </a:p>
           <a:p>
             <a:pPr lvl="2"/>
             <a:r>
-              <a:rPr lang="zh-Hans" altLang="en-US" smtClean="0"/>
+              <a:rPr lang="zh-CHS" altLang="en-US" smtClean="0"/>
               <a:t>第三级</a:t>
             </a:r>
           </a:p>
           <a:p>
             <a:pPr lvl="3"/>
             <a:r>
-              <a:rPr lang="zh-Hans" altLang="en-US" smtClean="0"/>
+              <a:rPr lang="zh-CHS" altLang="en-US" smtClean="0"/>
               <a:t>第四级</a:t>
             </a:r>
           </a:p>
           <a:p>
             <a:pPr lvl="4"/>
             <a:r>
-              <a:rPr lang="zh-Hans" altLang="en-US" smtClean="0"/>
+              <a:rPr lang="zh-CHS" altLang="en-US" smtClean="0"/>
               <a:t>第五级</a:t>
             </a:r>
-            <a:endParaRPr lang="zh-Hans" altLang="en-US"/>
+            <a:endParaRPr lang="zh-CHS" altLang="en-US"/>
           </a:p>
         </p:txBody>
       </p:sp>
@@ -16572,10 +16492,10 @@
           <a:lstStyle/>
           <a:p>
             <a:fld id="{20A9609D-18AF-4AB9-810A-C123BC20837E}" type="datetimeFigureOut">
-              <a:rPr lang="zh-Hans" altLang="en-US" smtClean="0"/>
-              <a:t>2015/4/5</a:t>
+              <a:rPr lang="zh-CHS" altLang="en-US" smtClean="0"/>
+              <a:t>15/4/6</a:t>
             </a:fld>
-            <a:endParaRPr lang="zh-Hans" altLang="en-US"/>
+            <a:endParaRPr lang="zh-CHS" altLang="en-US"/>
           </a:p>
         </p:txBody>
       </p:sp>
@@ -16594,7 +16514,7 @@
           <a:bodyPr/>
           <a:lstStyle/>
           <a:p>
-            <a:endParaRPr lang="zh-Hans" altLang="en-US"/>
+            <a:endParaRPr lang="zh-CHS" altLang="en-US"/>
           </a:p>
         </p:txBody>
       </p:sp>
@@ -16614,10 +16534,10 @@
           <a:lstStyle/>
           <a:p>
             <a:fld id="{0F1A6D50-7DBE-4567-87B6-815998E6DBF9}" type="slidenum">
-              <a:rPr lang="zh-Hans" altLang="en-US" smtClean="0"/>
+              <a:rPr lang="zh-CHS" altLang="en-US" smtClean="0"/>
               <a:t>‹#›</a:t>
             </a:fld>
-            <a:endParaRPr lang="zh-Hans" altLang="en-US"/>
+            <a:endParaRPr lang="zh-CHS" altLang="en-US"/>
           </a:p>
         </p:txBody>
       </p:sp>
@@ -16672,10 +16592,10 @@
           <a:lstStyle/>
           <a:p>
             <a:r>
-              <a:rPr lang="zh-Hans" altLang="en-US" smtClean="0"/>
+              <a:rPr lang="zh-CHS" altLang="en-US" smtClean="0"/>
               <a:t>单击此处编辑母版标题样式</a:t>
             </a:r>
-            <a:endParaRPr lang="zh-Hans" altLang="en-US"/>
+            <a:endParaRPr lang="zh-CHS" altLang="en-US"/>
           </a:p>
         </p:txBody>
       </p:sp>
@@ -16701,38 +16621,38 @@
           <a:p>
             <a:pPr lvl="0"/>
             <a:r>
-              <a:rPr lang="zh-Hans" altLang="en-US" smtClean="0"/>
+              <a:rPr lang="zh-CHS" altLang="en-US" smtClean="0"/>
               <a:t>单击此处编辑母版文本样式</a:t>
             </a:r>
           </a:p>
           <a:p>
             <a:pPr lvl="1"/>
             <a:r>
-              <a:rPr lang="zh-Hans" altLang="en-US" smtClean="0"/>
+              <a:rPr lang="zh-CHS" altLang="en-US" smtClean="0"/>
               <a:t>第二级</a:t>
             </a:r>
           </a:p>
           <a:p>
             <a:pPr lvl="2"/>
             <a:r>
-              <a:rPr lang="zh-Hans" altLang="en-US" smtClean="0"/>
+              <a:rPr lang="zh-CHS" altLang="en-US" smtClean="0"/>
               <a:t>第三级</a:t>
             </a:r>
           </a:p>
           <a:p>
             <a:pPr lvl="3"/>
             <a:r>
-              <a:rPr lang="zh-Hans" altLang="en-US" smtClean="0"/>
+              <a:rPr lang="zh-CHS" altLang="en-US" smtClean="0"/>
               <a:t>第四级</a:t>
             </a:r>
           </a:p>
           <a:p>
             <a:pPr lvl="4"/>
             <a:r>
-              <a:rPr lang="zh-Hans" altLang="en-US" smtClean="0"/>
+              <a:rPr lang="zh-CHS" altLang="en-US" smtClean="0"/>
               <a:t>第五级</a:t>
             </a:r>
-            <a:endParaRPr lang="zh-Hans" altLang="en-US"/>
+            <a:endParaRPr lang="zh-CHS" altLang="en-US"/>
           </a:p>
         </p:txBody>
       </p:sp>
@@ -16752,10 +16672,10 @@
           <a:lstStyle/>
           <a:p>
             <a:fld id="{20A9609D-18AF-4AB9-810A-C123BC20837E}" type="datetimeFigureOut">
-              <a:rPr lang="zh-Hans" altLang="en-US" smtClean="0"/>
-              <a:t>2015/4/5</a:t>
+              <a:rPr lang="zh-CHS" altLang="en-US" smtClean="0"/>
+              <a:t>15/4/6</a:t>
             </a:fld>
-            <a:endParaRPr lang="zh-Hans" altLang="en-US"/>
+            <a:endParaRPr lang="zh-CHS" altLang="en-US"/>
           </a:p>
         </p:txBody>
       </p:sp>
@@ -16774,7 +16694,7 @@
           <a:bodyPr/>
           <a:lstStyle/>
           <a:p>
-            <a:endParaRPr lang="zh-Hans" altLang="en-US"/>
+            <a:endParaRPr lang="zh-CHS" altLang="en-US"/>
           </a:p>
         </p:txBody>
       </p:sp>
@@ -16794,10 +16714,10 @@
           <a:lstStyle/>
           <a:p>
             <a:fld id="{0F1A6D50-7DBE-4567-87B6-815998E6DBF9}" type="slidenum">
-              <a:rPr lang="zh-Hans" altLang="en-US" smtClean="0"/>
+              <a:rPr lang="zh-CHS" altLang="en-US" smtClean="0"/>
               <a:t>‹#›</a:t>
             </a:fld>
-            <a:endParaRPr lang="zh-Hans" altLang="en-US"/>
+            <a:endParaRPr lang="zh-CHS" altLang="en-US"/>
           </a:p>
         </p:txBody>
       </p:sp>
@@ -16859,10 +16779,10 @@
           </a:lstStyle>
           <a:p>
             <a:r>
-              <a:rPr lang="zh-Hans" altLang="en-US" smtClean="0"/>
+              <a:rPr lang="zh-CHS" altLang="en-US" smtClean="0"/>
               <a:t>单击此处编辑母版标题样式</a:t>
             </a:r>
-            <a:endParaRPr lang="zh-Hans" altLang="en-US" dirty="0"/>
+            <a:endParaRPr lang="zh-CHS" altLang="en-US" dirty="0"/>
           </a:p>
         </p:txBody>
       </p:sp>
@@ -16883,38 +16803,38 @@
           <a:p>
             <a:pPr lvl="0"/>
             <a:r>
-              <a:rPr lang="zh-Hans" altLang="en-US" smtClean="0"/>
+              <a:rPr lang="zh-CHS" altLang="en-US" smtClean="0"/>
               <a:t>单击此处编辑母版文本样式</a:t>
             </a:r>
           </a:p>
           <a:p>
             <a:pPr lvl="1"/>
             <a:r>
-              <a:rPr lang="zh-Hans" altLang="en-US" smtClean="0"/>
+              <a:rPr lang="zh-CHS" altLang="en-US" smtClean="0"/>
               <a:t>第二级</a:t>
             </a:r>
           </a:p>
           <a:p>
             <a:pPr lvl="2"/>
             <a:r>
-              <a:rPr lang="zh-Hans" altLang="en-US" smtClean="0"/>
+              <a:rPr lang="zh-CHS" altLang="en-US" smtClean="0"/>
               <a:t>第三级</a:t>
             </a:r>
           </a:p>
           <a:p>
             <a:pPr lvl="3"/>
             <a:r>
-              <a:rPr lang="zh-Hans" altLang="en-US" smtClean="0"/>
+              <a:rPr lang="zh-CHS" altLang="en-US" smtClean="0"/>
               <a:t>第四级</a:t>
             </a:r>
           </a:p>
           <a:p>
             <a:pPr lvl="4"/>
             <a:r>
-              <a:rPr lang="zh-Hans" altLang="en-US" smtClean="0"/>
+              <a:rPr lang="zh-CHS" altLang="en-US" smtClean="0"/>
               <a:t>第五级</a:t>
             </a:r>
-            <a:endParaRPr lang="zh-Hans" altLang="en-US"/>
+            <a:endParaRPr lang="zh-CHS" altLang="en-US"/>
           </a:p>
         </p:txBody>
       </p:sp>
@@ -16934,10 +16854,10 @@
           <a:lstStyle/>
           <a:p>
             <a:fld id="{20A9609D-18AF-4AB9-810A-C123BC20837E}" type="datetimeFigureOut">
-              <a:rPr lang="zh-Hans" altLang="en-US" smtClean="0"/>
-              <a:t>2015/4/5</a:t>
+              <a:rPr lang="zh-CHS" altLang="en-US" smtClean="0"/>
+              <a:t>15/4/6</a:t>
             </a:fld>
-            <a:endParaRPr lang="zh-Hans" altLang="en-US"/>
+            <a:endParaRPr lang="zh-CHS" altLang="en-US"/>
           </a:p>
         </p:txBody>
       </p:sp>
@@ -16956,7 +16876,7 @@
           <a:bodyPr/>
           <a:lstStyle/>
           <a:p>
-            <a:endParaRPr lang="zh-Hans" altLang="en-US"/>
+            <a:endParaRPr lang="zh-CHS" altLang="en-US"/>
           </a:p>
         </p:txBody>
       </p:sp>
@@ -16976,10 +16896,10 @@
           <a:lstStyle/>
           <a:p>
             <a:fld id="{0F1A6D50-7DBE-4567-87B6-815998E6DBF9}" type="slidenum">
-              <a:rPr lang="zh-Hans" altLang="en-US" smtClean="0"/>
+              <a:rPr lang="zh-CHS" altLang="en-US" smtClean="0"/>
               <a:t>‹#›</a:t>
             </a:fld>
-            <a:endParaRPr lang="zh-Hans" altLang="en-US"/>
+            <a:endParaRPr lang="zh-CHS" altLang="en-US"/>
           </a:p>
         </p:txBody>
       </p:sp>
@@ -17045,10 +16965,10 @@
           </a:lstStyle>
           <a:p>
             <a:r>
-              <a:rPr lang="zh-Hans" altLang="en-US" smtClean="0"/>
+              <a:rPr lang="zh-CHS" altLang="en-US" smtClean="0"/>
               <a:t>单击此处编辑母版标题样式</a:t>
             </a:r>
-            <a:endParaRPr lang="zh-Hans" altLang="en-US"/>
+            <a:endParaRPr lang="zh-CHS" altLang="en-US"/>
           </a:p>
         </p:txBody>
       </p:sp>
@@ -17165,7 +17085,7 @@
           <a:p>
             <a:pPr lvl="0"/>
             <a:r>
-              <a:rPr lang="zh-Hans" altLang="en-US" smtClean="0"/>
+              <a:rPr lang="zh-CHS" altLang="en-US" smtClean="0"/>
               <a:t>单击此处编辑母版文本样式</a:t>
             </a:r>
           </a:p>
@@ -17187,10 +17107,10 @@
           <a:lstStyle/>
           <a:p>
             <a:fld id="{20A9609D-18AF-4AB9-810A-C123BC20837E}" type="datetimeFigureOut">
-              <a:rPr lang="zh-Hans" altLang="en-US" smtClean="0"/>
-              <a:t>2015/4/5</a:t>
+              <a:rPr lang="zh-CHS" altLang="en-US" smtClean="0"/>
+              <a:t>15/4/6</a:t>
             </a:fld>
-            <a:endParaRPr lang="zh-Hans" altLang="en-US"/>
+            <a:endParaRPr lang="zh-CHS" altLang="en-US"/>
           </a:p>
         </p:txBody>
       </p:sp>
@@ -17209,7 +17129,7 @@
           <a:bodyPr/>
           <a:lstStyle/>
           <a:p>
-            <a:endParaRPr lang="zh-Hans" altLang="en-US"/>
+            <a:endParaRPr lang="zh-CHS" altLang="en-US"/>
           </a:p>
         </p:txBody>
       </p:sp>
@@ -17229,10 +17149,10 @@
           <a:lstStyle/>
           <a:p>
             <a:fld id="{0F1A6D50-7DBE-4567-87B6-815998E6DBF9}" type="slidenum">
-              <a:rPr lang="zh-Hans" altLang="en-US" smtClean="0"/>
+              <a:rPr lang="zh-CHS" altLang="en-US" smtClean="0"/>
               <a:t>‹#›</a:t>
             </a:fld>
-            <a:endParaRPr lang="zh-Hans" altLang="en-US"/>
+            <a:endParaRPr lang="zh-CHS" altLang="en-US"/>
           </a:p>
         </p:txBody>
       </p:sp>
@@ -17282,10 +17202,10 @@
           <a:lstStyle/>
           <a:p>
             <a:r>
-              <a:rPr lang="zh-Hans" altLang="en-US" smtClean="0"/>
+              <a:rPr lang="zh-CHS" altLang="en-US" smtClean="0"/>
               <a:t>单击此处编辑母版标题样式</a:t>
             </a:r>
-            <a:endParaRPr lang="zh-Hans" altLang="en-US"/>
+            <a:endParaRPr lang="zh-CHS" altLang="en-US"/>
           </a:p>
         </p:txBody>
       </p:sp>
@@ -17339,38 +17259,38 @@
           <a:p>
             <a:pPr lvl="0"/>
             <a:r>
-              <a:rPr lang="zh-Hans" altLang="en-US" smtClean="0"/>
+              <a:rPr lang="zh-CHS" altLang="en-US" smtClean="0"/>
               <a:t>单击此处编辑母版文本样式</a:t>
             </a:r>
           </a:p>
           <a:p>
             <a:pPr lvl="1"/>
             <a:r>
-              <a:rPr lang="zh-Hans" altLang="en-US" smtClean="0"/>
+              <a:rPr lang="zh-CHS" altLang="en-US" smtClean="0"/>
               <a:t>第二级</a:t>
             </a:r>
           </a:p>
           <a:p>
             <a:pPr lvl="2"/>
             <a:r>
-              <a:rPr lang="zh-Hans" altLang="en-US" smtClean="0"/>
+              <a:rPr lang="zh-CHS" altLang="en-US" smtClean="0"/>
               <a:t>第三级</a:t>
             </a:r>
           </a:p>
           <a:p>
             <a:pPr lvl="3"/>
             <a:r>
-              <a:rPr lang="zh-Hans" altLang="en-US" smtClean="0"/>
+              <a:rPr lang="zh-CHS" altLang="en-US" smtClean="0"/>
               <a:t>第四级</a:t>
             </a:r>
           </a:p>
           <a:p>
             <a:pPr lvl="4"/>
             <a:r>
-              <a:rPr lang="zh-Hans" altLang="en-US" smtClean="0"/>
+              <a:rPr lang="zh-CHS" altLang="en-US" smtClean="0"/>
               <a:t>第五级</a:t>
             </a:r>
-            <a:endParaRPr lang="zh-Hans" altLang="en-US"/>
+            <a:endParaRPr lang="zh-CHS" altLang="en-US"/>
           </a:p>
         </p:txBody>
       </p:sp>
@@ -17424,38 +17344,38 @@
           <a:p>
             <a:pPr lvl="0"/>
             <a:r>
-              <a:rPr lang="zh-Hans" altLang="en-US" smtClean="0"/>
+              <a:rPr lang="zh-CHS" altLang="en-US" smtClean="0"/>
               <a:t>单击此处编辑母版文本样式</a:t>
             </a:r>
           </a:p>
           <a:p>
             <a:pPr lvl="1"/>
             <a:r>
-              <a:rPr lang="zh-Hans" altLang="en-US" smtClean="0"/>
+              <a:rPr lang="zh-CHS" altLang="en-US" smtClean="0"/>
               <a:t>第二级</a:t>
             </a:r>
           </a:p>
           <a:p>
             <a:pPr lvl="2"/>
             <a:r>
-              <a:rPr lang="zh-Hans" altLang="en-US" smtClean="0"/>
+              <a:rPr lang="zh-CHS" altLang="en-US" smtClean="0"/>
               <a:t>第三级</a:t>
             </a:r>
           </a:p>
           <a:p>
             <a:pPr lvl="3"/>
             <a:r>
-              <a:rPr lang="zh-Hans" altLang="en-US" smtClean="0"/>
+              <a:rPr lang="zh-CHS" altLang="en-US" smtClean="0"/>
               <a:t>第四级</a:t>
             </a:r>
           </a:p>
           <a:p>
             <a:pPr lvl="4"/>
             <a:r>
-              <a:rPr lang="zh-Hans" altLang="en-US" smtClean="0"/>
+              <a:rPr lang="zh-CHS" altLang="en-US" smtClean="0"/>
               <a:t>第五级</a:t>
             </a:r>
-            <a:endParaRPr lang="zh-Hans" altLang="en-US"/>
+            <a:endParaRPr lang="zh-CHS" altLang="en-US"/>
           </a:p>
         </p:txBody>
       </p:sp>
@@ -17475,10 +17395,10 @@
           <a:lstStyle/>
           <a:p>
             <a:fld id="{20A9609D-18AF-4AB9-810A-C123BC20837E}" type="datetimeFigureOut">
-              <a:rPr lang="zh-Hans" altLang="en-US" smtClean="0"/>
-              <a:t>2015/4/5</a:t>
+              <a:rPr lang="zh-CHS" altLang="en-US" smtClean="0"/>
+              <a:t>15/4/6</a:t>
             </a:fld>
-            <a:endParaRPr lang="zh-Hans" altLang="en-US"/>
+            <a:endParaRPr lang="zh-CHS" altLang="en-US"/>
           </a:p>
         </p:txBody>
       </p:sp>
@@ -17497,7 +17417,7 @@
           <a:bodyPr/>
           <a:lstStyle/>
           <a:p>
-            <a:endParaRPr lang="zh-Hans" altLang="en-US"/>
+            <a:endParaRPr lang="zh-CHS" altLang="en-US"/>
           </a:p>
         </p:txBody>
       </p:sp>
@@ -17517,10 +17437,10 @@
           <a:lstStyle/>
           <a:p>
             <a:fld id="{0F1A6D50-7DBE-4567-87B6-815998E6DBF9}" type="slidenum">
-              <a:rPr lang="zh-Hans" altLang="en-US" smtClean="0"/>
+              <a:rPr lang="zh-CHS" altLang="en-US" smtClean="0"/>
               <a:t>‹#›</a:t>
             </a:fld>
-            <a:endParaRPr lang="zh-Hans" altLang="en-US"/>
+            <a:endParaRPr lang="zh-CHS" altLang="en-US"/>
           </a:p>
         </p:txBody>
       </p:sp>
@@ -17574,10 +17494,10 @@
           </a:lstStyle>
           <a:p>
             <a:r>
-              <a:rPr lang="zh-Hans" altLang="en-US" smtClean="0"/>
+              <a:rPr lang="zh-CHS" altLang="en-US" smtClean="0"/>
               <a:t>单击此处编辑母版标题样式</a:t>
             </a:r>
-            <a:endParaRPr lang="zh-Hans" altLang="en-US"/>
+            <a:endParaRPr lang="zh-CHS" altLang="en-US"/>
           </a:p>
         </p:txBody>
       </p:sp>
@@ -17640,7 +17560,7 @@
           <a:p>
             <a:pPr lvl="0"/>
             <a:r>
-              <a:rPr lang="zh-Hans" altLang="en-US" smtClean="0"/>
+              <a:rPr lang="zh-CHS" altLang="en-US" smtClean="0"/>
               <a:t>单击此处编辑母版文本样式</a:t>
             </a:r>
           </a:p>
@@ -17696,38 +17616,38 @@
           <a:p>
             <a:pPr lvl="0"/>
             <a:r>
-              <a:rPr lang="zh-Hans" altLang="en-US" smtClean="0"/>
+              <a:rPr lang="zh-CHS" altLang="en-US" smtClean="0"/>
               <a:t>单击此处编辑母版文本样式</a:t>
             </a:r>
           </a:p>
           <a:p>
             <a:pPr lvl="1"/>
             <a:r>
-              <a:rPr lang="zh-Hans" altLang="en-US" smtClean="0"/>
+              <a:rPr lang="zh-CHS" altLang="en-US" smtClean="0"/>
               <a:t>第二级</a:t>
             </a:r>
           </a:p>
           <a:p>
             <a:pPr lvl="2"/>
             <a:r>
-              <a:rPr lang="zh-Hans" altLang="en-US" smtClean="0"/>
+              <a:rPr lang="zh-CHS" altLang="en-US" smtClean="0"/>
               <a:t>第三级</a:t>
             </a:r>
           </a:p>
           <a:p>
             <a:pPr lvl="3"/>
             <a:r>
-              <a:rPr lang="zh-Hans" altLang="en-US" smtClean="0"/>
+              <a:rPr lang="zh-CHS" altLang="en-US" smtClean="0"/>
               <a:t>第四级</a:t>
             </a:r>
           </a:p>
           <a:p>
             <a:pPr lvl="4"/>
             <a:r>
-              <a:rPr lang="zh-Hans" altLang="en-US" smtClean="0"/>
+              <a:rPr lang="zh-CHS" altLang="en-US" smtClean="0"/>
               <a:t>第五级</a:t>
             </a:r>
-            <a:endParaRPr lang="zh-Hans" altLang="en-US"/>
+            <a:endParaRPr lang="zh-CHS" altLang="en-US"/>
           </a:p>
         </p:txBody>
       </p:sp>
@@ -17790,7 +17710,7 @@
           <a:p>
             <a:pPr lvl="0"/>
             <a:r>
-              <a:rPr lang="zh-Hans" altLang="en-US" smtClean="0"/>
+              <a:rPr lang="zh-CHS" altLang="en-US" smtClean="0"/>
               <a:t>单击此处编辑母版文本样式</a:t>
             </a:r>
           </a:p>
@@ -17846,38 +17766,38 @@
           <a:p>
             <a:pPr lvl="0"/>
             <a:r>
-              <a:rPr lang="zh-Hans" altLang="en-US" smtClean="0"/>
+              <a:rPr lang="zh-CHS" altLang="en-US" smtClean="0"/>
               <a:t>单击此处编辑母版文本样式</a:t>
             </a:r>
           </a:p>
           <a:p>
             <a:pPr lvl="1"/>
             <a:r>
-              <a:rPr lang="zh-Hans" altLang="en-US" smtClean="0"/>
+              <a:rPr lang="zh-CHS" altLang="en-US" smtClean="0"/>
               <a:t>第二级</a:t>
             </a:r>
           </a:p>
           <a:p>
             <a:pPr lvl="2"/>
             <a:r>
-              <a:rPr lang="zh-Hans" altLang="en-US" smtClean="0"/>
+              <a:rPr lang="zh-CHS" altLang="en-US" smtClean="0"/>
               <a:t>第三级</a:t>
             </a:r>
           </a:p>
           <a:p>
             <a:pPr lvl="3"/>
             <a:r>
-              <a:rPr lang="zh-Hans" altLang="en-US" smtClean="0"/>
+              <a:rPr lang="zh-CHS" altLang="en-US" smtClean="0"/>
               <a:t>第四级</a:t>
             </a:r>
           </a:p>
           <a:p>
             <a:pPr lvl="4"/>
             <a:r>
-              <a:rPr lang="zh-Hans" altLang="en-US" smtClean="0"/>
+              <a:rPr lang="zh-CHS" altLang="en-US" smtClean="0"/>
               <a:t>第五级</a:t>
             </a:r>
-            <a:endParaRPr lang="zh-Hans" altLang="en-US"/>
+            <a:endParaRPr lang="zh-CHS" altLang="en-US"/>
           </a:p>
         </p:txBody>
       </p:sp>
@@ -17897,10 +17817,10 @@
           <a:lstStyle/>
           <a:p>
             <a:fld id="{20A9609D-18AF-4AB9-810A-C123BC20837E}" type="datetimeFigureOut">
-              <a:rPr lang="zh-Hans" altLang="en-US" smtClean="0"/>
-              <a:t>2015/4/5</a:t>
+              <a:rPr lang="zh-CHS" altLang="en-US" smtClean="0"/>
+              <a:t>15/4/6</a:t>
             </a:fld>
-            <a:endParaRPr lang="zh-Hans" altLang="en-US"/>
+            <a:endParaRPr lang="zh-CHS" altLang="en-US"/>
           </a:p>
         </p:txBody>
       </p:sp>
@@ -17919,7 +17839,7 @@
           <a:bodyPr/>
           <a:lstStyle/>
           <a:p>
-            <a:endParaRPr lang="zh-Hans" altLang="en-US"/>
+            <a:endParaRPr lang="zh-CHS" altLang="en-US"/>
           </a:p>
         </p:txBody>
       </p:sp>
@@ -17939,10 +17859,10 @@
           <a:lstStyle/>
           <a:p>
             <a:fld id="{0F1A6D50-7DBE-4567-87B6-815998E6DBF9}" type="slidenum">
-              <a:rPr lang="zh-Hans" altLang="en-US" smtClean="0"/>
+              <a:rPr lang="zh-CHS" altLang="en-US" smtClean="0"/>
               <a:t>‹#›</a:t>
             </a:fld>
-            <a:endParaRPr lang="zh-Hans" altLang="en-US"/>
+            <a:endParaRPr lang="zh-CHS" altLang="en-US"/>
           </a:p>
         </p:txBody>
       </p:sp>
@@ -17992,10 +17912,10 @@
           <a:lstStyle/>
           <a:p>
             <a:r>
-              <a:rPr lang="zh-Hans" altLang="en-US" smtClean="0"/>
+              <a:rPr lang="zh-CHS" altLang="en-US" smtClean="0"/>
               <a:t>单击此处编辑母版标题样式</a:t>
             </a:r>
-            <a:endParaRPr lang="zh-Hans" altLang="en-US"/>
+            <a:endParaRPr lang="zh-CHS" altLang="en-US"/>
           </a:p>
         </p:txBody>
       </p:sp>
@@ -18015,10 +17935,10 @@
           <a:lstStyle/>
           <a:p>
             <a:fld id="{20A9609D-18AF-4AB9-810A-C123BC20837E}" type="datetimeFigureOut">
-              <a:rPr lang="zh-Hans" altLang="en-US" smtClean="0"/>
-              <a:t>2015/4/5</a:t>
+              <a:rPr lang="zh-CHS" altLang="en-US" smtClean="0"/>
+              <a:t>15/4/6</a:t>
             </a:fld>
-            <a:endParaRPr lang="zh-Hans" altLang="en-US"/>
+            <a:endParaRPr lang="zh-CHS" altLang="en-US"/>
           </a:p>
         </p:txBody>
       </p:sp>
@@ -18037,7 +17957,7 @@
           <a:bodyPr/>
           <a:lstStyle/>
           <a:p>
-            <a:endParaRPr lang="zh-Hans" altLang="en-US"/>
+            <a:endParaRPr lang="zh-CHS" altLang="en-US"/>
           </a:p>
         </p:txBody>
       </p:sp>
@@ -18057,10 +17977,10 @@
           <a:lstStyle/>
           <a:p>
             <a:fld id="{0F1A6D50-7DBE-4567-87B6-815998E6DBF9}" type="slidenum">
-              <a:rPr lang="zh-Hans" altLang="en-US" smtClean="0"/>
+              <a:rPr lang="zh-CHS" altLang="en-US" smtClean="0"/>
               <a:t>‹#›</a:t>
             </a:fld>
-            <a:endParaRPr lang="zh-Hans" altLang="en-US"/>
+            <a:endParaRPr lang="zh-CHS" altLang="en-US"/>
           </a:p>
         </p:txBody>
       </p:sp>
@@ -18110,10 +18030,10 @@
           <a:lstStyle/>
           <a:p>
             <a:fld id="{20A9609D-18AF-4AB9-810A-C123BC20837E}" type="datetimeFigureOut">
-              <a:rPr lang="zh-Hans" altLang="en-US" smtClean="0"/>
-              <a:t>2015/4/5</a:t>
+              <a:rPr lang="zh-CHS" altLang="en-US" smtClean="0"/>
+              <a:t>15/4/6</a:t>
             </a:fld>
-            <a:endParaRPr lang="zh-Hans" altLang="en-US"/>
+            <a:endParaRPr lang="zh-CHS" altLang="en-US"/>
           </a:p>
         </p:txBody>
       </p:sp>
@@ -18132,7 +18052,7 @@
           <a:bodyPr/>
           <a:lstStyle/>
           <a:p>
-            <a:endParaRPr lang="zh-Hans" altLang="en-US"/>
+            <a:endParaRPr lang="zh-CHS" altLang="en-US"/>
           </a:p>
         </p:txBody>
       </p:sp>
@@ -18152,10 +18072,10 @@
           <a:lstStyle/>
           <a:p>
             <a:fld id="{0F1A6D50-7DBE-4567-87B6-815998E6DBF9}" type="slidenum">
-              <a:rPr lang="zh-Hans" altLang="en-US" smtClean="0"/>
+              <a:rPr lang="zh-CHS" altLang="en-US" smtClean="0"/>
               <a:t>‹#›</a:t>
             </a:fld>
-            <a:endParaRPr lang="zh-Hans" altLang="en-US"/>
+            <a:endParaRPr lang="zh-CHS" altLang="en-US"/>
           </a:p>
         </p:txBody>
       </p:sp>
@@ -18214,10 +18134,10 @@
           </a:lstStyle>
           <a:p>
             <a:r>
-              <a:rPr lang="zh-Hans" altLang="en-US" smtClean="0"/>
+              <a:rPr lang="zh-CHS" altLang="en-US" smtClean="0"/>
               <a:t>单击此处编辑母版标题样式</a:t>
             </a:r>
-            <a:endParaRPr lang="zh-Hans" altLang="en-US"/>
+            <a:endParaRPr lang="zh-CHS" altLang="en-US"/>
           </a:p>
         </p:txBody>
       </p:sp>
@@ -18271,38 +18191,38 @@
           <a:p>
             <a:pPr lvl="0"/>
             <a:r>
-              <a:rPr lang="zh-Hans" altLang="en-US" smtClean="0"/>
+              <a:rPr lang="zh-CHS" altLang="en-US" smtClean="0"/>
               <a:t>单击此处编辑母版文本样式</a:t>
             </a:r>
           </a:p>
           <a:p>
             <a:pPr lvl="1"/>
             <a:r>
-              <a:rPr lang="zh-Hans" altLang="en-US" smtClean="0"/>
+              <a:rPr lang="zh-CHS" altLang="en-US" smtClean="0"/>
               <a:t>第二级</a:t>
             </a:r>
           </a:p>
           <a:p>
             <a:pPr lvl="2"/>
             <a:r>
-              <a:rPr lang="zh-Hans" altLang="en-US" smtClean="0"/>
+              <a:rPr lang="zh-CHS" altLang="en-US" smtClean="0"/>
               <a:t>第三级</a:t>
             </a:r>
           </a:p>
           <a:p>
             <a:pPr lvl="3"/>
             <a:r>
-              <a:rPr lang="zh-Hans" altLang="en-US" smtClean="0"/>
+              <a:rPr lang="zh-CHS" altLang="en-US" smtClean="0"/>
               <a:t>第四级</a:t>
             </a:r>
           </a:p>
           <a:p>
             <a:pPr lvl="4"/>
             <a:r>
-              <a:rPr lang="zh-Hans" altLang="en-US" smtClean="0"/>
+              <a:rPr lang="zh-CHS" altLang="en-US" smtClean="0"/>
               <a:t>第五级</a:t>
             </a:r>
-            <a:endParaRPr lang="zh-Hans" altLang="en-US"/>
+            <a:endParaRPr lang="zh-CHS" altLang="en-US"/>
           </a:p>
         </p:txBody>
       </p:sp>
@@ -18365,7 +18285,7 @@
           <a:p>
             <a:pPr lvl="0"/>
             <a:r>
-              <a:rPr lang="zh-Hans" altLang="en-US" smtClean="0"/>
+              <a:rPr lang="zh-CHS" altLang="en-US" smtClean="0"/>
               <a:t>单击此处编辑母版文本样式</a:t>
             </a:r>
           </a:p>
@@ -18387,10 +18307,10 @@
           <a:lstStyle/>
           <a:p>
             <a:fld id="{20A9609D-18AF-4AB9-810A-C123BC20837E}" type="datetimeFigureOut">
-              <a:rPr lang="zh-Hans" altLang="en-US" smtClean="0"/>
-              <a:t>2015/4/5</a:t>
+              <a:rPr lang="zh-CHS" altLang="en-US" smtClean="0"/>
+              <a:t>15/4/6</a:t>
             </a:fld>
-            <a:endParaRPr lang="zh-Hans" altLang="en-US"/>
+            <a:endParaRPr lang="zh-CHS" altLang="en-US"/>
           </a:p>
         </p:txBody>
       </p:sp>
@@ -18409,7 +18329,7 @@
           <a:bodyPr/>
           <a:lstStyle/>
           <a:p>
-            <a:endParaRPr lang="zh-Hans" altLang="en-US"/>
+            <a:endParaRPr lang="zh-CHS" altLang="en-US"/>
           </a:p>
         </p:txBody>
       </p:sp>
@@ -18429,10 +18349,10 @@
           <a:lstStyle/>
           <a:p>
             <a:fld id="{0F1A6D50-7DBE-4567-87B6-815998E6DBF9}" type="slidenum">
-              <a:rPr lang="zh-Hans" altLang="en-US" smtClean="0"/>
+              <a:rPr lang="zh-CHS" altLang="en-US" smtClean="0"/>
               <a:t>‹#›</a:t>
             </a:fld>
-            <a:endParaRPr lang="zh-Hans" altLang="en-US"/>
+            <a:endParaRPr lang="zh-CHS" altLang="en-US"/>
           </a:p>
         </p:txBody>
       </p:sp>
@@ -18491,10 +18411,10 @@
           </a:lstStyle>
           <a:p>
             <a:r>
-              <a:rPr lang="zh-Hans" altLang="en-US" smtClean="0"/>
+              <a:rPr lang="zh-CHS" altLang="en-US" smtClean="0"/>
               <a:t>单击此处编辑母版标题样式</a:t>
             </a:r>
-            <a:endParaRPr lang="zh-Hans" altLang="en-US"/>
+            <a:endParaRPr lang="zh-CHS" altLang="en-US"/>
           </a:p>
         </p:txBody>
       </p:sp>
@@ -18556,10 +18476,10 @@
           </a:lstStyle>
           <a:p>
             <a:r>
-              <a:rPr lang="zh-Hans" altLang="en-US" smtClean="0"/>
+              <a:rPr lang="zh-CHS" altLang="en-US" smtClean="0"/>
               <a:t>单击图标添加图片</a:t>
             </a:r>
-            <a:endParaRPr lang="zh-Hans" altLang="en-US"/>
+            <a:endParaRPr lang="zh-CHS" altLang="en-US"/>
           </a:p>
         </p:txBody>
       </p:sp>
@@ -18622,7 +18542,7 @@
           <a:p>
             <a:pPr lvl="0"/>
             <a:r>
-              <a:rPr lang="zh-Hans" altLang="en-US" smtClean="0"/>
+              <a:rPr lang="zh-CHS" altLang="en-US" smtClean="0"/>
               <a:t>单击此处编辑母版文本样式</a:t>
             </a:r>
           </a:p>
@@ -18644,10 +18564,10 @@
           <a:lstStyle/>
           <a:p>
             <a:fld id="{20A9609D-18AF-4AB9-810A-C123BC20837E}" type="datetimeFigureOut">
-              <a:rPr lang="zh-Hans" altLang="en-US" smtClean="0"/>
-              <a:t>2015/4/5</a:t>
+              <a:rPr lang="zh-CHS" altLang="en-US" smtClean="0"/>
+              <a:t>15/4/6</a:t>
             </a:fld>
-            <a:endParaRPr lang="zh-Hans" altLang="en-US"/>
+            <a:endParaRPr lang="zh-CHS" altLang="en-US"/>
           </a:p>
         </p:txBody>
       </p:sp>
@@ -18666,7 +18586,7 @@
           <a:bodyPr/>
           <a:lstStyle/>
           <a:p>
-            <a:endParaRPr lang="zh-Hans" altLang="en-US"/>
+            <a:endParaRPr lang="zh-CHS" altLang="en-US"/>
           </a:p>
         </p:txBody>
       </p:sp>
@@ -18686,10 +18606,10 @@
           <a:lstStyle/>
           <a:p>
             <a:fld id="{0F1A6D50-7DBE-4567-87B6-815998E6DBF9}" type="slidenum">
-              <a:rPr lang="zh-Hans" altLang="en-US" smtClean="0"/>
+              <a:rPr lang="zh-CHS" altLang="en-US" smtClean="0"/>
               <a:t>‹#›</a:t>
             </a:fld>
-            <a:endParaRPr lang="zh-Hans" altLang="en-US"/>
+            <a:endParaRPr lang="zh-CHS" altLang="en-US"/>
           </a:p>
         </p:txBody>
       </p:sp>
@@ -18763,10 +18683,10 @@
           <a:lstStyle/>
           <a:p>
             <a:r>
-              <a:rPr lang="zh-Hans" altLang="en-US" dirty="0" smtClean="0"/>
+              <a:rPr lang="zh-CHS" altLang="en-US" dirty="0" smtClean="0"/>
               <a:t>单击此处编辑母版标题样式</a:t>
             </a:r>
-            <a:endParaRPr lang="zh-Hans" altLang="en-US" dirty="0"/>
+            <a:endParaRPr lang="zh-CHS" altLang="en-US" dirty="0"/>
           </a:p>
         </p:txBody>
       </p:sp>
@@ -18797,38 +18717,38 @@
           <a:p>
             <a:pPr lvl="0"/>
             <a:r>
-              <a:rPr lang="zh-Hans" altLang="en-US" dirty="0" smtClean="0"/>
+              <a:rPr lang="zh-CHS" altLang="en-US" dirty="0" smtClean="0"/>
               <a:t>单击此处编辑母版文本样式</a:t>
             </a:r>
           </a:p>
           <a:p>
             <a:pPr lvl="1"/>
             <a:r>
-              <a:rPr lang="zh-Hans" altLang="en-US" dirty="0" smtClean="0"/>
+              <a:rPr lang="zh-CHS" altLang="en-US" dirty="0" smtClean="0"/>
               <a:t>第二级</a:t>
             </a:r>
           </a:p>
           <a:p>
             <a:pPr lvl="2"/>
             <a:r>
-              <a:rPr lang="zh-Hans" altLang="en-US" dirty="0" smtClean="0"/>
+              <a:rPr lang="zh-CHS" altLang="en-US" dirty="0" smtClean="0"/>
               <a:t>第三级</a:t>
             </a:r>
           </a:p>
           <a:p>
             <a:pPr lvl="3"/>
             <a:r>
-              <a:rPr lang="zh-Hans" altLang="en-US" dirty="0" smtClean="0"/>
+              <a:rPr lang="zh-CHS" altLang="en-US" dirty="0" smtClean="0"/>
               <a:t>第四级</a:t>
             </a:r>
           </a:p>
           <a:p>
             <a:pPr lvl="4"/>
             <a:r>
-              <a:rPr lang="zh-Hans" altLang="en-US" dirty="0" smtClean="0"/>
+              <a:rPr lang="zh-CHS" altLang="en-US" dirty="0" smtClean="0"/>
               <a:t>第五级</a:t>
             </a:r>
-            <a:endParaRPr lang="zh-Hans" altLang="en-US" dirty="0"/>
+            <a:endParaRPr lang="zh-CHS" altLang="en-US" dirty="0"/>
           </a:p>
         </p:txBody>
       </p:sp>
@@ -18866,10 +18786,10 @@
           </a:lstStyle>
           <a:p>
             <a:fld id="{20A9609D-18AF-4AB9-810A-C123BC20837E}" type="datetimeFigureOut">
-              <a:rPr lang="zh-Hans" altLang="en-US" smtClean="0"/>
-              <a:t>2015/4/5</a:t>
+              <a:rPr lang="zh-CHS" altLang="en-US" smtClean="0"/>
+              <a:t>15/4/6</a:t>
             </a:fld>
-            <a:endParaRPr lang="zh-Hans" altLang="en-US"/>
+            <a:endParaRPr lang="zh-CHS" altLang="en-US"/>
           </a:p>
         </p:txBody>
       </p:sp>
@@ -18906,7 +18826,7 @@
             </a:lvl1pPr>
           </a:lstStyle>
           <a:p>
-            <a:endParaRPr lang="zh-Hans" altLang="en-US"/>
+            <a:endParaRPr lang="zh-CHS" altLang="en-US"/>
           </a:p>
         </p:txBody>
       </p:sp>
@@ -18942,10 +18862,10 @@
           </a:lstStyle>
           <a:p>
             <a:fld id="{0F1A6D50-7DBE-4567-87B6-815998E6DBF9}" type="slidenum">
-              <a:rPr lang="zh-Hans" altLang="en-US" smtClean="0"/>
+              <a:rPr lang="zh-CHS" altLang="en-US" smtClean="0"/>
               <a:t>‹#›</a:t>
             </a:fld>
-            <a:endParaRPr lang="zh-Hans" altLang="en-US"/>
+            <a:endParaRPr lang="zh-CHS" altLang="en-US"/>
           </a:p>
         </p:txBody>
       </p:sp>
@@ -19133,7 +19053,7 @@
     </p:bodyStyle>
     <p:otherStyle>
       <a:defPPr>
-        <a:defRPr lang="zh-Hans"/>
+        <a:defRPr lang="zh-CHS"/>
       </a:defPPr>
       <a:lvl1pPr marL="0" algn="l" defTabSz="914400" rtl="0" eaLnBrk="1" latinLnBrk="0" hangingPunct="1">
         <a:defRPr sz="1800" kern="1200">
@@ -19265,24 +19185,24 @@
           <a:lstStyle/>
           <a:p>
             <a:r>
-              <a:rPr lang="zh-CN" altLang="zh-CN" sz="4000" dirty="0" smtClean="0">
+              <a:rPr lang="zh-CHS" altLang="zh-CHS" sz="4000" dirty="0" smtClean="0">
                 <a:effectLst/>
               </a:rPr>
               <a:t>流程</a:t>
             </a:r>
             <a:r>
-              <a:rPr lang="zh-CN" altLang="zh-CN" sz="4000" dirty="0">
+              <a:rPr lang="zh-CHS" altLang="zh-CHS" sz="4000" dirty="0">
                 <a:effectLst/>
               </a:rPr>
               <a:t>挖掘算法与评估框架</a:t>
             </a:r>
             <a:r>
-              <a:rPr lang="zh-CN" altLang="zh-CN" sz="4000" dirty="0" smtClean="0">
+              <a:rPr lang="zh-CHS" altLang="zh-CHS" sz="4000" dirty="0" smtClean="0">
                 <a:effectLst/>
               </a:rPr>
               <a:t>研究</a:t>
             </a:r>
-            <a:endParaRPr lang="zh-Hans" altLang="en-US" sz="6000" dirty="0"/>
+            <a:endParaRPr lang="zh-CHS" altLang="en-US" sz="6000" dirty="0"/>
           </a:p>
         </p:txBody>
       </p:sp>
@@ -19309,24 +19229,24 @@
           <a:lstStyle/>
           <a:p>
             <a:r>
-              <a:rPr lang="zh-CN" altLang="en-US" sz="2400" dirty="0" smtClean="0"/>
+              <a:rPr lang="zh-CHS" altLang="en-US" sz="2400" dirty="0" smtClean="0"/>
               <a:t>毕业论文初稿交流</a:t>
             </a:r>
-            <a:endParaRPr lang="en-US" altLang="zh-CN" sz="2400" dirty="0" smtClean="0"/>
+            <a:endParaRPr lang="en-US" altLang="zh-CHS" sz="2400" dirty="0" smtClean="0"/>
           </a:p>
           <a:p>
             <a:r>
-              <a:rPr lang="zh-CN" altLang="en-US" sz="2400" dirty="0" smtClean="0"/>
+              <a:rPr lang="zh-CHS" altLang="en-US" sz="2400" dirty="0" smtClean="0"/>
               <a:t>郭秦龙</a:t>
             </a:r>
-            <a:endParaRPr lang="zh-Hans" altLang="en-US" sz="2400" dirty="0"/>
+            <a:endParaRPr lang="zh-CHS" altLang="en-US" sz="2400" dirty="0"/>
           </a:p>
           <a:p>
             <a:r>
-              <a:rPr lang="en-US" altLang="zh-Hans" sz="2400" dirty="0" smtClean="0"/>
+              <a:rPr lang="en-US" altLang="zh-CHS" sz="2400" dirty="0" smtClean="0"/>
               <a:t>2015.4.6</a:t>
             </a:r>
-            <a:endParaRPr lang="en-US" altLang="zh-Hans" sz="2400" dirty="0"/>
+            <a:endParaRPr lang="en-US" altLang="zh-CHS" sz="2400" dirty="0"/>
           </a:p>
         </p:txBody>
       </p:sp>
@@ -19406,14 +19326,14 @@
           </a:lstStyle>
           <a:p>
             <a:r>
-              <a:rPr lang="zh-CN" altLang="en-US" dirty="0" smtClean="0"/>
+              <a:rPr lang="zh-CHS" altLang="en-US" dirty="0" smtClean="0"/>
               <a:t>框架结构</a:t>
             </a:r>
             <a:r>
-              <a:rPr lang="en-US" altLang="zh-CN" dirty="0" smtClean="0"/>
+              <a:rPr lang="en-US" altLang="zh-CHS" dirty="0" smtClean="0"/>
               <a:t>-4</a:t>
             </a:r>
-            <a:endParaRPr lang="zh-Hans" altLang="en-US" dirty="0"/>
+            <a:endParaRPr lang="zh-CHS" altLang="en-US" dirty="0"/>
           </a:p>
         </p:txBody>
       </p:sp>
@@ -19609,198 +19529,198 @@
               <a:buChar char="•"/>
             </a:pPr>
             <a:r>
-              <a:rPr lang="zh-CN" altLang="en-US" dirty="0"/>
+              <a:rPr lang="zh-CHS" altLang="en-US" dirty="0"/>
               <a:t>第</a:t>
             </a:r>
             <a:r>
-              <a:rPr lang="en-US" altLang="zh-CN" dirty="0"/>
+              <a:rPr lang="en-US" altLang="zh-CHS" dirty="0"/>
               <a:t>4</a:t>
             </a:r>
             <a:r>
-              <a:rPr lang="zh-CN" altLang="en-US" dirty="0"/>
+              <a:rPr lang="zh-CHS" altLang="en-US" dirty="0"/>
               <a:t>章流程挖掘算法评估框架</a:t>
             </a:r>
             <a:r>
-              <a:rPr lang="zh-CN" altLang="en-US" dirty="0" smtClean="0"/>
+              <a:rPr lang="zh-CHS" altLang="en-US" dirty="0" smtClean="0"/>
               <a:t>设计</a:t>
             </a:r>
-            <a:endParaRPr lang="en-US" altLang="zh-CN" dirty="0" smtClean="0"/>
+            <a:endParaRPr lang="en-US" altLang="zh-CHS" dirty="0" smtClean="0"/>
           </a:p>
           <a:p>
             <a:pPr marL="742950" lvl="2" indent="-342900"/>
             <a:r>
-              <a:rPr lang="zh-CN" altLang="zh-CN" dirty="0"/>
+              <a:rPr lang="zh-CHS" altLang="zh-CHS" dirty="0"/>
               <a:t>流程挖掘算法框架整体</a:t>
             </a:r>
             <a:r>
-              <a:rPr lang="zh-CN" altLang="zh-CN" dirty="0" smtClean="0"/>
+              <a:rPr lang="zh-CHS" altLang="zh-CHS" dirty="0" smtClean="0"/>
               <a:t>介绍</a:t>
             </a:r>
-            <a:endParaRPr lang="en-US" altLang="zh-CN" dirty="0" smtClean="0"/>
+            <a:endParaRPr lang="en-US" altLang="zh-CHS" dirty="0" smtClean="0"/>
           </a:p>
           <a:p>
             <a:pPr marL="742950" lvl="2" indent="-342900"/>
             <a:r>
-              <a:rPr lang="zh-CN" altLang="en-US" dirty="0" smtClean="0"/>
+              <a:rPr lang="zh-CHS" altLang="en-US" dirty="0" smtClean="0"/>
               <a:t>流程模型</a:t>
             </a:r>
             <a:r>
-              <a:rPr lang="zh-CN" altLang="en-US" dirty="0"/>
+              <a:rPr lang="zh-CHS" altLang="en-US" dirty="0"/>
               <a:t>的特征</a:t>
             </a:r>
             <a:r>
-              <a:rPr lang="zh-CN" altLang="en-US" dirty="0" smtClean="0"/>
+              <a:rPr lang="zh-CHS" altLang="en-US" dirty="0" smtClean="0"/>
               <a:t>选</a:t>
             </a:r>
             <a:r>
-              <a:rPr lang="zh-CN" altLang="en-US" dirty="0"/>
+              <a:rPr lang="zh-CHS" altLang="en-US" dirty="0"/>
               <a:t>取</a:t>
             </a:r>
-            <a:endParaRPr lang="en-US" altLang="zh-CN" dirty="0"/>
+            <a:endParaRPr lang="en-US" altLang="zh-CHS" dirty="0"/>
           </a:p>
           <a:p>
             <a:pPr marL="1200150" lvl="3" indent="-342900"/>
             <a:r>
-              <a:rPr lang="zh-CN" altLang="en-US" dirty="0" smtClean="0"/>
+              <a:rPr lang="zh-CHS" altLang="en-US" dirty="0" smtClean="0"/>
               <a:t>特征选择</a:t>
             </a:r>
             <a:r>
-              <a:rPr lang="zh-CN" altLang="en-US" dirty="0"/>
+              <a:rPr lang="zh-CHS" altLang="en-US" dirty="0"/>
               <a:t>标准	</a:t>
             </a:r>
-            <a:endParaRPr lang="en-US" altLang="zh-CN" dirty="0"/>
+            <a:endParaRPr lang="en-US" altLang="zh-CHS" dirty="0"/>
           </a:p>
           <a:p>
             <a:pPr marL="1200150" lvl="3" indent="-342900"/>
             <a:r>
-              <a:rPr lang="zh-CN" altLang="en-US" dirty="0" smtClean="0"/>
+              <a:rPr lang="zh-CHS" altLang="en-US" dirty="0" smtClean="0"/>
               <a:t>选取</a:t>
             </a:r>
             <a:r>
-              <a:rPr lang="zh-CN" altLang="en-US" dirty="0"/>
+              <a:rPr lang="zh-CHS" altLang="en-US" dirty="0"/>
               <a:t>的特征	</a:t>
             </a:r>
-            <a:endParaRPr lang="en-US" altLang="zh-CN" dirty="0"/>
+            <a:endParaRPr lang="en-US" altLang="zh-CHS" dirty="0"/>
           </a:p>
           <a:p>
             <a:pPr marL="742950" lvl="2" indent="-342900"/>
             <a:r>
-              <a:rPr lang="zh-CN" altLang="en-US" dirty="0" smtClean="0"/>
+              <a:rPr lang="zh-CHS" altLang="en-US" dirty="0" smtClean="0"/>
               <a:t>一</a:t>
             </a:r>
             <a:r>
-              <a:rPr lang="zh-CN" altLang="en-US" dirty="0"/>
+              <a:rPr lang="zh-CHS" altLang="en-US" dirty="0"/>
               <a:t>组通用的重要参考</a:t>
             </a:r>
             <a:r>
-              <a:rPr lang="zh-CN" altLang="en-US" dirty="0" smtClean="0"/>
+              <a:rPr lang="zh-CHS" altLang="en-US" dirty="0" smtClean="0"/>
               <a:t>模型</a:t>
             </a:r>
             <a:r>
-              <a:rPr lang="zh-CN" altLang="en-US" dirty="0"/>
+              <a:rPr lang="zh-CHS" altLang="en-US" dirty="0"/>
               <a:t>集合</a:t>
             </a:r>
-            <a:endParaRPr lang="en-US" altLang="zh-CN" dirty="0"/>
+            <a:endParaRPr lang="en-US" altLang="zh-CHS" dirty="0"/>
           </a:p>
           <a:p>
             <a:pPr marL="1200150" lvl="3" indent="-342900"/>
             <a:r>
-              <a:rPr lang="zh-CN" altLang="en-US" dirty="0" smtClean="0"/>
+              <a:rPr lang="zh-CHS" altLang="en-US" dirty="0" smtClean="0"/>
               <a:t>模型</a:t>
             </a:r>
             <a:r>
-              <a:rPr lang="zh-CN" altLang="en-US" dirty="0"/>
+              <a:rPr lang="zh-CHS" altLang="en-US" dirty="0"/>
               <a:t>集合</a:t>
             </a:r>
             <a:r>
-              <a:rPr lang="zh-CN" altLang="en-US" dirty="0" smtClean="0"/>
+              <a:rPr lang="zh-CHS" altLang="en-US" dirty="0" smtClean="0"/>
               <a:t>概述</a:t>
             </a:r>
-            <a:endParaRPr lang="en-US" altLang="zh-CN" dirty="0"/>
+            <a:endParaRPr lang="en-US" altLang="zh-CHS" dirty="0"/>
           </a:p>
           <a:p>
             <a:pPr marL="1200150" lvl="3" indent="-342900"/>
             <a:r>
-              <a:rPr lang="zh-CN" altLang="en-US" dirty="0" smtClean="0"/>
+              <a:rPr lang="zh-CHS" altLang="en-US" dirty="0" smtClean="0"/>
               <a:t>不</a:t>
             </a:r>
             <a:r>
-              <a:rPr lang="zh-CN" altLang="en-US" dirty="0"/>
+              <a:rPr lang="zh-CHS" altLang="en-US" dirty="0"/>
               <a:t>可见</a:t>
             </a:r>
             <a:r>
-              <a:rPr lang="zh-CN" altLang="en-US" dirty="0" smtClean="0"/>
+              <a:rPr lang="zh-CHS" altLang="en-US" dirty="0" smtClean="0"/>
               <a:t>任务、重名任务、非</a:t>
             </a:r>
             <a:r>
-              <a:rPr lang="zh-CN" altLang="en-US" dirty="0"/>
+              <a:rPr lang="zh-CHS" altLang="en-US" dirty="0"/>
               <a:t>自由</a:t>
             </a:r>
             <a:r>
-              <a:rPr lang="zh-CN" altLang="en-US" dirty="0" smtClean="0"/>
+              <a:rPr lang="zh-CHS" altLang="en-US" dirty="0" smtClean="0"/>
               <a:t>选择、任意</a:t>
             </a:r>
             <a:r>
-              <a:rPr lang="zh-CN" altLang="en-US" dirty="0"/>
+              <a:rPr lang="zh-CHS" altLang="en-US" dirty="0"/>
               <a:t>循环	</a:t>
             </a:r>
             <a:r>
-              <a:rPr lang="zh-CN" altLang="en-US" dirty="0" smtClean="0"/>
+              <a:rPr lang="zh-CHS" altLang="en-US" dirty="0" smtClean="0"/>
               <a:t>、短循环、嵌套循环</a:t>
             </a:r>
-            <a:endParaRPr lang="en-US" altLang="zh-CN" dirty="0" smtClean="0"/>
+            <a:endParaRPr lang="en-US" altLang="zh-CHS" dirty="0" smtClean="0"/>
           </a:p>
           <a:p>
             <a:pPr marL="742950" lvl="2" indent="-342900"/>
             <a:r>
-              <a:rPr lang="zh-CN" altLang="en-US" dirty="0" smtClean="0"/>
+              <a:rPr lang="zh-CHS" altLang="en-US" dirty="0" smtClean="0"/>
               <a:t>实验</a:t>
             </a:r>
             <a:r>
-              <a:rPr lang="zh-CN" altLang="en-US" dirty="0"/>
+              <a:rPr lang="zh-CHS" altLang="en-US" dirty="0"/>
               <a:t>评估	</a:t>
             </a:r>
-            <a:endParaRPr lang="en-US" altLang="zh-CN" dirty="0"/>
+            <a:endParaRPr lang="en-US" altLang="zh-CHS" dirty="0"/>
           </a:p>
           <a:p>
             <a:pPr marL="1200150" lvl="3" indent="-342900"/>
             <a:r>
-              <a:rPr lang="zh-CN" altLang="en-US" dirty="0" smtClean="0"/>
+              <a:rPr lang="zh-CHS" altLang="en-US" dirty="0" smtClean="0"/>
               <a:t>流程模型</a:t>
             </a:r>
             <a:r>
-              <a:rPr lang="zh-CN" altLang="en-US" dirty="0"/>
+              <a:rPr lang="zh-CHS" altLang="en-US" dirty="0"/>
               <a:t>特征</a:t>
             </a:r>
             <a:r>
-              <a:rPr lang="zh-CN" altLang="en-US" dirty="0" smtClean="0"/>
+              <a:rPr lang="zh-CHS" altLang="en-US" dirty="0" smtClean="0"/>
               <a:t>选取</a:t>
             </a:r>
-            <a:endParaRPr lang="en-US" altLang="zh-CN" dirty="0"/>
+            <a:endParaRPr lang="en-US" altLang="zh-CHS" dirty="0"/>
           </a:p>
           <a:p>
             <a:pPr marL="1200150" lvl="3" indent="-342900"/>
             <a:r>
-              <a:rPr lang="zh-CN" altLang="en-US" dirty="0" smtClean="0"/>
+              <a:rPr lang="zh-CHS" altLang="en-US" dirty="0" smtClean="0"/>
               <a:t>参考</a:t>
             </a:r>
             <a:r>
-              <a:rPr lang="zh-CN" altLang="en-US" dirty="0"/>
+              <a:rPr lang="zh-CHS" altLang="en-US" dirty="0"/>
               <a:t>模型</a:t>
             </a:r>
             <a:r>
-              <a:rPr lang="zh-CN" altLang="en-US" dirty="0" smtClean="0"/>
+              <a:rPr lang="zh-CHS" altLang="en-US" dirty="0" smtClean="0"/>
               <a:t>集合</a:t>
             </a:r>
-            <a:endParaRPr lang="en-US" altLang="zh-CN" dirty="0"/>
+            <a:endParaRPr lang="en-US" altLang="zh-CHS" dirty="0"/>
           </a:p>
           <a:p>
             <a:pPr marL="742950" lvl="2" indent="-342900"/>
-            <a:endParaRPr lang="en-US" altLang="zh-CN" dirty="0"/>
+            <a:endParaRPr lang="en-US" altLang="zh-CHS" dirty="0"/>
           </a:p>
           <a:p>
             <a:pPr marL="742950" lvl="2" indent="-342900"/>
-            <a:endParaRPr lang="en-US" altLang="zh-CN" dirty="0"/>
+            <a:endParaRPr lang="en-US" altLang="zh-CHS" dirty="0"/>
           </a:p>
         </p:txBody>
       </p:sp>
@@ -19848,7 +19768,7 @@
           <a:lstStyle/>
           <a:p>
             <a:pPr algn="ctr"/>
-            <a:endParaRPr lang="zh-CN" altLang="en-US"/>
+            <a:endParaRPr lang="zh-CHS" altLang="en-US"/>
           </a:p>
         </p:txBody>
       </p:sp>
@@ -19896,7 +19816,7 @@
           <a:lstStyle/>
           <a:p>
             <a:pPr algn="ctr"/>
-            <a:endParaRPr lang="zh-CN" altLang="en-US"/>
+            <a:endParaRPr lang="zh-CHS" altLang="en-US"/>
           </a:p>
         </p:txBody>
       </p:sp>
@@ -19936,7 +19856,7 @@
           <a:lstStyle/>
           <a:p>
             <a:pPr algn="ctr"/>
-            <a:endParaRPr lang="zh-CN" altLang="en-US"/>
+            <a:endParaRPr lang="zh-CHS" altLang="en-US"/>
           </a:p>
         </p:txBody>
       </p:sp>
@@ -20016,14 +19936,14 @@
           </a:lstStyle>
           <a:p>
             <a:r>
-              <a:rPr lang="zh-CN" altLang="en-US" dirty="0" smtClean="0"/>
+              <a:rPr lang="zh-CHS" altLang="en-US" dirty="0" smtClean="0"/>
               <a:t>框架结构</a:t>
             </a:r>
             <a:r>
-              <a:rPr lang="en-US" altLang="zh-CN" dirty="0" smtClean="0"/>
+              <a:rPr lang="en-US" altLang="zh-CHS" dirty="0" smtClean="0"/>
               <a:t>-5</a:t>
             </a:r>
-            <a:endParaRPr lang="zh-Hans" altLang="en-US" dirty="0"/>
+            <a:endParaRPr lang="zh-CHS" altLang="en-US" dirty="0"/>
           </a:p>
         </p:txBody>
       </p:sp>
@@ -20216,70 +20136,70 @@
           <a:p>
             <a:pPr marL="0" indent="-400050"/>
             <a:r>
-              <a:rPr lang="zh-CN" altLang="en-US" dirty="0" smtClean="0"/>
+              <a:rPr lang="zh-CHS" altLang="en-US" dirty="0" smtClean="0"/>
               <a:t>第</a:t>
             </a:r>
             <a:r>
-              <a:rPr lang="en-US" altLang="zh-CN" dirty="0" smtClean="0"/>
+              <a:rPr lang="en-US" altLang="zh-CHS" dirty="0" smtClean="0"/>
               <a:t>5</a:t>
             </a:r>
             <a:r>
-              <a:rPr lang="zh-CN" altLang="en-US" dirty="0" smtClean="0"/>
+              <a:rPr lang="zh-CHS" altLang="en-US" dirty="0" smtClean="0"/>
               <a:t>章总结与展望</a:t>
             </a:r>
-            <a:endParaRPr lang="en-US" altLang="zh-CN" dirty="0" smtClean="0"/>
+            <a:endParaRPr lang="en-US" altLang="zh-CHS" dirty="0" smtClean="0"/>
           </a:p>
           <a:p>
             <a:pPr marL="800100" lvl="2" indent="-400050"/>
             <a:r>
-              <a:rPr lang="zh-CN" altLang="en-US" dirty="0" smtClean="0"/>
+              <a:rPr lang="zh-CHS" altLang="en-US" dirty="0" smtClean="0"/>
               <a:t>总结</a:t>
             </a:r>
-            <a:endParaRPr lang="en-US" altLang="zh-CN" dirty="0" smtClean="0"/>
+            <a:endParaRPr lang="en-US" altLang="zh-CHS" dirty="0" smtClean="0"/>
           </a:p>
           <a:p>
             <a:pPr marL="1257300" lvl="3" indent="-400050"/>
             <a:r>
-              <a:rPr lang="zh-CN" altLang="en-US" dirty="0" smtClean="0"/>
+              <a:rPr lang="zh-CHS" altLang="en-US" dirty="0" smtClean="0"/>
               <a:t>总结全文工作</a:t>
             </a:r>
-            <a:endParaRPr lang="en-US" altLang="zh-CN" dirty="0" smtClean="0"/>
+            <a:endParaRPr lang="en-US" altLang="zh-CHS" dirty="0" smtClean="0"/>
           </a:p>
           <a:p>
             <a:pPr marL="800100" lvl="2" indent="-400050"/>
             <a:r>
-              <a:rPr lang="zh-CN" altLang="en-US" dirty="0" smtClean="0"/>
+              <a:rPr lang="zh-CHS" altLang="en-US" dirty="0" smtClean="0"/>
               <a:t>展望</a:t>
             </a:r>
-            <a:endParaRPr lang="en-US" altLang="zh-CN" dirty="0" smtClean="0"/>
+            <a:endParaRPr lang="en-US" altLang="zh-CHS" dirty="0" smtClean="0"/>
           </a:p>
           <a:p>
             <a:pPr marL="1257300" lvl="3" indent="-400050"/>
             <a:r>
-              <a:rPr lang="zh-CN" altLang="en-US" dirty="0" smtClean="0"/>
+              <a:rPr lang="zh-CHS" altLang="en-US" dirty="0" smtClean="0"/>
               <a:t>设计算法</a:t>
             </a:r>
             <a:r>
-              <a:rPr lang="en-US" altLang="zh-CN" dirty="0" smtClean="0"/>
+              <a:rPr lang="en-US" altLang="zh-CHS" dirty="0" smtClean="0"/>
               <a:t>: </a:t>
             </a:r>
             <a:r>
-              <a:rPr lang="zh-CN" altLang="en-US" dirty="0" smtClean="0"/>
+              <a:rPr lang="zh-CHS" altLang="en-US" dirty="0" smtClean="0"/>
               <a:t>挖掘重名任务、噪声。</a:t>
             </a:r>
-            <a:endParaRPr lang="en-US" altLang="zh-CN" dirty="0" smtClean="0"/>
+            <a:endParaRPr lang="en-US" altLang="zh-CHS" dirty="0" smtClean="0"/>
           </a:p>
           <a:p>
             <a:pPr marL="1257300" lvl="3" indent="-400050"/>
             <a:r>
-              <a:rPr lang="zh-CN" altLang="en-US" dirty="0" smtClean="0"/>
+              <a:rPr lang="zh-CHS" altLang="en-US" dirty="0" smtClean="0"/>
               <a:t>证明算法效率</a:t>
             </a:r>
-            <a:endParaRPr lang="en-US" altLang="zh-CN" dirty="0"/>
+            <a:endParaRPr lang="en-US" altLang="zh-CHS" dirty="0"/>
           </a:p>
           <a:p>
             <a:pPr marL="742950" lvl="2" indent="-342900"/>
-            <a:endParaRPr lang="en-US" altLang="zh-CN" dirty="0"/>
+            <a:endParaRPr lang="en-US" altLang="zh-CHS" dirty="0"/>
           </a:p>
         </p:txBody>
       </p:sp>
@@ -20327,7 +20247,7 @@
           <a:lstStyle/>
           <a:p>
             <a:pPr algn="ctr"/>
-            <a:endParaRPr lang="zh-CN" altLang="en-US"/>
+            <a:endParaRPr lang="zh-CHS" altLang="en-US"/>
           </a:p>
         </p:txBody>
       </p:sp>
@@ -20375,7 +20295,7 @@
           <a:lstStyle/>
           <a:p>
             <a:pPr algn="ctr"/>
-            <a:endParaRPr lang="zh-CN" altLang="en-US"/>
+            <a:endParaRPr lang="zh-CHS" altLang="en-US"/>
           </a:p>
         </p:txBody>
       </p:sp>
@@ -20415,7 +20335,7 @@
           <a:lstStyle/>
           <a:p>
             <a:pPr algn="ctr"/>
-            <a:endParaRPr lang="zh-CN" altLang="en-US"/>
+            <a:endParaRPr lang="zh-CHS" altLang="en-US"/>
           </a:p>
         </p:txBody>
       </p:sp>
@@ -20518,7 +20438,7 @@
           <a:p>
             <a:pPr lvl="0"/>
             <a:r>
-              <a:rPr lang="zh-CN" altLang="en-US" dirty="0"/>
+              <a:rPr lang="zh-CHS" altLang="en-US" dirty="0"/>
               <a:t>主要工作</a:t>
             </a:r>
           </a:p>
@@ -20601,7 +20521,7 @@
           <a:p>
             <a:pPr lvl="0"/>
             <a:r>
-              <a:rPr lang="zh-CN" altLang="en-US" dirty="0"/>
+              <a:rPr lang="zh-CHS" altLang="en-US" dirty="0"/>
               <a:t>主要工作</a:t>
             </a:r>
           </a:p>
@@ -20730,27 +20650,27 @@
           <a:p>
             <a:pPr lvl="0"/>
             <a:r>
-              <a:rPr lang="zh-CN" altLang="en-US" dirty="0"/>
+              <a:rPr lang="zh-CHS" altLang="en-US" dirty="0"/>
               <a:t>主要</a:t>
             </a:r>
             <a:r>
-              <a:rPr lang="zh-CN" altLang="en-US" dirty="0" smtClean="0"/>
+              <a:rPr lang="zh-CHS" altLang="en-US" dirty="0" smtClean="0"/>
               <a:t>工作</a:t>
             </a:r>
-            <a:endParaRPr lang="en-US" altLang="zh-CN" dirty="0" smtClean="0"/>
+            <a:endParaRPr lang="en-US" altLang="zh-CHS" dirty="0" smtClean="0"/>
           </a:p>
           <a:p>
             <a:pPr lvl="0"/>
             <a:r>
-              <a:rPr lang="zh-CN" altLang="en-US" sz="2400" dirty="0" smtClean="0"/>
+              <a:rPr lang="zh-CHS" altLang="en-US" sz="2400" dirty="0" smtClean="0"/>
               <a:t>设计流程挖掘算法</a:t>
             </a:r>
-            <a:endParaRPr lang="zh-CN" altLang="en-US" sz="2400" dirty="0"/>
+            <a:endParaRPr lang="zh-CHS" altLang="en-US" sz="2400" dirty="0"/>
           </a:p>
         </p:txBody>
       </p:sp>
-      <mc:AlternateContent xmlns:mc="http://schemas.openxmlformats.org/markup-compatibility/2006">
-        <mc:Choice xmlns:a14="http://schemas.microsoft.com/office/drawing/2010/main" Requires="a14">
+      <mc:AlternateContent xmlns:mc="http://schemas.openxmlformats.org/markup-compatibility/2006" xmlns:a14="http://schemas.microsoft.com/office/drawing/2010/main">
+        <mc:Choice Requires="a14">
           <p:sp>
             <p:nvSpPr>
               <p:cNvPr id="4" name="内容占位符 2"/>
@@ -20910,21 +20830,21 @@
               <a:p>
                 <a:pPr marL="0" indent="-400050"/>
                 <a:r>
-                  <a:rPr lang="zh-CN" altLang="en-US" dirty="0" smtClean="0"/>
+                  <a:rPr lang="zh-CHS" altLang="en-US" dirty="0" smtClean="0"/>
                   <a:t>完成了算法设计，并已经完成算法。</a:t>
                 </a:r>
-                <a:endParaRPr lang="en-US" altLang="zh-CN" dirty="0" smtClean="0"/>
+                <a:endParaRPr lang="en-US" altLang="zh-CHS" dirty="0" smtClean="0"/>
               </a:p>
               <a:p>
                 <a:pPr marL="400050" lvl="1" indent="-400050"/>
                 <a:r>
-                  <a:rPr lang="zh-CN" altLang="en-US" dirty="0" smtClean="0"/>
+                  <a:rPr lang="zh-CHS" altLang="en-US" dirty="0" smtClean="0"/>
                   <a:t>算法是融合了</a:t>
                 </a:r>
                 <a14:m>
                   <m:oMath xmlns:m="http://schemas.openxmlformats.org/officeDocument/2006/math">
                     <m:r>
-                      <a:rPr lang="zh-CN" altLang="en-US" i="1" smtClean="0">
+                      <a:rPr lang="zh-CHS" altLang="en-US" i="1" smtClean="0">
                         <a:latin typeface="Cambria Math" panose="02040503050406030204" pitchFamily="18" charset="0"/>
                       </a:rPr>
                       <m:t>∝</m:t>
@@ -20932,17 +20852,17 @@
                   </m:oMath>
                 </a14:m>
                 <a:r>
-                  <a:rPr lang="en-US" altLang="zh-CN" baseline="30000" dirty="0" smtClean="0"/>
+                  <a:rPr lang="en-US" altLang="zh-CHS" baseline="30000" dirty="0" smtClean="0"/>
                   <a:t>++</a:t>
                 </a:r>
                 <a:r>
-                  <a:rPr lang="zh-CN" altLang="en-US" dirty="0" smtClean="0"/>
+                  <a:rPr lang="zh-CHS" altLang="en-US" dirty="0" smtClean="0"/>
                   <a:t>和</a:t>
                 </a:r>
                 <a14:m>
                   <m:oMath xmlns:m="http://schemas.openxmlformats.org/officeDocument/2006/math">
                     <m:r>
-                      <a:rPr lang="zh-CN" altLang="en-US" i="1" smtClean="0">
+                      <a:rPr lang="zh-CHS" altLang="en-US" i="1" smtClean="0">
                         <a:latin typeface="Cambria Math" panose="02040503050406030204" pitchFamily="18" charset="0"/>
                       </a:rPr>
                       <m:t>∝</m:t>
@@ -20950,47 +20870,43 @@
                   </m:oMath>
                 </a14:m>
                 <a:r>
-                  <a:rPr lang="en-US" altLang="zh-CN" baseline="30000" dirty="0" smtClean="0"/>
+                  <a:rPr lang="en-US" altLang="zh-CHS" baseline="30000" dirty="0" smtClean="0"/>
                   <a:t>#</a:t>
                 </a:r>
                 <a:r>
-                  <a:rPr lang="zh-CN" altLang="en-US" dirty="0" smtClean="0"/>
+                  <a:rPr lang="zh-CHS" altLang="en-US" dirty="0" smtClean="0"/>
                   <a:t>的</a:t>
                 </a:r>
                 <a:r>
-                  <a:rPr lang="zh-CN" altLang="en-US" dirty="0"/>
+                  <a:rPr lang="zh-CHS" altLang="en-US" dirty="0"/>
                   <a:t>隐式</a:t>
                 </a:r>
                 <a:r>
-                  <a:rPr lang="zh-CN" altLang="en-US" dirty="0" smtClean="0"/>
-                  <a:t>依赖</a:t>
+                  <a:rPr lang="zh-CHS" altLang="en-US" dirty="0" smtClean="0"/>
+                  <a:t>依赖和虚假依赖</a:t>
                 </a:r>
-                <a:r>
-                  <a:rPr lang="zh-CN" altLang="en-US" dirty="0" smtClean="0"/>
-                  <a:t>和虚假依赖</a:t>
-                </a:r>
-                <a:endParaRPr lang="en-US" altLang="zh-CN" dirty="0" smtClean="0"/>
+                <a:endParaRPr lang="en-US" altLang="zh-CHS" dirty="0" smtClean="0"/>
               </a:p>
               <a:p>
                 <a:pPr marL="400050" lvl="1" indent="-400050"/>
                 <a:r>
-                  <a:rPr lang="zh-CN" altLang="en-US" dirty="0" smtClean="0"/>
+                  <a:rPr lang="zh-CHS" altLang="en-US" dirty="0" smtClean="0"/>
                   <a:t>在融合中发现了并处理了其中的</a:t>
                 </a:r>
                 <a:r>
-                  <a:rPr lang="zh-CN" altLang="en-US" dirty="0"/>
+                  <a:rPr lang="zh-CHS" altLang="en-US" dirty="0"/>
                   <a:t>四</a:t>
                 </a:r>
                 <a:r>
-                  <a:rPr lang="zh-CN" altLang="en-US" dirty="0" smtClean="0"/>
+                  <a:rPr lang="zh-CHS" altLang="en-US" dirty="0" smtClean="0"/>
                   <a:t>个问题</a:t>
                 </a:r>
-                <a:endParaRPr lang="en-US" altLang="zh-CN" dirty="0"/>
+                <a:endParaRPr lang="en-US" altLang="zh-CHS" dirty="0"/>
               </a:p>
             </p:txBody>
           </p:sp>
         </mc:Choice>
-        <mc:Fallback>
+        <mc:Fallback xmlns="">
           <p:sp>
             <p:nvSpPr>
               <p:cNvPr id="4" name="内容占位符 2"/>
@@ -21065,7 +20981,7 @@
           <a:lstStyle/>
           <a:p>
             <a:pPr algn="ctr"/>
-            <a:endParaRPr lang="zh-CN" altLang="en-US"/>
+            <a:endParaRPr lang="zh-CHS" altLang="en-US"/>
           </a:p>
         </p:txBody>
       </p:sp>
@@ -21105,7 +21021,7 @@
           <a:lstStyle/>
           <a:p>
             <a:pPr algn="ctr"/>
-            <a:endParaRPr lang="zh-CN" altLang="en-US"/>
+            <a:endParaRPr lang="zh-CHS" altLang="en-US"/>
           </a:p>
         </p:txBody>
       </p:sp>
@@ -21145,7 +21061,7 @@
           <a:lstStyle/>
           <a:p>
             <a:pPr algn="ctr"/>
-            <a:endParaRPr lang="zh-CN" altLang="en-US"/>
+            <a:endParaRPr lang="zh-CHS" altLang="en-US"/>
           </a:p>
         </p:txBody>
       </p:sp>
@@ -21185,7 +21101,7 @@
           <a:lstStyle/>
           <a:p>
             <a:pPr algn="ctr"/>
-            <a:endParaRPr lang="zh-CN" altLang="en-US"/>
+            <a:endParaRPr lang="zh-CHS" altLang="en-US"/>
           </a:p>
         </p:txBody>
       </p:sp>
@@ -21417,7 +21333,7 @@
           <a:lstStyle/>
           <a:p>
             <a:pPr algn="ctr"/>
-            <a:endParaRPr lang="zh-CN" altLang="en-US"/>
+            <a:endParaRPr lang="zh-CHS" altLang="en-US"/>
           </a:p>
         </p:txBody>
       </p:sp>
@@ -21459,7 +21375,7 @@
           <a:lstStyle/>
           <a:p>
             <a:pPr algn="ctr"/>
-            <a:endParaRPr lang="zh-CN" altLang="en-US"/>
+            <a:endParaRPr lang="zh-CHS" altLang="en-US"/>
           </a:p>
         </p:txBody>
       </p:sp>
@@ -21503,22 +21419,22 @@
           <a:p>
             <a:pPr lvl="0"/>
             <a:r>
-              <a:rPr lang="zh-CN" altLang="en-US" dirty="0"/>
+              <a:rPr lang="zh-CHS" altLang="en-US" dirty="0"/>
               <a:t>主要</a:t>
             </a:r>
             <a:r>
-              <a:rPr lang="zh-CN" altLang="en-US" dirty="0" smtClean="0"/>
+              <a:rPr lang="zh-CHS" altLang="en-US" dirty="0" smtClean="0"/>
               <a:t>工作</a:t>
             </a:r>
-            <a:endParaRPr lang="en-US" altLang="zh-CN" dirty="0" smtClean="0"/>
+            <a:endParaRPr lang="en-US" altLang="zh-CHS" dirty="0" smtClean="0"/>
           </a:p>
           <a:p>
             <a:pPr lvl="0"/>
             <a:r>
-              <a:rPr lang="zh-CN" altLang="en-US" sz="2400" dirty="0" smtClean="0"/>
+              <a:rPr lang="zh-CHS" altLang="en-US" sz="2400" dirty="0" smtClean="0"/>
               <a:t>设计流程挖掘算法</a:t>
             </a:r>
-            <a:endParaRPr lang="zh-CN" altLang="en-US" sz="2400" dirty="0"/>
+            <a:endParaRPr lang="zh-CHS" altLang="en-US" sz="2400" dirty="0"/>
           </a:p>
         </p:txBody>
       </p:sp>
@@ -21547,10 +21463,10 @@
           <a:lstStyle/>
           <a:p>
             <a:r>
-              <a:rPr lang="zh-CN" altLang="en-US" b="1" dirty="0" smtClean="0"/>
+              <a:rPr lang="zh-CHS" altLang="en-US" b="1" dirty="0" smtClean="0"/>
               <a:t>发现改进的虚假依赖</a:t>
             </a:r>
-            <a:endParaRPr lang="zh-CN" altLang="en-US" b="1" dirty="0"/>
+            <a:endParaRPr lang="zh-CHS" altLang="en-US" b="1" dirty="0"/>
           </a:p>
         </p:txBody>
       </p:sp>
@@ -21579,10 +21495,10 @@
           <a:lstStyle/>
           <a:p>
             <a:r>
-              <a:rPr lang="zh-CN" altLang="en-US" b="1" dirty="0" smtClean="0"/>
+              <a:rPr lang="zh-CHS" altLang="en-US" b="1" dirty="0" smtClean="0"/>
               <a:t>补充可达关系</a:t>
             </a:r>
-            <a:endParaRPr lang="zh-CN" altLang="en-US" b="1" dirty="0"/>
+            <a:endParaRPr lang="zh-CHS" altLang="en-US" b="1" dirty="0"/>
           </a:p>
         </p:txBody>
       </p:sp>
@@ -21608,7 +21524,7 @@
           <a:graphicData uri="http://schemas.openxmlformats.org/presentationml/2006/ole">
             <mc:AlternateContent xmlns:mc="http://schemas.openxmlformats.org/markup-compatibility/2006">
               <mc:Choice xmlns:v="urn:schemas-microsoft-com:vml" Requires="v">
-                <p:oleObj spid="_x0000_s3127" name="Acrobat Document" r:id="rId3" imgW="29432178" imgH="12030032" progId="AcroExch.Document.11">
+                <p:oleObj spid="_x0000_s3132" name="Acrobat Document" r:id="rId3" imgW="29432178" imgH="12030032" progId="AcroExch.Document.11">
                   <p:embed/>
                 </p:oleObj>
               </mc:Choice>
@@ -21666,10 +21582,10 @@
           <a:lstStyle/>
           <a:p>
             <a:r>
-              <a:rPr lang="zh-CN" altLang="en-US" dirty="0" smtClean="0"/>
+              <a:rPr lang="zh-CHS" altLang="en-US" dirty="0" smtClean="0"/>
               <a:t>对并行影响发现不可见任务做出改进</a:t>
             </a:r>
-            <a:endParaRPr lang="zh-CN" altLang="en-US" dirty="0"/>
+            <a:endParaRPr lang="zh-CHS" altLang="en-US" dirty="0"/>
           </a:p>
         </p:txBody>
       </p:sp>
@@ -21695,7 +21611,7 @@
           <a:graphicData uri="http://schemas.openxmlformats.org/presentationml/2006/ole">
             <mc:AlternateContent xmlns:mc="http://schemas.openxmlformats.org/markup-compatibility/2006">
               <mc:Choice xmlns:v="urn:schemas-microsoft-com:vml" Requires="v">
-                <p:oleObj spid="_x0000_s3128" name="Acrobat Document" r:id="rId5" imgW="28946415" imgH="6972129" progId="AcroExch.Document.11">
+                <p:oleObj spid="_x0000_s3133" name="Acrobat Document" r:id="rId5" imgW="28946415" imgH="6972129" progId="AcroExch.Document.11">
                   <p:embed/>
                 </p:oleObj>
               </mc:Choice>
@@ -21753,10 +21669,10 @@
           <a:lstStyle/>
           <a:p>
             <a:r>
-              <a:rPr lang="zh-CN" altLang="en-US" dirty="0" smtClean="0"/>
+              <a:rPr lang="zh-CHS" altLang="en-US" dirty="0" smtClean="0"/>
               <a:t>因为非自由选择结构中不可见任务不在可达关系中，需要人为的补充</a:t>
             </a:r>
-            <a:endParaRPr lang="zh-CN" altLang="en-US" dirty="0"/>
+            <a:endParaRPr lang="zh-CHS" altLang="en-US" dirty="0"/>
           </a:p>
         </p:txBody>
       </p:sp>
@@ -21837,22 +21753,22 @@
           <a:p>
             <a:pPr lvl="0"/>
             <a:r>
-              <a:rPr lang="zh-CN" altLang="en-US" dirty="0"/>
+              <a:rPr lang="zh-CHS" altLang="en-US" dirty="0"/>
               <a:t>主要</a:t>
             </a:r>
             <a:r>
-              <a:rPr lang="zh-CN" altLang="en-US" dirty="0" smtClean="0"/>
+              <a:rPr lang="zh-CHS" altLang="en-US" dirty="0" smtClean="0"/>
               <a:t>工作</a:t>
             </a:r>
-            <a:endParaRPr lang="en-US" altLang="zh-CN" dirty="0" smtClean="0"/>
+            <a:endParaRPr lang="en-US" altLang="zh-CHS" dirty="0" smtClean="0"/>
           </a:p>
           <a:p>
             <a:pPr lvl="0"/>
             <a:r>
-              <a:rPr lang="zh-CN" altLang="en-US" sz="2400" dirty="0" smtClean="0"/>
+              <a:rPr lang="zh-CHS" altLang="en-US" sz="2400" dirty="0" smtClean="0"/>
               <a:t>设计流程挖掘算法</a:t>
             </a:r>
-            <a:endParaRPr lang="zh-CN" altLang="en-US" sz="2400" dirty="0"/>
+            <a:endParaRPr lang="zh-CHS" altLang="en-US" sz="2400" dirty="0"/>
           </a:p>
         </p:txBody>
       </p:sp>
@@ -21892,7 +21808,7 @@
           <a:lstStyle/>
           <a:p>
             <a:pPr algn="ctr"/>
-            <a:endParaRPr lang="zh-CN" altLang="en-US"/>
+            <a:endParaRPr lang="zh-CHS" altLang="en-US"/>
           </a:p>
         </p:txBody>
       </p:sp>
@@ -21921,10 +21837,10 @@
           <a:lstStyle/>
           <a:p>
             <a:r>
-              <a:rPr lang="zh-CN" altLang="en-US" b="1" dirty="0" smtClean="0"/>
+              <a:rPr lang="zh-CHS" altLang="en-US" b="1" dirty="0" smtClean="0"/>
               <a:t>发现非自由选择结构</a:t>
             </a:r>
-            <a:endParaRPr lang="zh-CN" altLang="en-US" b="1" dirty="0"/>
+            <a:endParaRPr lang="zh-CHS" altLang="en-US" b="1" dirty="0"/>
           </a:p>
         </p:txBody>
       </p:sp>
@@ -21966,7 +21882,7 @@
           <a:lstStyle/>
           <a:p>
             <a:pPr algn="ctr"/>
-            <a:endParaRPr lang="zh-CN" altLang="en-US"/>
+            <a:endParaRPr lang="zh-CHS" altLang="en-US"/>
           </a:p>
         </p:txBody>
       </p:sp>
@@ -21995,10 +21911,10 @@
           <a:lstStyle/>
           <a:p>
             <a:r>
-              <a:rPr lang="zh-CN" altLang="en-US" b="1" dirty="0" smtClean="0"/>
+              <a:rPr lang="zh-CHS" altLang="en-US" b="1" dirty="0" smtClean="0"/>
               <a:t>调整不可见任务</a:t>
             </a:r>
-            <a:endParaRPr lang="zh-CN" altLang="en-US" b="1" dirty="0"/>
+            <a:endParaRPr lang="zh-CHS" altLang="en-US" b="1" dirty="0"/>
           </a:p>
         </p:txBody>
       </p:sp>
@@ -22024,7 +21940,7 @@
           <a:graphicData uri="http://schemas.openxmlformats.org/presentationml/2006/ole">
             <mc:AlternateContent xmlns:mc="http://schemas.openxmlformats.org/markup-compatibility/2006">
               <mc:Choice xmlns:v="urn:schemas-microsoft-com:vml" Requires="v">
-                <p:oleObj spid="_x0000_s4153" name="Acrobat Document" r:id="rId3" imgW="27993675" imgH="13125137" progId="AcroExch.Document.11">
+                <p:oleObj spid="_x0000_s4158" name="Acrobat Document" r:id="rId3" imgW="27993675" imgH="13125137" progId="AcroExch.Document.11">
                   <p:embed/>
                 </p:oleObj>
               </mc:Choice>
@@ -22081,7 +21997,7 @@
           <a:graphicData uri="http://schemas.openxmlformats.org/presentationml/2006/ole">
             <mc:AlternateContent xmlns:mc="http://schemas.openxmlformats.org/markup-compatibility/2006">
               <mc:Choice xmlns:v="urn:schemas-microsoft-com:vml" Requires="v">
-                <p:oleObj spid="_x0000_s4154" name="Acrobat Document" r:id="rId5" imgW="28736697" imgH="15154133" progId="AcroExch.Document.11">
+                <p:oleObj spid="_x0000_s4159" name="Acrobat Document" r:id="rId5" imgW="28736697" imgH="15154133" progId="AcroExch.Document.11">
                   <p:embed/>
                 </p:oleObj>
               </mc:Choice>
@@ -22139,26 +22055,26 @@
           <a:lstStyle/>
           <a:p>
             <a:r>
-              <a:rPr lang="zh-CN" altLang="en-US" dirty="0" smtClean="0"/>
+              <a:rPr lang="zh-CHS" altLang="en-US" dirty="0" smtClean="0"/>
               <a:t>当</a:t>
             </a:r>
             <a:r>
-              <a:rPr lang="en-US" altLang="zh-CN" dirty="0" smtClean="0"/>
+              <a:rPr lang="en-US" altLang="zh-CHS" dirty="0" smtClean="0"/>
               <a:t>L1L</a:t>
             </a:r>
             <a:r>
-              <a:rPr lang="zh-CN" altLang="en-US" dirty="0" smtClean="0"/>
+              <a:rPr lang="zh-CHS" altLang="en-US" dirty="0" smtClean="0"/>
               <a:t>与不可见任务结合时，需要将此类</a:t>
             </a:r>
             <a:r>
-              <a:rPr lang="en-US" altLang="zh-CN" dirty="0" smtClean="0"/>
+              <a:rPr lang="en-US" altLang="zh-CHS" dirty="0" smtClean="0"/>
               <a:t>L1L</a:t>
             </a:r>
             <a:r>
-              <a:rPr lang="zh-CN" altLang="en-US" dirty="0" smtClean="0"/>
+              <a:rPr lang="zh-CHS" altLang="en-US" dirty="0" smtClean="0"/>
               <a:t>处理。</a:t>
             </a:r>
-            <a:endParaRPr lang="zh-CN" altLang="en-US" dirty="0"/>
+            <a:endParaRPr lang="zh-CHS" altLang="en-US" dirty="0"/>
           </a:p>
         </p:txBody>
       </p:sp>
@@ -22185,10 +22101,10 @@
           <a:lstStyle/>
           <a:p>
             <a:r>
-              <a:rPr lang="zh-CN" altLang="en-US" dirty="0" smtClean="0"/>
+              <a:rPr lang="zh-CHS" altLang="en-US" dirty="0" smtClean="0"/>
               <a:t>为了保证模型的结构完成，需要对于不可见任务进行合并或分开。</a:t>
             </a:r>
-            <a:endParaRPr lang="zh-CN" altLang="en-US" dirty="0"/>
+            <a:endParaRPr lang="zh-CHS" altLang="en-US" dirty="0"/>
           </a:p>
         </p:txBody>
       </p:sp>
@@ -22267,7 +22183,7 @@
           <a:lstStyle/>
           <a:p>
             <a:pPr algn="ctr"/>
-            <a:endParaRPr lang="zh-CN" altLang="en-US"/>
+            <a:endParaRPr lang="zh-CHS" altLang="en-US"/>
           </a:p>
         </p:txBody>
       </p:sp>
@@ -22311,22 +22227,22 @@
           <a:p>
             <a:pPr lvl="0"/>
             <a:r>
-              <a:rPr lang="zh-CN" altLang="en-US" dirty="0"/>
+              <a:rPr lang="zh-CHS" altLang="en-US" dirty="0"/>
               <a:t>主要</a:t>
             </a:r>
             <a:r>
-              <a:rPr lang="zh-CN" altLang="en-US" dirty="0" smtClean="0"/>
+              <a:rPr lang="zh-CHS" altLang="en-US" dirty="0" smtClean="0"/>
               <a:t>工作</a:t>
             </a:r>
-            <a:endParaRPr lang="en-US" altLang="zh-CN" dirty="0" smtClean="0"/>
+            <a:endParaRPr lang="en-US" altLang="zh-CHS" dirty="0" smtClean="0"/>
           </a:p>
           <a:p>
             <a:pPr lvl="0"/>
             <a:r>
-              <a:rPr lang="zh-CN" altLang="en-US" sz="2400" dirty="0" smtClean="0"/>
+              <a:rPr lang="zh-CHS" altLang="en-US" sz="2400" dirty="0" smtClean="0"/>
               <a:t>设计流程挖掘算法</a:t>
             </a:r>
-            <a:endParaRPr lang="zh-CN" altLang="en-US" sz="2400" dirty="0"/>
+            <a:endParaRPr lang="zh-CHS" altLang="en-US" sz="2400" dirty="0"/>
           </a:p>
         </p:txBody>
       </p:sp>
@@ -22366,7 +22282,7 @@
           <a:lstStyle/>
           <a:p>
             <a:pPr algn="ctr"/>
-            <a:endParaRPr lang="zh-CN" altLang="en-US"/>
+            <a:endParaRPr lang="zh-CHS" altLang="en-US"/>
           </a:p>
         </p:txBody>
       </p:sp>
@@ -22443,7 +22359,7 @@
           <a:lstStyle/>
           <a:p>
             <a:r>
-              <a:rPr lang="zh-CN" altLang="en-US" b="1" dirty="0"/>
+              <a:rPr lang="zh-CHS" altLang="en-US" b="1" dirty="0"/>
               <a:t>人工数据</a:t>
             </a:r>
           </a:p>
@@ -22474,14 +22390,14 @@
           <a:lstStyle/>
           <a:p>
             <a:r>
-              <a:rPr lang="zh-CN" altLang="en-US" b="1" dirty="0"/>
+              <a:rPr lang="zh-CHS" altLang="en-US" b="1" dirty="0"/>
               <a:t>真实</a:t>
             </a:r>
             <a:r>
-              <a:rPr lang="zh-CN" altLang="en-US" b="1" dirty="0" smtClean="0"/>
+              <a:rPr lang="zh-CHS" altLang="en-US" b="1" dirty="0" smtClean="0"/>
               <a:t>数据</a:t>
             </a:r>
-            <a:endParaRPr lang="zh-CN" altLang="en-US" b="1" dirty="0"/>
+            <a:endParaRPr lang="zh-CHS" altLang="en-US" b="1" dirty="0"/>
           </a:p>
         </p:txBody>
       </p:sp>
@@ -22537,7 +22453,7 @@
                         <a:defRPr/>
                       </a:pPr>
                       <a:r>
-                        <a:rPr lang="zh-CN" altLang="en-US" dirty="0" smtClean="0"/>
+                        <a:rPr lang="zh-CHS" altLang="en-US" dirty="0" smtClean="0"/>
                         <a:t>数据来源</a:t>
                       </a:r>
                     </a:p>
@@ -22567,10 +22483,10 @@
                         <a:defRPr/>
                       </a:pPr>
                       <a:r>
-                        <a:rPr lang="zh-CN" altLang="en-US" dirty="0" smtClean="0"/>
+                        <a:rPr lang="zh-CHS" altLang="en-US" dirty="0" smtClean="0"/>
                         <a:t>人工构造</a:t>
                       </a:r>
-                      <a:endParaRPr lang="en-US" altLang="zh-CN" dirty="0" smtClean="0"/>
+                      <a:endParaRPr lang="en-US" altLang="zh-CHS" dirty="0" smtClean="0"/>
                     </a:p>
                   </a:txBody>
                   <a:tcPr/>
@@ -22600,7 +22516,7 @@
                         <a:defRPr/>
                       </a:pPr>
                       <a:r>
-                        <a:rPr lang="zh-CN" altLang="en-US" dirty="0" smtClean="0"/>
+                        <a:rPr lang="zh-CHS" altLang="en-US" dirty="0" smtClean="0"/>
                         <a:t>规模</a:t>
                       </a:r>
                     </a:p>
@@ -22630,14 +22546,14 @@
                         <a:defRPr/>
                       </a:pPr>
                       <a:r>
-                        <a:rPr lang="en-US" altLang="zh-CN" dirty="0" smtClean="0"/>
+                        <a:rPr lang="en-US" altLang="zh-CHS" dirty="0" smtClean="0"/>
                         <a:t>40</a:t>
                       </a:r>
                       <a:r>
-                        <a:rPr lang="zh-CN" altLang="en-US" dirty="0" smtClean="0"/>
+                        <a:rPr lang="zh-CHS" altLang="en-US" dirty="0" smtClean="0"/>
                         <a:t>个</a:t>
                       </a:r>
-                      <a:endParaRPr lang="en-US" altLang="zh-CN" dirty="0" smtClean="0"/>
+                      <a:endParaRPr lang="en-US" altLang="zh-CHS" dirty="0" smtClean="0"/>
                     </a:p>
                   </a:txBody>
                   <a:tcPr/>
@@ -22650,10 +22566,10 @@
                     <a:lstStyle/>
                     <a:p>
                       <a:r>
-                        <a:rPr lang="zh-CN" altLang="en-US" dirty="0" smtClean="0"/>
+                        <a:rPr lang="zh-CHS" altLang="en-US" dirty="0" smtClean="0"/>
                         <a:t>评价标准</a:t>
                       </a:r>
-                      <a:endParaRPr lang="zh-CN" altLang="en-US" dirty="0"/>
+                      <a:endParaRPr lang="zh-CHS" altLang="en-US" dirty="0"/>
                     </a:p>
                   </a:txBody>
                   <a:tcPr/>
@@ -22681,7 +22597,7 @@
                         <a:defRPr/>
                       </a:pPr>
                       <a:r>
-                        <a:rPr lang="en-US" altLang="zh-CN" sz="1800" dirty="0" smtClean="0"/>
+                        <a:rPr lang="en-US" altLang="zh-CHS" sz="1800" dirty="0" smtClean="0"/>
                         <a:t>Fitness,</a:t>
                       </a:r>
                     </a:p>
@@ -22704,10 +22620,10 @@
                         <a:defRPr/>
                       </a:pPr>
                       <a:r>
-                        <a:rPr lang="en-US" altLang="zh-CN" sz="1800" dirty="0" err="1" smtClean="0"/>
+                        <a:rPr lang="en-US" altLang="zh-CHS" sz="1800" dirty="0" err="1" smtClean="0"/>
                         <a:t>Rediscoverability</a:t>
                       </a:r>
-                      <a:endParaRPr lang="zh-CN" altLang="en-US" sz="1800" dirty="0"/>
+                      <a:endParaRPr lang="zh-CHS" altLang="en-US" sz="1800" dirty="0"/>
                     </a:p>
                   </a:txBody>
                   <a:tcPr/>
@@ -22769,7 +22685,7 @@
                         <a:defRPr/>
                       </a:pPr>
                       <a:r>
-                        <a:rPr lang="zh-CN" altLang="en-US" dirty="0" smtClean="0"/>
+                        <a:rPr lang="zh-CHS" altLang="en-US" dirty="0" smtClean="0"/>
                         <a:t>数据来源</a:t>
                       </a:r>
                     </a:p>
@@ -22799,11 +22715,11 @@
                         <a:defRPr/>
                       </a:pPr>
                       <a:r>
-                        <a:rPr lang="zh-CN" altLang="en-US" dirty="0" smtClean="0"/>
+                        <a:rPr lang="zh-CHS" altLang="en-US" dirty="0" smtClean="0"/>
                         <a:t>东锅</a:t>
                       </a:r>
                       <a:r>
-                        <a:rPr lang="en-US" altLang="zh-CN" dirty="0" smtClean="0"/>
+                        <a:rPr lang="en-US" altLang="zh-CHS" dirty="0" smtClean="0"/>
                         <a:t>+BPI Challenge2013</a:t>
                       </a:r>
                     </a:p>
@@ -22835,7 +22751,7 @@
                         <a:defRPr/>
                       </a:pPr>
                       <a:r>
-                        <a:rPr lang="zh-CN" altLang="en-US" dirty="0" smtClean="0"/>
+                        <a:rPr lang="zh-CHS" altLang="en-US" dirty="0" smtClean="0"/>
                         <a:t>规模</a:t>
                       </a:r>
                     </a:p>
@@ -22865,7 +22781,7 @@
                         <a:defRPr/>
                       </a:pPr>
                       <a:r>
-                        <a:rPr lang="en-US" altLang="zh-CN" dirty="0" smtClean="0"/>
+                        <a:rPr lang="en-US" altLang="zh-CHS" dirty="0" smtClean="0"/>
                         <a:t>40+1</a:t>
                       </a:r>
                     </a:p>
@@ -22880,10 +22796,10 @@
                     <a:lstStyle/>
                     <a:p>
                       <a:r>
-                        <a:rPr lang="zh-CN" altLang="en-US" dirty="0" smtClean="0"/>
+                        <a:rPr lang="zh-CHS" altLang="en-US" dirty="0" smtClean="0"/>
                         <a:t>评价标准</a:t>
                       </a:r>
-                      <a:endParaRPr lang="zh-CN" altLang="en-US" dirty="0"/>
+                      <a:endParaRPr lang="zh-CHS" altLang="en-US" dirty="0"/>
                     </a:p>
                   </a:txBody>
                   <a:tcPr/>
@@ -22911,10 +22827,10 @@
                         <a:defRPr/>
                       </a:pPr>
                       <a:r>
-                        <a:rPr lang="en-US" altLang="zh-CN" dirty="0" smtClean="0"/>
+                        <a:rPr lang="en-US" altLang="zh-CHS" dirty="0" smtClean="0"/>
                         <a:t>Fitness</a:t>
                       </a:r>
-                      <a:endParaRPr lang="zh-CN" altLang="en-US" dirty="0"/>
+                      <a:endParaRPr lang="zh-CHS" altLang="en-US" dirty="0"/>
                     </a:p>
                   </a:txBody>
                   <a:tcPr/>
@@ -23001,30 +22917,30 @@
           <a:p>
             <a:pPr lvl="0"/>
             <a:r>
-              <a:rPr lang="zh-CN" altLang="en-US" dirty="0"/>
+              <a:rPr lang="zh-CHS" altLang="en-US" dirty="0"/>
               <a:t>主要</a:t>
             </a:r>
             <a:r>
-              <a:rPr lang="zh-CN" altLang="en-US" dirty="0" smtClean="0"/>
+              <a:rPr lang="zh-CHS" altLang="en-US" dirty="0" smtClean="0"/>
               <a:t>工作</a:t>
             </a:r>
-            <a:endParaRPr lang="en-US" altLang="zh-CN" dirty="0" smtClean="0"/>
+            <a:endParaRPr lang="en-US" altLang="zh-CHS" dirty="0" smtClean="0"/>
           </a:p>
           <a:p>
             <a:pPr lvl="0"/>
             <a:r>
-              <a:rPr lang="zh-CN" altLang="en-US" sz="2400" dirty="0" smtClean="0"/>
+              <a:rPr lang="zh-CHS" altLang="en-US" sz="2400" dirty="0" smtClean="0"/>
               <a:t>改进流程挖掘评估框架</a:t>
             </a:r>
             <a:r>
-              <a:rPr lang="en-US" altLang="zh-CN" sz="2400" dirty="0" smtClean="0"/>
+              <a:rPr lang="en-US" altLang="zh-CHS" sz="2400" dirty="0" smtClean="0"/>
               <a:t>——</a:t>
             </a:r>
             <a:r>
-              <a:rPr lang="zh-CN" altLang="en-US" sz="2400" dirty="0" smtClean="0"/>
+              <a:rPr lang="zh-CHS" altLang="en-US" sz="2400" dirty="0" smtClean="0"/>
               <a:t>设计</a:t>
             </a:r>
-            <a:endParaRPr lang="zh-CN" altLang="en-US" sz="2400" dirty="0"/>
+            <a:endParaRPr lang="zh-CHS" altLang="en-US" sz="2400" dirty="0"/>
           </a:p>
         </p:txBody>
       </p:sp>
@@ -23064,7 +22980,7 @@
           <a:lstStyle/>
           <a:p>
             <a:pPr algn="ctr"/>
-            <a:endParaRPr lang="zh-CN" altLang="en-US"/>
+            <a:endParaRPr lang="zh-CHS" altLang="en-US"/>
           </a:p>
         </p:txBody>
       </p:sp>
@@ -23093,10 +23009,10 @@
           <a:lstStyle/>
           <a:p>
             <a:r>
-              <a:rPr lang="zh-CN" altLang="en-US" b="1" dirty="0" smtClean="0"/>
+              <a:rPr lang="zh-CHS" altLang="en-US" b="1" dirty="0" smtClean="0"/>
               <a:t>流程模型属性约减</a:t>
             </a:r>
-            <a:endParaRPr lang="zh-CN" altLang="en-US" b="1" dirty="0"/>
+            <a:endParaRPr lang="zh-CHS" altLang="en-US" b="1" dirty="0"/>
           </a:p>
         </p:txBody>
       </p:sp>
@@ -23123,40 +23039,40 @@
           <a:lstStyle/>
           <a:p>
             <a:r>
-              <a:rPr lang="zh-CN" altLang="en-US" b="1" dirty="0" smtClean="0"/>
+              <a:rPr lang="zh-CHS" altLang="en-US" b="1" dirty="0" smtClean="0"/>
               <a:t>约减规则</a:t>
             </a:r>
-            <a:endParaRPr lang="en-US" altLang="zh-CN" b="1" dirty="0" smtClean="0"/>
+            <a:endParaRPr lang="en-US" altLang="zh-CHS" b="1" dirty="0" smtClean="0"/>
           </a:p>
           <a:p>
             <a:r>
-              <a:rPr lang="en-US" altLang="zh-CN" dirty="0" smtClean="0"/>
+              <a:rPr lang="en-US" altLang="zh-CHS" dirty="0" smtClean="0"/>
               <a:t>1.</a:t>
             </a:r>
             <a:r>
-              <a:rPr lang="zh-CN" altLang="en-US" dirty="0" smtClean="0"/>
+              <a:rPr lang="zh-CHS" altLang="en-US" dirty="0" smtClean="0"/>
               <a:t>关于模型大小的属性应该被约减。</a:t>
             </a:r>
-            <a:endParaRPr lang="en-US" altLang="zh-CN" dirty="0" smtClean="0"/>
+            <a:endParaRPr lang="en-US" altLang="zh-CHS" dirty="0" smtClean="0"/>
           </a:p>
           <a:p>
             <a:r>
-              <a:rPr lang="en-US" altLang="zh-CN" dirty="0" smtClean="0"/>
+              <a:rPr lang="en-US" altLang="zh-CHS" dirty="0" smtClean="0"/>
               <a:t>2.</a:t>
             </a:r>
             <a:r>
-              <a:rPr lang="zh-CN" altLang="en-US" dirty="0" smtClean="0"/>
+              <a:rPr lang="zh-CHS" altLang="en-US" dirty="0" smtClean="0"/>
               <a:t>关于模型</a:t>
             </a:r>
             <a:r>
-              <a:rPr lang="en-US" altLang="zh-CN" dirty="0" smtClean="0"/>
+              <a:rPr lang="en-US" altLang="zh-CHS" dirty="0" smtClean="0"/>
               <a:t>Connector</a:t>
             </a:r>
             <a:r>
-              <a:rPr lang="zh-CN" altLang="en-US" dirty="0" smtClean="0"/>
+              <a:rPr lang="zh-CHS" altLang="en-US" dirty="0" smtClean="0"/>
               <a:t>的应该被约减。</a:t>
             </a:r>
-            <a:endParaRPr lang="zh-CN" altLang="en-US" dirty="0"/>
+            <a:endParaRPr lang="zh-CHS" altLang="en-US" dirty="0"/>
           </a:p>
         </p:txBody>
       </p:sp>
@@ -23183,75 +23099,75 @@
           <a:lstStyle/>
           <a:p>
             <a:r>
-              <a:rPr lang="zh-CN" altLang="en-US" b="1" dirty="0" smtClean="0"/>
+              <a:rPr lang="zh-CHS" altLang="en-US" b="1" dirty="0" smtClean="0"/>
               <a:t>保留属性</a:t>
             </a:r>
             <a:r>
-              <a:rPr lang="en-US" altLang="zh-CN" b="1" dirty="0" smtClean="0"/>
+              <a:rPr lang="en-US" altLang="zh-CHS" b="1" dirty="0" smtClean="0"/>
               <a:t>:</a:t>
             </a:r>
           </a:p>
           <a:p>
             <a:r>
-              <a:rPr lang="en-US" altLang="zh-CN" dirty="0" smtClean="0"/>
+              <a:rPr lang="en-US" altLang="zh-CHS" dirty="0" smtClean="0"/>
               <a:t>1.</a:t>
             </a:r>
             <a:r>
-              <a:rPr lang="zh-CN" altLang="en-US" dirty="0" smtClean="0"/>
+              <a:rPr lang="zh-CHS" altLang="en-US" dirty="0" smtClean="0"/>
               <a:t>不可见任务个数 </a:t>
             </a:r>
             <a:r>
-              <a:rPr lang="en-US" altLang="zh-CN" dirty="0" smtClean="0"/>
+              <a:rPr lang="en-US" altLang="zh-CHS" dirty="0" smtClean="0"/>
               <a:t>2.</a:t>
             </a:r>
             <a:r>
-              <a:rPr lang="zh-CN" altLang="en-US" dirty="0" smtClean="0"/>
+              <a:rPr lang="zh-CHS" altLang="en-US" dirty="0" smtClean="0"/>
               <a:t>重名任务个数</a:t>
             </a:r>
-            <a:endParaRPr lang="en-US" altLang="zh-CN" dirty="0" smtClean="0"/>
+            <a:endParaRPr lang="en-US" altLang="zh-CHS" dirty="0" smtClean="0"/>
           </a:p>
           <a:p>
             <a:r>
-              <a:rPr lang="en-US" altLang="zh-CN" dirty="0" smtClean="0"/>
+              <a:rPr lang="en-US" altLang="zh-CHS" dirty="0" smtClean="0"/>
               <a:t>3.</a:t>
             </a:r>
             <a:r>
-              <a:rPr lang="zh-CN" altLang="en-US" dirty="0" smtClean="0"/>
+              <a:rPr lang="zh-CHS" altLang="en-US" dirty="0" smtClean="0"/>
               <a:t>非自由选择结构个数 </a:t>
             </a:r>
             <a:r>
-              <a:rPr lang="en-US" altLang="zh-CN" dirty="0" smtClean="0"/>
+              <a:rPr lang="en-US" altLang="zh-CHS" dirty="0" smtClean="0"/>
               <a:t>4.</a:t>
             </a:r>
             <a:r>
-              <a:rPr lang="zh-CN" altLang="en-US" dirty="0"/>
+              <a:rPr lang="zh-CHS" altLang="en-US" dirty="0"/>
               <a:t>短循环个数</a:t>
             </a:r>
-            <a:endParaRPr lang="en-US" altLang="zh-CN" dirty="0" smtClean="0"/>
+            <a:endParaRPr lang="en-US" altLang="zh-CHS" dirty="0" smtClean="0"/>
           </a:p>
           <a:p>
             <a:r>
-              <a:rPr lang="en-US" altLang="zh-CN" dirty="0" smtClean="0"/>
+              <a:rPr lang="en-US" altLang="zh-CHS" dirty="0" smtClean="0"/>
               <a:t>5.</a:t>
             </a:r>
             <a:r>
-              <a:rPr lang="zh-CN" altLang="en-US" dirty="0" smtClean="0"/>
+              <a:rPr lang="zh-CHS" altLang="en-US" dirty="0" smtClean="0"/>
               <a:t>嵌套循环个数 </a:t>
             </a:r>
             <a:r>
-              <a:rPr lang="en-US" altLang="zh-CN" dirty="0" smtClean="0"/>
+              <a:rPr lang="en-US" altLang="zh-CHS" dirty="0" smtClean="0"/>
               <a:t>6</a:t>
             </a:r>
             <a:r>
-              <a:rPr lang="zh-CN" altLang="en-US" dirty="0"/>
+              <a:rPr lang="zh-CHS" altLang="en-US" dirty="0"/>
               <a:t>任意</a:t>
             </a:r>
             <a:r>
-              <a:rPr lang="zh-CN" altLang="en-US" dirty="0" smtClean="0"/>
+              <a:rPr lang="zh-CHS" altLang="en-US" dirty="0" smtClean="0"/>
               <a:t>循环</a:t>
             </a:r>
             <a:r>
-              <a:rPr lang="zh-CN" altLang="en-US" dirty="0"/>
+              <a:rPr lang="zh-CHS" altLang="en-US" dirty="0"/>
               <a:t>个数 </a:t>
             </a:r>
           </a:p>
@@ -23295,7 +23211,7 @@
           <a:lstStyle/>
           <a:p>
             <a:pPr algn="ctr"/>
-            <a:endParaRPr lang="zh-CN" altLang="en-US"/>
+            <a:endParaRPr lang="zh-CHS" altLang="en-US"/>
           </a:p>
         </p:txBody>
       </p:sp>
@@ -23324,10 +23240,10 @@
           <a:lstStyle/>
           <a:p>
             <a:r>
-              <a:rPr lang="zh-CN" altLang="en-US" b="1" dirty="0" smtClean="0"/>
+              <a:rPr lang="zh-CHS" altLang="en-US" b="1" dirty="0" smtClean="0"/>
               <a:t>设计通用有效参考流程模型集合</a:t>
             </a:r>
-            <a:endParaRPr lang="zh-CN" altLang="en-US" b="1" dirty="0"/>
+            <a:endParaRPr lang="zh-CHS" altLang="en-US" b="1" dirty="0"/>
           </a:p>
         </p:txBody>
       </p:sp>
@@ -23354,45 +23270,45 @@
           <a:lstStyle/>
           <a:p>
             <a:r>
-              <a:rPr lang="zh-CN" altLang="en-US" dirty="0" smtClean="0"/>
+              <a:rPr lang="zh-CHS" altLang="en-US" dirty="0" smtClean="0"/>
               <a:t>根据</a:t>
             </a:r>
             <a:r>
-              <a:rPr lang="zh-CN" altLang="en-US" dirty="0"/>
+              <a:rPr lang="zh-CHS" altLang="en-US" dirty="0"/>
               <a:t>六条</a:t>
             </a:r>
             <a:r>
-              <a:rPr lang="zh-CN" altLang="en-US" b="1" dirty="0" smtClean="0"/>
+              <a:rPr lang="zh-CHS" altLang="en-US" b="1" dirty="0" smtClean="0"/>
               <a:t>保留属性</a:t>
             </a:r>
             <a:r>
-              <a:rPr lang="zh-CN" altLang="en-US" dirty="0" smtClean="0"/>
+              <a:rPr lang="zh-CHS" altLang="en-US" dirty="0" smtClean="0"/>
               <a:t>构造参考模型集合</a:t>
             </a:r>
-            <a:endParaRPr lang="en-US" altLang="zh-CN" dirty="0" smtClean="0"/>
+            <a:endParaRPr lang="en-US" altLang="zh-CHS" dirty="0" smtClean="0"/>
           </a:p>
           <a:p>
             <a:r>
-              <a:rPr lang="zh-CN" altLang="en-US" dirty="0" smtClean="0"/>
+              <a:rPr lang="zh-CHS" altLang="en-US" dirty="0" smtClean="0"/>
               <a:t>共</a:t>
             </a:r>
             <a:r>
-              <a:rPr lang="en-US" altLang="zh-CN" dirty="0" smtClean="0"/>
+              <a:rPr lang="en-US" altLang="zh-CHS" dirty="0" smtClean="0"/>
               <a:t>60</a:t>
             </a:r>
             <a:r>
-              <a:rPr lang="zh-CN" altLang="en-US" dirty="0" smtClean="0"/>
+              <a:rPr lang="zh-CHS" altLang="en-US" dirty="0" smtClean="0"/>
               <a:t>个模型，每个属性个</a:t>
             </a:r>
             <a:r>
-              <a:rPr lang="en-US" altLang="zh-CN" dirty="0" smtClean="0"/>
+              <a:rPr lang="en-US" altLang="zh-CHS" dirty="0" smtClean="0"/>
               <a:t>10</a:t>
             </a:r>
             <a:r>
-              <a:rPr lang="zh-CN" altLang="en-US" dirty="0" smtClean="0"/>
+              <a:rPr lang="zh-CHS" altLang="en-US" dirty="0" smtClean="0"/>
               <a:t>个人工模型</a:t>
             </a:r>
-            <a:endParaRPr lang="zh-CN" altLang="en-US" dirty="0"/>
+            <a:endParaRPr lang="zh-CHS" altLang="en-US" dirty="0"/>
           </a:p>
         </p:txBody>
       </p:sp>
@@ -23497,30 +23413,30 @@
           <a:p>
             <a:pPr lvl="0"/>
             <a:r>
-              <a:rPr lang="zh-CN" altLang="en-US" dirty="0"/>
+              <a:rPr lang="zh-CHS" altLang="en-US" dirty="0"/>
               <a:t>主要</a:t>
             </a:r>
             <a:r>
-              <a:rPr lang="zh-CN" altLang="en-US" dirty="0" smtClean="0"/>
+              <a:rPr lang="zh-CHS" altLang="en-US" dirty="0" smtClean="0"/>
               <a:t>工作</a:t>
             </a:r>
-            <a:endParaRPr lang="en-US" altLang="zh-CN" dirty="0" smtClean="0"/>
+            <a:endParaRPr lang="en-US" altLang="zh-CHS" dirty="0" smtClean="0"/>
           </a:p>
           <a:p>
             <a:pPr lvl="0"/>
             <a:r>
-              <a:rPr lang="zh-CN" altLang="en-US" sz="2400" dirty="0" smtClean="0"/>
+              <a:rPr lang="zh-CHS" altLang="en-US" sz="2400" dirty="0" smtClean="0"/>
               <a:t>改进流程挖掘评估框架</a:t>
             </a:r>
             <a:r>
-              <a:rPr lang="en-US" altLang="zh-CN" sz="2400" dirty="0" smtClean="0"/>
+              <a:rPr lang="en-US" altLang="zh-CHS" sz="2400" dirty="0" smtClean="0"/>
               <a:t>——</a:t>
             </a:r>
             <a:r>
-              <a:rPr lang="zh-CN" altLang="en-US" sz="2400" dirty="0" smtClean="0"/>
+              <a:rPr lang="zh-CHS" altLang="en-US" sz="2400" dirty="0" smtClean="0"/>
               <a:t>实验</a:t>
             </a:r>
-            <a:endParaRPr lang="zh-CN" altLang="en-US" sz="2400" dirty="0"/>
+            <a:endParaRPr lang="zh-CHS" altLang="en-US" sz="2400" dirty="0"/>
           </a:p>
         </p:txBody>
       </p:sp>
@@ -23560,7 +23476,7 @@
           <a:lstStyle/>
           <a:p>
             <a:pPr algn="ctr"/>
-            <a:endParaRPr lang="zh-CN" altLang="en-US"/>
+            <a:endParaRPr lang="zh-CHS" altLang="en-US"/>
           </a:p>
         </p:txBody>
       </p:sp>
@@ -23589,10 +23505,10 @@
           <a:lstStyle/>
           <a:p>
             <a:r>
-              <a:rPr lang="zh-CN" altLang="en-US" b="1" dirty="0" smtClean="0"/>
+              <a:rPr lang="zh-CHS" altLang="en-US" b="1" dirty="0" smtClean="0"/>
               <a:t>流程模型属性约减</a:t>
             </a:r>
-            <a:endParaRPr lang="zh-CN" altLang="en-US" b="1" dirty="0"/>
+            <a:endParaRPr lang="zh-CHS" altLang="en-US" b="1" dirty="0"/>
           </a:p>
         </p:txBody>
       </p:sp>
@@ -23634,7 +23550,7 @@
           <a:lstStyle/>
           <a:p>
             <a:pPr algn="ctr"/>
-            <a:endParaRPr lang="zh-CN" altLang="en-US"/>
+            <a:endParaRPr lang="zh-CHS" altLang="en-US"/>
           </a:p>
         </p:txBody>
       </p:sp>
@@ -23663,10 +23579,10 @@
           <a:lstStyle/>
           <a:p>
             <a:r>
-              <a:rPr lang="zh-CN" altLang="en-US" b="1" dirty="0" smtClean="0"/>
+              <a:rPr lang="zh-CHS" altLang="en-US" b="1" dirty="0" smtClean="0"/>
               <a:t>设计通用有效参考流程模型集合</a:t>
             </a:r>
-            <a:endParaRPr lang="zh-CN" altLang="en-US" b="1" dirty="0"/>
+            <a:endParaRPr lang="zh-CHS" altLang="en-US" b="1" dirty="0"/>
           </a:p>
         </p:txBody>
       </p:sp>
@@ -23789,52 +23705,56 @@
           <a:lstStyle/>
           <a:p>
             <a:r>
-              <a:rPr lang="zh-CN" altLang="en-US" dirty="0" smtClean="0"/>
-              <a:t>在评估框架中，分别用通用参考模型集合与模型中自身的参考集合进行时间和准确度对比</a:t>
-            </a:r>
-            <a:r>
-              <a:rPr lang="zh-CN" altLang="en-US" dirty="0" smtClean="0"/>
-              <a:t>。</a:t>
-            </a:r>
-            <a:endParaRPr lang="en-US" altLang="zh-CN" dirty="0" smtClean="0"/>
+              <a:rPr lang="zh-CHS" altLang="en-US" dirty="0" smtClean="0"/>
+              <a:t>在评估框架中，分别用通用参考模型集合与模型中自身的参考集合进行时间和准确度对比。</a:t>
+            </a:r>
+            <a:endParaRPr lang="en-US" altLang="zh-CHS" dirty="0" smtClean="0"/>
           </a:p>
           <a:p>
             <a:r>
-              <a:rPr lang="zh-CN" altLang="en-US" dirty="0"/>
+              <a:rPr lang="zh-CHS" altLang="en-US" dirty="0"/>
               <a:t>时间</a:t>
             </a:r>
             <a:r>
-              <a:rPr lang="en-US" altLang="zh-CN" dirty="0" smtClean="0"/>
+              <a:rPr lang="en-US" altLang="zh-CHS" dirty="0" smtClean="0"/>
               <a:t>:</a:t>
             </a:r>
             <a:r>
-              <a:rPr lang="zh-CN" altLang="en-US" dirty="0"/>
+              <a:rPr lang="zh-CHS" altLang="en-US" dirty="0"/>
               <a:t>通用</a:t>
             </a:r>
             <a:r>
-              <a:rPr lang="zh-CN" altLang="en-US" dirty="0" smtClean="0"/>
+              <a:rPr lang="zh-CHS" altLang="en-US" dirty="0" smtClean="0"/>
               <a:t>模型集大幅减少</a:t>
             </a:r>
-            <a:endParaRPr lang="en-US" altLang="zh-CN" dirty="0" smtClean="0"/>
+            <a:endParaRPr lang="en-US" altLang="zh-CHS" dirty="0" smtClean="0"/>
           </a:p>
           <a:p>
             <a:r>
-              <a:rPr lang="zh-CN" altLang="en-US" dirty="0" smtClean="0"/>
+              <a:rPr lang="zh-CHS" altLang="en-US" dirty="0" smtClean="0"/>
               <a:t>准确度</a:t>
             </a:r>
             <a:r>
-              <a:rPr lang="en-US" altLang="zh-CN" dirty="0" smtClean="0"/>
+              <a:rPr lang="en-US" altLang="zh-CHS" dirty="0" smtClean="0"/>
               <a:t>:</a:t>
             </a:r>
             <a:r>
-              <a:rPr lang="zh-CN" altLang="en-US" dirty="0"/>
+              <a:rPr lang="zh-CHS" altLang="en-US" dirty="0"/>
               <a:t>通用</a:t>
             </a:r>
             <a:r>
-              <a:rPr lang="zh-CN" altLang="en-US" dirty="0" smtClean="0"/>
-              <a:t>模型小幅减少</a:t>
-            </a:r>
-            <a:endParaRPr lang="en-US" altLang="zh-CN" dirty="0"/>
+              <a:rPr lang="zh-CHS" altLang="en-US" dirty="0" smtClean="0"/>
+              <a:t>模型</a:t>
+            </a:r>
+            <a:r>
+              <a:rPr lang="zh-CHS" altLang="en-US" dirty="0" smtClean="0"/>
+              <a:t>小幅</a:t>
+            </a:r>
+            <a:r>
+              <a:rPr lang="zh-CHS" altLang="en-US" dirty="0" smtClean="0"/>
+              <a:t>增加</a:t>
+            </a:r>
+            <a:endParaRPr lang="en-US" altLang="zh-CHS" dirty="0"/>
           </a:p>
         </p:txBody>
       </p:sp>
@@ -23861,60 +23781,56 @@
           <a:lstStyle/>
           <a:p>
             <a:r>
-              <a:rPr lang="zh-CN" altLang="en-US" dirty="0" smtClean="0"/>
+              <a:rPr lang="zh-CHS" altLang="en-US" dirty="0" smtClean="0"/>
               <a:t>在评估框架中，分别用</a:t>
             </a:r>
             <a:r>
-              <a:rPr lang="en-US" altLang="zh-CN" dirty="0" smtClean="0"/>
+              <a:rPr lang="en-US" altLang="zh-CHS" dirty="0" smtClean="0"/>
               <a:t>48</a:t>
             </a:r>
             <a:r>
-              <a:rPr lang="zh-CN" altLang="en-US" dirty="0" smtClean="0"/>
+              <a:rPr lang="zh-CHS" altLang="en-US" dirty="0" smtClean="0"/>
               <a:t>维属性和</a:t>
             </a:r>
             <a:r>
-              <a:rPr lang="en-US" altLang="zh-CN" dirty="0" smtClean="0"/>
+              <a:rPr lang="en-US" altLang="zh-CHS" dirty="0" smtClean="0"/>
               <a:t>6</a:t>
             </a:r>
             <a:r>
-              <a:rPr lang="zh-CN" altLang="en-US" dirty="0" smtClean="0"/>
-              <a:t>维属性，在时间和推荐准确度上进行对比</a:t>
-            </a:r>
-            <a:r>
-              <a:rPr lang="zh-CN" altLang="en-US" dirty="0" smtClean="0"/>
-              <a:t>。</a:t>
-            </a:r>
-            <a:endParaRPr lang="en-US" altLang="zh-CN" dirty="0" smtClean="0"/>
+              <a:rPr lang="zh-CHS" altLang="en-US" dirty="0" smtClean="0"/>
+              <a:t>维属性，在时间和推荐准确度上进行对比。</a:t>
+            </a:r>
+            <a:endParaRPr lang="en-US" altLang="zh-CHS" dirty="0" smtClean="0"/>
           </a:p>
           <a:p>
             <a:r>
-              <a:rPr lang="zh-CN" altLang="en-US" dirty="0" smtClean="0"/>
+              <a:rPr lang="zh-CHS" altLang="en-US" dirty="0" smtClean="0"/>
               <a:t>时间</a:t>
             </a:r>
             <a:r>
-              <a:rPr lang="en-US" altLang="zh-CN" dirty="0" smtClean="0"/>
+              <a:rPr lang="en-US" altLang="zh-CHS" dirty="0" smtClean="0"/>
               <a:t>:6</a:t>
             </a:r>
             <a:r>
-              <a:rPr lang="zh-CN" altLang="en-US" dirty="0" smtClean="0"/>
+              <a:rPr lang="zh-CHS" altLang="en-US" dirty="0" smtClean="0"/>
               <a:t>维较短</a:t>
             </a:r>
-            <a:endParaRPr lang="en-US" altLang="zh-CN" dirty="0" smtClean="0"/>
+            <a:endParaRPr lang="en-US" altLang="zh-CHS" dirty="0" smtClean="0"/>
           </a:p>
           <a:p>
             <a:r>
-              <a:rPr lang="zh-CN" altLang="en-US" dirty="0" smtClean="0"/>
+              <a:rPr lang="zh-CHS" altLang="en-US" dirty="0" smtClean="0"/>
               <a:t>准确度</a:t>
             </a:r>
             <a:r>
-              <a:rPr lang="en-US" altLang="zh-CN" dirty="0" smtClean="0"/>
+              <a:rPr lang="en-US" altLang="zh-CHS" dirty="0" smtClean="0"/>
               <a:t>:6</a:t>
             </a:r>
             <a:r>
-              <a:rPr lang="zh-CN" altLang="en-US" dirty="0" smtClean="0"/>
+              <a:rPr lang="zh-CHS" altLang="en-US" dirty="0" smtClean="0"/>
               <a:t>维较高</a:t>
             </a:r>
-            <a:endParaRPr lang="en-US" altLang="zh-CN" dirty="0" smtClean="0"/>
+            <a:endParaRPr lang="en-US" altLang="zh-CHS" dirty="0" smtClean="0"/>
           </a:p>
         </p:txBody>
       </p:sp>
@@ -24016,10 +23932,10 @@
           </a:lstStyle>
           <a:p>
             <a:r>
-              <a:rPr lang="zh-CN" altLang="en-US" dirty="0" smtClean="0"/>
+              <a:rPr lang="zh-CHS" altLang="en-US" dirty="0" smtClean="0"/>
               <a:t>目录</a:t>
             </a:r>
-            <a:endParaRPr lang="zh-Hans" altLang="en-US" dirty="0"/>
+            <a:endParaRPr lang="zh-CHS" altLang="en-US" dirty="0"/>
           </a:p>
         </p:txBody>
       </p:sp>
@@ -24122,7 +24038,7 @@
           <a:p>
             <a:pPr lvl="0"/>
             <a:r>
-              <a:rPr lang="zh-CN" altLang="en-US" dirty="0"/>
+              <a:rPr lang="zh-CHS" altLang="en-US" dirty="0"/>
               <a:t>创新点</a:t>
             </a:r>
           </a:p>
@@ -24205,7 +24121,7 @@
           <a:p>
             <a:pPr lvl="0"/>
             <a:r>
-              <a:rPr lang="zh-CN" altLang="en-US" dirty="0"/>
+              <a:rPr lang="zh-CHS" altLang="en-US" dirty="0"/>
               <a:t>创新点</a:t>
             </a:r>
           </a:p>
@@ -24370,72 +24286,77 @@
           <a:p>
             <a:pPr marL="0" indent="-400050"/>
             <a:r>
-              <a:rPr lang="zh-CN" altLang="en-US" dirty="0" smtClean="0"/>
+              <a:rPr lang="zh-CHS" altLang="en-US" dirty="0" smtClean="0"/>
               <a:t>设计一个流程挖掘算法</a:t>
             </a:r>
-            <a:endParaRPr lang="en-US" altLang="zh-CN" dirty="0" smtClean="0"/>
-          </a:p>
-          <a:p>
-            <a:pPr marL="400050" lvl="1" indent="-400050"/>
-            <a:r>
-              <a:rPr lang="zh-CN" altLang="en-US" dirty="0"/>
-              <a:t>已投</a:t>
-            </a:r>
-            <a:r>
-              <a:rPr lang="en-US" altLang="zh-CN" dirty="0" smtClean="0"/>
-              <a:t>BPM2015</a:t>
-            </a:r>
+            <a:endParaRPr lang="en-US" altLang="zh-CHS" dirty="0" smtClean="0"/>
           </a:p>
           <a:p>
             <a:pPr marL="800100" lvl="2" indent="-400050"/>
             <a:r>
-              <a:rPr lang="zh-CN" altLang="en-US" dirty="0" smtClean="0"/>
+              <a:rPr lang="zh-CHS" altLang="en-US" dirty="0"/>
+              <a:t>已投</a:t>
+            </a:r>
+            <a:r>
+              <a:rPr lang="en-US" altLang="zh-CHS" dirty="0" smtClean="0"/>
+              <a:t>BPM2015</a:t>
+            </a:r>
+          </a:p>
+          <a:p>
+            <a:pPr marL="1257300" lvl="3" indent="-400050"/>
+            <a:r>
+              <a:rPr lang="zh-CHS" altLang="en-US" dirty="0" smtClean="0"/>
               <a:t>可以</a:t>
             </a:r>
             <a:r>
-              <a:rPr lang="zh-CN" altLang="en-US" dirty="0"/>
+              <a:rPr lang="zh-CHS" altLang="en-US" dirty="0"/>
               <a:t>同时挖掘不可见任务与非自由选择结构</a:t>
             </a:r>
-            <a:endParaRPr lang="en-US" altLang="zh-CN" dirty="0" smtClean="0"/>
+            <a:endParaRPr lang="en-US" altLang="zh-CHS" dirty="0" smtClean="0"/>
           </a:p>
           <a:p>
             <a:pPr marL="0" indent="-400050"/>
             <a:r>
-              <a:rPr lang="zh-CN" altLang="en-US" dirty="0" smtClean="0"/>
+              <a:rPr lang="zh-CHS" altLang="en-US" dirty="0" smtClean="0"/>
               <a:t>改进流程挖掘算法评估框架</a:t>
             </a:r>
-            <a:endParaRPr lang="en-US" altLang="zh-CN" dirty="0" smtClean="0"/>
-          </a:p>
-          <a:p>
-            <a:pPr marL="400050" lvl="1" indent="-400050"/>
-            <a:r>
-              <a:rPr lang="zh-CN" altLang="en-US" dirty="0"/>
-              <a:t>发表</a:t>
-            </a:r>
-            <a:r>
-              <a:rPr lang="en-US" altLang="zh-CN" dirty="0"/>
-              <a:t>APBPM2014</a:t>
-            </a:r>
+            <a:endParaRPr lang="en-US" altLang="zh-CHS" dirty="0" smtClean="0"/>
           </a:p>
           <a:p>
             <a:pPr marL="800100" lvl="2" indent="-400050"/>
             <a:r>
-              <a:rPr lang="zh-CN" altLang="en-US" dirty="0" smtClean="0"/>
-              <a:t>模型属性约减</a:t>
-            </a:r>
-            <a:endParaRPr lang="en-US" altLang="zh-CN" dirty="0" smtClean="0"/>
+              <a:rPr lang="zh-CHS" altLang="en-US" dirty="0" smtClean="0"/>
+              <a:t>发表</a:t>
+            </a:r>
+            <a:r>
+              <a:rPr lang="zh-CHS" altLang="en-US" dirty="0" smtClean="0"/>
+              <a:t>于</a:t>
+            </a:r>
+            <a:r>
+              <a:rPr lang="en-US" altLang="zh-CHS" dirty="0" smtClean="0"/>
+              <a:t>APBPM2014</a:t>
+            </a:r>
+            <a:endParaRPr lang="en-US" altLang="zh-CHS" dirty="0"/>
           </a:p>
           <a:p>
-            <a:pPr marL="800100" lvl="2" indent="-400050"/>
-            <a:r>
-              <a:rPr lang="zh-CN" altLang="en-US" dirty="0"/>
+            <a:pPr marL="1257300" lvl="3" indent="-400050"/>
+            <a:r>
+              <a:rPr lang="zh-CHS" altLang="en-US" dirty="0" smtClean="0"/>
+              <a:t>模型属性约减</a:t>
+            </a:r>
+            <a:endParaRPr lang="en-US" altLang="zh-CHS" dirty="0" smtClean="0"/>
+          </a:p>
+          <a:p>
+            <a:pPr marL="1257300" lvl="3" indent="-400050"/>
+            <a:r>
+              <a:rPr lang="zh-CHS" altLang="en-US" dirty="0"/>
               <a:t>一</a:t>
             </a:r>
             <a:r>
-              <a:rPr lang="zh-CN" altLang="en-US" dirty="0" smtClean="0"/>
+              <a:rPr lang="zh-CHS" altLang="en-US" dirty="0" smtClean="0"/>
               <a:t>组通用的有效参考流程模型</a:t>
             </a:r>
-            <a:endParaRPr lang="en-US" altLang="zh-CN" dirty="0" smtClean="0"/>
+            <a:endParaRPr lang="en-US" altLang="zh-CHS" dirty="0" smtClean="0"/>
           </a:p>
         </p:txBody>
       </p:sp>
@@ -24516,7 +24437,7 @@
           <a:p>
             <a:pPr algn="ctr"/>
             <a:r>
-              <a:rPr lang="zh-CN" altLang="en-US" sz="5400" b="1" dirty="0" smtClean="0">
+              <a:rPr lang="zh-CHS" altLang="en-US" sz="5400" b="1" dirty="0" smtClean="0">
                 <a:ln w="12700" cmpd="sng">
                   <a:solidFill>
                     <a:schemeClr val="accent4"/>
@@ -24546,7 +24467,7 @@
               </a:rPr>
               <a:t>感谢老师批评指正</a:t>
             </a:r>
-            <a:endParaRPr lang="zh-CN" altLang="en-US" sz="5400" b="1" cap="none" spc="0" dirty="0">
+            <a:endParaRPr lang="zh-CHS" altLang="en-US" sz="5400" b="1" cap="none" spc="0" dirty="0">
               <a:ln w="10160">
                 <a:solidFill>
                   <a:schemeClr val="accent5"/>
@@ -24665,10 +24586,10 @@
           </a:lstStyle>
           <a:p>
             <a:r>
-              <a:rPr lang="zh-CN" altLang="en-US" dirty="0" smtClean="0"/>
+              <a:rPr lang="zh-CHS" altLang="en-US" dirty="0" smtClean="0"/>
               <a:t>毕业论文题目</a:t>
             </a:r>
-            <a:endParaRPr lang="zh-Hans" altLang="en-US" dirty="0"/>
+            <a:endParaRPr lang="zh-CHS" altLang="en-US" dirty="0"/>
           </a:p>
         </p:txBody>
       </p:sp>
@@ -24727,46 +24648,46 @@
               <a:lstStyle/>
               <a:p>
                 <a:r>
-                  <a:rPr lang="en-US" altLang="zh-CN" dirty="0" smtClean="0"/>
+                  <a:rPr lang="en-US" altLang="zh-CHS" dirty="0" smtClean="0"/>
                   <a:t>《</a:t>
                 </a:r>
                 <a:r>
-                  <a:rPr lang="zh-CN" altLang="zh-CN" dirty="0" smtClean="0"/>
+                  <a:rPr lang="zh-CHS" altLang="zh-CHS" dirty="0" smtClean="0"/>
                   <a:t>流程挖掘算法与评估框架研究</a:t>
                 </a:r>
                 <a:r>
-                  <a:rPr lang="en-US" altLang="zh-CN" dirty="0" smtClean="0"/>
+                  <a:rPr lang="en-US" altLang="zh-CHS" dirty="0" smtClean="0"/>
                   <a:t>》</a:t>
                 </a:r>
               </a:p>
               <a:p>
-                <a:endParaRPr lang="en-US" altLang="zh-CN" dirty="0" smtClean="0"/>
+                <a:endParaRPr lang="en-US" altLang="zh-CHS" dirty="0" smtClean="0"/>
               </a:p>
               <a:p>
                 <a:r>
-                  <a:rPr lang="zh-CN" altLang="en-US" dirty="0" smtClean="0"/>
+                  <a:rPr lang="zh-CHS" altLang="en-US" dirty="0" smtClean="0"/>
                   <a:t>围绕</a:t>
                 </a:r>
                 <a:r>
-                  <a:rPr lang="zh-CN" altLang="en-US" b="1" dirty="0" smtClean="0"/>
+                  <a:rPr lang="zh-CHS" altLang="en-US" b="1" dirty="0" smtClean="0"/>
                   <a:t>流程挖掘</a:t>
                 </a:r>
                 <a:r>
-                  <a:rPr lang="zh-CN" altLang="en-US" dirty="0" smtClean="0"/>
+                  <a:rPr lang="zh-CHS" altLang="en-US" dirty="0" smtClean="0"/>
                   <a:t>做的两件事：</a:t>
                 </a:r>
-                <a:endParaRPr lang="en-US" altLang="zh-CN" dirty="0" smtClean="0"/>
+                <a:endParaRPr lang="en-US" altLang="zh-CHS" dirty="0" smtClean="0"/>
               </a:p>
               <a:p>
                 <a:pPr lvl="1"/>
                 <a:r>
-                  <a:rPr lang="zh-CN" altLang="en-US" dirty="0" smtClean="0"/>
+                  <a:rPr lang="zh-CHS" altLang="en-US" dirty="0" smtClean="0"/>
                   <a:t>设计流程挖掘算法</a:t>
                 </a:r>
                 <a14:m>
                   <m:oMath xmlns:m="http://schemas.openxmlformats.org/officeDocument/2006/math">
                     <m:r>
-                      <a:rPr lang="en-US" altLang="zh-CN" b="0" i="0" smtClean="0">
+                      <a:rPr lang="en-US" altLang="zh-CHS" b="0" i="0" smtClean="0">
                         <a:latin typeface="Cambria Math" panose="02040503050406030204" pitchFamily="18" charset="0"/>
                       </a:rPr>
                       <m:t>:</m:t>
@@ -24774,14 +24695,14 @@
                     <m:sSup>
                       <m:sSupPr>
                         <m:ctrlPr>
-                          <a:rPr lang="en-US" altLang="zh-CN" i="1" smtClean="0">
-                            <a:latin typeface="Cambria Math" panose="02040503050406030204" pitchFamily="18" charset="0"/>
+                          <a:rPr lang="en-US" altLang="zh-CHS" i="1" smtClean="0">
+                            <a:latin typeface="Cambria Math" charset="0"/>
                           </a:rPr>
                         </m:ctrlPr>
                       </m:sSupPr>
                       <m:e>
                         <m:r>
-                          <a:rPr lang="en-US" altLang="zh-CN" i="1" smtClean="0">
+                          <a:rPr lang="en-US" altLang="zh-CHS" i="1" smtClean="0">
                             <a:latin typeface="Cambria Math" panose="02040503050406030204" pitchFamily="18" charset="0"/>
                             <a:ea typeface="Cambria Math" panose="02040503050406030204" pitchFamily="18" charset="0"/>
                           </a:rPr>
@@ -24790,7 +24711,7 @@
                       </m:e>
                       <m:sup>
                         <m:r>
-                          <a:rPr lang="en-US" altLang="zh-CN" b="0" i="1" smtClean="0">
+                          <a:rPr lang="en-US" altLang="zh-CHS" b="0" i="1" smtClean="0">
                             <a:latin typeface="Cambria Math" panose="02040503050406030204" pitchFamily="18" charset="0"/>
                           </a:rPr>
                           <m:t>$</m:t>
@@ -24799,66 +24720,66 @@
                     </m:sSup>
                   </m:oMath>
                 </a14:m>
-                <a:endParaRPr lang="en-US" altLang="zh-CN" dirty="0" smtClean="0"/>
+                <a:endParaRPr lang="en-US" altLang="zh-CHS" dirty="0" smtClean="0"/>
               </a:p>
               <a:p>
                 <a:pPr lvl="2"/>
                 <a:r>
-                  <a:rPr lang="zh-CN" altLang="en-US" dirty="0" smtClean="0"/>
+                  <a:rPr lang="zh-CHS" altLang="en-US" dirty="0" smtClean="0"/>
                   <a:t>同时挖掘不可见任务与非自由选择结构</a:t>
                 </a:r>
-                <a:endParaRPr lang="en-US" altLang="zh-CN" dirty="0" smtClean="0"/>
+                <a:endParaRPr lang="en-US" altLang="zh-CHS" dirty="0" smtClean="0"/>
               </a:p>
               <a:p>
                 <a:pPr lvl="1"/>
                 <a:r>
-                  <a:rPr lang="zh-CN" altLang="en-US" dirty="0" smtClean="0"/>
+                  <a:rPr lang="zh-CHS" altLang="en-US" dirty="0" smtClean="0"/>
                   <a:t>改进</a:t>
                 </a:r>
                 <a:r>
-                  <a:rPr lang="zh-CN" altLang="en-US" dirty="0"/>
+                  <a:rPr lang="zh-CHS" altLang="en-US" dirty="0"/>
                   <a:t>流程</a:t>
                 </a:r>
                 <a:r>
-                  <a:rPr lang="zh-CN" altLang="en-US" dirty="0" smtClean="0"/>
+                  <a:rPr lang="zh-CHS" altLang="en-US" dirty="0" smtClean="0"/>
                   <a:t>挖掘评估框架</a:t>
                 </a:r>
-                <a:endParaRPr lang="en-US" altLang="zh-CN" dirty="0" smtClean="0"/>
+                <a:endParaRPr lang="en-US" altLang="zh-CHS" dirty="0" smtClean="0"/>
               </a:p>
               <a:p>
                 <a:pPr lvl="2"/>
                 <a:r>
-                  <a:rPr lang="zh-CN" altLang="en-US" dirty="0" smtClean="0"/>
+                  <a:rPr lang="zh-CHS" altLang="en-US" dirty="0" smtClean="0"/>
                   <a:t>描述流程模型的属性从</a:t>
                 </a:r>
                 <a:r>
-                  <a:rPr lang="en-US" altLang="zh-CN" dirty="0" smtClean="0"/>
+                  <a:rPr lang="en-US" altLang="zh-CHS" dirty="0" smtClean="0"/>
                   <a:t>48</a:t>
                 </a:r>
                 <a:r>
-                  <a:rPr lang="zh-CN" altLang="en-US" dirty="0" smtClean="0"/>
+                  <a:rPr lang="zh-CHS" altLang="en-US" dirty="0" smtClean="0"/>
                   <a:t>维降到</a:t>
                 </a:r>
                 <a:r>
-                  <a:rPr lang="en-US" altLang="zh-CN" dirty="0" smtClean="0"/>
+                  <a:rPr lang="en-US" altLang="zh-CHS" dirty="0" smtClean="0"/>
                   <a:t>6</a:t>
                 </a:r>
                 <a:r>
-                  <a:rPr lang="zh-CN" altLang="en-US" dirty="0" smtClean="0"/>
+                  <a:rPr lang="zh-CHS" altLang="en-US" dirty="0" smtClean="0"/>
                   <a:t>维</a:t>
                 </a:r>
-                <a:endParaRPr lang="en-US" altLang="zh-CN" dirty="0" smtClean="0"/>
+                <a:endParaRPr lang="en-US" altLang="zh-CHS" dirty="0" smtClean="0"/>
               </a:p>
               <a:p>
                 <a:pPr lvl="2"/>
                 <a:r>
-                  <a:rPr lang="zh-CN" altLang="en-US" dirty="0" smtClean="0"/>
+                  <a:rPr lang="zh-CHS" altLang="en-US" dirty="0" smtClean="0"/>
                   <a:t>设计一组通用的有效参考模型集</a:t>
                 </a:r>
-                <a:endParaRPr lang="en-US" altLang="zh-CN" dirty="0" smtClean="0"/>
+                <a:endParaRPr lang="en-US" altLang="zh-CHS" dirty="0" smtClean="0"/>
               </a:p>
               <a:p>
-                <a:endParaRPr lang="zh-Hans" altLang="en-US" dirty="0"/>
+                <a:endParaRPr lang="zh-CHS" altLang="en-US" dirty="0"/>
               </a:p>
             </p:txBody>
           </p:sp>
@@ -24936,10 +24857,10 @@
           </a:lstStyle>
           <a:p>
             <a:r>
-              <a:rPr lang="zh-CN" altLang="en-US" dirty="0" smtClean="0"/>
+              <a:rPr lang="zh-CHS" altLang="en-US" dirty="0" smtClean="0"/>
               <a:t>毕业论文题目</a:t>
             </a:r>
-            <a:endParaRPr lang="zh-Hans" altLang="en-US" dirty="0"/>
+            <a:endParaRPr lang="zh-CHS" altLang="en-US" dirty="0"/>
           </a:p>
         </p:txBody>
       </p:sp>
@@ -25041,10 +24962,10 @@
           </a:lstStyle>
           <a:p>
             <a:r>
-              <a:rPr lang="zh-CN" altLang="en-US" dirty="0" smtClean="0"/>
+              <a:rPr lang="zh-CHS" altLang="en-US" dirty="0" smtClean="0"/>
               <a:t>框架结构</a:t>
             </a:r>
-            <a:endParaRPr lang="zh-Hans" altLang="en-US" dirty="0"/>
+            <a:endParaRPr lang="zh-CHS" altLang="en-US" dirty="0"/>
           </a:p>
         </p:txBody>
       </p:sp>
@@ -25124,10 +25045,10 @@
           </a:lstStyle>
           <a:p>
             <a:r>
-              <a:rPr lang="zh-CN" altLang="en-US" dirty="0" smtClean="0"/>
+              <a:rPr lang="zh-CHS" altLang="en-US" dirty="0" smtClean="0"/>
               <a:t>框架结构</a:t>
             </a:r>
-            <a:endParaRPr lang="zh-Hans" altLang="en-US" dirty="0"/>
+            <a:endParaRPr lang="zh-CHS" altLang="en-US" dirty="0"/>
           </a:p>
         </p:txBody>
       </p:sp>
@@ -25319,98 +25240,98 @@
           </a:lstStyle>
           <a:p>
             <a:r>
-              <a:rPr lang="zh-CN" altLang="en-US" dirty="0" smtClean="0"/>
+              <a:rPr lang="zh-CHS" altLang="en-US" dirty="0" smtClean="0"/>
               <a:t>论文总共分为</a:t>
             </a:r>
             <a:r>
-              <a:rPr lang="en-US" altLang="zh-CN" dirty="0" smtClean="0"/>
+              <a:rPr lang="en-US" altLang="zh-CHS" dirty="0" smtClean="0"/>
               <a:t>5</a:t>
             </a:r>
             <a:r>
-              <a:rPr lang="zh-CN" altLang="en-US" dirty="0" smtClean="0"/>
+              <a:rPr lang="zh-CHS" altLang="en-US" dirty="0" smtClean="0"/>
               <a:t>章：</a:t>
             </a:r>
-            <a:endParaRPr lang="en-US" altLang="zh-CN" dirty="0" smtClean="0"/>
+            <a:endParaRPr lang="en-US" altLang="zh-CHS" dirty="0" smtClean="0"/>
           </a:p>
           <a:p>
             <a:pPr lvl="1"/>
             <a:r>
-              <a:rPr lang="zh-CN" altLang="en-US" dirty="0" smtClean="0"/>
+              <a:rPr lang="zh-CHS" altLang="en-US" dirty="0" smtClean="0"/>
               <a:t>第</a:t>
             </a:r>
             <a:r>
-              <a:rPr lang="en-US" altLang="zh-CN" dirty="0" smtClean="0"/>
+              <a:rPr lang="en-US" altLang="zh-CHS" dirty="0" smtClean="0"/>
               <a:t>1</a:t>
             </a:r>
             <a:r>
-              <a:rPr lang="zh-CN" altLang="en-US" dirty="0" smtClean="0"/>
+              <a:rPr lang="zh-CHS" altLang="en-US" dirty="0" smtClean="0"/>
               <a:t>章绪论</a:t>
             </a:r>
-            <a:endParaRPr lang="en-US" altLang="zh-CN" dirty="0" smtClean="0"/>
+            <a:endParaRPr lang="en-US" altLang="zh-CHS" dirty="0" smtClean="0"/>
           </a:p>
           <a:p>
             <a:pPr lvl="1"/>
             <a:r>
-              <a:rPr lang="zh-CN" altLang="en-US" dirty="0" smtClean="0"/>
+              <a:rPr lang="zh-CHS" altLang="en-US" dirty="0" smtClean="0"/>
               <a:t>第</a:t>
             </a:r>
             <a:r>
-              <a:rPr lang="en-US" altLang="zh-CN" dirty="0" smtClean="0"/>
+              <a:rPr lang="en-US" altLang="zh-CHS" dirty="0" smtClean="0"/>
               <a:t>2</a:t>
             </a:r>
             <a:r>
-              <a:rPr lang="zh-CN" altLang="en-US" dirty="0" smtClean="0"/>
+              <a:rPr lang="zh-CHS" altLang="en-US" dirty="0" smtClean="0"/>
               <a:t>章相关工作</a:t>
             </a:r>
-            <a:endParaRPr lang="en-US" altLang="zh-CN" dirty="0" smtClean="0"/>
+            <a:endParaRPr lang="en-US" altLang="zh-CHS" dirty="0" smtClean="0"/>
           </a:p>
           <a:p>
             <a:pPr lvl="1"/>
             <a:r>
-              <a:rPr lang="zh-CN" altLang="en-US" dirty="0" smtClean="0"/>
+              <a:rPr lang="zh-CHS" altLang="en-US" dirty="0" smtClean="0"/>
               <a:t>第</a:t>
             </a:r>
             <a:r>
-              <a:rPr lang="en-US" altLang="zh-CN" dirty="0" smtClean="0"/>
+              <a:rPr lang="en-US" altLang="zh-CHS" dirty="0" smtClean="0"/>
               <a:t>3</a:t>
             </a:r>
             <a:r>
-              <a:rPr lang="zh-CN" altLang="en-US" dirty="0" smtClean="0"/>
+              <a:rPr lang="zh-CHS" altLang="en-US" dirty="0" smtClean="0"/>
               <a:t>章流程挖掘算法设计</a:t>
             </a:r>
-            <a:endParaRPr lang="en-US" altLang="zh-CN" dirty="0" smtClean="0"/>
+            <a:endParaRPr lang="en-US" altLang="zh-CHS" dirty="0" smtClean="0"/>
           </a:p>
           <a:p>
             <a:pPr lvl="1"/>
             <a:r>
-              <a:rPr lang="zh-CN" altLang="en-US" dirty="0" smtClean="0"/>
+              <a:rPr lang="zh-CHS" altLang="en-US" dirty="0" smtClean="0"/>
               <a:t>第</a:t>
             </a:r>
             <a:r>
-              <a:rPr lang="en-US" altLang="zh-CN" dirty="0" smtClean="0"/>
+              <a:rPr lang="en-US" altLang="zh-CHS" dirty="0" smtClean="0"/>
               <a:t>4</a:t>
             </a:r>
             <a:r>
-              <a:rPr lang="zh-CN" altLang="en-US" dirty="0" smtClean="0"/>
+              <a:rPr lang="zh-CHS" altLang="en-US" dirty="0" smtClean="0"/>
               <a:t>章流程挖掘算法评估框架设计</a:t>
             </a:r>
-            <a:endParaRPr lang="en-US" altLang="zh-CN" dirty="0" smtClean="0"/>
+            <a:endParaRPr lang="en-US" altLang="zh-CHS" dirty="0" smtClean="0"/>
           </a:p>
           <a:p>
             <a:pPr lvl="1"/>
             <a:r>
-              <a:rPr lang="zh-CN" altLang="en-US" dirty="0" smtClean="0"/>
+              <a:rPr lang="zh-CHS" altLang="en-US" dirty="0" smtClean="0"/>
               <a:t>第</a:t>
             </a:r>
             <a:r>
-              <a:rPr lang="en-US" altLang="zh-CN" dirty="0" smtClean="0"/>
+              <a:rPr lang="en-US" altLang="zh-CHS" dirty="0" smtClean="0"/>
               <a:t>5</a:t>
             </a:r>
             <a:r>
-              <a:rPr lang="zh-CN" altLang="en-US" dirty="0" smtClean="0"/>
+              <a:rPr lang="zh-CHS" altLang="en-US" dirty="0" smtClean="0"/>
               <a:t>章总结与展望</a:t>
             </a:r>
-            <a:endParaRPr lang="en-US" altLang="zh-Hans" dirty="0"/>
+            <a:endParaRPr lang="en-US" altLang="zh-CHS" dirty="0"/>
           </a:p>
         </p:txBody>
       </p:sp>
@@ -25566,14 +25487,14 @@
           </a:lstStyle>
           <a:p>
             <a:r>
-              <a:rPr lang="zh-CN" altLang="en-US" dirty="0" smtClean="0"/>
+              <a:rPr lang="zh-CHS" altLang="en-US" dirty="0" smtClean="0"/>
               <a:t>框架结构</a:t>
             </a:r>
             <a:r>
-              <a:rPr lang="en-US" altLang="zh-CN" dirty="0" smtClean="0"/>
+              <a:rPr lang="en-US" altLang="zh-CHS" dirty="0" smtClean="0"/>
               <a:t>-1</a:t>
             </a:r>
-            <a:endParaRPr lang="zh-Hans" altLang="en-US" dirty="0"/>
+            <a:endParaRPr lang="zh-CHS" altLang="en-US" dirty="0"/>
           </a:p>
         </p:txBody>
       </p:sp>
@@ -25765,77 +25686,77 @@
           </a:lstStyle>
           <a:p>
             <a:r>
-              <a:rPr lang="zh-CN" altLang="en-US" dirty="0" smtClean="0"/>
+              <a:rPr lang="zh-CHS" altLang="en-US" dirty="0" smtClean="0"/>
               <a:t>第</a:t>
             </a:r>
             <a:r>
-              <a:rPr lang="en-US" altLang="zh-CN" dirty="0" smtClean="0"/>
+              <a:rPr lang="en-US" altLang="zh-CHS" dirty="0" smtClean="0"/>
               <a:t>1</a:t>
             </a:r>
             <a:r>
-              <a:rPr lang="zh-CN" altLang="en-US" dirty="0" smtClean="0"/>
+              <a:rPr lang="zh-CHS" altLang="en-US" dirty="0" smtClean="0"/>
               <a:t>章绪论</a:t>
             </a:r>
-            <a:endParaRPr lang="en-US" altLang="zh-CN" dirty="0" smtClean="0"/>
+            <a:endParaRPr lang="en-US" altLang="zh-CHS" dirty="0" smtClean="0"/>
           </a:p>
           <a:p>
             <a:pPr lvl="1"/>
             <a:r>
-              <a:rPr lang="zh-CN" altLang="en-US" dirty="0" smtClean="0"/>
+              <a:rPr lang="zh-CHS" altLang="en-US" dirty="0" smtClean="0"/>
               <a:t>选题的背景与意义</a:t>
             </a:r>
-            <a:endParaRPr lang="en-US" altLang="zh-CN" dirty="0" smtClean="0"/>
+            <a:endParaRPr lang="en-US" altLang="zh-CHS" dirty="0" smtClean="0"/>
           </a:p>
           <a:p>
             <a:pPr lvl="1"/>
             <a:r>
-              <a:rPr lang="zh-CN" altLang="en-US" dirty="0"/>
+              <a:rPr lang="zh-CHS" altLang="en-US" dirty="0"/>
               <a:t>基本</a:t>
             </a:r>
             <a:r>
-              <a:rPr lang="zh-CN" altLang="en-US" dirty="0" smtClean="0"/>
+              <a:rPr lang="zh-CHS" altLang="en-US" dirty="0" smtClean="0"/>
               <a:t>概念</a:t>
             </a:r>
-            <a:endParaRPr lang="en-US" altLang="zh-CN" dirty="0" smtClean="0"/>
+            <a:endParaRPr lang="en-US" altLang="zh-CHS" dirty="0" smtClean="0"/>
           </a:p>
           <a:p>
             <a:pPr lvl="2"/>
             <a:r>
-              <a:rPr lang="zh-CN" altLang="en-US" dirty="0"/>
+              <a:rPr lang="zh-CHS" altLang="en-US" dirty="0"/>
               <a:t>事件</a:t>
             </a:r>
             <a:r>
-              <a:rPr lang="zh-CN" altLang="en-US" dirty="0" smtClean="0"/>
+              <a:rPr lang="zh-CHS" altLang="en-US" dirty="0" smtClean="0"/>
               <a:t>日志、工作流网</a:t>
             </a:r>
-            <a:endParaRPr lang="en-US" altLang="zh-CN" dirty="0" smtClean="0"/>
+            <a:endParaRPr lang="en-US" altLang="zh-CHS" dirty="0" smtClean="0"/>
           </a:p>
           <a:p>
             <a:pPr lvl="1"/>
             <a:r>
-              <a:rPr lang="zh-CN" altLang="en-US" dirty="0"/>
+              <a:rPr lang="zh-CHS" altLang="en-US" dirty="0"/>
               <a:t>论文</a:t>
             </a:r>
             <a:r>
-              <a:rPr lang="zh-CN" altLang="en-US" dirty="0" smtClean="0"/>
+              <a:rPr lang="zh-CHS" altLang="en-US" dirty="0" smtClean="0"/>
               <a:t>主要贡献</a:t>
             </a:r>
-            <a:endParaRPr lang="en-US" altLang="zh-CN" dirty="0" smtClean="0"/>
+            <a:endParaRPr lang="en-US" altLang="zh-CHS" dirty="0" smtClean="0"/>
           </a:p>
           <a:p>
             <a:pPr lvl="1"/>
             <a:r>
-              <a:rPr lang="zh-CN" altLang="en-US" dirty="0" smtClean="0"/>
+              <a:rPr lang="zh-CHS" altLang="en-US" dirty="0" smtClean="0"/>
               <a:t>论文章节安排</a:t>
             </a:r>
-            <a:endParaRPr lang="en-US" altLang="zh-CN" dirty="0" smtClean="0"/>
+            <a:endParaRPr lang="en-US" altLang="zh-CHS" dirty="0" smtClean="0"/>
           </a:p>
           <a:p>
             <a:pPr lvl="1"/>
-            <a:endParaRPr lang="en-US" altLang="zh-CN" dirty="0"/>
+            <a:endParaRPr lang="en-US" altLang="zh-CHS" dirty="0"/>
           </a:p>
           <a:p>
-            <a:endParaRPr lang="en-US" altLang="zh-CN" dirty="0" smtClean="0"/>
+            <a:endParaRPr lang="en-US" altLang="zh-CHS" dirty="0" smtClean="0"/>
           </a:p>
         </p:txBody>
       </p:sp>
@@ -25875,7 +25796,7 @@
           <a:lstStyle/>
           <a:p>
             <a:pPr algn="ctr"/>
-            <a:endParaRPr lang="zh-CN" altLang="en-US"/>
+            <a:endParaRPr lang="zh-CHS" altLang="en-US"/>
           </a:p>
         </p:txBody>
       </p:sp>
@@ -25923,7 +25844,7 @@
           <a:lstStyle/>
           <a:p>
             <a:pPr algn="ctr"/>
-            <a:endParaRPr lang="zh-CN" altLang="en-US"/>
+            <a:endParaRPr lang="zh-CHS" altLang="en-US"/>
           </a:p>
         </p:txBody>
       </p:sp>
@@ -26003,14 +25924,14 @@
           </a:lstStyle>
           <a:p>
             <a:r>
-              <a:rPr lang="zh-CN" altLang="en-US" dirty="0" smtClean="0"/>
+              <a:rPr lang="zh-CHS" altLang="en-US" dirty="0" smtClean="0"/>
               <a:t>框架结构</a:t>
             </a:r>
             <a:r>
-              <a:rPr lang="en-US" altLang="zh-CN" dirty="0" smtClean="0"/>
+              <a:rPr lang="en-US" altLang="zh-CHS" dirty="0" smtClean="0"/>
               <a:t>-2</a:t>
             </a:r>
-            <a:endParaRPr lang="zh-Hans" altLang="en-US" dirty="0"/>
+            <a:endParaRPr lang="zh-CHS" altLang="en-US" dirty="0"/>
           </a:p>
         </p:txBody>
       </p:sp>
@@ -26044,8 +25965,8 @@
           </a:prstGeom>
         </p:spPr>
       </p:pic>
-      <mc:AlternateContent xmlns:mc="http://schemas.openxmlformats.org/markup-compatibility/2006">
-        <mc:Choice xmlns:a14="http://schemas.microsoft.com/office/drawing/2010/main" Requires="a14">
+      <mc:AlternateContent xmlns:mc="http://schemas.openxmlformats.org/markup-compatibility/2006" xmlns:a14="http://schemas.microsoft.com/office/drawing/2010/main">
+        <mc:Choice Requires="a14">
           <p:sp>
             <p:nvSpPr>
               <p:cNvPr id="4" name="内容占位符 2"/>
@@ -26204,41 +26125,41 @@
               </a:lstStyle>
               <a:p>
                 <a:r>
-                  <a:rPr lang="zh-CN" altLang="en-US" dirty="0" smtClean="0"/>
+                  <a:rPr lang="zh-CHS" altLang="en-US" dirty="0" smtClean="0"/>
                   <a:t>第</a:t>
                 </a:r>
                 <a:r>
-                  <a:rPr lang="en-US" altLang="zh-CN" dirty="0" smtClean="0"/>
+                  <a:rPr lang="en-US" altLang="zh-CHS" dirty="0" smtClean="0"/>
                   <a:t>2</a:t>
                 </a:r>
                 <a:r>
-                  <a:rPr lang="zh-CN" altLang="en-US" dirty="0" smtClean="0"/>
+                  <a:rPr lang="zh-CHS" altLang="en-US" dirty="0" smtClean="0"/>
                   <a:t>章相关工作</a:t>
                 </a:r>
-                <a:endParaRPr lang="en-US" altLang="zh-CN" dirty="0" smtClean="0"/>
+                <a:endParaRPr lang="en-US" altLang="zh-CHS" dirty="0" smtClean="0"/>
               </a:p>
               <a:p>
                 <a:pPr lvl="1"/>
                 <a:r>
-                  <a:rPr lang="zh-CN" altLang="en-US" dirty="0" smtClean="0"/>
+                  <a:rPr lang="zh-CHS" altLang="en-US" dirty="0" smtClean="0"/>
                   <a:t>相关挖掘算法介绍</a:t>
                 </a:r>
-                <a:endParaRPr lang="en-US" altLang="zh-CN" dirty="0" smtClean="0"/>
+                <a:endParaRPr lang="en-US" altLang="zh-CHS" dirty="0" smtClean="0"/>
               </a:p>
               <a:p>
                 <a:pPr lvl="2"/>
                 <a:r>
-                  <a:rPr lang="zh-CN" altLang="en-US" dirty="0"/>
+                  <a:rPr lang="zh-CHS" altLang="en-US" dirty="0"/>
                   <a:t>重点</a:t>
                 </a:r>
                 <a:r>
-                  <a:rPr lang="zh-CN" altLang="en-US" dirty="0" smtClean="0"/>
+                  <a:rPr lang="zh-CHS" altLang="en-US" dirty="0" smtClean="0"/>
                   <a:t>介绍</a:t>
                 </a:r>
                 <a14:m>
                   <m:oMath xmlns:m="http://schemas.openxmlformats.org/officeDocument/2006/math">
                     <m:r>
-                      <a:rPr lang="en-US" altLang="zh-CN" i="1" smtClean="0">
+                      <a:rPr lang="en-US" altLang="zh-CHS" i="1" smtClean="0">
                         <a:latin typeface="Cambria Math" panose="02040503050406030204" pitchFamily="18" charset="0"/>
                         <a:ea typeface="Cambria Math" panose="02040503050406030204" pitchFamily="18" charset="0"/>
                       </a:rPr>
@@ -26247,15 +26168,15 @@
                   </m:oMath>
                 </a14:m>
                 <a:r>
-                  <a:rPr lang="zh-CN" altLang="en-US" dirty="0" smtClean="0"/>
+                  <a:rPr lang="zh-CHS" altLang="en-US" dirty="0" smtClean="0"/>
                   <a:t>系列</a:t>
                 </a:r>
                 <a:r>
-                  <a:rPr lang="en-US" altLang="zh-CN" dirty="0" smtClean="0"/>
+                  <a:rPr lang="en-US" altLang="zh-CHS" dirty="0" smtClean="0"/>
                   <a:t>:</a:t>
                 </a:r>
                 <a:r>
-                  <a:rPr lang="en-US" altLang="zh-CN" dirty="0">
+                  <a:rPr lang="en-US" altLang="zh-CHS" dirty="0">
                     <a:ea typeface="Cambria Math" panose="02040503050406030204" pitchFamily="18" charset="0"/>
                   </a:rPr>
                   <a:t> </a:t>
@@ -26263,7 +26184,7 @@
                 <a14:m>
                   <m:oMath xmlns:m="http://schemas.openxmlformats.org/officeDocument/2006/math">
                     <m:r>
-                      <a:rPr lang="en-US" altLang="zh-CN" i="1">
+                      <a:rPr lang="en-US" altLang="zh-CHS" i="1">
                         <a:latin typeface="Cambria Math" panose="02040503050406030204" pitchFamily="18" charset="0"/>
                         <a:ea typeface="Cambria Math" panose="02040503050406030204" pitchFamily="18" charset="0"/>
                       </a:rPr>
@@ -26272,11 +26193,11 @@
                   </m:oMath>
                 </a14:m>
                 <a:r>
-                  <a:rPr lang="en-US" altLang="zh-CN" dirty="0" smtClean="0"/>
+                  <a:rPr lang="en-US" altLang="zh-CHS" dirty="0" smtClean="0"/>
                   <a:t>,</a:t>
                 </a:r>
                 <a:r>
-                  <a:rPr lang="en-US" altLang="zh-CN" dirty="0">
+                  <a:rPr lang="en-US" altLang="zh-CHS" dirty="0">
                     <a:ea typeface="Cambria Math" panose="02040503050406030204" pitchFamily="18" charset="0"/>
                   </a:rPr>
                   <a:t> </a:t>
@@ -26284,7 +26205,7 @@
                 <a14:m>
                   <m:oMath xmlns:m="http://schemas.openxmlformats.org/officeDocument/2006/math">
                     <m:r>
-                      <a:rPr lang="en-US" altLang="zh-CN" i="1">
+                      <a:rPr lang="en-US" altLang="zh-CHS" i="1">
                         <a:latin typeface="Cambria Math" panose="02040503050406030204" pitchFamily="18" charset="0"/>
                         <a:ea typeface="Cambria Math" panose="02040503050406030204" pitchFamily="18" charset="0"/>
                       </a:rPr>
@@ -26293,15 +26214,15 @@
                   </m:oMath>
                 </a14:m>
                 <a:r>
-                  <a:rPr lang="en-US" altLang="zh-CN" baseline="30000" dirty="0"/>
+                  <a:rPr lang="en-US" altLang="zh-CHS" baseline="30000" dirty="0"/>
                   <a:t>++</a:t>
                 </a:r>
                 <a:r>
-                  <a:rPr lang="en-US" altLang="zh-CN" dirty="0" smtClean="0"/>
+                  <a:rPr lang="en-US" altLang="zh-CHS" dirty="0" smtClean="0"/>
                   <a:t>,</a:t>
                 </a:r>
                 <a:r>
-                  <a:rPr lang="en-US" altLang="zh-CN" dirty="0" smtClean="0">
+                  <a:rPr lang="en-US" altLang="zh-CHS" dirty="0" smtClean="0">
                     <a:ea typeface="Cambria Math" panose="02040503050406030204" pitchFamily="18" charset="0"/>
                   </a:rPr>
                   <a:t> </a:t>
@@ -26309,7 +26230,7 @@
                 <a14:m>
                   <m:oMath xmlns:m="http://schemas.openxmlformats.org/officeDocument/2006/math">
                     <m:r>
-                      <a:rPr lang="en-US" altLang="zh-CN" i="1">
+                      <a:rPr lang="en-US" altLang="zh-CHS" i="1">
                         <a:latin typeface="Cambria Math" panose="02040503050406030204" pitchFamily="18" charset="0"/>
                         <a:ea typeface="Cambria Math" panose="02040503050406030204" pitchFamily="18" charset="0"/>
                       </a:rPr>
@@ -26318,13 +26239,13 @@
                   </m:oMath>
                 </a14:m>
                 <a:r>
-                  <a:rPr lang="en-US" altLang="zh-CN" dirty="0">
+                  <a:rPr lang="en-US" altLang="zh-CHS" dirty="0">
                     <a:ea typeface="Cambria Math" panose="02040503050406030204" pitchFamily="18" charset="0"/>
                   </a:rPr>
                   <a:t> </a:t>
                 </a:r>
                 <a:r>
-                  <a:rPr lang="en-US" altLang="zh-CN" baseline="30000" dirty="0" smtClean="0">
+                  <a:rPr lang="en-US" altLang="zh-CHS" baseline="30000" dirty="0" smtClean="0">
                     <a:ea typeface="Cambria Math" panose="02040503050406030204" pitchFamily="18" charset="0"/>
                   </a:rPr>
                   <a:t>#</a:t>
@@ -26333,70 +26254,70 @@
               <a:p>
                 <a:pPr lvl="2"/>
                 <a:r>
-                  <a:rPr lang="en-US" altLang="zh-CN" dirty="0" smtClean="0"/>
+                  <a:rPr lang="en-US" altLang="zh-CHS" dirty="0" smtClean="0"/>
                   <a:t>Genetic, Heuristic, Region, ILP</a:t>
                 </a:r>
               </a:p>
               <a:p>
                 <a:pPr lvl="1"/>
                 <a:r>
-                  <a:rPr lang="zh-CN" altLang="en-US" dirty="0" smtClean="0"/>
+                  <a:rPr lang="zh-CHS" altLang="en-US" dirty="0" smtClean="0"/>
                   <a:t>流程挖掘算法评估框架介绍</a:t>
                 </a:r>
-                <a:endParaRPr lang="en-US" altLang="zh-CN" dirty="0" smtClean="0"/>
+                <a:endParaRPr lang="en-US" altLang="zh-CHS" dirty="0" smtClean="0"/>
               </a:p>
               <a:p>
                 <a:pPr lvl="2"/>
                 <a:r>
-                  <a:rPr lang="zh-CN" altLang="en-US" dirty="0" smtClean="0"/>
+                  <a:rPr lang="zh-CHS" altLang="en-US" dirty="0" smtClean="0"/>
                   <a:t>基于专用模型全集的流程挖掘算法评估框架</a:t>
                 </a:r>
-                <a:endParaRPr lang="en-US" altLang="zh-CN" dirty="0" smtClean="0"/>
+                <a:endParaRPr lang="en-US" altLang="zh-CHS" dirty="0" smtClean="0"/>
               </a:p>
               <a:p>
                 <a:pPr lvl="3"/>
                 <a:r>
-                  <a:rPr lang="en-US" altLang="zh-CN" dirty="0" err="1" smtClean="0"/>
+                  <a:rPr lang="en-US" altLang="zh-CHS" dirty="0" err="1" smtClean="0"/>
                   <a:t>Rozinat</a:t>
                 </a:r>
                 <a:r>
-                  <a:rPr lang="zh-CN" altLang="en-US" dirty="0" smtClean="0"/>
+                  <a:rPr lang="zh-CHS" altLang="en-US" dirty="0" smtClean="0"/>
                   <a:t>和</a:t>
                 </a:r>
                 <a:r>
-                  <a:rPr lang="en-US" altLang="zh-CN" dirty="0" smtClean="0"/>
+                  <a:rPr lang="en-US" altLang="zh-CHS" dirty="0" smtClean="0"/>
                   <a:t>SAC2012</a:t>
                 </a:r>
                 <a:r>
-                  <a:rPr lang="zh-CN" altLang="en-US" dirty="0" smtClean="0"/>
+                  <a:rPr lang="zh-CHS" altLang="en-US" dirty="0" smtClean="0"/>
                   <a:t>论文</a:t>
                 </a:r>
-                <a:endParaRPr lang="en-US" altLang="zh-CN" dirty="0" smtClean="0"/>
+                <a:endParaRPr lang="en-US" altLang="zh-CHS" dirty="0" smtClean="0"/>
               </a:p>
               <a:p>
                 <a:pPr lvl="2"/>
                 <a:r>
-                  <a:rPr lang="zh-CN" altLang="en-US" dirty="0" smtClean="0"/>
+                  <a:rPr lang="zh-CHS" altLang="en-US" dirty="0" smtClean="0"/>
                   <a:t>基于专用模型子集与推荐技术的流程挖掘算法评估框架</a:t>
                 </a:r>
-                <a:endParaRPr lang="en-US" altLang="zh-CN" dirty="0" smtClean="0"/>
+                <a:endParaRPr lang="en-US" altLang="zh-CHS" dirty="0" smtClean="0"/>
               </a:p>
               <a:p>
                 <a:pPr lvl="3"/>
                 <a:r>
-                  <a:rPr lang="en-US" altLang="zh-Hans" dirty="0" smtClean="0"/>
+                  <a:rPr lang="en-US" altLang="zh-CHS" dirty="0" smtClean="0"/>
                   <a:t>ICWS/TSC</a:t>
                 </a:r>
                 <a:r>
-                  <a:rPr lang="zh-CN" altLang="en-US" dirty="0" smtClean="0"/>
+                  <a:rPr lang="zh-CHS" altLang="en-US" dirty="0" smtClean="0"/>
                   <a:t>论文</a:t>
                 </a:r>
-                <a:endParaRPr lang="en-US" altLang="zh-Hans" dirty="0"/>
+                <a:endParaRPr lang="en-US" altLang="zh-CHS" dirty="0"/>
               </a:p>
             </p:txBody>
           </p:sp>
         </mc:Choice>
-        <mc:Fallback>
+        <mc:Fallback xmlns="">
           <p:sp>
             <p:nvSpPr>
               <p:cNvPr id="4" name="内容占位符 2"/>
@@ -26471,7 +26392,7 @@
           <a:lstStyle/>
           <a:p>
             <a:pPr algn="ctr"/>
-            <a:endParaRPr lang="zh-CN" altLang="en-US"/>
+            <a:endParaRPr lang="zh-CHS" altLang="en-US"/>
           </a:p>
         </p:txBody>
       </p:sp>
@@ -26519,7 +26440,7 @@
           <a:lstStyle/>
           <a:p>
             <a:pPr algn="ctr"/>
-            <a:endParaRPr lang="zh-CN" altLang="en-US"/>
+            <a:endParaRPr lang="zh-CHS" altLang="en-US"/>
           </a:p>
         </p:txBody>
       </p:sp>
@@ -26599,14 +26520,14 @@
           </a:lstStyle>
           <a:p>
             <a:r>
-              <a:rPr lang="zh-CN" altLang="en-US" dirty="0" smtClean="0"/>
+              <a:rPr lang="zh-CHS" altLang="en-US" dirty="0" smtClean="0"/>
               <a:t>框架结构</a:t>
             </a:r>
             <a:r>
-              <a:rPr lang="en-US" altLang="zh-CN" dirty="0" smtClean="0"/>
+              <a:rPr lang="en-US" altLang="zh-CHS" dirty="0" smtClean="0"/>
               <a:t>-3</a:t>
             </a:r>
-            <a:endParaRPr lang="zh-Hans" altLang="en-US" dirty="0"/>
+            <a:endParaRPr lang="zh-CHS" altLang="en-US" dirty="0"/>
           </a:p>
         </p:txBody>
       </p:sp>
@@ -26798,141 +26719,141 @@
           </a:lstStyle>
           <a:p>
             <a:r>
-              <a:rPr lang="zh-CN" altLang="en-US" dirty="0" smtClean="0"/>
+              <a:rPr lang="zh-CHS" altLang="en-US" dirty="0" smtClean="0"/>
               <a:t>第</a:t>
             </a:r>
             <a:r>
-              <a:rPr lang="en-US" altLang="zh-CN" dirty="0" smtClean="0"/>
+              <a:rPr lang="en-US" altLang="zh-CHS" dirty="0" smtClean="0"/>
               <a:t>3</a:t>
             </a:r>
             <a:r>
-              <a:rPr lang="zh-CN" altLang="en-US" dirty="0" smtClean="0"/>
+              <a:rPr lang="zh-CHS" altLang="en-US" dirty="0" smtClean="0"/>
               <a:t>章流程挖掘算法设计</a:t>
             </a:r>
-            <a:endParaRPr lang="en-US" altLang="zh-CN" dirty="0" smtClean="0"/>
+            <a:endParaRPr lang="en-US" altLang="zh-CHS" dirty="0" smtClean="0"/>
           </a:p>
           <a:p>
             <a:pPr lvl="1"/>
             <a:r>
-              <a:rPr lang="zh-CN" altLang="zh-CN" dirty="0"/>
+              <a:rPr lang="zh-CHS" altLang="zh-CHS" dirty="0"/>
               <a:t>流程挖掘算法</a:t>
             </a:r>
             <a:r>
-              <a:rPr lang="zh-CN" altLang="zh-CN" dirty="0" smtClean="0"/>
+              <a:rPr lang="zh-CHS" altLang="zh-CHS" dirty="0" smtClean="0"/>
               <a:t>概述</a:t>
             </a:r>
-            <a:endParaRPr lang="en-US" altLang="zh-CN" dirty="0" smtClean="0"/>
+            <a:endParaRPr lang="en-US" altLang="zh-CHS" dirty="0" smtClean="0"/>
           </a:p>
           <a:p>
             <a:pPr lvl="2"/>
             <a:r>
-              <a:rPr lang="zh-CN" altLang="en-US" dirty="0" smtClean="0"/>
+              <a:rPr lang="zh-CHS" altLang="en-US" dirty="0" smtClean="0"/>
               <a:t>动机、基本关系、算法基本流程</a:t>
             </a:r>
             <a:r>
-              <a:rPr lang="en-US" altLang="zh-CN" dirty="0" smtClean="0"/>
+              <a:rPr lang="en-US" altLang="zh-CHS" dirty="0" smtClean="0"/>
               <a:t>(</a:t>
             </a:r>
             <a:r>
-              <a:rPr lang="zh-CN" altLang="en-US" dirty="0"/>
+              <a:rPr lang="zh-CHS" altLang="en-US" dirty="0"/>
               <a:t>形式化</a:t>
             </a:r>
             <a:r>
-              <a:rPr lang="en-US" altLang="zh-CN" dirty="0" smtClean="0"/>
+              <a:rPr lang="en-US" altLang="zh-CHS" dirty="0" smtClean="0"/>
               <a:t>)</a:t>
             </a:r>
           </a:p>
           <a:p>
             <a:pPr lvl="1"/>
             <a:r>
-              <a:rPr lang="zh-CN" altLang="zh-CN" dirty="0"/>
+              <a:rPr lang="zh-CHS" altLang="zh-CHS" dirty="0"/>
               <a:t>发现改进的虚假</a:t>
             </a:r>
             <a:r>
-              <a:rPr lang="zh-CN" altLang="zh-CN" dirty="0" smtClean="0"/>
+              <a:rPr lang="zh-CHS" altLang="zh-CHS" dirty="0" smtClean="0"/>
               <a:t>依赖</a:t>
             </a:r>
-            <a:endParaRPr lang="en-US" altLang="zh-CN" dirty="0" smtClean="0"/>
+            <a:endParaRPr lang="en-US" altLang="zh-CHS" dirty="0" smtClean="0"/>
           </a:p>
           <a:p>
             <a:pPr lvl="1"/>
             <a:r>
-              <a:rPr lang="zh-CN" altLang="zh-CN" dirty="0"/>
+              <a:rPr lang="zh-CHS" altLang="zh-CHS" dirty="0"/>
               <a:t>补充可达</a:t>
             </a:r>
             <a:r>
-              <a:rPr lang="zh-CN" altLang="zh-CN" dirty="0" smtClean="0"/>
+              <a:rPr lang="zh-CHS" altLang="zh-CHS" dirty="0" smtClean="0"/>
               <a:t>关系</a:t>
             </a:r>
-            <a:endParaRPr lang="en-US" altLang="zh-CN" dirty="0" smtClean="0"/>
+            <a:endParaRPr lang="en-US" altLang="zh-CHS" dirty="0" smtClean="0"/>
           </a:p>
           <a:p>
             <a:pPr lvl="1"/>
             <a:r>
-              <a:rPr lang="zh-CN" altLang="zh-CN" dirty="0"/>
+              <a:rPr lang="zh-CHS" altLang="zh-CHS" dirty="0"/>
               <a:t>发现非自由选择</a:t>
             </a:r>
             <a:r>
-              <a:rPr lang="zh-CN" altLang="zh-CN" dirty="0" smtClean="0"/>
+              <a:rPr lang="zh-CHS" altLang="zh-CHS" dirty="0" smtClean="0"/>
               <a:t>结构</a:t>
             </a:r>
-            <a:endParaRPr lang="en-US" altLang="zh-CN" dirty="0" smtClean="0"/>
+            <a:endParaRPr lang="en-US" altLang="zh-CHS" dirty="0" smtClean="0"/>
           </a:p>
           <a:p>
             <a:pPr lvl="1"/>
             <a:r>
-              <a:rPr lang="zh-CN" altLang="zh-CN" dirty="0"/>
+              <a:rPr lang="zh-CHS" altLang="zh-CHS" dirty="0"/>
               <a:t>调整不可见</a:t>
             </a:r>
             <a:r>
-              <a:rPr lang="zh-CN" altLang="zh-CN" dirty="0" smtClean="0"/>
+              <a:rPr lang="zh-CHS" altLang="zh-CHS" dirty="0" smtClean="0"/>
               <a:t>任务</a:t>
             </a:r>
-            <a:endParaRPr lang="en-US" altLang="zh-CN" dirty="0" smtClean="0"/>
+            <a:endParaRPr lang="en-US" altLang="zh-CHS" dirty="0" smtClean="0"/>
           </a:p>
           <a:p>
             <a:pPr lvl="1"/>
             <a:r>
-              <a:rPr lang="zh-CN" altLang="zh-CN" dirty="0"/>
+              <a:rPr lang="zh-CHS" altLang="zh-CHS" dirty="0"/>
               <a:t>算法的</a:t>
             </a:r>
             <a:r>
-              <a:rPr lang="zh-CN" altLang="zh-CN" dirty="0" smtClean="0"/>
+              <a:rPr lang="zh-CHS" altLang="zh-CHS" dirty="0" smtClean="0"/>
               <a:t>实现</a:t>
             </a:r>
-            <a:endParaRPr lang="en-US" altLang="zh-CN" dirty="0" smtClean="0"/>
+            <a:endParaRPr lang="en-US" altLang="zh-CHS" dirty="0" smtClean="0"/>
           </a:p>
           <a:p>
             <a:pPr lvl="2"/>
             <a:r>
-              <a:rPr lang="en-US" altLang="zh-CN" dirty="0" err="1" smtClean="0"/>
+              <a:rPr lang="en-US" altLang="zh-CHS" dirty="0" err="1" smtClean="0"/>
               <a:t>BeehiveZ</a:t>
             </a:r>
             <a:r>
-              <a:rPr lang="zh-CN" altLang="en-US" dirty="0" smtClean="0"/>
+              <a:rPr lang="zh-CHS" altLang="en-US" dirty="0" smtClean="0"/>
               <a:t>上实现</a:t>
             </a:r>
-            <a:endParaRPr lang="en-US" altLang="zh-CN" dirty="0" smtClean="0"/>
+            <a:endParaRPr lang="en-US" altLang="zh-CHS" dirty="0" smtClean="0"/>
           </a:p>
           <a:p>
             <a:pPr lvl="1"/>
             <a:r>
-              <a:rPr lang="zh-CN" altLang="zh-CN" dirty="0"/>
+              <a:rPr lang="zh-CHS" altLang="zh-CHS" dirty="0"/>
               <a:t>实验设计与</a:t>
             </a:r>
             <a:r>
-              <a:rPr lang="zh-CN" altLang="zh-CN" dirty="0" smtClean="0"/>
+              <a:rPr lang="zh-CHS" altLang="zh-CHS" dirty="0" smtClean="0"/>
               <a:t>分析</a:t>
             </a:r>
-            <a:endParaRPr lang="en-US" altLang="zh-CN" dirty="0" smtClean="0"/>
+            <a:endParaRPr lang="en-US" altLang="zh-CHS" dirty="0" smtClean="0"/>
           </a:p>
           <a:p>
             <a:pPr lvl="2"/>
             <a:r>
-              <a:rPr lang="zh-CN" altLang="en-US" dirty="0" smtClean="0"/>
+              <a:rPr lang="zh-CHS" altLang="en-US" dirty="0" smtClean="0"/>
               <a:t>人工、真实</a:t>
             </a:r>
-            <a:endParaRPr lang="en-US" altLang="zh-CN" dirty="0" smtClean="0"/>
+            <a:endParaRPr lang="en-US" altLang="zh-CHS" dirty="0" smtClean="0"/>
           </a:p>
         </p:txBody>
       </p:sp>
@@ -26972,7 +26893,7 @@
           <a:lstStyle/>
           <a:p>
             <a:pPr algn="ctr"/>
-            <a:endParaRPr lang="zh-CN" altLang="en-US"/>
+            <a:endParaRPr lang="zh-CHS" altLang="en-US"/>
           </a:p>
         </p:txBody>
       </p:sp>
@@ -27020,7 +26941,7 @@
           <a:lstStyle/>
           <a:p>
             <a:pPr algn="ctr"/>
-            <a:endParaRPr lang="zh-CN" altLang="en-US"/>
+            <a:endParaRPr lang="zh-CHS" altLang="en-US"/>
           </a:p>
         </p:txBody>
       </p:sp>
@@ -27068,7 +26989,7 @@
           <a:lstStyle/>
           <a:p>
             <a:pPr algn="ctr"/>
-            <a:endParaRPr lang="zh-CN" altLang="en-US"/>
+            <a:endParaRPr lang="zh-CHS" altLang="en-US"/>
           </a:p>
         </p:txBody>
       </p:sp>
@@ -27108,7 +27029,7 @@
           <a:lstStyle/>
           <a:p>
             <a:pPr algn="ctr"/>
-            <a:endParaRPr lang="zh-CN" altLang="en-US"/>
+            <a:endParaRPr lang="zh-CHS" altLang="en-US"/>
           </a:p>
         </p:txBody>
       </p:sp>

--- a/郭秦龙初稿汇报.pptx
+++ b/郭秦龙初稿汇报.pptx
@@ -5933,8 +5933,8 @@
         <a:lstStyle/>
         <a:p>
           <a:r>
-            <a:rPr lang="zh-CHS" altLang="en-US" dirty="0" smtClean="0"/>
-            <a:t>设计流程挖掘算法</a:t>
+            <a:rPr kumimoji="1" lang="zh-CHS" altLang="en-US" dirty="0" smtClean="0"/>
+            <a:t>从不完整日志中挖掘非自由选择结构</a:t>
           </a:r>
           <a:endParaRPr lang="zh-CHS" altLang="en-US" dirty="0"/>
         </a:p>
@@ -5971,7 +5971,7 @@
         <a:p>
           <a:r>
             <a:rPr lang="zh-CHS" altLang="en-US" dirty="0" smtClean="0"/>
-            <a:t>改进流程评估框架</a:t>
+            <a:t>主要工作</a:t>
           </a:r>
           <a:endParaRPr lang="zh-CHS" altLang="en-US" dirty="0"/>
         </a:p>
@@ -5999,22 +5999,22 @@
         </a:p>
       </dgm:t>
     </dgm:pt>
-    <dgm:pt modelId="{06B48395-7FA4-468D-AC17-1291A30E9897}">
-      <dgm:prSet phldrT="[文本]"/>
+    <dgm:pt modelId="{195C6027-042B-0549-B085-97A90205869A}">
+      <dgm:prSet/>
       <dgm:spPr/>
       <dgm:t>
         <a:bodyPr/>
         <a:lstStyle/>
         <a:p>
           <a:r>
-            <a:rPr lang="zh-CHS" altLang="en-US" dirty="0" smtClean="0"/>
-            <a:t>主要工作</a:t>
+            <a:rPr kumimoji="1" lang="zh-CHS" altLang="en-US" dirty="0" smtClean="0"/>
+            <a:t>面向流程挖掘算法评估的典型模型库构建</a:t>
           </a:r>
-          <a:endParaRPr lang="zh-CHS" altLang="en-US" dirty="0"/>
+          <a:endParaRPr kumimoji="1" lang="zh-CHS" altLang="en-US" dirty="0" smtClean="0"/>
         </a:p>
       </dgm:t>
     </dgm:pt>
-    <dgm:pt modelId="{EB73D46B-641E-44D1-BED8-F53C8A01F20E}" type="parTrans" cxnId="{76288256-5EFC-48AD-85C1-D4D838B707BB}">
+    <dgm:pt modelId="{F4B32138-33BC-C44E-8D79-C707D13BB065}" type="parTrans" cxnId="{BED54C21-3405-984E-A8A5-2927D85EB0CE}">
       <dgm:prSet/>
       <dgm:spPr/>
       <dgm:t>
@@ -6025,7 +6025,7 @@
         </a:p>
       </dgm:t>
     </dgm:pt>
-    <dgm:pt modelId="{3D08AB8A-4D5B-42E4-AEF0-6211ACA10A22}" type="sibTrans" cxnId="{76288256-5EFC-48AD-85C1-D4D838B707BB}">
+    <dgm:pt modelId="{2CD2805C-8F81-D04E-BCEA-81EF612D35CB}" type="sibTrans" cxnId="{BED54C21-3405-984E-A8A5-2927D85EB0CE}">
       <dgm:prSet/>
       <dgm:spPr/>
       <dgm:t>
@@ -6083,20 +6083,13 @@
       <dgm:prSet presAssocID="{FB5FD425-C9E5-4488-BB70-20E63FE9EC95}" presName="spacerB" presStyleCnt="0"/>
       <dgm:spPr/>
     </dgm:pt>
-    <dgm:pt modelId="{53843995-41FF-498B-BC49-8E11DBEDB99C}" type="pres">
-      <dgm:prSet presAssocID="{49DB25FA-71C6-4C7D-AC21-628F53514C15}" presName="node" presStyleLbl="node1" presStyleIdx="1" presStyleCnt="3">
+    <dgm:pt modelId="{F88814BE-B1F2-D44F-8A08-0CA44266CD59}" type="pres">
+      <dgm:prSet presAssocID="{195C6027-042B-0549-B085-97A90205869A}" presName="node" presStyleLbl="node1" presStyleIdx="1" presStyleCnt="3">
         <dgm:presLayoutVars>
           <dgm:bulletEnabled val="1"/>
         </dgm:presLayoutVars>
       </dgm:prSet>
       <dgm:spPr/>
-      <dgm:t>
-        <a:bodyPr/>
-        <a:lstStyle/>
-        <a:p>
-          <a:endParaRPr lang="zh-CHS" altLang="en-US"/>
-        </a:p>
-      </dgm:t>
     </dgm:pt>
     <dgm:pt modelId="{EECF76B9-E390-4C5E-B012-9B2724BF4598}" type="pres">
       <dgm:prSet presAssocID="{F4443D36-6995-4FB1-B318-C24BFE8E1943}" presName="sibTransLast" presStyleLbl="sibTrans2D1" presStyleIdx="1" presStyleCnt="2"/>
@@ -6137,22 +6130,22 @@
     </dgm:pt>
   </dgm:ptLst>
   <dgm:cxnLst>
-    <dgm:cxn modelId="{E69B18E8-650F-4F21-91FC-F96CF4ACC40C}" type="presOf" srcId="{06B48395-7FA4-468D-AC17-1291A30E9897}" destId="{10897D0E-CF1E-4E67-BED7-7DC1FEBB0CF9}" srcOrd="0" destOrd="0" presId="urn:microsoft.com/office/officeart/2005/8/layout/equation2"/>
+    <dgm:cxn modelId="{CCCCCB09-1BF1-0F43-9260-FB53B7E4FA0F}" type="presOf" srcId="{FB5FD425-C9E5-4488-BB70-20E63FE9EC95}" destId="{2C7BB825-7D2C-4D40-AE13-3B23C7D2259B}" srcOrd="0" destOrd="0" presId="urn:microsoft.com/office/officeart/2005/8/layout/equation2"/>
+    <dgm:cxn modelId="{4766C37F-AFC6-42C8-B9C3-449F24045AFF}" srcId="{F4443D36-6995-4FB1-B318-C24BFE8E1943}" destId="{9B846F0B-9107-421D-B814-406833297DEA}" srcOrd="0" destOrd="0" parTransId="{ED37E45E-DDD6-4D16-8C32-3D83AA7DA822}" sibTransId="{FB5FD425-C9E5-4488-BB70-20E63FE9EC95}"/>
+    <dgm:cxn modelId="{A69A4D2F-2A56-934A-907B-97F29391A739}" type="presOf" srcId="{2CD2805C-8F81-D04E-BCEA-81EF612D35CB}" destId="{F5802750-2249-4199-9A4B-79A1CF947392}" srcOrd="1" destOrd="0" presId="urn:microsoft.com/office/officeart/2005/8/layout/equation2"/>
+    <dgm:cxn modelId="{0437A12E-E8CE-A347-B2C8-9611A4F9EE39}" type="presOf" srcId="{2CD2805C-8F81-D04E-BCEA-81EF612D35CB}" destId="{EECF76B9-E390-4C5E-B012-9B2724BF4598}" srcOrd="0" destOrd="0" presId="urn:microsoft.com/office/officeart/2005/8/layout/equation2"/>
+    <dgm:cxn modelId="{C2AFA9FC-3D94-E24C-9311-263441603F2A}" type="presOf" srcId="{195C6027-042B-0549-B085-97A90205869A}" destId="{F88814BE-B1F2-D44F-8A08-0CA44266CD59}" srcOrd="0" destOrd="0" presId="urn:microsoft.com/office/officeart/2005/8/layout/equation2"/>
+    <dgm:cxn modelId="{8DC2068C-C683-C249-908E-F3C89E49ACFE}" type="presOf" srcId="{49DB25FA-71C6-4C7D-AC21-628F53514C15}" destId="{10897D0E-CF1E-4E67-BED7-7DC1FEBB0CF9}" srcOrd="0" destOrd="0" presId="urn:microsoft.com/office/officeart/2005/8/layout/equation2"/>
+    <dgm:cxn modelId="{32ADAC14-4FD4-46CF-9804-30AB148F46A7}" type="presOf" srcId="{F4443D36-6995-4FB1-B318-C24BFE8E1943}" destId="{352AD106-4C18-4324-80E9-BB5A021903A5}" srcOrd="0" destOrd="0" presId="urn:microsoft.com/office/officeart/2005/8/layout/equation2"/>
+    <dgm:cxn modelId="{BED54C21-3405-984E-A8A5-2927D85EB0CE}" srcId="{F4443D36-6995-4FB1-B318-C24BFE8E1943}" destId="{195C6027-042B-0549-B085-97A90205869A}" srcOrd="1" destOrd="0" parTransId="{F4B32138-33BC-C44E-8D79-C707D13BB065}" sibTransId="{2CD2805C-8F81-D04E-BCEA-81EF612D35CB}"/>
+    <dgm:cxn modelId="{540B7BB6-A474-4F17-A509-83968D4AFB59}" srcId="{F4443D36-6995-4FB1-B318-C24BFE8E1943}" destId="{49DB25FA-71C6-4C7D-AC21-628F53514C15}" srcOrd="2" destOrd="0" parTransId="{A3AEB16B-476C-467F-9E93-2763A1BE7ABB}" sibTransId="{50D3B632-55DD-41DA-8583-7283DC7EB375}"/>
     <dgm:cxn modelId="{5FB1A71F-ABB4-43A3-945E-E4C7FF2FC6E9}" type="presOf" srcId="{9B846F0B-9107-421D-B814-406833297DEA}" destId="{803F1408-45E9-44D1-9929-CF21E16C9DC8}" srcOrd="0" destOrd="0" presId="urn:microsoft.com/office/officeart/2005/8/layout/equation2"/>
-    <dgm:cxn modelId="{76288256-5EFC-48AD-85C1-D4D838B707BB}" srcId="{F4443D36-6995-4FB1-B318-C24BFE8E1943}" destId="{06B48395-7FA4-468D-AC17-1291A30E9897}" srcOrd="2" destOrd="0" parTransId="{EB73D46B-641E-44D1-BED8-F53C8A01F20E}" sibTransId="{3D08AB8A-4D5B-42E4-AEF0-6211ACA10A22}"/>
-    <dgm:cxn modelId="{540B7BB6-A474-4F17-A509-83968D4AFB59}" srcId="{F4443D36-6995-4FB1-B318-C24BFE8E1943}" destId="{49DB25FA-71C6-4C7D-AC21-628F53514C15}" srcOrd="1" destOrd="0" parTransId="{A3AEB16B-476C-467F-9E93-2763A1BE7ABB}" sibTransId="{50D3B632-55DD-41DA-8583-7283DC7EB375}"/>
-    <dgm:cxn modelId="{32ADAC14-4FD4-46CF-9804-30AB148F46A7}" type="presOf" srcId="{F4443D36-6995-4FB1-B318-C24BFE8E1943}" destId="{352AD106-4C18-4324-80E9-BB5A021903A5}" srcOrd="0" destOrd="0" presId="urn:microsoft.com/office/officeart/2005/8/layout/equation2"/>
-    <dgm:cxn modelId="{4766C37F-AFC6-42C8-B9C3-449F24045AFF}" srcId="{F4443D36-6995-4FB1-B318-C24BFE8E1943}" destId="{9B846F0B-9107-421D-B814-406833297DEA}" srcOrd="0" destOrd="0" parTransId="{ED37E45E-DDD6-4D16-8C32-3D83AA7DA822}" sibTransId="{FB5FD425-C9E5-4488-BB70-20E63FE9EC95}"/>
-    <dgm:cxn modelId="{B2BB4C51-9440-4163-90DA-3EAA894A3BBD}" type="presOf" srcId="{49DB25FA-71C6-4C7D-AC21-628F53514C15}" destId="{53843995-41FF-498B-BC49-8E11DBEDB99C}" srcOrd="0" destOrd="0" presId="urn:microsoft.com/office/officeart/2005/8/layout/equation2"/>
-    <dgm:cxn modelId="{059839B2-3BC1-4983-AD8E-549A62A0EA6A}" type="presOf" srcId="{50D3B632-55DD-41DA-8583-7283DC7EB375}" destId="{EECF76B9-E390-4C5E-B012-9B2724BF4598}" srcOrd="0" destOrd="0" presId="urn:microsoft.com/office/officeart/2005/8/layout/equation2"/>
-    <dgm:cxn modelId="{2D7D54DC-8AFE-4837-94C6-16EFE4E89C3D}" type="presOf" srcId="{FB5FD425-C9E5-4488-BB70-20E63FE9EC95}" destId="{2C7BB825-7D2C-4D40-AE13-3B23C7D2259B}" srcOrd="0" destOrd="0" presId="urn:microsoft.com/office/officeart/2005/8/layout/equation2"/>
-    <dgm:cxn modelId="{0E707228-17ED-43F7-8EF7-1F2552F0010F}" type="presOf" srcId="{50D3B632-55DD-41DA-8583-7283DC7EB375}" destId="{F5802750-2249-4199-9A4B-79A1CF947392}" srcOrd="1" destOrd="0" presId="urn:microsoft.com/office/officeart/2005/8/layout/equation2"/>
     <dgm:cxn modelId="{6FF8E298-7372-4734-9379-C3E048C88C98}" type="presParOf" srcId="{352AD106-4C18-4324-80E9-BB5A021903A5}" destId="{A6546CA0-255B-41EC-B67E-5445A57B8F2A}" srcOrd="0" destOrd="0" presId="urn:microsoft.com/office/officeart/2005/8/layout/equation2"/>
     <dgm:cxn modelId="{D79CA2DF-9470-41A7-92C0-77112E6CF0FA}" type="presParOf" srcId="{A6546CA0-255B-41EC-B67E-5445A57B8F2A}" destId="{803F1408-45E9-44D1-9929-CF21E16C9DC8}" srcOrd="0" destOrd="0" presId="urn:microsoft.com/office/officeart/2005/8/layout/equation2"/>
-    <dgm:cxn modelId="{18CE5A8C-DB21-4FBD-9301-B748BBF439F9}" type="presParOf" srcId="{A6546CA0-255B-41EC-B67E-5445A57B8F2A}" destId="{F04F8630-E203-4A78-B57D-F34786185C5B}" srcOrd="1" destOrd="0" presId="urn:microsoft.com/office/officeart/2005/8/layout/equation2"/>
-    <dgm:cxn modelId="{4FF03EC7-B400-4F89-9CE9-50ACD9BF96FD}" type="presParOf" srcId="{A6546CA0-255B-41EC-B67E-5445A57B8F2A}" destId="{2C7BB825-7D2C-4D40-AE13-3B23C7D2259B}" srcOrd="2" destOrd="0" presId="urn:microsoft.com/office/officeart/2005/8/layout/equation2"/>
-    <dgm:cxn modelId="{5307411E-C300-4447-B80D-3D4AE69867EC}" type="presParOf" srcId="{A6546CA0-255B-41EC-B67E-5445A57B8F2A}" destId="{5B398C02-C09B-4D7E-BAAD-772A7C2BF3DE}" srcOrd="3" destOrd="0" presId="urn:microsoft.com/office/officeart/2005/8/layout/equation2"/>
-    <dgm:cxn modelId="{234B2E46-F9E2-4C7E-A88A-B2999C1C1FEB}" type="presParOf" srcId="{A6546CA0-255B-41EC-B67E-5445A57B8F2A}" destId="{53843995-41FF-498B-BC49-8E11DBEDB99C}" srcOrd="4" destOrd="0" presId="urn:microsoft.com/office/officeart/2005/8/layout/equation2"/>
+    <dgm:cxn modelId="{CC43638E-33A4-0A4B-841D-FB6023D1E276}" type="presParOf" srcId="{A6546CA0-255B-41EC-B67E-5445A57B8F2A}" destId="{F04F8630-E203-4A78-B57D-F34786185C5B}" srcOrd="1" destOrd="0" presId="urn:microsoft.com/office/officeart/2005/8/layout/equation2"/>
+    <dgm:cxn modelId="{31C12D0E-D9ED-F542-8BD1-A1BE0E22F211}" type="presParOf" srcId="{A6546CA0-255B-41EC-B67E-5445A57B8F2A}" destId="{2C7BB825-7D2C-4D40-AE13-3B23C7D2259B}" srcOrd="2" destOrd="0" presId="urn:microsoft.com/office/officeart/2005/8/layout/equation2"/>
+    <dgm:cxn modelId="{301AE7CC-1E77-BE43-B47D-108A90E5C49F}" type="presParOf" srcId="{A6546CA0-255B-41EC-B67E-5445A57B8F2A}" destId="{5B398C02-C09B-4D7E-BAAD-772A7C2BF3DE}" srcOrd="3" destOrd="0" presId="urn:microsoft.com/office/officeart/2005/8/layout/equation2"/>
+    <dgm:cxn modelId="{2E5B4213-7311-E349-981A-80AEAA2E7177}" type="presParOf" srcId="{A6546CA0-255B-41EC-B67E-5445A57B8F2A}" destId="{F88814BE-B1F2-D44F-8A08-0CA44266CD59}" srcOrd="4" destOrd="0" presId="urn:microsoft.com/office/officeart/2005/8/layout/equation2"/>
     <dgm:cxn modelId="{2A2F7E93-FB13-49E8-ADED-7BE5A9B5377C}" type="presParOf" srcId="{352AD106-4C18-4324-80E9-BB5A021903A5}" destId="{EECF76B9-E390-4C5E-B012-9B2724BF4598}" srcOrd="1" destOrd="0" presId="urn:microsoft.com/office/officeart/2005/8/layout/equation2"/>
     <dgm:cxn modelId="{D5EB02B1-5C9C-464E-B4A4-CBF8ED0CA2B4}" type="presParOf" srcId="{EECF76B9-E390-4C5E-B012-9B2724BF4598}" destId="{F5802750-2249-4199-9A4B-79A1CF947392}" srcOrd="0" destOrd="0" presId="urn:microsoft.com/office/officeart/2005/8/layout/equation2"/>
     <dgm:cxn modelId="{697F3D6F-5192-4696-9D6B-4D8F63A596E0}" type="presParOf" srcId="{352AD106-4C18-4324-80E9-BB5A021903A5}" destId="{10897D0E-CF1E-4E67-BED7-7DC1FEBB0CF9}" srcOrd="2" destOrd="0" presId="urn:microsoft.com/office/officeart/2005/8/layout/equation2"/>
@@ -7871,12 +7864,12 @@
         </a:fontRef>
       </dsp:style>
       <dsp:txBody>
-        <a:bodyPr spcFirstLastPara="0" vert="horz" wrap="square" lIns="26670" tIns="26670" rIns="26670" bIns="26670" numCol="1" spcCol="1270" anchor="ctr" anchorCtr="0">
+        <a:bodyPr spcFirstLastPara="0" vert="horz" wrap="square" lIns="19050" tIns="19050" rIns="19050" bIns="19050" numCol="1" spcCol="1270" anchor="ctr" anchorCtr="0">
           <a:noAutofit/>
         </a:bodyPr>
         <a:lstStyle/>
         <a:p>
-          <a:pPr lvl="0" algn="ctr" defTabSz="933450">
+          <a:pPr lvl="0" algn="ctr" defTabSz="666750">
             <a:lnSpc>
               <a:spcPct val="90000"/>
             </a:lnSpc>
@@ -7888,10 +7881,10 @@
             </a:spcAft>
           </a:pPr>
           <a:r>
-            <a:rPr lang="zh-CHS" altLang="en-US" sz="2100" kern="1200" dirty="0" smtClean="0"/>
-            <a:t>设计流程挖掘算法</a:t>
+            <a:rPr kumimoji="1" lang="zh-CHS" altLang="en-US" sz="1500" kern="1200" dirty="0" smtClean="0"/>
+            <a:t>从不完整日志中挖掘非自由选择结构</a:t>
           </a:r>
-          <a:endParaRPr lang="zh-CHS" altLang="en-US" sz="2100" kern="1200" dirty="0"/>
+          <a:endParaRPr lang="zh-CHS" altLang="en-US" sz="1500" kern="1200" dirty="0"/>
         </a:p>
       </dsp:txBody>
       <dsp:txXfrm>
@@ -7946,7 +7939,7 @@
         </a:bodyPr>
         <a:lstStyle/>
         <a:p>
-          <a:pPr lvl="0" algn="ctr" defTabSz="666750">
+          <a:pPr lvl="0" algn="ctr" defTabSz="533400">
             <a:lnSpc>
               <a:spcPct val="90000"/>
             </a:lnSpc>
@@ -7957,7 +7950,7 @@
               <a:spcPct val="35000"/>
             </a:spcAft>
           </a:pPr>
-          <a:endParaRPr lang="zh-CHS" altLang="en-US" sz="1500" kern="1200"/>
+          <a:endParaRPr lang="zh-CHS" altLang="en-US" sz="1200" kern="1200"/>
         </a:p>
       </dsp:txBody>
       <dsp:txXfrm>
@@ -7965,7 +7958,7 @@
         <a:ext cx="631197" cy="202011"/>
       </dsp:txXfrm>
     </dsp:sp>
-    <dsp:sp modelId="{53843995-41FF-498B-BC49-8E11DBEDB99C}">
+    <dsp:sp modelId="{F88814BE-B1F2-D44F-8A08-0CA44266CD59}">
       <dsp:nvSpPr>
         <dsp:cNvPr id="0" name=""/>
         <dsp:cNvSpPr/>
@@ -8014,12 +8007,12 @@
         </a:fontRef>
       </dsp:style>
       <dsp:txBody>
-        <a:bodyPr spcFirstLastPara="0" vert="horz" wrap="square" lIns="26670" tIns="26670" rIns="26670" bIns="26670" numCol="1" spcCol="1270" anchor="ctr" anchorCtr="0">
+        <a:bodyPr spcFirstLastPara="0" vert="horz" wrap="square" lIns="19050" tIns="19050" rIns="19050" bIns="19050" numCol="1" spcCol="1270" anchor="ctr" anchorCtr="0">
           <a:noAutofit/>
         </a:bodyPr>
         <a:lstStyle/>
         <a:p>
-          <a:pPr lvl="0" algn="ctr" defTabSz="933450">
+          <a:pPr lvl="0" algn="ctr" defTabSz="666750">
             <a:lnSpc>
               <a:spcPct val="90000"/>
             </a:lnSpc>
@@ -8031,10 +8024,10 @@
             </a:spcAft>
           </a:pPr>
           <a:r>
-            <a:rPr lang="zh-CHS" altLang="en-US" sz="2100" kern="1200" dirty="0" smtClean="0"/>
-            <a:t>改进流程评估框架</a:t>
+            <a:rPr kumimoji="1" lang="zh-CHS" altLang="en-US" sz="1500" kern="1200" dirty="0" smtClean="0"/>
+            <a:t>面向流程挖掘算法评估的典型模型库构建</a:t>
           </a:r>
-          <a:endParaRPr lang="zh-CHS" altLang="en-US" sz="2100" kern="1200" dirty="0"/>
+          <a:endParaRPr kumimoji="1" lang="zh-CHS" altLang="en-US" sz="1500" kern="1200" dirty="0" smtClean="0"/>
         </a:p>
       </dsp:txBody>
       <dsp:txXfrm>
@@ -8092,7 +8085,7 @@
         </a:bodyPr>
         <a:lstStyle/>
         <a:p>
-          <a:pPr lvl="0" algn="ctr" defTabSz="755650">
+          <a:pPr lvl="0" algn="ctr" defTabSz="533400">
             <a:lnSpc>
               <a:spcPct val="90000"/>
             </a:lnSpc>
@@ -8103,7 +8096,7 @@
               <a:spcPct val="35000"/>
             </a:spcAft>
           </a:pPr>
-          <a:endParaRPr lang="zh-CHS" altLang="en-US" sz="1700" kern="1200"/>
+          <a:endParaRPr lang="zh-CHS" altLang="en-US" sz="1200" kern="1200"/>
         </a:p>
       </dsp:txBody>
       <dsp:txXfrm>
@@ -16172,6 +16165,401 @@
 </p:notesMaster>
 </file>
 
+<file path=ppt/notesSlides/notesSlide1.xml><?xml version="1.0" encoding="utf-8"?>
+<p:notes xmlns:a="http://schemas.openxmlformats.org/drawingml/2006/main" xmlns:r="http://schemas.openxmlformats.org/officeDocument/2006/relationships" xmlns:p="http://schemas.openxmlformats.org/presentationml/2006/main">
+  <p:cSld>
+    <p:spTree>
+      <p:nvGrpSpPr>
+        <p:cNvPr id="1" name=""/>
+        <p:cNvGrpSpPr/>
+        <p:nvPr/>
+      </p:nvGrpSpPr>
+      <p:grpSpPr>
+        <a:xfrm>
+          <a:off x="0" y="0"/>
+          <a:ext cx="0" cy="0"/>
+          <a:chOff x="0" y="0"/>
+          <a:chExt cx="0" cy="0"/>
+        </a:xfrm>
+      </p:grpSpPr>
+      <p:sp>
+        <p:nvSpPr>
+          <p:cNvPr id="2" name="幻灯片图像占位符 1"/>
+          <p:cNvSpPr>
+            <a:spLocks noGrp="1" noRot="1" noChangeAspect="1"/>
+          </p:cNvSpPr>
+          <p:nvPr>
+            <p:ph type="sldImg"/>
+          </p:nvPr>
+        </p:nvSpPr>
+        <p:spPr/>
+      </p:sp>
+      <p:sp>
+        <p:nvSpPr>
+          <p:cNvPr id="3" name="备注占位符 2"/>
+          <p:cNvSpPr>
+            <a:spLocks noGrp="1"/>
+          </p:cNvSpPr>
+          <p:nvPr>
+            <p:ph type="body" idx="1"/>
+          </p:nvPr>
+        </p:nvSpPr>
+        <p:spPr/>
+        <p:txBody>
+          <a:bodyPr/>
+          <a:lstStyle/>
+          <a:p>
+            <a:r>
+              <a:rPr kumimoji="1" lang="zh-CHS" altLang="en-US" dirty="0" smtClean="0"/>
+              <a:t>复杂结构的流程挖掘算法设计及其评估模型库</a:t>
+            </a:r>
+          </a:p>
+        </p:txBody>
+      </p:sp>
+      <p:sp>
+        <p:nvSpPr>
+          <p:cNvPr id="4" name="幻灯片编号占位符 3"/>
+          <p:cNvSpPr>
+            <a:spLocks noGrp="1"/>
+          </p:cNvSpPr>
+          <p:nvPr>
+            <p:ph type="sldNum" sz="quarter" idx="10"/>
+          </p:nvPr>
+        </p:nvSpPr>
+        <p:spPr/>
+        <p:txBody>
+          <a:bodyPr/>
+          <a:lstStyle/>
+          <a:p>
+            <a:fld id="{01C25863-9E84-472F-96CF-935FA849B313}" type="slidenum">
+              <a:rPr lang="zh-CHS" altLang="en-US" smtClean="0"/>
+              <a:t>4</a:t>
+            </a:fld>
+            <a:endParaRPr lang="zh-CHS" altLang="en-US"/>
+          </a:p>
+        </p:txBody>
+      </p:sp>
+    </p:spTree>
+    <p:extLst>
+      <p:ext uri="{BB962C8B-B14F-4D97-AF65-F5344CB8AC3E}">
+        <p14:creationId xmlns:p14="http://schemas.microsoft.com/office/powerpoint/2010/main" val="1139901474"/>
+      </p:ext>
+    </p:extLst>
+  </p:cSld>
+  <p:clrMapOvr>
+    <a:masterClrMapping/>
+  </p:clrMapOvr>
+</p:notes>
+</file>
+
+<file path=ppt/notesSlides/notesSlide2.xml><?xml version="1.0" encoding="utf-8"?>
+<p:notes xmlns:a="http://schemas.openxmlformats.org/drawingml/2006/main" xmlns:r="http://schemas.openxmlformats.org/officeDocument/2006/relationships" xmlns:p="http://schemas.openxmlformats.org/presentationml/2006/main">
+  <p:cSld>
+    <p:spTree>
+      <p:nvGrpSpPr>
+        <p:cNvPr id="1" name=""/>
+        <p:cNvGrpSpPr/>
+        <p:nvPr/>
+      </p:nvGrpSpPr>
+      <p:grpSpPr>
+        <a:xfrm>
+          <a:off x="0" y="0"/>
+          <a:ext cx="0" cy="0"/>
+          <a:chOff x="0" y="0"/>
+          <a:chExt cx="0" cy="0"/>
+        </a:xfrm>
+      </p:grpSpPr>
+      <p:sp>
+        <p:nvSpPr>
+          <p:cNvPr id="2" name="幻灯片图像占位符 1"/>
+          <p:cNvSpPr>
+            <a:spLocks noGrp="1" noRot="1" noChangeAspect="1"/>
+          </p:cNvSpPr>
+          <p:nvPr>
+            <p:ph type="sldImg"/>
+          </p:nvPr>
+        </p:nvSpPr>
+        <p:spPr/>
+      </p:sp>
+      <p:sp>
+        <p:nvSpPr>
+          <p:cNvPr id="3" name="备注占位符 2"/>
+          <p:cNvSpPr>
+            <a:spLocks noGrp="1"/>
+          </p:cNvSpPr>
+          <p:nvPr>
+            <p:ph type="body" idx="1"/>
+          </p:nvPr>
+        </p:nvSpPr>
+        <p:spPr/>
+        <p:txBody>
+          <a:bodyPr/>
+          <a:lstStyle/>
+          <a:p>
+            <a:r>
+              <a:rPr kumimoji="1" lang="zh-CHS" altLang="en-US" dirty="0" smtClean="0"/>
+              <a:t>从不完整日志中挖掘非自由选择结构</a:t>
+            </a:r>
+          </a:p>
+          <a:p>
+            <a:r>
+              <a:rPr kumimoji="1" lang="en-US" altLang="zh-CHS" dirty="0" smtClean="0"/>
+              <a:t>Mining non-free-choice construct from event missing</a:t>
+            </a:r>
+            <a:r>
+              <a:rPr kumimoji="1" lang="en-US" altLang="zh-CHS" baseline="0" dirty="0" smtClean="0"/>
+              <a:t> log.</a:t>
+            </a:r>
+          </a:p>
+          <a:p>
+            <a:endParaRPr kumimoji="1" lang="en-US" altLang="zh-CHS" baseline="0" dirty="0" smtClean="0"/>
+          </a:p>
+          <a:p>
+            <a:r>
+              <a:rPr kumimoji="1" lang="zh-CHS" altLang="en-US" dirty="0" smtClean="0"/>
+              <a:t>面向流程挖掘算法评估的典型模型库构建</a:t>
+            </a:r>
+          </a:p>
+          <a:p>
+            <a:endParaRPr kumimoji="1" lang="zh-CHS" altLang="en-US" dirty="0"/>
+          </a:p>
+        </p:txBody>
+      </p:sp>
+      <p:sp>
+        <p:nvSpPr>
+          <p:cNvPr id="4" name="幻灯片编号占位符 3"/>
+          <p:cNvSpPr>
+            <a:spLocks noGrp="1"/>
+          </p:cNvSpPr>
+          <p:nvPr>
+            <p:ph type="sldNum" sz="quarter" idx="10"/>
+          </p:nvPr>
+        </p:nvSpPr>
+        <p:spPr/>
+        <p:txBody>
+          <a:bodyPr/>
+          <a:lstStyle/>
+          <a:p>
+            <a:fld id="{01C25863-9E84-472F-96CF-935FA849B313}" type="slidenum">
+              <a:rPr lang="zh-CHS" altLang="en-US" smtClean="0"/>
+              <a:t>6</a:t>
+            </a:fld>
+            <a:endParaRPr lang="zh-CHS" altLang="en-US"/>
+          </a:p>
+        </p:txBody>
+      </p:sp>
+    </p:spTree>
+    <p:extLst>
+      <p:ext uri="{BB962C8B-B14F-4D97-AF65-F5344CB8AC3E}">
+        <p14:creationId xmlns:p14="http://schemas.microsoft.com/office/powerpoint/2010/main" val="213975407"/>
+      </p:ext>
+    </p:extLst>
+  </p:cSld>
+  <p:clrMapOvr>
+    <a:masterClrMapping/>
+  </p:clrMapOvr>
+</p:notes>
+</file>
+
+<file path=ppt/notesSlides/notesSlide3.xml><?xml version="1.0" encoding="utf-8"?>
+<p:notes xmlns:a="http://schemas.openxmlformats.org/drawingml/2006/main" xmlns:r="http://schemas.openxmlformats.org/officeDocument/2006/relationships" xmlns:p="http://schemas.openxmlformats.org/presentationml/2006/main">
+  <p:cSld>
+    <p:spTree>
+      <p:nvGrpSpPr>
+        <p:cNvPr id="1" name=""/>
+        <p:cNvGrpSpPr/>
+        <p:nvPr/>
+      </p:nvGrpSpPr>
+      <p:grpSpPr>
+        <a:xfrm>
+          <a:off x="0" y="0"/>
+          <a:ext cx="0" cy="0"/>
+          <a:chOff x="0" y="0"/>
+          <a:chExt cx="0" cy="0"/>
+        </a:xfrm>
+      </p:grpSpPr>
+      <p:sp>
+        <p:nvSpPr>
+          <p:cNvPr id="2" name="幻灯片图像占位符 1"/>
+          <p:cNvSpPr>
+            <a:spLocks noGrp="1" noRot="1" noChangeAspect="1"/>
+          </p:cNvSpPr>
+          <p:nvPr>
+            <p:ph type="sldImg"/>
+          </p:nvPr>
+        </p:nvSpPr>
+        <p:spPr/>
+      </p:sp>
+      <p:sp>
+        <p:nvSpPr>
+          <p:cNvPr id="3" name="备注占位符 2"/>
+          <p:cNvSpPr>
+            <a:spLocks noGrp="1"/>
+          </p:cNvSpPr>
+          <p:nvPr>
+            <p:ph type="body" idx="1"/>
+          </p:nvPr>
+        </p:nvSpPr>
+        <p:spPr/>
+        <p:txBody>
+          <a:bodyPr/>
+          <a:lstStyle/>
+          <a:p>
+            <a:r>
+              <a:rPr kumimoji="1" lang="zh-CHS" altLang="en-US" dirty="0" smtClean="0"/>
+              <a:t>非结构化循环。</a:t>
+            </a:r>
+            <a:endParaRPr kumimoji="1" lang="zh-CHS" altLang="en-US" dirty="0"/>
+          </a:p>
+        </p:txBody>
+      </p:sp>
+      <p:sp>
+        <p:nvSpPr>
+          <p:cNvPr id="4" name="幻灯片编号占位符 3"/>
+          <p:cNvSpPr>
+            <a:spLocks noGrp="1"/>
+          </p:cNvSpPr>
+          <p:nvPr>
+            <p:ph type="sldNum" sz="quarter" idx="10"/>
+          </p:nvPr>
+        </p:nvSpPr>
+        <p:spPr/>
+        <p:txBody>
+          <a:bodyPr/>
+          <a:lstStyle/>
+          <a:p>
+            <a:fld id="{01C25863-9E84-472F-96CF-935FA849B313}" type="slidenum">
+              <a:rPr lang="zh-CHS" altLang="en-US" smtClean="0"/>
+              <a:t>18</a:t>
+            </a:fld>
+            <a:endParaRPr lang="zh-CHS" altLang="en-US"/>
+          </a:p>
+        </p:txBody>
+      </p:sp>
+    </p:spTree>
+    <p:extLst>
+      <p:ext uri="{BB962C8B-B14F-4D97-AF65-F5344CB8AC3E}">
+        <p14:creationId xmlns:p14="http://schemas.microsoft.com/office/powerpoint/2010/main" val="1476153275"/>
+      </p:ext>
+    </p:extLst>
+  </p:cSld>
+  <p:clrMapOvr>
+    <a:masterClrMapping/>
+  </p:clrMapOvr>
+</p:notes>
+</file>
+
+<file path=ppt/notesSlides/notesSlide4.xml><?xml version="1.0" encoding="utf-8"?>
+<p:notes xmlns:a="http://schemas.openxmlformats.org/drawingml/2006/main" xmlns:r="http://schemas.openxmlformats.org/officeDocument/2006/relationships" xmlns:p="http://schemas.openxmlformats.org/presentationml/2006/main">
+  <p:cSld>
+    <p:spTree>
+      <p:nvGrpSpPr>
+        <p:cNvPr id="1" name=""/>
+        <p:cNvGrpSpPr/>
+        <p:nvPr/>
+      </p:nvGrpSpPr>
+      <p:grpSpPr>
+        <a:xfrm>
+          <a:off x="0" y="0"/>
+          <a:ext cx="0" cy="0"/>
+          <a:chOff x="0" y="0"/>
+          <a:chExt cx="0" cy="0"/>
+        </a:xfrm>
+      </p:grpSpPr>
+      <p:sp>
+        <p:nvSpPr>
+          <p:cNvPr id="2" name="幻灯片图像占位符 1"/>
+          <p:cNvSpPr>
+            <a:spLocks noGrp="1" noRot="1" noChangeAspect="1"/>
+          </p:cNvSpPr>
+          <p:nvPr>
+            <p:ph type="sldImg"/>
+          </p:nvPr>
+        </p:nvSpPr>
+        <p:spPr/>
+      </p:sp>
+      <p:sp>
+        <p:nvSpPr>
+          <p:cNvPr id="3" name="备注占位符 2"/>
+          <p:cNvSpPr>
+            <a:spLocks noGrp="1"/>
+          </p:cNvSpPr>
+          <p:nvPr>
+            <p:ph type="body" idx="1"/>
+          </p:nvPr>
+        </p:nvSpPr>
+        <p:spPr/>
+        <p:txBody>
+          <a:bodyPr/>
+          <a:lstStyle/>
+          <a:p>
+            <a:r>
+              <a:rPr kumimoji="1" lang="en-US" altLang="zh-CHS" dirty="0" smtClean="0"/>
+              <a:t>1.Genetic Miner</a:t>
+            </a:r>
+            <a:r>
+              <a:rPr kumimoji="1" lang="zh-CHS" altLang="en-US" dirty="0" smtClean="0"/>
+              <a:t>的例子</a:t>
+            </a:r>
+            <a:r>
+              <a:rPr kumimoji="1" lang="en-US" altLang="zh-CHS" baseline="0" dirty="0" smtClean="0"/>
+              <a:t> </a:t>
+            </a:r>
+            <a:r>
+              <a:rPr kumimoji="1" lang="zh-CHS" altLang="en-US" baseline="0" dirty="0" smtClean="0"/>
+              <a:t>在他的例子上做很小的修改</a:t>
+            </a:r>
+            <a:r>
+              <a:rPr kumimoji="1" lang="en-US" altLang="zh-CHS" baseline="0" dirty="0" smtClean="0"/>
+              <a:t>=&gt;</a:t>
+            </a:r>
+            <a:endParaRPr kumimoji="1" lang="zh-CHS" altLang="en-US" baseline="0" dirty="0" smtClean="0"/>
+          </a:p>
+          <a:p>
+            <a:r>
+              <a:rPr kumimoji="1" lang="en-US" altLang="zh-CHS" dirty="0" smtClean="0"/>
+              <a:t>2.</a:t>
+            </a:r>
+            <a:endParaRPr kumimoji="1" lang="zh-CHS" altLang="en-US" dirty="0"/>
+          </a:p>
+        </p:txBody>
+      </p:sp>
+      <p:sp>
+        <p:nvSpPr>
+          <p:cNvPr id="4" name="幻灯片编号占位符 3"/>
+          <p:cNvSpPr>
+            <a:spLocks noGrp="1"/>
+          </p:cNvSpPr>
+          <p:nvPr>
+            <p:ph type="sldNum" sz="quarter" idx="10"/>
+          </p:nvPr>
+        </p:nvSpPr>
+        <p:spPr/>
+        <p:txBody>
+          <a:bodyPr/>
+          <a:lstStyle/>
+          <a:p>
+            <a:fld id="{01C25863-9E84-472F-96CF-935FA849B313}" type="slidenum">
+              <a:rPr lang="zh-CHS" altLang="en-US" smtClean="0"/>
+              <a:t>22</a:t>
+            </a:fld>
+            <a:endParaRPr lang="zh-CHS" altLang="en-US"/>
+          </a:p>
+        </p:txBody>
+      </p:sp>
+    </p:spTree>
+    <p:extLst>
+      <p:ext uri="{BB962C8B-B14F-4D97-AF65-F5344CB8AC3E}">
+        <p14:creationId xmlns:p14="http://schemas.microsoft.com/office/powerpoint/2010/main" val="971899228"/>
+      </p:ext>
+    </p:extLst>
+  </p:cSld>
+  <p:clrMapOvr>
+    <a:masterClrMapping/>
+  </p:clrMapOvr>
+</p:notes>
+</file>
+
 <file path=ppt/slideLayouts/slideLayout1.xml><?xml version="1.0" encoding="utf-8"?>
 <p:sldLayout xmlns:a="http://schemas.openxmlformats.org/drawingml/2006/main" xmlns:r="http://schemas.openxmlformats.org/officeDocument/2006/relationships" xmlns:p="http://schemas.openxmlformats.org/presentationml/2006/main" type="title" preserve="1">
   <p:cSld name="标题幻灯片">
@@ -19185,24 +19573,29 @@
           <a:lstStyle/>
           <a:p>
             <a:r>
-              <a:rPr lang="zh-CHS" altLang="zh-CHS" sz="4000" dirty="0" smtClean="0">
-                <a:effectLst/>
-              </a:rPr>
-              <a:t>流程</a:t>
-            </a:r>
-            <a:r>
-              <a:rPr lang="zh-CHS" altLang="zh-CHS" sz="4000" dirty="0">
-                <a:effectLst/>
-              </a:rPr>
-              <a:t>挖掘算法与评估框架</a:t>
-            </a:r>
-            <a:r>
-              <a:rPr lang="zh-CHS" altLang="zh-CHS" sz="4000" dirty="0" smtClean="0">
-                <a:effectLst/>
-              </a:rPr>
-              <a:t>研究</a:t>
-            </a:r>
-            <a:endParaRPr lang="zh-CHS" altLang="en-US" sz="6000" dirty="0"/>
+              <a:rPr kumimoji="1" lang="zh-CHS" altLang="en-US" sz="4000" dirty="0" smtClean="0"/>
+              <a:t>复杂</a:t>
+            </a:r>
+            <a:r>
+              <a:rPr kumimoji="1" lang="zh-CHS" altLang="en-US" sz="4000" dirty="0"/>
+              <a:t>结构流程挖掘算法设计及其评估</a:t>
+            </a:r>
+            <a:r>
+              <a:rPr kumimoji="1" lang="zh-CHS" altLang="en-US" sz="4000" dirty="0" smtClean="0"/>
+              <a:t>模型库</a:t>
+            </a:r>
+            <a:r>
+              <a:rPr kumimoji="1" lang="zh-CHS" altLang="en-US" sz="4000" dirty="0" smtClean="0"/>
+              <a:t>构建</a:t>
+            </a:r>
+            <a:r>
+              <a:rPr kumimoji="1" lang="zh-CHS" altLang="en-US" sz="4000" dirty="0"/>
+              <a:t/>
+            </a:r>
+            <a:br>
+              <a:rPr kumimoji="1" lang="zh-CHS" altLang="en-US" sz="4000" dirty="0"/>
+            </a:br>
+            <a:endParaRPr lang="zh-CHS" altLang="en-US" sz="4000" dirty="0"/>
           </a:p>
         </p:txBody>
       </p:sp>
@@ -19524,10 +19917,6 @@
             </a:lvl9pPr>
           </a:lstStyle>
           <a:p>
-            <a:pPr marL="342900" lvl="1" indent="-342900">
-              <a:buFont typeface="Arial" pitchFamily="34" charset="0"/>
-              <a:buChar char="•"/>
-            </a:pPr>
             <a:r>
               <a:rPr lang="zh-CHS" altLang="en-US" dirty="0"/>
               <a:t>第</a:t>
@@ -19537,20 +19926,23 @@
               <a:t>4</a:t>
             </a:r>
             <a:r>
-              <a:rPr lang="zh-CHS" altLang="en-US" dirty="0"/>
-              <a:t>章流程挖掘算法评估框架</a:t>
-            </a:r>
-            <a:r>
               <a:rPr lang="zh-CHS" altLang="en-US" dirty="0" smtClean="0"/>
-              <a:t>设计</a:t>
-            </a:r>
-            <a:endParaRPr lang="en-US" altLang="zh-CHS" dirty="0" smtClean="0"/>
+              <a:t>章</a:t>
+            </a:r>
+            <a:r>
+              <a:rPr kumimoji="1" lang="zh-CHS" altLang="en-US" dirty="0"/>
+              <a:t>面向流程挖掘算法评估的典型模型库构建</a:t>
+            </a:r>
           </a:p>
           <a:p>
             <a:pPr marL="742950" lvl="2" indent="-342900"/>
             <a:r>
+              <a:rPr lang="zh-CHS" altLang="zh-CHS" dirty="0" smtClean="0"/>
+              <a:t>流程</a:t>
+            </a:r>
+            <a:r>
               <a:rPr lang="zh-CHS" altLang="zh-CHS" dirty="0"/>
-              <a:t>流程挖掘算法框架整体</a:t>
+              <a:t>挖掘算法框架整体</a:t>
             </a:r>
             <a:r>
               <a:rPr lang="zh-CHS" altLang="zh-CHS" dirty="0" smtClean="0"/>
@@ -20534,7 +20926,7 @@
           <p:nvPr>
             <p:extLst>
               <p:ext uri="{D42A27DB-BD31-4B8C-83A1-F6EECF244321}">
-                <p14:modId xmlns:p14="http://schemas.microsoft.com/office/powerpoint/2010/main" val="1319843854"/>
+                <p14:modId xmlns:p14="http://schemas.microsoft.com/office/powerpoint/2010/main" val="155789224"/>
               </p:ext>
             </p:extLst>
           </p:nvPr>
@@ -20662,8 +21054,8 @@
           <a:p>
             <a:pPr lvl="0"/>
             <a:r>
-              <a:rPr lang="zh-CHS" altLang="en-US" sz="2400" dirty="0" smtClean="0"/>
-              <a:t>设计流程挖掘算法</a:t>
+              <a:rPr kumimoji="1" lang="zh-CHS" altLang="en-US" sz="2400" dirty="0"/>
+              <a:t>从不完整日志中挖掘非自由选择结构</a:t>
             </a:r>
             <a:endParaRPr lang="zh-CHS" altLang="en-US" sz="2400" dirty="0"/>
           </a:p>
@@ -21431,8 +21823,8 @@
           <a:p>
             <a:pPr lvl="0"/>
             <a:r>
-              <a:rPr lang="zh-CHS" altLang="en-US" sz="2400" dirty="0" smtClean="0"/>
-              <a:t>设计流程挖掘算法</a:t>
+              <a:rPr kumimoji="1" lang="zh-CHS" altLang="en-US" sz="2400" dirty="0"/>
+              <a:t>从不完整日志中挖掘非自由选择结构</a:t>
             </a:r>
             <a:endParaRPr lang="zh-CHS" altLang="en-US" sz="2400" dirty="0"/>
           </a:p>
@@ -21502,63 +21894,6 @@
           </a:p>
         </p:txBody>
       </p:sp>
-      <p:graphicFrame>
-        <p:nvGraphicFramePr>
-          <p:cNvPr id="8" name="对象 7"/>
-          <p:cNvGraphicFramePr>
-            <a:graphicFrameLocks noChangeAspect="1"/>
-          </p:cNvGraphicFramePr>
-          <p:nvPr>
-            <p:extLst>
-              <p:ext uri="{D42A27DB-BD31-4B8C-83A1-F6EECF244321}">
-                <p14:modId xmlns:p14="http://schemas.microsoft.com/office/powerpoint/2010/main" val="4271905337"/>
-              </p:ext>
-            </p:extLst>
-          </p:nvPr>
-        </p:nvGraphicFramePr>
-        <p:xfrm>
-          <a:off x="4496491" y="2115448"/>
-          <a:ext cx="4107250" cy="1679266"/>
-        </p:xfrm>
-        <a:graphic>
-          <a:graphicData uri="http://schemas.openxmlformats.org/presentationml/2006/ole">
-            <mc:AlternateContent xmlns:mc="http://schemas.openxmlformats.org/markup-compatibility/2006">
-              <mc:Choice xmlns:v="urn:schemas-microsoft-com:vml" Requires="v">
-                <p:oleObj spid="_x0000_s3132" name="Acrobat Document" r:id="rId3" imgW="29432178" imgH="12030032" progId="AcroExch.Document.11">
-                  <p:embed/>
-                </p:oleObj>
-              </mc:Choice>
-              <mc:Fallback>
-                <p:oleObj name="Acrobat Document" r:id="rId3" imgW="29432178" imgH="12030032" progId="AcroExch.Document.11">
-                  <p:embed/>
-                  <p:pic>
-                    <p:nvPicPr>
-                      <p:cNvPr id="0" name=""/>
-                      <p:cNvPicPr/>
-                      <p:nvPr/>
-                    </p:nvPicPr>
-                    <p:blipFill>
-                      <a:blip r:embed="rId4"/>
-                      <a:stretch>
-                        <a:fillRect/>
-                      </a:stretch>
-                    </p:blipFill>
-                    <p:spPr>
-                      <a:xfrm>
-                        <a:off x="4496491" y="2115448"/>
-                        <a:ext cx="4107250" cy="1679266"/>
-                      </a:xfrm>
-                      <a:prstGeom prst="rect">
-                        <a:avLst/>
-                      </a:prstGeom>
-                    </p:spPr>
-                  </p:pic>
-                </p:oleObj>
-              </mc:Fallback>
-            </mc:AlternateContent>
-          </a:graphicData>
-        </a:graphic>
-      </p:graphicFrame>
       <p:sp>
         <p:nvSpPr>
           <p:cNvPr id="11" name="文本框 10"/>
@@ -21589,63 +21924,6 @@
           </a:p>
         </p:txBody>
       </p:sp>
-      <p:graphicFrame>
-        <p:nvGraphicFramePr>
-          <p:cNvPr id="12" name="对象 11"/>
-          <p:cNvGraphicFramePr>
-            <a:graphicFrameLocks noChangeAspect="1"/>
-          </p:cNvGraphicFramePr>
-          <p:nvPr>
-            <p:extLst>
-              <p:ext uri="{D42A27DB-BD31-4B8C-83A1-F6EECF244321}">
-                <p14:modId xmlns:p14="http://schemas.microsoft.com/office/powerpoint/2010/main" val="3940891944"/>
-              </p:ext>
-            </p:extLst>
-          </p:nvPr>
-        </p:nvGraphicFramePr>
-        <p:xfrm>
-          <a:off x="4178989" y="4740519"/>
-          <a:ext cx="4424752" cy="1479306"/>
-        </p:xfrm>
-        <a:graphic>
-          <a:graphicData uri="http://schemas.openxmlformats.org/presentationml/2006/ole">
-            <mc:AlternateContent xmlns:mc="http://schemas.openxmlformats.org/markup-compatibility/2006">
-              <mc:Choice xmlns:v="urn:schemas-microsoft-com:vml" Requires="v">
-                <p:oleObj spid="_x0000_s3133" name="Acrobat Document" r:id="rId5" imgW="28946415" imgH="6972129" progId="AcroExch.Document.11">
-                  <p:embed/>
-                </p:oleObj>
-              </mc:Choice>
-              <mc:Fallback>
-                <p:oleObj name="Acrobat Document" r:id="rId5" imgW="28946415" imgH="6972129" progId="AcroExch.Document.11">
-                  <p:embed/>
-                  <p:pic>
-                    <p:nvPicPr>
-                      <p:cNvPr id="0" name=""/>
-                      <p:cNvPicPr/>
-                      <p:nvPr/>
-                    </p:nvPicPr>
-                    <p:blipFill>
-                      <a:blip r:embed="rId6"/>
-                      <a:stretch>
-                        <a:fillRect/>
-                      </a:stretch>
-                    </p:blipFill>
-                    <p:spPr>
-                      <a:xfrm>
-                        <a:off x="4178989" y="4740519"/>
-                        <a:ext cx="4424752" cy="1479306"/>
-                      </a:xfrm>
-                      <a:prstGeom prst="rect">
-                        <a:avLst/>
-                      </a:prstGeom>
-                    </p:spPr>
-                  </p:pic>
-                </p:oleObj>
-              </mc:Fallback>
-            </mc:AlternateContent>
-          </a:graphicData>
-        </a:graphic>
-      </p:graphicFrame>
       <p:sp>
         <p:nvSpPr>
           <p:cNvPr id="13" name="文本框 12"/>
@@ -21676,6 +21954,120 @@
           </a:p>
         </p:txBody>
       </p:sp>
+      <p:graphicFrame>
+        <p:nvGraphicFramePr>
+          <p:cNvPr id="12" name="对象 11"/>
+          <p:cNvGraphicFramePr>
+            <a:graphicFrameLocks noChangeAspect="1"/>
+          </p:cNvGraphicFramePr>
+          <p:nvPr>
+            <p:extLst>
+              <p:ext uri="{D42A27DB-BD31-4B8C-83A1-F6EECF244321}">
+                <p14:modId xmlns:p14="http://schemas.microsoft.com/office/powerpoint/2010/main" val="137806862"/>
+              </p:ext>
+            </p:extLst>
+          </p:nvPr>
+        </p:nvGraphicFramePr>
+        <p:xfrm>
+          <a:off x="4178989" y="4740519"/>
+          <a:ext cx="4424752" cy="1479306"/>
+        </p:xfrm>
+        <a:graphic>
+          <a:graphicData uri="http://schemas.openxmlformats.org/presentationml/2006/ole">
+            <mc:AlternateContent xmlns:mc="http://schemas.openxmlformats.org/markup-compatibility/2006">
+              <mc:Choice xmlns:v="urn:schemas-microsoft-com:vml" Requires="v">
+                <p:oleObj spid="_x0000_s3176" name="Acrobat Document" r:id="rId3" imgW="28946415" imgH="6972129" progId="AcroExch.Document.11">
+                  <p:embed/>
+                </p:oleObj>
+              </mc:Choice>
+              <mc:Fallback>
+                <p:oleObj name="Acrobat Document" r:id="rId3" imgW="28946415" imgH="6972129" progId="AcroExch.Document.11">
+                  <p:embed/>
+                  <p:pic>
+                    <p:nvPicPr>
+                      <p:cNvPr id="0" name=""/>
+                      <p:cNvPicPr/>
+                      <p:nvPr/>
+                    </p:nvPicPr>
+                    <p:blipFill>
+                      <a:blip r:embed="rId4"/>
+                      <a:stretch>
+                        <a:fillRect/>
+                      </a:stretch>
+                    </p:blipFill>
+                    <p:spPr>
+                      <a:xfrm>
+                        <a:off x="4178989" y="4740519"/>
+                        <a:ext cx="4424752" cy="1479306"/>
+                      </a:xfrm>
+                      <a:prstGeom prst="rect">
+                        <a:avLst/>
+                      </a:prstGeom>
+                    </p:spPr>
+                  </p:pic>
+                </p:oleObj>
+              </mc:Fallback>
+            </mc:AlternateContent>
+          </a:graphicData>
+        </a:graphic>
+      </p:graphicFrame>
+      <p:graphicFrame>
+        <p:nvGraphicFramePr>
+          <p:cNvPr id="8" name="对象 7"/>
+          <p:cNvGraphicFramePr>
+            <a:graphicFrameLocks noChangeAspect="1"/>
+          </p:cNvGraphicFramePr>
+          <p:nvPr>
+            <p:extLst>
+              <p:ext uri="{D42A27DB-BD31-4B8C-83A1-F6EECF244321}">
+                <p14:modId xmlns:p14="http://schemas.microsoft.com/office/powerpoint/2010/main" val="350322227"/>
+              </p:ext>
+            </p:extLst>
+          </p:nvPr>
+        </p:nvGraphicFramePr>
+        <p:xfrm>
+          <a:off x="4337740" y="2090928"/>
+          <a:ext cx="4107250" cy="1679266"/>
+        </p:xfrm>
+        <a:graphic>
+          <a:graphicData uri="http://schemas.openxmlformats.org/presentationml/2006/ole">
+            <mc:AlternateContent xmlns:mc="http://schemas.openxmlformats.org/markup-compatibility/2006">
+              <mc:Choice xmlns:v="urn:schemas-microsoft-com:vml" Requires="v">
+                <p:oleObj spid="_x0000_s3177" name="Acrobat Document" r:id="rId5" imgW="29432178" imgH="12030032" progId="AcroExch.Document.11">
+                  <p:embed/>
+                </p:oleObj>
+              </mc:Choice>
+              <mc:Fallback>
+                <p:oleObj name="Acrobat Document" r:id="rId5" imgW="29432178" imgH="12030032" progId="AcroExch.Document.11">
+                  <p:embed/>
+                  <p:pic>
+                    <p:nvPicPr>
+                      <p:cNvPr id="0" name=""/>
+                      <p:cNvPicPr/>
+                      <p:nvPr/>
+                    </p:nvPicPr>
+                    <p:blipFill>
+                      <a:blip r:embed="rId6"/>
+                      <a:stretch>
+                        <a:fillRect/>
+                      </a:stretch>
+                    </p:blipFill>
+                    <p:spPr>
+                      <a:xfrm>
+                        <a:off x="4337740" y="2090928"/>
+                        <a:ext cx="4107250" cy="1679266"/>
+                      </a:xfrm>
+                      <a:prstGeom prst="rect">
+                        <a:avLst/>
+                      </a:prstGeom>
+                    </p:spPr>
+                  </p:pic>
+                </p:oleObj>
+              </mc:Fallback>
+            </mc:AlternateContent>
+          </a:graphicData>
+        </a:graphic>
+      </p:graphicFrame>
     </p:spTree>
     <p:extLst>
       <p:ext uri="{BB962C8B-B14F-4D97-AF65-F5344CB8AC3E}">
@@ -21765,8 +22157,8 @@
           <a:p>
             <a:pPr lvl="0"/>
             <a:r>
-              <a:rPr lang="zh-CHS" altLang="en-US" sz="2400" dirty="0" smtClean="0"/>
-              <a:t>设计流程挖掘算法</a:t>
+              <a:rPr kumimoji="1" lang="zh-CHS" altLang="en-US" sz="2400" dirty="0"/>
+              <a:t>从不完整日志中挖掘非自由选择结构</a:t>
             </a:r>
             <a:endParaRPr lang="zh-CHS" altLang="en-US" sz="2400" dirty="0"/>
           </a:p>
@@ -21940,7 +22332,7 @@
           <a:graphicData uri="http://schemas.openxmlformats.org/presentationml/2006/ole">
             <mc:AlternateContent xmlns:mc="http://schemas.openxmlformats.org/markup-compatibility/2006">
               <mc:Choice xmlns:v="urn:schemas-microsoft-com:vml" Requires="v">
-                <p:oleObj spid="_x0000_s4158" name="Acrobat Document" r:id="rId3" imgW="27993675" imgH="13125137" progId="AcroExch.Document.11">
+                <p:oleObj spid="_x0000_s4198" name="Acrobat Document" r:id="rId3" imgW="27993675" imgH="13125137" progId="AcroExch.Document.11">
                   <p:embed/>
                 </p:oleObj>
               </mc:Choice>
@@ -21997,7 +22389,7 @@
           <a:graphicData uri="http://schemas.openxmlformats.org/presentationml/2006/ole">
             <mc:AlternateContent xmlns:mc="http://schemas.openxmlformats.org/markup-compatibility/2006">
               <mc:Choice xmlns:v="urn:schemas-microsoft-com:vml" Requires="v">
-                <p:oleObj spid="_x0000_s4159" name="Acrobat Document" r:id="rId5" imgW="28736697" imgH="15154133" progId="AcroExch.Document.11">
+                <p:oleObj spid="_x0000_s4199" name="Acrobat Document" r:id="rId5" imgW="28736697" imgH="15154133" progId="AcroExch.Document.11">
                   <p:embed/>
                 </p:oleObj>
               </mc:Choice>
@@ -22239,8 +22631,8 @@
           <a:p>
             <a:pPr lvl="0"/>
             <a:r>
-              <a:rPr lang="zh-CHS" altLang="en-US" sz="2400" dirty="0" smtClean="0"/>
-              <a:t>设计流程挖掘算法</a:t>
+              <a:rPr kumimoji="1" lang="zh-CHS" altLang="en-US" sz="2400" dirty="0"/>
+              <a:t>从不完整日志中挖掘非自由选择结构</a:t>
             </a:r>
             <a:endParaRPr lang="zh-CHS" altLang="en-US" sz="2400" dirty="0"/>
           </a:p>
@@ -22927,19 +23319,13 @@
             <a:endParaRPr lang="en-US" altLang="zh-CHS" dirty="0" smtClean="0"/>
           </a:p>
           <a:p>
+            <a:r>
+              <a:rPr kumimoji="1" lang="zh-CHS" altLang="en-US" sz="2400" dirty="0"/>
+              <a:t>面向流程挖掘算法评估的典型模型库构建</a:t>
+            </a:r>
+          </a:p>
+          <a:p>
             <a:pPr lvl="0"/>
-            <a:r>
-              <a:rPr lang="zh-CHS" altLang="en-US" sz="2400" dirty="0" smtClean="0"/>
-              <a:t>改进流程挖掘评估框架</a:t>
-            </a:r>
-            <a:r>
-              <a:rPr lang="en-US" altLang="zh-CHS" sz="2400" dirty="0" smtClean="0"/>
-              <a:t>——</a:t>
-            </a:r>
-            <a:r>
-              <a:rPr lang="zh-CHS" altLang="en-US" sz="2400" dirty="0" smtClean="0"/>
-              <a:t>设计</a:t>
-            </a:r>
             <a:endParaRPr lang="zh-CHS" altLang="en-US" sz="2400" dirty="0"/>
           </a:p>
         </p:txBody>
@@ -23321,7 +23707,7 @@
           <p:nvPr/>
         </p:nvPicPr>
         <p:blipFill>
-          <a:blip r:embed="rId2"/>
+          <a:blip r:embed="rId3"/>
           <a:stretch>
             <a:fillRect/>
           </a:stretch>
@@ -23423,20 +23809,10 @@
             <a:endParaRPr lang="en-US" altLang="zh-CHS" dirty="0" smtClean="0"/>
           </a:p>
           <a:p>
-            <a:pPr lvl="0"/>
-            <a:r>
-              <a:rPr lang="zh-CHS" altLang="en-US" sz="2400" dirty="0" smtClean="0"/>
-              <a:t>改进流程挖掘评估框架</a:t>
-            </a:r>
-            <a:r>
-              <a:rPr lang="en-US" altLang="zh-CHS" sz="2400" dirty="0" smtClean="0"/>
-              <a:t>——</a:t>
-            </a:r>
-            <a:r>
-              <a:rPr lang="zh-CHS" altLang="en-US" sz="2400" dirty="0" smtClean="0"/>
-              <a:t>实验</a:t>
-            </a:r>
-            <a:endParaRPr lang="zh-CHS" altLang="en-US" sz="2400" dirty="0"/>
+            <a:r>
+              <a:rPr kumimoji="1" lang="zh-CHS" altLang="en-US" sz="2400" dirty="0"/>
+              <a:t>面向流程挖掘算法评估的典型模型库构建</a:t>
+            </a:r>
           </a:p>
         </p:txBody>
       </p:sp>
@@ -24284,65 +24660,52 @@
             </a:lvl9pPr>
           </a:lstStyle>
           <a:p>
-            <a:pPr marL="0" indent="-400050"/>
+            <a:pPr lvl="0"/>
+            <a:r>
+              <a:rPr kumimoji="1" lang="zh-CHS" altLang="en-US" dirty="0" smtClean="0"/>
+              <a:t>流程挖掘算法设计</a:t>
+            </a:r>
+            <a:r>
+              <a:rPr kumimoji="1" lang="en-US" altLang="zh-CHS" dirty="0" smtClean="0"/>
+              <a:t>:</a:t>
+            </a:r>
+            <a:r>
+              <a:rPr kumimoji="1" lang="zh-CHS" altLang="en-US" dirty="0" smtClean="0"/>
+              <a:t>从不完整日志中挖掘非自由选择结构</a:t>
+            </a:r>
+            <a:endParaRPr lang="zh-CHS" altLang="en-US" dirty="0" smtClean="0"/>
+          </a:p>
+          <a:p>
+            <a:pPr marL="1257300" lvl="3" indent="-400050"/>
             <a:r>
               <a:rPr lang="zh-CHS" altLang="en-US" dirty="0" smtClean="0"/>
-              <a:t>设计一个流程挖掘算法</a:t>
+              <a:t>可以</a:t>
+            </a:r>
+            <a:r>
+              <a:rPr lang="zh-CHS" altLang="en-US" dirty="0"/>
+              <a:t>同时挖掘不可见任务与非自由选择结构</a:t>
             </a:r>
             <a:endParaRPr lang="en-US" altLang="zh-CHS" dirty="0" smtClean="0"/>
           </a:p>
           <a:p>
-            <a:pPr marL="800100" lvl="2" indent="-400050"/>
-            <a:r>
-              <a:rPr lang="zh-CHS" altLang="en-US" dirty="0"/>
-              <a:t>已投</a:t>
-            </a:r>
-            <a:r>
-              <a:rPr lang="en-US" altLang="zh-CHS" dirty="0" smtClean="0"/>
-              <a:t>BPM2015</a:t>
+            <a:r>
+              <a:rPr kumimoji="1" lang="zh-CHS" altLang="en-US" dirty="0" smtClean="0"/>
+              <a:t>构建面向</a:t>
+            </a:r>
+            <a:r>
+              <a:rPr kumimoji="1" lang="zh-CHS" altLang="en-US" dirty="0"/>
+              <a:t>流程挖掘算法评估的典型模型库构建</a:t>
             </a:r>
           </a:p>
           <a:p>
             <a:pPr marL="1257300" lvl="3" indent="-400050"/>
             <a:r>
               <a:rPr lang="zh-CHS" altLang="en-US" dirty="0" smtClean="0"/>
-              <a:t>可以</a:t>
-            </a:r>
-            <a:r>
-              <a:rPr lang="zh-CHS" altLang="en-US" dirty="0"/>
-              <a:t>同时挖掘不可见任务与非自由选择结构</a:t>
-            </a:r>
-            <a:endParaRPr lang="en-US" altLang="zh-CHS" dirty="0" smtClean="0"/>
-          </a:p>
-          <a:p>
-            <a:pPr marL="0" indent="-400050"/>
+              <a:t>模型</a:t>
+            </a:r>
             <a:r>
               <a:rPr lang="zh-CHS" altLang="en-US" dirty="0" smtClean="0"/>
-              <a:t>改进流程挖掘算法评估框架</a:t>
-            </a:r>
-            <a:endParaRPr lang="en-US" altLang="zh-CHS" dirty="0" smtClean="0"/>
-          </a:p>
-          <a:p>
-            <a:pPr marL="800100" lvl="2" indent="-400050"/>
-            <a:r>
-              <a:rPr lang="zh-CHS" altLang="en-US" dirty="0" smtClean="0"/>
-              <a:t>发表</a:t>
-            </a:r>
-            <a:r>
-              <a:rPr lang="zh-CHS" altLang="en-US" dirty="0" smtClean="0"/>
-              <a:t>于</a:t>
-            </a:r>
-            <a:r>
-              <a:rPr lang="en-US" altLang="zh-CHS" dirty="0" smtClean="0"/>
-              <a:t>APBPM2014</a:t>
-            </a:r>
-            <a:endParaRPr lang="en-US" altLang="zh-CHS" dirty="0"/>
-          </a:p>
-          <a:p>
-            <a:pPr marL="1257300" lvl="3" indent="-400050"/>
-            <a:r>
-              <a:rPr lang="zh-CHS" altLang="en-US" dirty="0" smtClean="0"/>
-              <a:t>模型属性约减</a:t>
+              <a:t>属性约减</a:t>
             </a:r>
             <a:endParaRPr lang="en-US" altLang="zh-CHS" dirty="0" smtClean="0"/>
           </a:p>
@@ -24630,8 +24993,8 @@
           <a:chExt cx="0" cy="0"/>
         </a:xfrm>
       </p:grpSpPr>
-      <mc:AlternateContent xmlns:mc="http://schemas.openxmlformats.org/markup-compatibility/2006" xmlns:a14="http://schemas.microsoft.com/office/drawing/2010/main">
-        <mc:Choice Requires="a14">
+      <mc:AlternateContent xmlns:mc="http://schemas.openxmlformats.org/markup-compatibility/2006">
+        <mc:Choice xmlns:a14="http://schemas.microsoft.com/office/drawing/2010/main" Requires="a14">
           <p:sp>
             <p:nvSpPr>
               <p:cNvPr id="3" name="内容占位符 2"/>
@@ -24644,7 +25007,9 @@
             </p:nvSpPr>
             <p:spPr/>
             <p:txBody>
-              <a:bodyPr/>
+              <a:bodyPr>
+                <a:normAutofit/>
+              </a:bodyPr>
               <a:lstStyle/>
               <a:p>
                 <a:r>
@@ -24652,13 +25017,24 @@
                   <a:t>《</a:t>
                 </a:r>
                 <a:r>
-                  <a:rPr lang="zh-CHS" altLang="zh-CHS" dirty="0" smtClean="0"/>
-                  <a:t>流程挖掘算法与评估框架研究</a:t>
+                  <a:rPr kumimoji="1" lang="zh-CHS" altLang="en-US" dirty="0"/>
+                  <a:t>复杂结构流程挖掘算法设计及其评估</a:t>
+                </a:r>
+                <a:r>
+                  <a:rPr kumimoji="1" lang="zh-CHS" altLang="en-US" dirty="0" smtClean="0"/>
+                  <a:t>模型库</a:t>
+                </a:r>
+                <a:r>
+                  <a:rPr kumimoji="1" lang="zh-CHS" altLang="en-US" dirty="0" smtClean="0"/>
+                  <a:t>构建</a:t>
                 </a:r>
                 <a:r>
                   <a:rPr lang="en-US" altLang="zh-CHS" dirty="0" smtClean="0"/>
                   <a:t>》</a:t>
                 </a:r>
+              </a:p>
+              <a:p>
+                <a:endParaRPr lang="en-US" altLang="zh-CHS" dirty="0" smtClean="0"/>
               </a:p>
               <a:p>
                 <a:endParaRPr lang="en-US" altLang="zh-CHS" dirty="0" smtClean="0"/>
@@ -24682,7 +25058,19 @@
                 <a:pPr lvl="1"/>
                 <a:r>
                   <a:rPr lang="zh-CHS" altLang="en-US" dirty="0" smtClean="0"/>
-                  <a:t>设计流程挖掘算法</a:t>
+                  <a:t>设计</a:t>
+                </a:r>
+                <a:r>
+                  <a:rPr lang="zh-CHS" altLang="en-US" dirty="0" smtClean="0"/>
+                  <a:t>付</a:t>
+                </a:r>
+                <a:r>
+                  <a:rPr lang="zh-CHS" altLang="en-US" dirty="0" smtClean="0"/>
+                  <a:t>流程</a:t>
+                </a:r>
+                <a:r>
+                  <a:rPr lang="zh-CHS" altLang="en-US" dirty="0" smtClean="0"/>
+                  <a:t>挖掘算法</a:t>
                 </a:r>
                 <a14:m>
                   <m:oMath xmlns:m="http://schemas.openxmlformats.org/officeDocument/2006/math">
@@ -24734,23 +25122,27 @@
                 <a:pPr lvl="1"/>
                 <a:r>
                   <a:rPr lang="zh-CHS" altLang="en-US" dirty="0" smtClean="0"/>
-                  <a:t>改进</a:t>
-                </a:r>
-                <a:r>
-                  <a:rPr lang="zh-CHS" altLang="en-US" dirty="0"/>
-                  <a:t>流程</a:t>
+                  <a:t>构建</a:t>
                 </a:r>
                 <a:r>
                   <a:rPr lang="zh-CHS" altLang="en-US" dirty="0" smtClean="0"/>
-                  <a:t>挖掘评估框架</a:t>
+                  <a:t>流程挖掘</a:t>
                 </a:r>
-                <a:endParaRPr lang="en-US" altLang="zh-CHS" dirty="0" smtClean="0"/>
+                <a:r>
+                  <a:rPr lang="zh-CHS" altLang="en-US" dirty="0" smtClean="0"/>
+                  <a:t>评估模型库</a:t>
+                </a:r>
+                <a:endParaRPr lang="zh-CHS" altLang="en-US" dirty="0" smtClean="0"/>
               </a:p>
               <a:p>
                 <a:pPr lvl="2"/>
                 <a:r>
                   <a:rPr lang="zh-CHS" altLang="en-US" dirty="0" smtClean="0"/>
-                  <a:t>描述流程模型的属性从</a:t>
+                  <a:t>描述</a:t>
+                </a:r>
+                <a:r>
+                  <a:rPr lang="zh-CHS" altLang="en-US" dirty="0" smtClean="0"/>
+                  <a:t>流程模型的属性从</a:t>
                 </a:r>
                 <a:r>
                   <a:rPr lang="en-US" altLang="zh-CHS" dirty="0" smtClean="0"/>
@@ -24784,7 +25176,7 @@
             </p:txBody>
           </p:sp>
         </mc:Choice>
-        <mc:Fallback xmlns="">
+        <mc:Fallback>
           <p:sp>
             <p:nvSpPr>
               <p:cNvPr id="3" name="内容占位符 2"/>
@@ -24797,9 +25189,9 @@
             </p:nvSpPr>
             <p:spPr>
               <a:blipFill rotWithShape="0">
-                <a:blip r:embed="rId2"/>
+                <a:blip r:embed="rId3"/>
                 <a:stretch>
-                  <a:fillRect l="-1333" t="-1482"/>
+                  <a:fillRect l="-1333" t="-1482" b="-1482"/>
                 </a:stretch>
               </a:blipFill>
             </p:spPr>
@@ -24808,7 +25200,7 @@
               <a:lstStyle/>
               <a:p>
                 <a:r>
-                  <a:rPr lang="zh-CN" altLang="en-US">
+                  <a:rPr lang="zh-CHS" altLang="en-US">
                     <a:noFill/>
                   </a:rPr>
                   <a:t> </a:t>
@@ -25061,7 +25453,7 @@
           <p:nvPr/>
         </p:nvPicPr>
         <p:blipFill>
-          <a:blip r:embed="rId2" cstate="print">
+          <a:blip r:embed="rId3" cstate="print">
             <a:extLst>
               <a:ext uri="{28A0092B-C50C-407E-A947-70E740481C1C}">
                 <a14:useLocalDpi xmlns:a14="http://schemas.microsoft.com/office/drawing/2010/main" val="0"/>
@@ -25297,7 +25689,15 @@
             </a:r>
             <a:r>
               <a:rPr lang="zh-CHS" altLang="en-US" dirty="0" smtClean="0"/>
-              <a:t>章流程挖掘算法设计</a:t>
+              <a:t>章</a:t>
+            </a:r>
+            <a:r>
+              <a:rPr kumimoji="1" lang="zh-CHS" altLang="en-US" dirty="0"/>
+              <a:t>从不完整日志中挖掘非自由选择</a:t>
+            </a:r>
+            <a:r>
+              <a:rPr kumimoji="1" lang="zh-CHS" altLang="en-US" dirty="0" smtClean="0"/>
+              <a:t>结构</a:t>
             </a:r>
             <a:endParaRPr lang="en-US" altLang="zh-CHS" dirty="0" smtClean="0"/>
           </a:p>
@@ -25312,10 +25712,9 @@
               <a:t>4</a:t>
             </a:r>
             <a:r>
-              <a:rPr lang="zh-CHS" altLang="en-US" dirty="0" smtClean="0"/>
-              <a:t>章流程挖掘算法评估框架设计</a:t>
-            </a:r>
-            <a:endParaRPr lang="en-US" altLang="zh-CHS" dirty="0" smtClean="0"/>
+              <a:rPr lang="zh-CHS" altLang="en-US" dirty="0"/>
+              <a:t>章面向流程挖掘算法评估的典型模型库构建</a:t>
+            </a:r>
           </a:p>
           <a:p>
             <a:pPr lvl="1"/>
@@ -26728,7 +27127,23 @@
             </a:r>
             <a:r>
               <a:rPr lang="zh-CHS" altLang="en-US" dirty="0" smtClean="0"/>
-              <a:t>章流程挖掘算法设计</a:t>
+              <a:t>章</a:t>
+            </a:r>
+            <a:r>
+              <a:rPr lang="en-US" altLang="zh-CHS" dirty="0" smtClean="0"/>
+              <a:t> </a:t>
+            </a:r>
+            <a:r>
+              <a:rPr kumimoji="1" lang="zh-CHS" altLang="en-US" dirty="0" smtClean="0"/>
+              <a:t>从不</a:t>
+            </a:r>
+            <a:r>
+              <a:rPr kumimoji="1" lang="zh-CHS" altLang="en-US" dirty="0"/>
+              <a:t>完整日志中挖掘非自由选择</a:t>
+            </a:r>
+            <a:r>
+              <a:rPr kumimoji="1" lang="zh-CHS" altLang="en-US" dirty="0" smtClean="0"/>
+              <a:t>结构</a:t>
             </a:r>
             <a:endParaRPr lang="en-US" altLang="zh-CHS" dirty="0" smtClean="0"/>
           </a:p>

--- a/郭秦龙初稿汇报.pptx
+++ b/郭秦龙初稿汇报.pptx
@@ -35,7 +35,7 @@
   <p:notesSz cx="6858000" cy="9144000"/>
   <p:defaultTextStyle>
     <a:defPPr>
-      <a:defRPr lang="zh-CHS"/>
+      <a:defRPr lang="zh-Hans"/>
     </a:defPPr>
     <a:lvl1pPr marL="0" algn="l" defTabSz="914400" rtl="0" eaLnBrk="1" latinLnBrk="0" hangingPunct="1">
       <a:defRPr sz="1800" kern="1200">
@@ -4628,7 +4628,7 @@
         <a:bodyPr/>
         <a:lstStyle/>
         <a:p>
-          <a:endParaRPr lang="zh-CHS" altLang="en-US"/>
+          <a:endParaRPr lang="zh-Hans" altLang="en-US"/>
         </a:p>
       </dgm:t>
     </dgm:pt>
@@ -4640,14 +4640,14 @@
         <a:lstStyle/>
         <a:p>
           <a:r>
-            <a:rPr lang="en-US" altLang="zh-CHS" dirty="0" smtClean="0"/>
+            <a:rPr lang="en-US" altLang="zh-Hans" dirty="0" smtClean="0"/>
             <a:t>1</a:t>
           </a:r>
           <a:r>
-            <a:rPr lang="zh-CHS" altLang="en-US" dirty="0" smtClean="0"/>
+            <a:rPr lang="zh-Hans" altLang="en-US" dirty="0" smtClean="0"/>
             <a:t>、毕业论文题目</a:t>
           </a:r>
-          <a:endParaRPr lang="en-US" altLang="zh-CHS" dirty="0" smtClean="0"/>
+          <a:endParaRPr lang="en-US" altLang="zh-Hans" dirty="0" smtClean="0"/>
         </a:p>
       </dgm:t>
     </dgm:pt>
@@ -4658,7 +4658,7 @@
         <a:bodyPr/>
         <a:lstStyle/>
         <a:p>
-          <a:endParaRPr lang="zh-CHS" altLang="en-US"/>
+          <a:endParaRPr lang="zh-Hans" altLang="en-US"/>
         </a:p>
       </dgm:t>
     </dgm:pt>
@@ -4669,7 +4669,7 @@
         <a:bodyPr/>
         <a:lstStyle/>
         <a:p>
-          <a:endParaRPr lang="zh-CHS" altLang="en-US"/>
+          <a:endParaRPr lang="zh-Hans" altLang="en-US"/>
         </a:p>
       </dgm:t>
     </dgm:pt>
@@ -4681,14 +4681,14 @@
         <a:lstStyle/>
         <a:p>
           <a:r>
-            <a:rPr lang="en-US" altLang="zh-CHS" dirty="0" smtClean="0"/>
+            <a:rPr lang="en-US" altLang="zh-Hans" dirty="0" smtClean="0"/>
             <a:t>2</a:t>
           </a:r>
           <a:r>
-            <a:rPr lang="zh-CHS" altLang="en-US" dirty="0" smtClean="0"/>
+            <a:rPr lang="zh-Hans" altLang="en-US" dirty="0" smtClean="0"/>
             <a:t>、框架结构</a:t>
           </a:r>
-          <a:endParaRPr lang="en-US" altLang="zh-CHS" dirty="0" smtClean="0"/>
+          <a:endParaRPr lang="en-US" altLang="zh-Hans" dirty="0" smtClean="0"/>
         </a:p>
       </dgm:t>
     </dgm:pt>
@@ -4699,7 +4699,7 @@
         <a:bodyPr/>
         <a:lstStyle/>
         <a:p>
-          <a:endParaRPr lang="zh-CHS" altLang="en-US"/>
+          <a:endParaRPr lang="zh-Hans" altLang="en-US"/>
         </a:p>
       </dgm:t>
     </dgm:pt>
@@ -4710,7 +4710,7 @@
         <a:bodyPr/>
         <a:lstStyle/>
         <a:p>
-          <a:endParaRPr lang="zh-CHS" altLang="en-US"/>
+          <a:endParaRPr lang="zh-Hans" altLang="en-US"/>
         </a:p>
       </dgm:t>
     </dgm:pt>
@@ -4722,14 +4722,14 @@
         <a:lstStyle/>
         <a:p>
           <a:r>
-            <a:rPr lang="en-US" altLang="zh-CHS" dirty="0" smtClean="0"/>
+            <a:rPr lang="en-US" altLang="zh-Hans" dirty="0" smtClean="0"/>
             <a:t>3</a:t>
           </a:r>
           <a:r>
-            <a:rPr lang="zh-CHS" altLang="en-US" dirty="0" smtClean="0"/>
+            <a:rPr lang="zh-Hans" altLang="en-US" dirty="0" smtClean="0"/>
             <a:t>、主要工作</a:t>
           </a:r>
-          <a:endParaRPr lang="en-US" altLang="zh-CHS" dirty="0" smtClean="0"/>
+          <a:endParaRPr lang="en-US" altLang="zh-Hans" dirty="0" smtClean="0"/>
         </a:p>
       </dgm:t>
     </dgm:pt>
@@ -4740,7 +4740,7 @@
         <a:bodyPr/>
         <a:lstStyle/>
         <a:p>
-          <a:endParaRPr lang="zh-CHS" altLang="en-US"/>
+          <a:endParaRPr lang="zh-Hans" altLang="en-US"/>
         </a:p>
       </dgm:t>
     </dgm:pt>
@@ -4751,7 +4751,7 @@
         <a:bodyPr/>
         <a:lstStyle/>
         <a:p>
-          <a:endParaRPr lang="zh-CHS" altLang="en-US"/>
+          <a:endParaRPr lang="zh-Hans" altLang="en-US"/>
         </a:p>
       </dgm:t>
     </dgm:pt>
@@ -4763,14 +4763,14 @@
         <a:lstStyle/>
         <a:p>
           <a:r>
-            <a:rPr lang="en-US" altLang="zh-CHS" dirty="0" smtClean="0"/>
+            <a:rPr lang="en-US" altLang="zh-Hans" dirty="0" smtClean="0"/>
             <a:t>4</a:t>
           </a:r>
           <a:r>
-            <a:rPr lang="zh-CHS" altLang="en-US" dirty="0" smtClean="0"/>
+            <a:rPr lang="zh-Hans" altLang="en-US" dirty="0" smtClean="0"/>
             <a:t>、创新点</a:t>
           </a:r>
-          <a:endParaRPr lang="en-US" altLang="zh-CHS" dirty="0" smtClean="0"/>
+          <a:endParaRPr lang="en-US" altLang="zh-Hans" dirty="0" smtClean="0"/>
         </a:p>
       </dgm:t>
     </dgm:pt>
@@ -4781,7 +4781,7 @@
         <a:bodyPr/>
         <a:lstStyle/>
         <a:p>
-          <a:endParaRPr lang="zh-CHS" altLang="en-US"/>
+          <a:endParaRPr lang="zh-Hans" altLang="en-US"/>
         </a:p>
       </dgm:t>
     </dgm:pt>
@@ -4792,7 +4792,7 @@
         <a:bodyPr/>
         <a:lstStyle/>
         <a:p>
-          <a:endParaRPr lang="zh-CHS" altLang="en-US"/>
+          <a:endParaRPr lang="zh-Hans" altLang="en-US"/>
         </a:p>
       </dgm:t>
     </dgm:pt>
@@ -4808,7 +4808,7 @@
         <a:bodyPr/>
         <a:lstStyle/>
         <a:p>
-          <a:endParaRPr lang="zh-CHS" altLang="en-US"/>
+          <a:endParaRPr lang="zh-Hans" altLang="en-US"/>
         </a:p>
       </dgm:t>
     </dgm:pt>
@@ -4824,7 +4824,7 @@
         <a:bodyPr/>
         <a:lstStyle/>
         <a:p>
-          <a:endParaRPr lang="zh-CHS" altLang="en-US"/>
+          <a:endParaRPr lang="zh-Hans" altLang="en-US"/>
         </a:p>
       </dgm:t>
     </dgm:pt>
@@ -4835,7 +4835,7 @@
         <a:bodyPr/>
         <a:lstStyle/>
         <a:p>
-          <a:endParaRPr lang="zh-CHS" altLang="en-US"/>
+          <a:endParaRPr lang="zh-Hans" altLang="en-US"/>
         </a:p>
       </dgm:t>
     </dgm:pt>
@@ -4851,7 +4851,7 @@
         <a:bodyPr/>
         <a:lstStyle/>
         <a:p>
-          <a:endParaRPr lang="zh-CHS" altLang="en-US"/>
+          <a:endParaRPr lang="zh-Hans" altLang="en-US"/>
         </a:p>
       </dgm:t>
     </dgm:pt>
@@ -4862,7 +4862,7 @@
         <a:bodyPr/>
         <a:lstStyle/>
         <a:p>
-          <a:endParaRPr lang="zh-CHS" altLang="en-US"/>
+          <a:endParaRPr lang="zh-Hans" altLang="en-US"/>
         </a:p>
       </dgm:t>
     </dgm:pt>
@@ -4878,7 +4878,7 @@
         <a:bodyPr/>
         <a:lstStyle/>
         <a:p>
-          <a:endParaRPr lang="zh-CHS" altLang="en-US"/>
+          <a:endParaRPr lang="zh-Hans" altLang="en-US"/>
         </a:p>
       </dgm:t>
     </dgm:pt>
@@ -4889,7 +4889,7 @@
         <a:bodyPr/>
         <a:lstStyle/>
         <a:p>
-          <a:endParaRPr lang="zh-CHS" altLang="en-US"/>
+          <a:endParaRPr lang="zh-Hans" altLang="en-US"/>
         </a:p>
       </dgm:t>
     </dgm:pt>
@@ -4905,7 +4905,7 @@
         <a:bodyPr/>
         <a:lstStyle/>
         <a:p>
-          <a:endParaRPr lang="zh-CHS" altLang="en-US"/>
+          <a:endParaRPr lang="zh-Hans" altLang="en-US"/>
         </a:p>
       </dgm:t>
     </dgm:pt>
@@ -4948,7 +4948,7 @@
         <a:bodyPr/>
         <a:lstStyle/>
         <a:p>
-          <a:endParaRPr lang="zh-CHS" altLang="en-US"/>
+          <a:endParaRPr lang="zh-Hans" altLang="en-US"/>
         </a:p>
       </dgm:t>
     </dgm:pt>
@@ -4964,14 +4964,14 @@
         <a:lstStyle/>
         <a:p>
           <a:r>
-            <a:rPr lang="en-US" altLang="zh-CHS" dirty="0" smtClean="0"/>
+            <a:rPr lang="en-US" altLang="zh-Hans" dirty="0" smtClean="0"/>
             <a:t>1</a:t>
           </a:r>
           <a:r>
-            <a:rPr lang="zh-CHS" altLang="en-US" dirty="0" smtClean="0"/>
+            <a:rPr lang="zh-Hans" altLang="en-US" dirty="0" smtClean="0"/>
             <a:t>、毕业论文题目</a:t>
           </a:r>
-          <a:endParaRPr lang="en-US" altLang="zh-CHS" dirty="0" smtClean="0"/>
+          <a:endParaRPr lang="en-US" altLang="zh-Hans" dirty="0" smtClean="0"/>
         </a:p>
       </dgm:t>
     </dgm:pt>
@@ -4982,7 +4982,7 @@
         <a:bodyPr/>
         <a:lstStyle/>
         <a:p>
-          <a:endParaRPr lang="zh-CHS" altLang="en-US"/>
+          <a:endParaRPr lang="zh-Hans" altLang="en-US"/>
         </a:p>
       </dgm:t>
     </dgm:pt>
@@ -4993,7 +4993,7 @@
         <a:bodyPr/>
         <a:lstStyle/>
         <a:p>
-          <a:endParaRPr lang="zh-CHS" altLang="en-US"/>
+          <a:endParaRPr lang="zh-Hans" altLang="en-US"/>
         </a:p>
       </dgm:t>
     </dgm:pt>
@@ -5005,14 +5005,14 @@
         <a:lstStyle/>
         <a:p>
           <a:r>
-            <a:rPr lang="en-US" altLang="zh-CHS" dirty="0" smtClean="0"/>
+            <a:rPr lang="en-US" altLang="zh-Hans" dirty="0" smtClean="0"/>
             <a:t>2</a:t>
           </a:r>
           <a:r>
-            <a:rPr lang="zh-CHS" altLang="en-US" dirty="0" smtClean="0"/>
+            <a:rPr lang="zh-Hans" altLang="en-US" dirty="0" smtClean="0"/>
             <a:t>、框架结构</a:t>
           </a:r>
-          <a:endParaRPr lang="en-US" altLang="zh-CHS" dirty="0" smtClean="0"/>
+          <a:endParaRPr lang="en-US" altLang="zh-Hans" dirty="0" smtClean="0"/>
         </a:p>
       </dgm:t>
     </dgm:pt>
@@ -5023,7 +5023,7 @@
         <a:bodyPr/>
         <a:lstStyle/>
         <a:p>
-          <a:endParaRPr lang="zh-CHS" altLang="en-US"/>
+          <a:endParaRPr lang="zh-Hans" altLang="en-US"/>
         </a:p>
       </dgm:t>
     </dgm:pt>
@@ -5034,7 +5034,7 @@
         <a:bodyPr/>
         <a:lstStyle/>
         <a:p>
-          <a:endParaRPr lang="zh-CHS" altLang="en-US"/>
+          <a:endParaRPr lang="zh-Hans" altLang="en-US"/>
         </a:p>
       </dgm:t>
     </dgm:pt>
@@ -5046,14 +5046,14 @@
         <a:lstStyle/>
         <a:p>
           <a:r>
-            <a:rPr lang="en-US" altLang="zh-CHS" dirty="0" smtClean="0"/>
+            <a:rPr lang="en-US" altLang="zh-Hans" dirty="0" smtClean="0"/>
             <a:t>3</a:t>
           </a:r>
           <a:r>
-            <a:rPr lang="zh-CHS" altLang="en-US" dirty="0" smtClean="0"/>
+            <a:rPr lang="zh-Hans" altLang="en-US" dirty="0" smtClean="0"/>
             <a:t>、主要工作</a:t>
           </a:r>
-          <a:endParaRPr lang="en-US" altLang="zh-CHS" dirty="0" smtClean="0"/>
+          <a:endParaRPr lang="en-US" altLang="zh-Hans" dirty="0" smtClean="0"/>
         </a:p>
       </dgm:t>
     </dgm:pt>
@@ -5064,7 +5064,7 @@
         <a:bodyPr/>
         <a:lstStyle/>
         <a:p>
-          <a:endParaRPr lang="zh-CHS" altLang="en-US"/>
+          <a:endParaRPr lang="zh-Hans" altLang="en-US"/>
         </a:p>
       </dgm:t>
     </dgm:pt>
@@ -5075,7 +5075,7 @@
         <a:bodyPr/>
         <a:lstStyle/>
         <a:p>
-          <a:endParaRPr lang="zh-CHS" altLang="en-US"/>
+          <a:endParaRPr lang="zh-Hans" altLang="en-US"/>
         </a:p>
       </dgm:t>
     </dgm:pt>
@@ -5087,14 +5087,14 @@
         <a:lstStyle/>
         <a:p>
           <a:r>
-            <a:rPr lang="en-US" altLang="zh-CHS" dirty="0" smtClean="0"/>
+            <a:rPr lang="en-US" altLang="zh-Hans" dirty="0" smtClean="0"/>
             <a:t>4</a:t>
           </a:r>
           <a:r>
-            <a:rPr lang="zh-CHS" altLang="en-US" dirty="0" smtClean="0"/>
+            <a:rPr lang="zh-Hans" altLang="en-US" dirty="0" smtClean="0"/>
             <a:t>、创新点</a:t>
           </a:r>
-          <a:endParaRPr lang="en-US" altLang="zh-CHS" dirty="0" smtClean="0"/>
+          <a:endParaRPr lang="en-US" altLang="zh-Hans" dirty="0" smtClean="0"/>
         </a:p>
       </dgm:t>
     </dgm:pt>
@@ -5105,7 +5105,7 @@
         <a:bodyPr/>
         <a:lstStyle/>
         <a:p>
-          <a:endParaRPr lang="zh-CHS" altLang="en-US"/>
+          <a:endParaRPr lang="zh-Hans" altLang="en-US"/>
         </a:p>
       </dgm:t>
     </dgm:pt>
@@ -5116,7 +5116,7 @@
         <a:bodyPr/>
         <a:lstStyle/>
         <a:p>
-          <a:endParaRPr lang="zh-CHS" altLang="en-US"/>
+          <a:endParaRPr lang="zh-Hans" altLang="en-US"/>
         </a:p>
       </dgm:t>
     </dgm:pt>
@@ -5132,7 +5132,7 @@
         <a:bodyPr/>
         <a:lstStyle/>
         <a:p>
-          <a:endParaRPr lang="zh-CHS" altLang="en-US"/>
+          <a:endParaRPr lang="zh-Hans" altLang="en-US"/>
         </a:p>
       </dgm:t>
     </dgm:pt>
@@ -5148,7 +5148,7 @@
         <a:bodyPr/>
         <a:lstStyle/>
         <a:p>
-          <a:endParaRPr lang="zh-CHS" altLang="en-US"/>
+          <a:endParaRPr lang="zh-Hans" altLang="en-US"/>
         </a:p>
       </dgm:t>
     </dgm:pt>
@@ -5159,7 +5159,7 @@
         <a:bodyPr/>
         <a:lstStyle/>
         <a:p>
-          <a:endParaRPr lang="zh-CHS" altLang="en-US"/>
+          <a:endParaRPr lang="zh-Hans" altLang="en-US"/>
         </a:p>
       </dgm:t>
     </dgm:pt>
@@ -5175,7 +5175,7 @@
         <a:bodyPr/>
         <a:lstStyle/>
         <a:p>
-          <a:endParaRPr lang="zh-CHS" altLang="en-US"/>
+          <a:endParaRPr lang="zh-Hans" altLang="en-US"/>
         </a:p>
       </dgm:t>
     </dgm:pt>
@@ -5186,7 +5186,7 @@
         <a:bodyPr/>
         <a:lstStyle/>
         <a:p>
-          <a:endParaRPr lang="zh-CHS" altLang="en-US"/>
+          <a:endParaRPr lang="zh-Hans" altLang="en-US"/>
         </a:p>
       </dgm:t>
     </dgm:pt>
@@ -5202,7 +5202,7 @@
         <a:bodyPr/>
         <a:lstStyle/>
         <a:p>
-          <a:endParaRPr lang="zh-CHS" altLang="en-US"/>
+          <a:endParaRPr lang="zh-Hans" altLang="en-US"/>
         </a:p>
       </dgm:t>
     </dgm:pt>
@@ -5213,7 +5213,7 @@
         <a:bodyPr/>
         <a:lstStyle/>
         <a:p>
-          <a:endParaRPr lang="zh-CHS" altLang="en-US"/>
+          <a:endParaRPr lang="zh-Hans" altLang="en-US"/>
         </a:p>
       </dgm:t>
     </dgm:pt>
@@ -5229,7 +5229,7 @@
         <a:bodyPr/>
         <a:lstStyle/>
         <a:p>
-          <a:endParaRPr lang="zh-CHS" altLang="en-US"/>
+          <a:endParaRPr lang="zh-Hans" altLang="en-US"/>
         </a:p>
       </dgm:t>
     </dgm:pt>
@@ -5272,7 +5272,7 @@
         <a:bodyPr/>
         <a:lstStyle/>
         <a:p>
-          <a:endParaRPr lang="zh-CHS" altLang="en-US"/>
+          <a:endParaRPr lang="zh-Hans" altLang="en-US"/>
         </a:p>
       </dgm:t>
     </dgm:pt>
@@ -5288,14 +5288,14 @@
         <a:lstStyle/>
         <a:p>
           <a:r>
-            <a:rPr lang="en-US" altLang="zh-CHS" dirty="0" smtClean="0"/>
+            <a:rPr lang="en-US" altLang="zh-Hans" dirty="0" smtClean="0"/>
             <a:t>1</a:t>
           </a:r>
           <a:r>
-            <a:rPr lang="zh-CHS" altLang="en-US" dirty="0" smtClean="0"/>
+            <a:rPr lang="zh-Hans" altLang="en-US" dirty="0" smtClean="0"/>
             <a:t>、毕业论文题目</a:t>
           </a:r>
-          <a:endParaRPr lang="en-US" altLang="zh-CHS" dirty="0" smtClean="0"/>
+          <a:endParaRPr lang="en-US" altLang="zh-Hans" dirty="0" smtClean="0"/>
         </a:p>
       </dgm:t>
     </dgm:pt>
@@ -5306,7 +5306,7 @@
         <a:bodyPr/>
         <a:lstStyle/>
         <a:p>
-          <a:endParaRPr lang="zh-CHS" altLang="en-US"/>
+          <a:endParaRPr lang="zh-Hans" altLang="en-US"/>
         </a:p>
       </dgm:t>
     </dgm:pt>
@@ -5317,7 +5317,7 @@
         <a:bodyPr/>
         <a:lstStyle/>
         <a:p>
-          <a:endParaRPr lang="zh-CHS" altLang="en-US"/>
+          <a:endParaRPr lang="zh-Hans" altLang="en-US"/>
         </a:p>
       </dgm:t>
     </dgm:pt>
@@ -5333,14 +5333,14 @@
         <a:lstStyle/>
         <a:p>
           <a:r>
-            <a:rPr lang="en-US" altLang="zh-CHS" dirty="0" smtClean="0"/>
+            <a:rPr lang="en-US" altLang="zh-Hans" dirty="0" smtClean="0"/>
             <a:t>2</a:t>
           </a:r>
           <a:r>
-            <a:rPr lang="zh-CHS" altLang="en-US" dirty="0" smtClean="0"/>
+            <a:rPr lang="zh-Hans" altLang="en-US" dirty="0" smtClean="0"/>
             <a:t>、框架结构</a:t>
           </a:r>
-          <a:endParaRPr lang="en-US" altLang="zh-CHS" dirty="0" smtClean="0"/>
+          <a:endParaRPr lang="en-US" altLang="zh-Hans" dirty="0" smtClean="0"/>
         </a:p>
       </dgm:t>
     </dgm:pt>
@@ -5351,7 +5351,7 @@
         <a:bodyPr/>
         <a:lstStyle/>
         <a:p>
-          <a:endParaRPr lang="zh-CHS" altLang="en-US"/>
+          <a:endParaRPr lang="zh-Hans" altLang="en-US"/>
         </a:p>
       </dgm:t>
     </dgm:pt>
@@ -5362,7 +5362,7 @@
         <a:bodyPr/>
         <a:lstStyle/>
         <a:p>
-          <a:endParaRPr lang="zh-CHS" altLang="en-US"/>
+          <a:endParaRPr lang="zh-Hans" altLang="en-US"/>
         </a:p>
       </dgm:t>
     </dgm:pt>
@@ -5374,14 +5374,14 @@
         <a:lstStyle/>
         <a:p>
           <a:r>
-            <a:rPr lang="en-US" altLang="zh-CHS" dirty="0" smtClean="0"/>
+            <a:rPr lang="en-US" altLang="zh-Hans" dirty="0" smtClean="0"/>
             <a:t>3</a:t>
           </a:r>
           <a:r>
-            <a:rPr lang="zh-CHS" altLang="en-US" dirty="0" smtClean="0"/>
+            <a:rPr lang="zh-Hans" altLang="en-US" dirty="0" smtClean="0"/>
             <a:t>、主要工作</a:t>
           </a:r>
-          <a:endParaRPr lang="en-US" altLang="zh-CHS" dirty="0" smtClean="0"/>
+          <a:endParaRPr lang="en-US" altLang="zh-Hans" dirty="0" smtClean="0"/>
         </a:p>
       </dgm:t>
     </dgm:pt>
@@ -5392,7 +5392,7 @@
         <a:bodyPr/>
         <a:lstStyle/>
         <a:p>
-          <a:endParaRPr lang="zh-CHS" altLang="en-US"/>
+          <a:endParaRPr lang="zh-Hans" altLang="en-US"/>
         </a:p>
       </dgm:t>
     </dgm:pt>
@@ -5403,7 +5403,7 @@
         <a:bodyPr/>
         <a:lstStyle/>
         <a:p>
-          <a:endParaRPr lang="zh-CHS" altLang="en-US"/>
+          <a:endParaRPr lang="zh-Hans" altLang="en-US"/>
         </a:p>
       </dgm:t>
     </dgm:pt>
@@ -5415,14 +5415,14 @@
         <a:lstStyle/>
         <a:p>
           <a:r>
-            <a:rPr lang="en-US" altLang="zh-CHS" dirty="0" smtClean="0"/>
+            <a:rPr lang="en-US" altLang="zh-Hans" dirty="0" smtClean="0"/>
             <a:t>4</a:t>
           </a:r>
           <a:r>
-            <a:rPr lang="zh-CHS" altLang="en-US" dirty="0" smtClean="0"/>
+            <a:rPr lang="zh-Hans" altLang="en-US" dirty="0" smtClean="0"/>
             <a:t>、创新点</a:t>
           </a:r>
-          <a:endParaRPr lang="en-US" altLang="zh-CHS" dirty="0" smtClean="0"/>
+          <a:endParaRPr lang="en-US" altLang="zh-Hans" dirty="0" smtClean="0"/>
         </a:p>
       </dgm:t>
     </dgm:pt>
@@ -5433,7 +5433,7 @@
         <a:bodyPr/>
         <a:lstStyle/>
         <a:p>
-          <a:endParaRPr lang="zh-CHS" altLang="en-US"/>
+          <a:endParaRPr lang="zh-Hans" altLang="en-US"/>
         </a:p>
       </dgm:t>
     </dgm:pt>
@@ -5444,7 +5444,7 @@
         <a:bodyPr/>
         <a:lstStyle/>
         <a:p>
-          <a:endParaRPr lang="zh-CHS" altLang="en-US"/>
+          <a:endParaRPr lang="zh-Hans" altLang="en-US"/>
         </a:p>
       </dgm:t>
     </dgm:pt>
@@ -5460,7 +5460,7 @@
         <a:bodyPr/>
         <a:lstStyle/>
         <a:p>
-          <a:endParaRPr lang="zh-CHS" altLang="en-US"/>
+          <a:endParaRPr lang="zh-Hans" altLang="en-US"/>
         </a:p>
       </dgm:t>
     </dgm:pt>
@@ -5476,7 +5476,7 @@
         <a:bodyPr/>
         <a:lstStyle/>
         <a:p>
-          <a:endParaRPr lang="zh-CHS" altLang="en-US"/>
+          <a:endParaRPr lang="zh-Hans" altLang="en-US"/>
         </a:p>
       </dgm:t>
     </dgm:pt>
@@ -5487,7 +5487,7 @@
         <a:bodyPr/>
         <a:lstStyle/>
         <a:p>
-          <a:endParaRPr lang="zh-CHS" altLang="en-US"/>
+          <a:endParaRPr lang="zh-Hans" altLang="en-US"/>
         </a:p>
       </dgm:t>
     </dgm:pt>
@@ -5503,7 +5503,7 @@
         <a:bodyPr/>
         <a:lstStyle/>
         <a:p>
-          <a:endParaRPr lang="zh-CHS" altLang="en-US"/>
+          <a:endParaRPr lang="zh-Hans" altLang="en-US"/>
         </a:p>
       </dgm:t>
     </dgm:pt>
@@ -5514,7 +5514,7 @@
         <a:bodyPr/>
         <a:lstStyle/>
         <a:p>
-          <a:endParaRPr lang="zh-CHS" altLang="en-US"/>
+          <a:endParaRPr lang="zh-Hans" altLang="en-US"/>
         </a:p>
       </dgm:t>
     </dgm:pt>
@@ -5530,7 +5530,7 @@
         <a:bodyPr/>
         <a:lstStyle/>
         <a:p>
-          <a:endParaRPr lang="zh-CHS" altLang="en-US"/>
+          <a:endParaRPr lang="zh-Hans" altLang="en-US"/>
         </a:p>
       </dgm:t>
     </dgm:pt>
@@ -5541,7 +5541,7 @@
         <a:bodyPr/>
         <a:lstStyle/>
         <a:p>
-          <a:endParaRPr lang="zh-CHS" altLang="en-US"/>
+          <a:endParaRPr lang="zh-Hans" altLang="en-US"/>
         </a:p>
       </dgm:t>
     </dgm:pt>
@@ -5557,7 +5557,7 @@
         <a:bodyPr/>
         <a:lstStyle/>
         <a:p>
-          <a:endParaRPr lang="zh-CHS" altLang="en-US"/>
+          <a:endParaRPr lang="zh-Hans" altLang="en-US"/>
         </a:p>
       </dgm:t>
     </dgm:pt>
@@ -5600,7 +5600,7 @@
         <a:bodyPr/>
         <a:lstStyle/>
         <a:p>
-          <a:endParaRPr lang="zh-CHS" altLang="en-US"/>
+          <a:endParaRPr lang="zh-Hans" altLang="en-US"/>
         </a:p>
       </dgm:t>
     </dgm:pt>
@@ -5616,14 +5616,14 @@
         <a:lstStyle/>
         <a:p>
           <a:r>
-            <a:rPr lang="en-US" altLang="zh-CHS" dirty="0" smtClean="0"/>
+            <a:rPr lang="en-US" altLang="zh-Hans" dirty="0" smtClean="0"/>
             <a:t>1</a:t>
           </a:r>
           <a:r>
-            <a:rPr lang="zh-CHS" altLang="en-US" dirty="0" smtClean="0"/>
+            <a:rPr lang="zh-Hans" altLang="en-US" dirty="0" smtClean="0"/>
             <a:t>、毕业论文题目</a:t>
           </a:r>
-          <a:endParaRPr lang="en-US" altLang="zh-CHS" dirty="0" smtClean="0"/>
+          <a:endParaRPr lang="en-US" altLang="zh-Hans" dirty="0" smtClean="0"/>
         </a:p>
       </dgm:t>
     </dgm:pt>
@@ -5634,7 +5634,7 @@
         <a:bodyPr/>
         <a:lstStyle/>
         <a:p>
-          <a:endParaRPr lang="zh-CHS" altLang="en-US"/>
+          <a:endParaRPr lang="zh-Hans" altLang="en-US"/>
         </a:p>
       </dgm:t>
     </dgm:pt>
@@ -5645,7 +5645,7 @@
         <a:bodyPr/>
         <a:lstStyle/>
         <a:p>
-          <a:endParaRPr lang="zh-CHS" altLang="en-US"/>
+          <a:endParaRPr lang="zh-Hans" altLang="en-US"/>
         </a:p>
       </dgm:t>
     </dgm:pt>
@@ -5657,14 +5657,14 @@
         <a:lstStyle/>
         <a:p>
           <a:r>
-            <a:rPr lang="en-US" altLang="zh-CHS" dirty="0" smtClean="0"/>
+            <a:rPr lang="en-US" altLang="zh-Hans" dirty="0" smtClean="0"/>
             <a:t>2</a:t>
           </a:r>
           <a:r>
-            <a:rPr lang="zh-CHS" altLang="en-US" dirty="0" smtClean="0"/>
+            <a:rPr lang="zh-Hans" altLang="en-US" dirty="0" smtClean="0"/>
             <a:t>、框架结构</a:t>
           </a:r>
-          <a:endParaRPr lang="en-US" altLang="zh-CHS" dirty="0" smtClean="0"/>
+          <a:endParaRPr lang="en-US" altLang="zh-Hans" dirty="0" smtClean="0"/>
         </a:p>
       </dgm:t>
     </dgm:pt>
@@ -5675,7 +5675,7 @@
         <a:bodyPr/>
         <a:lstStyle/>
         <a:p>
-          <a:endParaRPr lang="zh-CHS" altLang="en-US"/>
+          <a:endParaRPr lang="zh-Hans" altLang="en-US"/>
         </a:p>
       </dgm:t>
     </dgm:pt>
@@ -5686,7 +5686,7 @@
         <a:bodyPr/>
         <a:lstStyle/>
         <a:p>
-          <a:endParaRPr lang="zh-CHS" altLang="en-US"/>
+          <a:endParaRPr lang="zh-Hans" altLang="en-US"/>
         </a:p>
       </dgm:t>
     </dgm:pt>
@@ -5702,14 +5702,14 @@
         <a:lstStyle/>
         <a:p>
           <a:r>
-            <a:rPr lang="en-US" altLang="zh-CHS" dirty="0" smtClean="0"/>
+            <a:rPr lang="en-US" altLang="zh-Hans" dirty="0" smtClean="0"/>
             <a:t>3</a:t>
           </a:r>
           <a:r>
-            <a:rPr lang="zh-CHS" altLang="en-US" dirty="0" smtClean="0"/>
+            <a:rPr lang="zh-Hans" altLang="en-US" dirty="0" smtClean="0"/>
             <a:t>、主要工作</a:t>
           </a:r>
-          <a:endParaRPr lang="en-US" altLang="zh-CHS" dirty="0" smtClean="0"/>
+          <a:endParaRPr lang="en-US" altLang="zh-Hans" dirty="0" smtClean="0"/>
         </a:p>
       </dgm:t>
     </dgm:pt>
@@ -5720,7 +5720,7 @@
         <a:bodyPr/>
         <a:lstStyle/>
         <a:p>
-          <a:endParaRPr lang="zh-CHS" altLang="en-US"/>
+          <a:endParaRPr lang="zh-Hans" altLang="en-US"/>
         </a:p>
       </dgm:t>
     </dgm:pt>
@@ -5731,7 +5731,7 @@
         <a:bodyPr/>
         <a:lstStyle/>
         <a:p>
-          <a:endParaRPr lang="zh-CHS" altLang="en-US"/>
+          <a:endParaRPr lang="zh-Hans" altLang="en-US"/>
         </a:p>
       </dgm:t>
     </dgm:pt>
@@ -5743,14 +5743,14 @@
         <a:lstStyle/>
         <a:p>
           <a:r>
-            <a:rPr lang="en-US" altLang="zh-CHS" dirty="0" smtClean="0"/>
+            <a:rPr lang="en-US" altLang="zh-Hans" dirty="0" smtClean="0"/>
             <a:t>4</a:t>
           </a:r>
           <a:r>
-            <a:rPr lang="zh-CHS" altLang="en-US" dirty="0" smtClean="0"/>
+            <a:rPr lang="zh-Hans" altLang="en-US" dirty="0" smtClean="0"/>
             <a:t>、创新点</a:t>
           </a:r>
-          <a:endParaRPr lang="en-US" altLang="zh-CHS" dirty="0" smtClean="0"/>
+          <a:endParaRPr lang="en-US" altLang="zh-Hans" dirty="0" smtClean="0"/>
         </a:p>
       </dgm:t>
     </dgm:pt>
@@ -5761,7 +5761,7 @@
         <a:bodyPr/>
         <a:lstStyle/>
         <a:p>
-          <a:endParaRPr lang="zh-CHS" altLang="en-US"/>
+          <a:endParaRPr lang="zh-Hans" altLang="en-US"/>
         </a:p>
       </dgm:t>
     </dgm:pt>
@@ -5772,7 +5772,7 @@
         <a:bodyPr/>
         <a:lstStyle/>
         <a:p>
-          <a:endParaRPr lang="zh-CHS" altLang="en-US"/>
+          <a:endParaRPr lang="zh-Hans" altLang="en-US"/>
         </a:p>
       </dgm:t>
     </dgm:pt>
@@ -5788,7 +5788,7 @@
         <a:bodyPr/>
         <a:lstStyle/>
         <a:p>
-          <a:endParaRPr lang="zh-CHS" altLang="en-US"/>
+          <a:endParaRPr lang="zh-Hans" altLang="en-US"/>
         </a:p>
       </dgm:t>
     </dgm:pt>
@@ -5804,7 +5804,7 @@
         <a:bodyPr/>
         <a:lstStyle/>
         <a:p>
-          <a:endParaRPr lang="zh-CHS" altLang="en-US"/>
+          <a:endParaRPr lang="zh-Hans" altLang="en-US"/>
         </a:p>
       </dgm:t>
     </dgm:pt>
@@ -5815,7 +5815,7 @@
         <a:bodyPr/>
         <a:lstStyle/>
         <a:p>
-          <a:endParaRPr lang="zh-CHS" altLang="en-US"/>
+          <a:endParaRPr lang="zh-Hans" altLang="en-US"/>
         </a:p>
       </dgm:t>
     </dgm:pt>
@@ -5831,7 +5831,7 @@
         <a:bodyPr/>
         <a:lstStyle/>
         <a:p>
-          <a:endParaRPr lang="zh-CHS" altLang="en-US"/>
+          <a:endParaRPr lang="zh-Hans" altLang="en-US"/>
         </a:p>
       </dgm:t>
     </dgm:pt>
@@ -5842,7 +5842,7 @@
         <a:bodyPr/>
         <a:lstStyle/>
         <a:p>
-          <a:endParaRPr lang="zh-CHS" altLang="en-US"/>
+          <a:endParaRPr lang="zh-Hans" altLang="en-US"/>
         </a:p>
       </dgm:t>
     </dgm:pt>
@@ -5858,7 +5858,7 @@
         <a:bodyPr/>
         <a:lstStyle/>
         <a:p>
-          <a:endParaRPr lang="zh-CHS" altLang="en-US"/>
+          <a:endParaRPr lang="zh-Hans" altLang="en-US"/>
         </a:p>
       </dgm:t>
     </dgm:pt>
@@ -5869,7 +5869,7 @@
         <a:bodyPr/>
         <a:lstStyle/>
         <a:p>
-          <a:endParaRPr lang="zh-CHS" altLang="en-US"/>
+          <a:endParaRPr lang="zh-Hans" altLang="en-US"/>
         </a:p>
       </dgm:t>
     </dgm:pt>
@@ -5885,7 +5885,7 @@
         <a:bodyPr/>
         <a:lstStyle/>
         <a:p>
-          <a:endParaRPr lang="zh-CHS" altLang="en-US"/>
+          <a:endParaRPr lang="zh-Hans" altLang="en-US"/>
         </a:p>
       </dgm:t>
     </dgm:pt>
@@ -5933,10 +5933,10 @@
         <a:lstStyle/>
         <a:p>
           <a:r>
-            <a:rPr kumimoji="1" lang="zh-CHS" altLang="en-US" dirty="0" smtClean="0"/>
+            <a:rPr kumimoji="1" lang="zh-Hans" altLang="en-US" dirty="0" smtClean="0"/>
             <a:t>从不完整日志中挖掘非自由选择结构</a:t>
           </a:r>
-          <a:endParaRPr lang="zh-CHS" altLang="en-US" dirty="0"/>
+          <a:endParaRPr lang="zh-Hans" altLang="en-US" dirty="0"/>
         </a:p>
       </dgm:t>
     </dgm:pt>
@@ -5947,7 +5947,7 @@
         <a:bodyPr/>
         <a:lstStyle/>
         <a:p>
-          <a:endParaRPr lang="zh-CHS" altLang="en-US"/>
+          <a:endParaRPr lang="zh-Hans" altLang="en-US"/>
         </a:p>
       </dgm:t>
     </dgm:pt>
@@ -5958,7 +5958,7 @@
         <a:bodyPr/>
         <a:lstStyle/>
         <a:p>
-          <a:endParaRPr lang="zh-CHS" altLang="en-US"/>
+          <a:endParaRPr lang="zh-Hans" altLang="en-US"/>
         </a:p>
       </dgm:t>
     </dgm:pt>
@@ -5970,10 +5970,10 @@
         <a:lstStyle/>
         <a:p>
           <a:r>
-            <a:rPr lang="zh-CHS" altLang="en-US" dirty="0" smtClean="0"/>
+            <a:rPr lang="zh-Hans" altLang="en-US" dirty="0" smtClean="0"/>
             <a:t>主要工作</a:t>
           </a:r>
-          <a:endParaRPr lang="zh-CHS" altLang="en-US" dirty="0"/>
+          <a:endParaRPr lang="zh-Hans" altLang="en-US" dirty="0"/>
         </a:p>
       </dgm:t>
     </dgm:pt>
@@ -5984,7 +5984,7 @@
         <a:bodyPr/>
         <a:lstStyle/>
         <a:p>
-          <a:endParaRPr lang="zh-CHS" altLang="en-US"/>
+          <a:endParaRPr lang="zh-Hans" altLang="en-US"/>
         </a:p>
       </dgm:t>
     </dgm:pt>
@@ -5995,7 +5995,7 @@
         <a:bodyPr/>
         <a:lstStyle/>
         <a:p>
-          <a:endParaRPr lang="zh-CHS" altLang="en-US"/>
+          <a:endParaRPr lang="zh-Hans" altLang="en-US"/>
         </a:p>
       </dgm:t>
     </dgm:pt>
@@ -6007,10 +6007,9 @@
         <a:lstStyle/>
         <a:p>
           <a:r>
-            <a:rPr kumimoji="1" lang="zh-CHS" altLang="en-US" dirty="0" smtClean="0"/>
+            <a:rPr kumimoji="1" lang="zh-Hans" altLang="en-US" dirty="0" smtClean="0"/>
             <a:t>面向流程挖掘算法评估的典型模型库构建</a:t>
           </a:r>
-          <a:endParaRPr kumimoji="1" lang="zh-CHS" altLang="en-US" dirty="0" smtClean="0"/>
         </a:p>
       </dgm:t>
     </dgm:pt>
@@ -6021,7 +6020,7 @@
         <a:bodyPr/>
         <a:lstStyle/>
         <a:p>
-          <a:endParaRPr lang="zh-CHS" altLang="en-US"/>
+          <a:endParaRPr lang="zh-Hans" altLang="en-US"/>
         </a:p>
       </dgm:t>
     </dgm:pt>
@@ -6032,7 +6031,7 @@
         <a:bodyPr/>
         <a:lstStyle/>
         <a:p>
-          <a:endParaRPr lang="zh-CHS" altLang="en-US"/>
+          <a:endParaRPr lang="zh-Hans" altLang="en-US"/>
         </a:p>
       </dgm:t>
     </dgm:pt>
@@ -6060,7 +6059,7 @@
         <a:bodyPr/>
         <a:lstStyle/>
         <a:p>
-          <a:endParaRPr lang="zh-CHS" altLang="en-US"/>
+          <a:endParaRPr lang="zh-Hans" altLang="en-US"/>
         </a:p>
       </dgm:t>
     </dgm:pt>
@@ -6075,7 +6074,7 @@
         <a:bodyPr/>
         <a:lstStyle/>
         <a:p>
-          <a:endParaRPr lang="zh-CHS" altLang="en-US"/>
+          <a:endParaRPr lang="zh-Hans" altLang="en-US"/>
         </a:p>
       </dgm:t>
     </dgm:pt>
@@ -6090,6 +6089,13 @@
         </dgm:presLayoutVars>
       </dgm:prSet>
       <dgm:spPr/>
+      <dgm:t>
+        <a:bodyPr/>
+        <a:lstStyle/>
+        <a:p>
+          <a:endParaRPr lang="zh-CN" altLang="en-US"/>
+        </a:p>
+      </dgm:t>
     </dgm:pt>
     <dgm:pt modelId="{EECF76B9-E390-4C5E-B012-9B2724BF4598}" type="pres">
       <dgm:prSet presAssocID="{F4443D36-6995-4FB1-B318-C24BFE8E1943}" presName="sibTransLast" presStyleLbl="sibTrans2D1" presStyleIdx="1" presStyleCnt="2"/>
@@ -6098,7 +6104,7 @@
         <a:bodyPr/>
         <a:lstStyle/>
         <a:p>
-          <a:endParaRPr lang="zh-CHS" altLang="en-US"/>
+          <a:endParaRPr lang="zh-Hans" altLang="en-US"/>
         </a:p>
       </dgm:t>
     </dgm:pt>
@@ -6109,7 +6115,7 @@
         <a:bodyPr/>
         <a:lstStyle/>
         <a:p>
-          <a:endParaRPr lang="zh-CHS" altLang="en-US"/>
+          <a:endParaRPr lang="zh-Hans" altLang="en-US"/>
         </a:p>
       </dgm:t>
     </dgm:pt>
@@ -6124,22 +6130,22 @@
         <a:bodyPr/>
         <a:lstStyle/>
         <a:p>
-          <a:endParaRPr lang="zh-CHS" altLang="en-US"/>
+          <a:endParaRPr lang="zh-Hans" altLang="en-US"/>
         </a:p>
       </dgm:t>
     </dgm:pt>
   </dgm:ptLst>
   <dgm:cxnLst>
-    <dgm:cxn modelId="{CCCCCB09-1BF1-0F43-9260-FB53B7E4FA0F}" type="presOf" srcId="{FB5FD425-C9E5-4488-BB70-20E63FE9EC95}" destId="{2C7BB825-7D2C-4D40-AE13-3B23C7D2259B}" srcOrd="0" destOrd="0" presId="urn:microsoft.com/office/officeart/2005/8/layout/equation2"/>
-    <dgm:cxn modelId="{4766C37F-AFC6-42C8-B9C3-449F24045AFF}" srcId="{F4443D36-6995-4FB1-B318-C24BFE8E1943}" destId="{9B846F0B-9107-421D-B814-406833297DEA}" srcOrd="0" destOrd="0" parTransId="{ED37E45E-DDD6-4D16-8C32-3D83AA7DA822}" sibTransId="{FB5FD425-C9E5-4488-BB70-20E63FE9EC95}"/>
-    <dgm:cxn modelId="{A69A4D2F-2A56-934A-907B-97F29391A739}" type="presOf" srcId="{2CD2805C-8F81-D04E-BCEA-81EF612D35CB}" destId="{F5802750-2249-4199-9A4B-79A1CF947392}" srcOrd="1" destOrd="0" presId="urn:microsoft.com/office/officeart/2005/8/layout/equation2"/>
     <dgm:cxn modelId="{0437A12E-E8CE-A347-B2C8-9611A4F9EE39}" type="presOf" srcId="{2CD2805C-8F81-D04E-BCEA-81EF612D35CB}" destId="{EECF76B9-E390-4C5E-B012-9B2724BF4598}" srcOrd="0" destOrd="0" presId="urn:microsoft.com/office/officeart/2005/8/layout/equation2"/>
     <dgm:cxn modelId="{C2AFA9FC-3D94-E24C-9311-263441603F2A}" type="presOf" srcId="{195C6027-042B-0549-B085-97A90205869A}" destId="{F88814BE-B1F2-D44F-8A08-0CA44266CD59}" srcOrd="0" destOrd="0" presId="urn:microsoft.com/office/officeart/2005/8/layout/equation2"/>
     <dgm:cxn modelId="{8DC2068C-C683-C249-908E-F3C89E49ACFE}" type="presOf" srcId="{49DB25FA-71C6-4C7D-AC21-628F53514C15}" destId="{10897D0E-CF1E-4E67-BED7-7DC1FEBB0CF9}" srcOrd="0" destOrd="0" presId="urn:microsoft.com/office/officeart/2005/8/layout/equation2"/>
+    <dgm:cxn modelId="{5FB1A71F-ABB4-43A3-945E-E4C7FF2FC6E9}" type="presOf" srcId="{9B846F0B-9107-421D-B814-406833297DEA}" destId="{803F1408-45E9-44D1-9929-CF21E16C9DC8}" srcOrd="0" destOrd="0" presId="urn:microsoft.com/office/officeart/2005/8/layout/equation2"/>
+    <dgm:cxn modelId="{540B7BB6-A474-4F17-A509-83968D4AFB59}" srcId="{F4443D36-6995-4FB1-B318-C24BFE8E1943}" destId="{49DB25FA-71C6-4C7D-AC21-628F53514C15}" srcOrd="2" destOrd="0" parTransId="{A3AEB16B-476C-467F-9E93-2763A1BE7ABB}" sibTransId="{50D3B632-55DD-41DA-8583-7283DC7EB375}"/>
+    <dgm:cxn modelId="{A69A4D2F-2A56-934A-907B-97F29391A739}" type="presOf" srcId="{2CD2805C-8F81-D04E-BCEA-81EF612D35CB}" destId="{F5802750-2249-4199-9A4B-79A1CF947392}" srcOrd="1" destOrd="0" presId="urn:microsoft.com/office/officeart/2005/8/layout/equation2"/>
     <dgm:cxn modelId="{32ADAC14-4FD4-46CF-9804-30AB148F46A7}" type="presOf" srcId="{F4443D36-6995-4FB1-B318-C24BFE8E1943}" destId="{352AD106-4C18-4324-80E9-BB5A021903A5}" srcOrd="0" destOrd="0" presId="urn:microsoft.com/office/officeart/2005/8/layout/equation2"/>
+    <dgm:cxn modelId="{4766C37F-AFC6-42C8-B9C3-449F24045AFF}" srcId="{F4443D36-6995-4FB1-B318-C24BFE8E1943}" destId="{9B846F0B-9107-421D-B814-406833297DEA}" srcOrd="0" destOrd="0" parTransId="{ED37E45E-DDD6-4D16-8C32-3D83AA7DA822}" sibTransId="{FB5FD425-C9E5-4488-BB70-20E63FE9EC95}"/>
     <dgm:cxn modelId="{BED54C21-3405-984E-A8A5-2927D85EB0CE}" srcId="{F4443D36-6995-4FB1-B318-C24BFE8E1943}" destId="{195C6027-042B-0549-B085-97A90205869A}" srcOrd="1" destOrd="0" parTransId="{F4B32138-33BC-C44E-8D79-C707D13BB065}" sibTransId="{2CD2805C-8F81-D04E-BCEA-81EF612D35CB}"/>
-    <dgm:cxn modelId="{540B7BB6-A474-4F17-A509-83968D4AFB59}" srcId="{F4443D36-6995-4FB1-B318-C24BFE8E1943}" destId="{49DB25FA-71C6-4C7D-AC21-628F53514C15}" srcOrd="2" destOrd="0" parTransId="{A3AEB16B-476C-467F-9E93-2763A1BE7ABB}" sibTransId="{50D3B632-55DD-41DA-8583-7283DC7EB375}"/>
-    <dgm:cxn modelId="{5FB1A71F-ABB4-43A3-945E-E4C7FF2FC6E9}" type="presOf" srcId="{9B846F0B-9107-421D-B814-406833297DEA}" destId="{803F1408-45E9-44D1-9929-CF21E16C9DC8}" srcOrd="0" destOrd="0" presId="urn:microsoft.com/office/officeart/2005/8/layout/equation2"/>
+    <dgm:cxn modelId="{CCCCCB09-1BF1-0F43-9260-FB53B7E4FA0F}" type="presOf" srcId="{FB5FD425-C9E5-4488-BB70-20E63FE9EC95}" destId="{2C7BB825-7D2C-4D40-AE13-3B23C7D2259B}" srcOrd="0" destOrd="0" presId="urn:microsoft.com/office/officeart/2005/8/layout/equation2"/>
     <dgm:cxn modelId="{6FF8E298-7372-4734-9379-C3E048C88C98}" type="presParOf" srcId="{352AD106-4C18-4324-80E9-BB5A021903A5}" destId="{A6546CA0-255B-41EC-B67E-5445A57B8F2A}" srcOrd="0" destOrd="0" presId="urn:microsoft.com/office/officeart/2005/8/layout/equation2"/>
     <dgm:cxn modelId="{D79CA2DF-9470-41A7-92C0-77112E6CF0FA}" type="presParOf" srcId="{A6546CA0-255B-41EC-B67E-5445A57B8F2A}" destId="{803F1408-45E9-44D1-9929-CF21E16C9DC8}" srcOrd="0" destOrd="0" presId="urn:microsoft.com/office/officeart/2005/8/layout/equation2"/>
     <dgm:cxn modelId="{CC43638E-33A4-0A4B-841D-FB6023D1E276}" type="presParOf" srcId="{A6546CA0-255B-41EC-B67E-5445A57B8F2A}" destId="{F04F8630-E203-4A78-B57D-F34786185C5B}" srcOrd="1" destOrd="0" presId="urn:microsoft.com/office/officeart/2005/8/layout/equation2"/>
@@ -6170,7 +6176,7 @@
         <a:bodyPr/>
         <a:lstStyle/>
         <a:p>
-          <a:endParaRPr lang="zh-CHS" altLang="en-US"/>
+          <a:endParaRPr lang="zh-Hans" altLang="en-US"/>
         </a:p>
       </dgm:t>
     </dgm:pt>
@@ -6186,14 +6192,14 @@
         <a:lstStyle/>
         <a:p>
           <a:r>
-            <a:rPr lang="en-US" altLang="zh-CHS" dirty="0" smtClean="0"/>
+            <a:rPr lang="en-US" altLang="zh-Hans" dirty="0" smtClean="0"/>
             <a:t>1</a:t>
           </a:r>
           <a:r>
-            <a:rPr lang="zh-CHS" altLang="en-US" dirty="0" smtClean="0"/>
+            <a:rPr lang="zh-Hans" altLang="en-US" dirty="0" smtClean="0"/>
             <a:t>、毕业论文题目</a:t>
           </a:r>
-          <a:endParaRPr lang="en-US" altLang="zh-CHS" dirty="0" smtClean="0"/>
+          <a:endParaRPr lang="en-US" altLang="zh-Hans" dirty="0" smtClean="0"/>
         </a:p>
       </dgm:t>
     </dgm:pt>
@@ -6204,7 +6210,7 @@
         <a:bodyPr/>
         <a:lstStyle/>
         <a:p>
-          <a:endParaRPr lang="zh-CHS" altLang="en-US"/>
+          <a:endParaRPr lang="zh-Hans" altLang="en-US"/>
         </a:p>
       </dgm:t>
     </dgm:pt>
@@ -6215,7 +6221,7 @@
         <a:bodyPr/>
         <a:lstStyle/>
         <a:p>
-          <a:endParaRPr lang="zh-CHS" altLang="en-US"/>
+          <a:endParaRPr lang="zh-Hans" altLang="en-US"/>
         </a:p>
       </dgm:t>
     </dgm:pt>
@@ -6227,14 +6233,14 @@
         <a:lstStyle/>
         <a:p>
           <a:r>
-            <a:rPr lang="en-US" altLang="zh-CHS" dirty="0" smtClean="0"/>
+            <a:rPr lang="en-US" altLang="zh-Hans" dirty="0" smtClean="0"/>
             <a:t>2</a:t>
           </a:r>
           <a:r>
-            <a:rPr lang="zh-CHS" altLang="en-US" dirty="0" smtClean="0"/>
+            <a:rPr lang="zh-Hans" altLang="en-US" dirty="0" smtClean="0"/>
             <a:t>、框架结构</a:t>
           </a:r>
-          <a:endParaRPr lang="en-US" altLang="zh-CHS" dirty="0" smtClean="0"/>
+          <a:endParaRPr lang="en-US" altLang="zh-Hans" dirty="0" smtClean="0"/>
         </a:p>
       </dgm:t>
     </dgm:pt>
@@ -6245,7 +6251,7 @@
         <a:bodyPr/>
         <a:lstStyle/>
         <a:p>
-          <a:endParaRPr lang="zh-CHS" altLang="en-US"/>
+          <a:endParaRPr lang="zh-Hans" altLang="en-US"/>
         </a:p>
       </dgm:t>
     </dgm:pt>
@@ -6256,7 +6262,7 @@
         <a:bodyPr/>
         <a:lstStyle/>
         <a:p>
-          <a:endParaRPr lang="zh-CHS" altLang="en-US"/>
+          <a:endParaRPr lang="zh-Hans" altLang="en-US"/>
         </a:p>
       </dgm:t>
     </dgm:pt>
@@ -6268,14 +6274,14 @@
         <a:lstStyle/>
         <a:p>
           <a:r>
-            <a:rPr lang="en-US" altLang="zh-CHS" dirty="0" smtClean="0"/>
+            <a:rPr lang="en-US" altLang="zh-Hans" dirty="0" smtClean="0"/>
             <a:t>3</a:t>
           </a:r>
           <a:r>
-            <a:rPr lang="zh-CHS" altLang="en-US" dirty="0" smtClean="0"/>
+            <a:rPr lang="zh-Hans" altLang="en-US" dirty="0" smtClean="0"/>
             <a:t>、主要工作</a:t>
           </a:r>
-          <a:endParaRPr lang="en-US" altLang="zh-CHS" dirty="0" smtClean="0"/>
+          <a:endParaRPr lang="en-US" altLang="zh-Hans" dirty="0" smtClean="0"/>
         </a:p>
       </dgm:t>
     </dgm:pt>
@@ -6286,7 +6292,7 @@
         <a:bodyPr/>
         <a:lstStyle/>
         <a:p>
-          <a:endParaRPr lang="zh-CHS" altLang="en-US"/>
+          <a:endParaRPr lang="zh-Hans" altLang="en-US"/>
         </a:p>
       </dgm:t>
     </dgm:pt>
@@ -6297,7 +6303,7 @@
         <a:bodyPr/>
         <a:lstStyle/>
         <a:p>
-          <a:endParaRPr lang="zh-CHS" altLang="en-US"/>
+          <a:endParaRPr lang="zh-Hans" altLang="en-US"/>
         </a:p>
       </dgm:t>
     </dgm:pt>
@@ -6313,14 +6319,14 @@
         <a:lstStyle/>
         <a:p>
           <a:r>
-            <a:rPr lang="en-US" altLang="zh-CHS" dirty="0" smtClean="0"/>
+            <a:rPr lang="en-US" altLang="zh-Hans" dirty="0" smtClean="0"/>
             <a:t>4</a:t>
           </a:r>
           <a:r>
-            <a:rPr lang="zh-CHS" altLang="en-US" dirty="0" smtClean="0"/>
+            <a:rPr lang="zh-Hans" altLang="en-US" dirty="0" smtClean="0"/>
             <a:t>、创新点</a:t>
           </a:r>
-          <a:endParaRPr lang="en-US" altLang="zh-CHS" dirty="0" smtClean="0"/>
+          <a:endParaRPr lang="en-US" altLang="zh-Hans" dirty="0" smtClean="0"/>
         </a:p>
       </dgm:t>
     </dgm:pt>
@@ -6331,7 +6337,7 @@
         <a:bodyPr/>
         <a:lstStyle/>
         <a:p>
-          <a:endParaRPr lang="zh-CHS" altLang="en-US"/>
+          <a:endParaRPr lang="zh-Hans" altLang="en-US"/>
         </a:p>
       </dgm:t>
     </dgm:pt>
@@ -6342,7 +6348,7 @@
         <a:bodyPr/>
         <a:lstStyle/>
         <a:p>
-          <a:endParaRPr lang="zh-CHS" altLang="en-US"/>
+          <a:endParaRPr lang="zh-Hans" altLang="en-US"/>
         </a:p>
       </dgm:t>
     </dgm:pt>
@@ -6358,7 +6364,7 @@
         <a:bodyPr/>
         <a:lstStyle/>
         <a:p>
-          <a:endParaRPr lang="zh-CHS" altLang="en-US"/>
+          <a:endParaRPr lang="zh-Hans" altLang="en-US"/>
         </a:p>
       </dgm:t>
     </dgm:pt>
@@ -6374,7 +6380,7 @@
         <a:bodyPr/>
         <a:lstStyle/>
         <a:p>
-          <a:endParaRPr lang="zh-CHS" altLang="en-US"/>
+          <a:endParaRPr lang="zh-Hans" altLang="en-US"/>
         </a:p>
       </dgm:t>
     </dgm:pt>
@@ -6385,7 +6391,7 @@
         <a:bodyPr/>
         <a:lstStyle/>
         <a:p>
-          <a:endParaRPr lang="zh-CHS" altLang="en-US"/>
+          <a:endParaRPr lang="zh-Hans" altLang="en-US"/>
         </a:p>
       </dgm:t>
     </dgm:pt>
@@ -6401,7 +6407,7 @@
         <a:bodyPr/>
         <a:lstStyle/>
         <a:p>
-          <a:endParaRPr lang="zh-CHS" altLang="en-US"/>
+          <a:endParaRPr lang="zh-Hans" altLang="en-US"/>
         </a:p>
       </dgm:t>
     </dgm:pt>
@@ -6412,7 +6418,7 @@
         <a:bodyPr/>
         <a:lstStyle/>
         <a:p>
-          <a:endParaRPr lang="zh-CHS" altLang="en-US"/>
+          <a:endParaRPr lang="zh-Hans" altLang="en-US"/>
         </a:p>
       </dgm:t>
     </dgm:pt>
@@ -6428,7 +6434,7 @@
         <a:bodyPr/>
         <a:lstStyle/>
         <a:p>
-          <a:endParaRPr lang="zh-CHS" altLang="en-US"/>
+          <a:endParaRPr lang="zh-Hans" altLang="en-US"/>
         </a:p>
       </dgm:t>
     </dgm:pt>
@@ -6439,7 +6445,7 @@
         <a:bodyPr/>
         <a:lstStyle/>
         <a:p>
-          <a:endParaRPr lang="zh-CHS" altLang="en-US"/>
+          <a:endParaRPr lang="zh-Hans" altLang="en-US"/>
         </a:p>
       </dgm:t>
     </dgm:pt>
@@ -6455,7 +6461,7 @@
         <a:bodyPr/>
         <a:lstStyle/>
         <a:p>
-          <a:endParaRPr lang="zh-CHS" altLang="en-US"/>
+          <a:endParaRPr lang="zh-Hans" altLang="en-US"/>
         </a:p>
       </dgm:t>
     </dgm:pt>
@@ -6503,8 +6509,8 @@
       </dsp:nvSpPr>
       <dsp:spPr>
         <a:xfrm>
-          <a:off x="0" y="21595"/>
-          <a:ext cx="5348804" cy="900899"/>
+          <a:off x="0" y="29819"/>
+          <a:ext cx="5348804" cy="909748"/>
         </a:xfrm>
         <a:prstGeom prst="roundRect">
           <a:avLst/>
@@ -6545,12 +6551,12 @@
         </a:fontRef>
       </dsp:style>
       <dsp:txBody>
-        <a:bodyPr spcFirstLastPara="0" vert="horz" wrap="square" lIns="133350" tIns="133350" rIns="133350" bIns="133350" numCol="1" spcCol="1270" anchor="ctr" anchorCtr="0">
+        <a:bodyPr spcFirstLastPara="0" vert="horz" wrap="square" lIns="110490" tIns="110490" rIns="110490" bIns="110490" numCol="1" spcCol="1270" anchor="ctr" anchorCtr="0">
           <a:noAutofit/>
         </a:bodyPr>
         <a:lstStyle/>
         <a:p>
-          <a:pPr lvl="0" algn="l" defTabSz="1555750">
+          <a:pPr lvl="0" algn="l" defTabSz="1289050">
             <a:lnSpc>
               <a:spcPct val="90000"/>
             </a:lnSpc>
@@ -6562,19 +6568,19 @@
             </a:spcAft>
           </a:pPr>
           <a:r>
-            <a:rPr lang="en-US" altLang="zh-CHS" sz="3500" kern="1200" dirty="0" smtClean="0"/>
+            <a:rPr lang="en-US" altLang="zh-Hans" sz="2900" kern="1200" dirty="0" smtClean="0"/>
             <a:t>1</a:t>
           </a:r>
           <a:r>
-            <a:rPr lang="zh-CHS" altLang="en-US" sz="3500" kern="1200" dirty="0" smtClean="0"/>
+            <a:rPr lang="zh-Hans" altLang="en-US" sz="2900" kern="1200" dirty="0" smtClean="0"/>
             <a:t>、毕业论文题目</a:t>
           </a:r>
-          <a:endParaRPr lang="en-US" altLang="zh-CHS" sz="3500" kern="1200" dirty="0" smtClean="0"/>
+          <a:endParaRPr lang="en-US" altLang="zh-Hans" sz="2900" kern="1200" dirty="0" smtClean="0"/>
         </a:p>
       </dsp:txBody>
       <dsp:txXfrm>
-        <a:off x="43978" y="65573"/>
-        <a:ext cx="5260848" cy="812943"/>
+        <a:off x="44410" y="74229"/>
+        <a:ext cx="5259984" cy="820928"/>
       </dsp:txXfrm>
     </dsp:sp>
     <dsp:sp modelId="{ADEBA1E4-ED54-4608-9737-5D52C9B5EE72}">
@@ -6584,8 +6590,8 @@
       </dsp:nvSpPr>
       <dsp:spPr>
         <a:xfrm>
-          <a:off x="0" y="1023295"/>
-          <a:ext cx="5348804" cy="900899"/>
+          <a:off x="0" y="1023087"/>
+          <a:ext cx="5348804" cy="909748"/>
         </a:xfrm>
         <a:prstGeom prst="roundRect">
           <a:avLst/>
@@ -6626,12 +6632,12 @@
         </a:fontRef>
       </dsp:style>
       <dsp:txBody>
-        <a:bodyPr spcFirstLastPara="0" vert="horz" wrap="square" lIns="133350" tIns="133350" rIns="133350" bIns="133350" numCol="1" spcCol="1270" anchor="ctr" anchorCtr="0">
+        <a:bodyPr spcFirstLastPara="0" vert="horz" wrap="square" lIns="110490" tIns="110490" rIns="110490" bIns="110490" numCol="1" spcCol="1270" anchor="ctr" anchorCtr="0">
           <a:noAutofit/>
         </a:bodyPr>
         <a:lstStyle/>
         <a:p>
-          <a:pPr lvl="0" algn="l" defTabSz="1555750">
+          <a:pPr lvl="0" algn="l" defTabSz="1289050">
             <a:lnSpc>
               <a:spcPct val="90000"/>
             </a:lnSpc>
@@ -6643,19 +6649,19 @@
             </a:spcAft>
           </a:pPr>
           <a:r>
-            <a:rPr lang="en-US" altLang="zh-CHS" sz="3500" kern="1200" dirty="0" smtClean="0"/>
+            <a:rPr lang="en-US" altLang="zh-Hans" sz="2900" kern="1200" dirty="0" smtClean="0"/>
             <a:t>2</a:t>
           </a:r>
           <a:r>
-            <a:rPr lang="zh-CHS" altLang="en-US" sz="3500" kern="1200" dirty="0" smtClean="0"/>
+            <a:rPr lang="zh-Hans" altLang="en-US" sz="2900" kern="1200" dirty="0" smtClean="0"/>
             <a:t>、框架结构</a:t>
           </a:r>
-          <a:endParaRPr lang="en-US" altLang="zh-CHS" sz="3500" kern="1200" dirty="0" smtClean="0"/>
+          <a:endParaRPr lang="en-US" altLang="zh-Hans" sz="2900" kern="1200" dirty="0" smtClean="0"/>
         </a:p>
       </dsp:txBody>
       <dsp:txXfrm>
-        <a:off x="43978" y="1067273"/>
-        <a:ext cx="5260848" cy="812943"/>
+        <a:off x="44410" y="1067497"/>
+        <a:ext cx="5259984" cy="820928"/>
       </dsp:txXfrm>
     </dsp:sp>
     <dsp:sp modelId="{E0E6F4E1-B250-4D12-B616-2EE21F8977E7}">
@@ -6665,8 +6671,8 @@
       </dsp:nvSpPr>
       <dsp:spPr>
         <a:xfrm>
-          <a:off x="0" y="2024995"/>
-          <a:ext cx="5348804" cy="900899"/>
+          <a:off x="0" y="2016355"/>
+          <a:ext cx="5348804" cy="909748"/>
         </a:xfrm>
         <a:prstGeom prst="roundRect">
           <a:avLst/>
@@ -6707,12 +6713,12 @@
         </a:fontRef>
       </dsp:style>
       <dsp:txBody>
-        <a:bodyPr spcFirstLastPara="0" vert="horz" wrap="square" lIns="133350" tIns="133350" rIns="133350" bIns="133350" numCol="1" spcCol="1270" anchor="ctr" anchorCtr="0">
+        <a:bodyPr spcFirstLastPara="0" vert="horz" wrap="square" lIns="110490" tIns="110490" rIns="110490" bIns="110490" numCol="1" spcCol="1270" anchor="ctr" anchorCtr="0">
           <a:noAutofit/>
         </a:bodyPr>
         <a:lstStyle/>
         <a:p>
-          <a:pPr lvl="0" algn="l" defTabSz="1555750">
+          <a:pPr lvl="0" algn="l" defTabSz="1289050">
             <a:lnSpc>
               <a:spcPct val="90000"/>
             </a:lnSpc>
@@ -6724,19 +6730,19 @@
             </a:spcAft>
           </a:pPr>
           <a:r>
-            <a:rPr lang="en-US" altLang="zh-CHS" sz="3500" kern="1200" dirty="0" smtClean="0"/>
+            <a:rPr lang="en-US" altLang="zh-Hans" sz="2900" kern="1200" dirty="0" smtClean="0"/>
             <a:t>3</a:t>
           </a:r>
           <a:r>
-            <a:rPr lang="zh-CHS" altLang="en-US" sz="3500" kern="1200" dirty="0" smtClean="0"/>
+            <a:rPr lang="zh-Hans" altLang="en-US" sz="2900" kern="1200" dirty="0" smtClean="0"/>
             <a:t>、主要工作</a:t>
           </a:r>
-          <a:endParaRPr lang="en-US" altLang="zh-CHS" sz="3500" kern="1200" dirty="0" smtClean="0"/>
+          <a:endParaRPr lang="en-US" altLang="zh-Hans" sz="2900" kern="1200" dirty="0" smtClean="0"/>
         </a:p>
       </dsp:txBody>
       <dsp:txXfrm>
-        <a:off x="43978" y="2068973"/>
-        <a:ext cx="5260848" cy="812943"/>
+        <a:off x="44410" y="2060765"/>
+        <a:ext cx="5259984" cy="820928"/>
       </dsp:txXfrm>
     </dsp:sp>
     <dsp:sp modelId="{888B1B9D-411D-4964-87FC-D65512886639}">
@@ -6746,8 +6752,8 @@
       </dsp:nvSpPr>
       <dsp:spPr>
         <a:xfrm>
-          <a:off x="0" y="3026695"/>
-          <a:ext cx="5348804" cy="900899"/>
+          <a:off x="0" y="3009623"/>
+          <a:ext cx="5348804" cy="909748"/>
         </a:xfrm>
         <a:prstGeom prst="roundRect">
           <a:avLst/>
@@ -6788,12 +6794,12 @@
         </a:fontRef>
       </dsp:style>
       <dsp:txBody>
-        <a:bodyPr spcFirstLastPara="0" vert="horz" wrap="square" lIns="133350" tIns="133350" rIns="133350" bIns="133350" numCol="1" spcCol="1270" anchor="ctr" anchorCtr="0">
+        <a:bodyPr spcFirstLastPara="0" vert="horz" wrap="square" lIns="110490" tIns="110490" rIns="110490" bIns="110490" numCol="1" spcCol="1270" anchor="ctr" anchorCtr="0">
           <a:noAutofit/>
         </a:bodyPr>
         <a:lstStyle/>
         <a:p>
-          <a:pPr lvl="0" algn="l" defTabSz="1555750">
+          <a:pPr lvl="0" algn="l" defTabSz="1289050">
             <a:lnSpc>
               <a:spcPct val="90000"/>
             </a:lnSpc>
@@ -6805,19 +6811,19 @@
             </a:spcAft>
           </a:pPr>
           <a:r>
-            <a:rPr lang="en-US" altLang="zh-CHS" sz="3500" kern="1200" dirty="0" smtClean="0"/>
+            <a:rPr lang="en-US" altLang="zh-Hans" sz="2900" kern="1200" dirty="0" smtClean="0"/>
             <a:t>4</a:t>
           </a:r>
           <a:r>
-            <a:rPr lang="zh-CHS" altLang="en-US" sz="3500" kern="1200" dirty="0" smtClean="0"/>
+            <a:rPr lang="zh-Hans" altLang="en-US" sz="2900" kern="1200" dirty="0" smtClean="0"/>
             <a:t>、创新点</a:t>
           </a:r>
-          <a:endParaRPr lang="en-US" altLang="zh-CHS" sz="3500" kern="1200" dirty="0" smtClean="0"/>
+          <a:endParaRPr lang="en-US" altLang="zh-Hans" sz="2900" kern="1200" dirty="0" smtClean="0"/>
         </a:p>
       </dsp:txBody>
       <dsp:txXfrm>
-        <a:off x="43978" y="3070673"/>
-        <a:ext cx="5260848" cy="812943"/>
+        <a:off x="44410" y="3054033"/>
+        <a:ext cx="5259984" cy="820928"/>
       </dsp:txXfrm>
     </dsp:sp>
   </dsp:spTree>
@@ -6839,8 +6845,8 @@
       </dsp:nvSpPr>
       <dsp:spPr>
         <a:xfrm>
-          <a:off x="0" y="21595"/>
-          <a:ext cx="5348804" cy="900899"/>
+          <a:off x="0" y="29819"/>
+          <a:ext cx="5348804" cy="909748"/>
         </a:xfrm>
         <a:prstGeom prst="roundRect">
           <a:avLst/>
@@ -6876,12 +6882,12 @@
         </a:fontRef>
       </dsp:style>
       <dsp:txBody>
-        <a:bodyPr spcFirstLastPara="0" vert="horz" wrap="square" lIns="133350" tIns="133350" rIns="133350" bIns="133350" numCol="1" spcCol="1270" anchor="ctr" anchorCtr="0">
+        <a:bodyPr spcFirstLastPara="0" vert="horz" wrap="square" lIns="110490" tIns="110490" rIns="110490" bIns="110490" numCol="1" spcCol="1270" anchor="ctr" anchorCtr="0">
           <a:noAutofit/>
         </a:bodyPr>
         <a:lstStyle/>
         <a:p>
-          <a:pPr lvl="0" algn="l" defTabSz="1555750">
+          <a:pPr lvl="0" algn="l" defTabSz="1289050">
             <a:lnSpc>
               <a:spcPct val="90000"/>
             </a:lnSpc>
@@ -6893,19 +6899,19 @@
             </a:spcAft>
           </a:pPr>
           <a:r>
-            <a:rPr lang="en-US" altLang="zh-CHS" sz="3500" kern="1200" dirty="0" smtClean="0"/>
+            <a:rPr lang="en-US" altLang="zh-Hans" sz="2900" kern="1200" dirty="0" smtClean="0"/>
             <a:t>1</a:t>
           </a:r>
           <a:r>
-            <a:rPr lang="zh-CHS" altLang="en-US" sz="3500" kern="1200" dirty="0" smtClean="0"/>
+            <a:rPr lang="zh-Hans" altLang="en-US" sz="2900" kern="1200" dirty="0" smtClean="0"/>
             <a:t>、毕业论文题目</a:t>
           </a:r>
-          <a:endParaRPr lang="en-US" altLang="zh-CHS" sz="3500" kern="1200" dirty="0" smtClean="0"/>
+          <a:endParaRPr lang="en-US" altLang="zh-Hans" sz="2900" kern="1200" dirty="0" smtClean="0"/>
         </a:p>
       </dsp:txBody>
       <dsp:txXfrm>
-        <a:off x="43978" y="65573"/>
-        <a:ext cx="5260848" cy="812943"/>
+        <a:off x="44410" y="74229"/>
+        <a:ext cx="5259984" cy="820928"/>
       </dsp:txXfrm>
     </dsp:sp>
     <dsp:sp modelId="{ADEBA1E4-ED54-4608-9737-5D52C9B5EE72}">
@@ -6915,8 +6921,8 @@
       </dsp:nvSpPr>
       <dsp:spPr>
         <a:xfrm>
-          <a:off x="0" y="1023295"/>
-          <a:ext cx="5348804" cy="900899"/>
+          <a:off x="0" y="1023087"/>
+          <a:ext cx="5348804" cy="909748"/>
         </a:xfrm>
         <a:prstGeom prst="roundRect">
           <a:avLst/>
@@ -6957,12 +6963,12 @@
         </a:fontRef>
       </dsp:style>
       <dsp:txBody>
-        <a:bodyPr spcFirstLastPara="0" vert="horz" wrap="square" lIns="133350" tIns="133350" rIns="133350" bIns="133350" numCol="1" spcCol="1270" anchor="ctr" anchorCtr="0">
+        <a:bodyPr spcFirstLastPara="0" vert="horz" wrap="square" lIns="110490" tIns="110490" rIns="110490" bIns="110490" numCol="1" spcCol="1270" anchor="ctr" anchorCtr="0">
           <a:noAutofit/>
         </a:bodyPr>
         <a:lstStyle/>
         <a:p>
-          <a:pPr lvl="0" algn="l" defTabSz="1555750">
+          <a:pPr lvl="0" algn="l" defTabSz="1289050">
             <a:lnSpc>
               <a:spcPct val="90000"/>
             </a:lnSpc>
@@ -6974,19 +6980,19 @@
             </a:spcAft>
           </a:pPr>
           <a:r>
-            <a:rPr lang="en-US" altLang="zh-CHS" sz="3500" kern="1200" dirty="0" smtClean="0"/>
+            <a:rPr lang="en-US" altLang="zh-Hans" sz="2900" kern="1200" dirty="0" smtClean="0"/>
             <a:t>2</a:t>
           </a:r>
           <a:r>
-            <a:rPr lang="zh-CHS" altLang="en-US" sz="3500" kern="1200" dirty="0" smtClean="0"/>
+            <a:rPr lang="zh-Hans" altLang="en-US" sz="2900" kern="1200" dirty="0" smtClean="0"/>
             <a:t>、框架结构</a:t>
           </a:r>
-          <a:endParaRPr lang="en-US" altLang="zh-CHS" sz="3500" kern="1200" dirty="0" smtClean="0"/>
+          <a:endParaRPr lang="en-US" altLang="zh-Hans" sz="2900" kern="1200" dirty="0" smtClean="0"/>
         </a:p>
       </dsp:txBody>
       <dsp:txXfrm>
-        <a:off x="43978" y="1067273"/>
-        <a:ext cx="5260848" cy="812943"/>
+        <a:off x="44410" y="1067497"/>
+        <a:ext cx="5259984" cy="820928"/>
       </dsp:txXfrm>
     </dsp:sp>
     <dsp:sp modelId="{E0E6F4E1-B250-4D12-B616-2EE21F8977E7}">
@@ -6996,8 +7002,8 @@
       </dsp:nvSpPr>
       <dsp:spPr>
         <a:xfrm>
-          <a:off x="0" y="2024995"/>
-          <a:ext cx="5348804" cy="900899"/>
+          <a:off x="0" y="2016355"/>
+          <a:ext cx="5348804" cy="909748"/>
         </a:xfrm>
         <a:prstGeom prst="roundRect">
           <a:avLst/>
@@ -7038,12 +7044,12 @@
         </a:fontRef>
       </dsp:style>
       <dsp:txBody>
-        <a:bodyPr spcFirstLastPara="0" vert="horz" wrap="square" lIns="133350" tIns="133350" rIns="133350" bIns="133350" numCol="1" spcCol="1270" anchor="ctr" anchorCtr="0">
+        <a:bodyPr spcFirstLastPara="0" vert="horz" wrap="square" lIns="110490" tIns="110490" rIns="110490" bIns="110490" numCol="1" spcCol="1270" anchor="ctr" anchorCtr="0">
           <a:noAutofit/>
         </a:bodyPr>
         <a:lstStyle/>
         <a:p>
-          <a:pPr lvl="0" algn="l" defTabSz="1555750">
+          <a:pPr lvl="0" algn="l" defTabSz="1289050">
             <a:lnSpc>
               <a:spcPct val="90000"/>
             </a:lnSpc>
@@ -7055,19 +7061,19 @@
             </a:spcAft>
           </a:pPr>
           <a:r>
-            <a:rPr lang="en-US" altLang="zh-CHS" sz="3500" kern="1200" dirty="0" smtClean="0"/>
+            <a:rPr lang="en-US" altLang="zh-Hans" sz="2900" kern="1200" dirty="0" smtClean="0"/>
             <a:t>3</a:t>
           </a:r>
           <a:r>
-            <a:rPr lang="zh-CHS" altLang="en-US" sz="3500" kern="1200" dirty="0" smtClean="0"/>
+            <a:rPr lang="zh-Hans" altLang="en-US" sz="2900" kern="1200" dirty="0" smtClean="0"/>
             <a:t>、主要工作</a:t>
           </a:r>
-          <a:endParaRPr lang="en-US" altLang="zh-CHS" sz="3500" kern="1200" dirty="0" smtClean="0"/>
+          <a:endParaRPr lang="en-US" altLang="zh-Hans" sz="2900" kern="1200" dirty="0" smtClean="0"/>
         </a:p>
       </dsp:txBody>
       <dsp:txXfrm>
-        <a:off x="43978" y="2068973"/>
-        <a:ext cx="5260848" cy="812943"/>
+        <a:off x="44410" y="2060765"/>
+        <a:ext cx="5259984" cy="820928"/>
       </dsp:txXfrm>
     </dsp:sp>
     <dsp:sp modelId="{888B1B9D-411D-4964-87FC-D65512886639}">
@@ -7077,8 +7083,8 @@
       </dsp:nvSpPr>
       <dsp:spPr>
         <a:xfrm>
-          <a:off x="0" y="3026695"/>
-          <a:ext cx="5348804" cy="900899"/>
+          <a:off x="0" y="3009623"/>
+          <a:ext cx="5348804" cy="909748"/>
         </a:xfrm>
         <a:prstGeom prst="roundRect">
           <a:avLst/>
@@ -7119,12 +7125,12 @@
         </a:fontRef>
       </dsp:style>
       <dsp:txBody>
-        <a:bodyPr spcFirstLastPara="0" vert="horz" wrap="square" lIns="133350" tIns="133350" rIns="133350" bIns="133350" numCol="1" spcCol="1270" anchor="ctr" anchorCtr="0">
+        <a:bodyPr spcFirstLastPara="0" vert="horz" wrap="square" lIns="110490" tIns="110490" rIns="110490" bIns="110490" numCol="1" spcCol="1270" anchor="ctr" anchorCtr="0">
           <a:noAutofit/>
         </a:bodyPr>
         <a:lstStyle/>
         <a:p>
-          <a:pPr lvl="0" algn="l" defTabSz="1555750">
+          <a:pPr lvl="0" algn="l" defTabSz="1289050">
             <a:lnSpc>
               <a:spcPct val="90000"/>
             </a:lnSpc>
@@ -7136,19 +7142,19 @@
             </a:spcAft>
           </a:pPr>
           <a:r>
-            <a:rPr lang="en-US" altLang="zh-CHS" sz="3500" kern="1200" dirty="0" smtClean="0"/>
+            <a:rPr lang="en-US" altLang="zh-Hans" sz="2900" kern="1200" dirty="0" smtClean="0"/>
             <a:t>4</a:t>
           </a:r>
           <a:r>
-            <a:rPr lang="zh-CHS" altLang="en-US" sz="3500" kern="1200" dirty="0" smtClean="0"/>
+            <a:rPr lang="zh-Hans" altLang="en-US" sz="2900" kern="1200" dirty="0" smtClean="0"/>
             <a:t>、创新点</a:t>
           </a:r>
-          <a:endParaRPr lang="en-US" altLang="zh-CHS" sz="3500" kern="1200" dirty="0" smtClean="0"/>
+          <a:endParaRPr lang="en-US" altLang="zh-Hans" sz="2900" kern="1200" dirty="0" smtClean="0"/>
         </a:p>
       </dsp:txBody>
       <dsp:txXfrm>
-        <a:off x="43978" y="3070673"/>
-        <a:ext cx="5260848" cy="812943"/>
+        <a:off x="44410" y="3054033"/>
+        <a:ext cx="5259984" cy="820928"/>
       </dsp:txXfrm>
     </dsp:sp>
   </dsp:spTree>
@@ -7170,8 +7176,8 @@
       </dsp:nvSpPr>
       <dsp:spPr>
         <a:xfrm>
-          <a:off x="0" y="21595"/>
-          <a:ext cx="5348804" cy="900899"/>
+          <a:off x="0" y="29819"/>
+          <a:ext cx="5348804" cy="909748"/>
         </a:xfrm>
         <a:prstGeom prst="roundRect">
           <a:avLst/>
@@ -7207,12 +7213,12 @@
         </a:fontRef>
       </dsp:style>
       <dsp:txBody>
-        <a:bodyPr spcFirstLastPara="0" vert="horz" wrap="square" lIns="133350" tIns="133350" rIns="133350" bIns="133350" numCol="1" spcCol="1270" anchor="ctr" anchorCtr="0">
+        <a:bodyPr spcFirstLastPara="0" vert="horz" wrap="square" lIns="110490" tIns="110490" rIns="110490" bIns="110490" numCol="1" spcCol="1270" anchor="ctr" anchorCtr="0">
           <a:noAutofit/>
         </a:bodyPr>
         <a:lstStyle/>
         <a:p>
-          <a:pPr lvl="0" algn="l" defTabSz="1555750">
+          <a:pPr lvl="0" algn="l" defTabSz="1289050">
             <a:lnSpc>
               <a:spcPct val="90000"/>
             </a:lnSpc>
@@ -7224,19 +7230,19 @@
             </a:spcAft>
           </a:pPr>
           <a:r>
-            <a:rPr lang="en-US" altLang="zh-CHS" sz="3500" kern="1200" dirty="0" smtClean="0"/>
+            <a:rPr lang="en-US" altLang="zh-Hans" sz="2900" kern="1200" dirty="0" smtClean="0"/>
             <a:t>1</a:t>
           </a:r>
           <a:r>
-            <a:rPr lang="zh-CHS" altLang="en-US" sz="3500" kern="1200" dirty="0" smtClean="0"/>
+            <a:rPr lang="zh-Hans" altLang="en-US" sz="2900" kern="1200" dirty="0" smtClean="0"/>
             <a:t>、毕业论文题目</a:t>
           </a:r>
-          <a:endParaRPr lang="en-US" altLang="zh-CHS" sz="3500" kern="1200" dirty="0" smtClean="0"/>
+          <a:endParaRPr lang="en-US" altLang="zh-Hans" sz="2900" kern="1200" dirty="0" smtClean="0"/>
         </a:p>
       </dsp:txBody>
       <dsp:txXfrm>
-        <a:off x="43978" y="65573"/>
-        <a:ext cx="5260848" cy="812943"/>
+        <a:off x="44410" y="74229"/>
+        <a:ext cx="5259984" cy="820928"/>
       </dsp:txXfrm>
     </dsp:sp>
     <dsp:sp modelId="{ADEBA1E4-ED54-4608-9737-5D52C9B5EE72}">
@@ -7246,8 +7252,8 @@
       </dsp:nvSpPr>
       <dsp:spPr>
         <a:xfrm>
-          <a:off x="0" y="1023295"/>
-          <a:ext cx="5348804" cy="900899"/>
+          <a:off x="0" y="1023087"/>
+          <a:ext cx="5348804" cy="909748"/>
         </a:xfrm>
         <a:prstGeom prst="roundRect">
           <a:avLst/>
@@ -7283,12 +7289,12 @@
         </a:fontRef>
       </dsp:style>
       <dsp:txBody>
-        <a:bodyPr spcFirstLastPara="0" vert="horz" wrap="square" lIns="133350" tIns="133350" rIns="133350" bIns="133350" numCol="1" spcCol="1270" anchor="ctr" anchorCtr="0">
+        <a:bodyPr spcFirstLastPara="0" vert="horz" wrap="square" lIns="110490" tIns="110490" rIns="110490" bIns="110490" numCol="1" spcCol="1270" anchor="ctr" anchorCtr="0">
           <a:noAutofit/>
         </a:bodyPr>
         <a:lstStyle/>
         <a:p>
-          <a:pPr lvl="0" algn="l" defTabSz="1555750">
+          <a:pPr lvl="0" algn="l" defTabSz="1289050">
             <a:lnSpc>
               <a:spcPct val="90000"/>
             </a:lnSpc>
@@ -7300,19 +7306,19 @@
             </a:spcAft>
           </a:pPr>
           <a:r>
-            <a:rPr lang="en-US" altLang="zh-CHS" sz="3500" kern="1200" dirty="0" smtClean="0"/>
+            <a:rPr lang="en-US" altLang="zh-Hans" sz="2900" kern="1200" dirty="0" smtClean="0"/>
             <a:t>2</a:t>
           </a:r>
           <a:r>
-            <a:rPr lang="zh-CHS" altLang="en-US" sz="3500" kern="1200" dirty="0" smtClean="0"/>
+            <a:rPr lang="zh-Hans" altLang="en-US" sz="2900" kern="1200" dirty="0" smtClean="0"/>
             <a:t>、框架结构</a:t>
           </a:r>
-          <a:endParaRPr lang="en-US" altLang="zh-CHS" sz="3500" kern="1200" dirty="0" smtClean="0"/>
+          <a:endParaRPr lang="en-US" altLang="zh-Hans" sz="2900" kern="1200" dirty="0" smtClean="0"/>
         </a:p>
       </dsp:txBody>
       <dsp:txXfrm>
-        <a:off x="43978" y="1067273"/>
-        <a:ext cx="5260848" cy="812943"/>
+        <a:off x="44410" y="1067497"/>
+        <a:ext cx="5259984" cy="820928"/>
       </dsp:txXfrm>
     </dsp:sp>
     <dsp:sp modelId="{E0E6F4E1-B250-4D12-B616-2EE21F8977E7}">
@@ -7322,8 +7328,8 @@
       </dsp:nvSpPr>
       <dsp:spPr>
         <a:xfrm>
-          <a:off x="0" y="2024995"/>
-          <a:ext cx="5348804" cy="900899"/>
+          <a:off x="0" y="2016355"/>
+          <a:ext cx="5348804" cy="909748"/>
         </a:xfrm>
         <a:prstGeom prst="roundRect">
           <a:avLst/>
@@ -7364,12 +7370,12 @@
         </a:fontRef>
       </dsp:style>
       <dsp:txBody>
-        <a:bodyPr spcFirstLastPara="0" vert="horz" wrap="square" lIns="133350" tIns="133350" rIns="133350" bIns="133350" numCol="1" spcCol="1270" anchor="ctr" anchorCtr="0">
+        <a:bodyPr spcFirstLastPara="0" vert="horz" wrap="square" lIns="110490" tIns="110490" rIns="110490" bIns="110490" numCol="1" spcCol="1270" anchor="ctr" anchorCtr="0">
           <a:noAutofit/>
         </a:bodyPr>
         <a:lstStyle/>
         <a:p>
-          <a:pPr lvl="0" algn="l" defTabSz="1555750">
+          <a:pPr lvl="0" algn="l" defTabSz="1289050">
             <a:lnSpc>
               <a:spcPct val="90000"/>
             </a:lnSpc>
@@ -7381,19 +7387,19 @@
             </a:spcAft>
           </a:pPr>
           <a:r>
-            <a:rPr lang="en-US" altLang="zh-CHS" sz="3500" kern="1200" dirty="0" smtClean="0"/>
+            <a:rPr lang="en-US" altLang="zh-Hans" sz="2900" kern="1200" dirty="0" smtClean="0"/>
             <a:t>3</a:t>
           </a:r>
           <a:r>
-            <a:rPr lang="zh-CHS" altLang="en-US" sz="3500" kern="1200" dirty="0" smtClean="0"/>
+            <a:rPr lang="zh-Hans" altLang="en-US" sz="2900" kern="1200" dirty="0" smtClean="0"/>
             <a:t>、主要工作</a:t>
           </a:r>
-          <a:endParaRPr lang="en-US" altLang="zh-CHS" sz="3500" kern="1200" dirty="0" smtClean="0"/>
+          <a:endParaRPr lang="en-US" altLang="zh-Hans" sz="2900" kern="1200" dirty="0" smtClean="0"/>
         </a:p>
       </dsp:txBody>
       <dsp:txXfrm>
-        <a:off x="43978" y="2068973"/>
-        <a:ext cx="5260848" cy="812943"/>
+        <a:off x="44410" y="2060765"/>
+        <a:ext cx="5259984" cy="820928"/>
       </dsp:txXfrm>
     </dsp:sp>
     <dsp:sp modelId="{888B1B9D-411D-4964-87FC-D65512886639}">
@@ -7403,8 +7409,8 @@
       </dsp:nvSpPr>
       <dsp:spPr>
         <a:xfrm>
-          <a:off x="0" y="3026695"/>
-          <a:ext cx="5348804" cy="900899"/>
+          <a:off x="0" y="3009623"/>
+          <a:ext cx="5348804" cy="909748"/>
         </a:xfrm>
         <a:prstGeom prst="roundRect">
           <a:avLst/>
@@ -7445,12 +7451,12 @@
         </a:fontRef>
       </dsp:style>
       <dsp:txBody>
-        <a:bodyPr spcFirstLastPara="0" vert="horz" wrap="square" lIns="133350" tIns="133350" rIns="133350" bIns="133350" numCol="1" spcCol="1270" anchor="ctr" anchorCtr="0">
+        <a:bodyPr spcFirstLastPara="0" vert="horz" wrap="square" lIns="110490" tIns="110490" rIns="110490" bIns="110490" numCol="1" spcCol="1270" anchor="ctr" anchorCtr="0">
           <a:noAutofit/>
         </a:bodyPr>
         <a:lstStyle/>
         <a:p>
-          <a:pPr lvl="0" algn="l" defTabSz="1555750">
+          <a:pPr lvl="0" algn="l" defTabSz="1289050">
             <a:lnSpc>
               <a:spcPct val="90000"/>
             </a:lnSpc>
@@ -7462,19 +7468,19 @@
             </a:spcAft>
           </a:pPr>
           <a:r>
-            <a:rPr lang="en-US" altLang="zh-CHS" sz="3500" kern="1200" dirty="0" smtClean="0"/>
+            <a:rPr lang="en-US" altLang="zh-Hans" sz="2900" kern="1200" dirty="0" smtClean="0"/>
             <a:t>4</a:t>
           </a:r>
           <a:r>
-            <a:rPr lang="zh-CHS" altLang="en-US" sz="3500" kern="1200" dirty="0" smtClean="0"/>
+            <a:rPr lang="zh-Hans" altLang="en-US" sz="2900" kern="1200" dirty="0" smtClean="0"/>
             <a:t>、创新点</a:t>
           </a:r>
-          <a:endParaRPr lang="en-US" altLang="zh-CHS" sz="3500" kern="1200" dirty="0" smtClean="0"/>
+          <a:endParaRPr lang="en-US" altLang="zh-Hans" sz="2900" kern="1200" dirty="0" smtClean="0"/>
         </a:p>
       </dsp:txBody>
       <dsp:txXfrm>
-        <a:off x="43978" y="3070673"/>
-        <a:ext cx="5260848" cy="812943"/>
+        <a:off x="44410" y="3054033"/>
+        <a:ext cx="5259984" cy="820928"/>
       </dsp:txXfrm>
     </dsp:sp>
   </dsp:spTree>
@@ -7489,320 +7495,6 @@
       <dsp:cNvGrpSpPr/>
     </dsp:nvGrpSpPr>
     <dsp:grpSpPr/>
-    <dsp:sp modelId="{F7985A54-CDB3-4897-A5D1-29A086A25050}">
-      <dsp:nvSpPr>
-        <dsp:cNvPr id="0" name=""/>
-        <dsp:cNvSpPr/>
-      </dsp:nvSpPr>
-      <dsp:spPr>
-        <a:xfrm>
-          <a:off x="0" y="21595"/>
-          <a:ext cx="5348804" cy="900899"/>
-        </a:xfrm>
-        <a:prstGeom prst="roundRect">
-          <a:avLst/>
-        </a:prstGeom>
-        <a:solidFill>
-          <a:schemeClr val="accent4"/>
-        </a:solidFill>
-        <a:ln w="25400" cap="flat" cmpd="sng" algn="ctr">
-          <a:solidFill>
-            <a:schemeClr val="lt1">
-              <a:hueOff val="0"/>
-              <a:satOff val="0"/>
-              <a:lumOff val="0"/>
-              <a:alphaOff val="0"/>
-            </a:schemeClr>
-          </a:solidFill>
-          <a:prstDash val="solid"/>
-        </a:ln>
-        <a:effectLst/>
-      </dsp:spPr>
-      <dsp:style>
-        <a:lnRef idx="2">
-          <a:scrgbClr r="0" g="0" b="0"/>
-        </a:lnRef>
-        <a:fillRef idx="1">
-          <a:scrgbClr r="0" g="0" b="0"/>
-        </a:fillRef>
-        <a:effectRef idx="0">
-          <a:scrgbClr r="0" g="0" b="0"/>
-        </a:effectRef>
-        <a:fontRef idx="minor">
-          <a:schemeClr val="lt1"/>
-        </a:fontRef>
-      </dsp:style>
-      <dsp:txBody>
-        <a:bodyPr spcFirstLastPara="0" vert="horz" wrap="square" lIns="133350" tIns="133350" rIns="133350" bIns="133350" numCol="1" spcCol="1270" anchor="ctr" anchorCtr="0">
-          <a:noAutofit/>
-        </a:bodyPr>
-        <a:lstStyle/>
-        <a:p>
-          <a:pPr lvl="0" algn="l" defTabSz="1555750">
-            <a:lnSpc>
-              <a:spcPct val="90000"/>
-            </a:lnSpc>
-            <a:spcBef>
-              <a:spcPct val="0"/>
-            </a:spcBef>
-            <a:spcAft>
-              <a:spcPct val="35000"/>
-            </a:spcAft>
-          </a:pPr>
-          <a:r>
-            <a:rPr lang="en-US" altLang="zh-CHS" sz="3500" kern="1200" dirty="0" smtClean="0"/>
-            <a:t>1</a:t>
-          </a:r>
-          <a:r>
-            <a:rPr lang="zh-CHS" altLang="en-US" sz="3500" kern="1200" dirty="0" smtClean="0"/>
-            <a:t>、毕业论文题目</a:t>
-          </a:r>
-          <a:endParaRPr lang="en-US" altLang="zh-CHS" sz="3500" kern="1200" dirty="0" smtClean="0"/>
-        </a:p>
-      </dsp:txBody>
-      <dsp:txXfrm>
-        <a:off x="43978" y="65573"/>
-        <a:ext cx="5260848" cy="812943"/>
-      </dsp:txXfrm>
-    </dsp:sp>
-    <dsp:sp modelId="{ADEBA1E4-ED54-4608-9737-5D52C9B5EE72}">
-      <dsp:nvSpPr>
-        <dsp:cNvPr id="0" name=""/>
-        <dsp:cNvSpPr/>
-      </dsp:nvSpPr>
-      <dsp:spPr>
-        <a:xfrm>
-          <a:off x="0" y="1023295"/>
-          <a:ext cx="5348804" cy="900899"/>
-        </a:xfrm>
-        <a:prstGeom prst="roundRect">
-          <a:avLst/>
-        </a:prstGeom>
-        <a:solidFill>
-          <a:schemeClr val="accent4">
-            <a:hueOff val="0"/>
-            <a:satOff val="0"/>
-            <a:lumOff val="0"/>
-            <a:alphaOff val="0"/>
-          </a:schemeClr>
-        </a:solidFill>
-        <a:ln w="25400" cap="flat" cmpd="sng" algn="ctr">
-          <a:solidFill>
-            <a:schemeClr val="lt1">
-              <a:hueOff val="0"/>
-              <a:satOff val="0"/>
-              <a:lumOff val="0"/>
-              <a:alphaOff val="0"/>
-            </a:schemeClr>
-          </a:solidFill>
-          <a:prstDash val="solid"/>
-        </a:ln>
-        <a:effectLst/>
-      </dsp:spPr>
-      <dsp:style>
-        <a:lnRef idx="2">
-          <a:scrgbClr r="0" g="0" b="0"/>
-        </a:lnRef>
-        <a:fillRef idx="1">
-          <a:scrgbClr r="0" g="0" b="0"/>
-        </a:fillRef>
-        <a:effectRef idx="0">
-          <a:scrgbClr r="0" g="0" b="0"/>
-        </a:effectRef>
-        <a:fontRef idx="minor">
-          <a:schemeClr val="lt1"/>
-        </a:fontRef>
-      </dsp:style>
-      <dsp:txBody>
-        <a:bodyPr spcFirstLastPara="0" vert="horz" wrap="square" lIns="133350" tIns="133350" rIns="133350" bIns="133350" numCol="1" spcCol="1270" anchor="ctr" anchorCtr="0">
-          <a:noAutofit/>
-        </a:bodyPr>
-        <a:lstStyle/>
-        <a:p>
-          <a:pPr lvl="0" algn="l" defTabSz="1555750">
-            <a:lnSpc>
-              <a:spcPct val="90000"/>
-            </a:lnSpc>
-            <a:spcBef>
-              <a:spcPct val="0"/>
-            </a:spcBef>
-            <a:spcAft>
-              <a:spcPct val="35000"/>
-            </a:spcAft>
-          </a:pPr>
-          <a:r>
-            <a:rPr lang="en-US" altLang="zh-CHS" sz="3500" kern="1200" dirty="0" smtClean="0"/>
-            <a:t>2</a:t>
-          </a:r>
-          <a:r>
-            <a:rPr lang="zh-CHS" altLang="en-US" sz="3500" kern="1200" dirty="0" smtClean="0"/>
-            <a:t>、框架结构</a:t>
-          </a:r>
-          <a:endParaRPr lang="en-US" altLang="zh-CHS" sz="3500" kern="1200" dirty="0" smtClean="0"/>
-        </a:p>
-      </dsp:txBody>
-      <dsp:txXfrm>
-        <a:off x="43978" y="1067273"/>
-        <a:ext cx="5260848" cy="812943"/>
-      </dsp:txXfrm>
-    </dsp:sp>
-    <dsp:sp modelId="{E0E6F4E1-B250-4D12-B616-2EE21F8977E7}">
-      <dsp:nvSpPr>
-        <dsp:cNvPr id="0" name=""/>
-        <dsp:cNvSpPr/>
-      </dsp:nvSpPr>
-      <dsp:spPr>
-        <a:xfrm>
-          <a:off x="0" y="2024995"/>
-          <a:ext cx="5348804" cy="900899"/>
-        </a:xfrm>
-        <a:prstGeom prst="roundRect">
-          <a:avLst/>
-        </a:prstGeom>
-        <a:solidFill>
-          <a:schemeClr val="accent6"/>
-        </a:solidFill>
-        <a:ln w="25400" cap="flat" cmpd="sng" algn="ctr">
-          <a:solidFill>
-            <a:schemeClr val="lt1">
-              <a:hueOff val="0"/>
-              <a:satOff val="0"/>
-              <a:lumOff val="0"/>
-              <a:alphaOff val="0"/>
-            </a:schemeClr>
-          </a:solidFill>
-          <a:prstDash val="solid"/>
-        </a:ln>
-        <a:effectLst/>
-      </dsp:spPr>
-      <dsp:style>
-        <a:lnRef idx="2">
-          <a:scrgbClr r="0" g="0" b="0"/>
-        </a:lnRef>
-        <a:fillRef idx="1">
-          <a:scrgbClr r="0" g="0" b="0"/>
-        </a:fillRef>
-        <a:effectRef idx="0">
-          <a:scrgbClr r="0" g="0" b="0"/>
-        </a:effectRef>
-        <a:fontRef idx="minor">
-          <a:schemeClr val="lt1"/>
-        </a:fontRef>
-      </dsp:style>
-      <dsp:txBody>
-        <a:bodyPr spcFirstLastPara="0" vert="horz" wrap="square" lIns="133350" tIns="133350" rIns="133350" bIns="133350" numCol="1" spcCol="1270" anchor="ctr" anchorCtr="0">
-          <a:noAutofit/>
-        </a:bodyPr>
-        <a:lstStyle/>
-        <a:p>
-          <a:pPr lvl="0" algn="l" defTabSz="1555750">
-            <a:lnSpc>
-              <a:spcPct val="90000"/>
-            </a:lnSpc>
-            <a:spcBef>
-              <a:spcPct val="0"/>
-            </a:spcBef>
-            <a:spcAft>
-              <a:spcPct val="35000"/>
-            </a:spcAft>
-          </a:pPr>
-          <a:r>
-            <a:rPr lang="en-US" altLang="zh-CHS" sz="3500" kern="1200" dirty="0" smtClean="0"/>
-            <a:t>3</a:t>
-          </a:r>
-          <a:r>
-            <a:rPr lang="zh-CHS" altLang="en-US" sz="3500" kern="1200" dirty="0" smtClean="0"/>
-            <a:t>、主要工作</a:t>
-          </a:r>
-          <a:endParaRPr lang="en-US" altLang="zh-CHS" sz="3500" kern="1200" dirty="0" smtClean="0"/>
-        </a:p>
-      </dsp:txBody>
-      <dsp:txXfrm>
-        <a:off x="43978" y="2068973"/>
-        <a:ext cx="5260848" cy="812943"/>
-      </dsp:txXfrm>
-    </dsp:sp>
-    <dsp:sp modelId="{888B1B9D-411D-4964-87FC-D65512886639}">
-      <dsp:nvSpPr>
-        <dsp:cNvPr id="0" name=""/>
-        <dsp:cNvSpPr/>
-      </dsp:nvSpPr>
-      <dsp:spPr>
-        <a:xfrm>
-          <a:off x="0" y="3026695"/>
-          <a:ext cx="5348804" cy="900899"/>
-        </a:xfrm>
-        <a:prstGeom prst="roundRect">
-          <a:avLst/>
-        </a:prstGeom>
-        <a:solidFill>
-          <a:schemeClr val="accent4">
-            <a:hueOff val="0"/>
-            <a:satOff val="0"/>
-            <a:lumOff val="0"/>
-            <a:alphaOff val="0"/>
-          </a:schemeClr>
-        </a:solidFill>
-        <a:ln w="25400" cap="flat" cmpd="sng" algn="ctr">
-          <a:solidFill>
-            <a:schemeClr val="lt1">
-              <a:hueOff val="0"/>
-              <a:satOff val="0"/>
-              <a:lumOff val="0"/>
-              <a:alphaOff val="0"/>
-            </a:schemeClr>
-          </a:solidFill>
-          <a:prstDash val="solid"/>
-        </a:ln>
-        <a:effectLst/>
-      </dsp:spPr>
-      <dsp:style>
-        <a:lnRef idx="2">
-          <a:scrgbClr r="0" g="0" b="0"/>
-        </a:lnRef>
-        <a:fillRef idx="1">
-          <a:scrgbClr r="0" g="0" b="0"/>
-        </a:fillRef>
-        <a:effectRef idx="0">
-          <a:scrgbClr r="0" g="0" b="0"/>
-        </a:effectRef>
-        <a:fontRef idx="minor">
-          <a:schemeClr val="lt1"/>
-        </a:fontRef>
-      </dsp:style>
-      <dsp:txBody>
-        <a:bodyPr spcFirstLastPara="0" vert="horz" wrap="square" lIns="133350" tIns="133350" rIns="133350" bIns="133350" numCol="1" spcCol="1270" anchor="ctr" anchorCtr="0">
-          <a:noAutofit/>
-        </a:bodyPr>
-        <a:lstStyle/>
-        <a:p>
-          <a:pPr lvl="0" algn="l" defTabSz="1555750">
-            <a:lnSpc>
-              <a:spcPct val="90000"/>
-            </a:lnSpc>
-            <a:spcBef>
-              <a:spcPct val="0"/>
-            </a:spcBef>
-            <a:spcAft>
-              <a:spcPct val="35000"/>
-            </a:spcAft>
-          </a:pPr>
-          <a:r>
-            <a:rPr lang="en-US" altLang="zh-CHS" sz="3500" kern="1200" dirty="0" smtClean="0"/>
-            <a:t>4</a:t>
-          </a:r>
-          <a:r>
-            <a:rPr lang="zh-CHS" altLang="en-US" sz="3500" kern="1200" dirty="0" smtClean="0"/>
-            <a:t>、创新点</a:t>
-          </a:r>
-          <a:endParaRPr lang="en-US" altLang="zh-CHS" sz="3500" kern="1200" dirty="0" smtClean="0"/>
-        </a:p>
-      </dsp:txBody>
-      <dsp:txXfrm>
-        <a:off x="43978" y="3070673"/>
-        <a:ext cx="5260848" cy="812943"/>
-      </dsp:txXfrm>
-    </dsp:sp>
   </dsp:spTree>
 </dsp:drawing>
 </file>
@@ -7815,372 +7507,6 @@
       <dsp:cNvGrpSpPr/>
     </dsp:nvGrpSpPr>
     <dsp:grpSpPr/>
-    <dsp:sp modelId="{803F1408-45E9-44D1-9929-CF21E16C9DC8}">
-      <dsp:nvSpPr>
-        <dsp:cNvPr id="0" name=""/>
-        <dsp:cNvSpPr/>
-      </dsp:nvSpPr>
-      <dsp:spPr>
-        <a:xfrm>
-          <a:off x="382488" y="1472"/>
-          <a:ext cx="1480839" cy="1480839"/>
-        </a:xfrm>
-        <a:prstGeom prst="ellipse">
-          <a:avLst/>
-        </a:prstGeom>
-        <a:solidFill>
-          <a:schemeClr val="accent4">
-            <a:hueOff val="0"/>
-            <a:satOff val="0"/>
-            <a:lumOff val="0"/>
-            <a:alphaOff val="0"/>
-          </a:schemeClr>
-        </a:solidFill>
-        <a:ln w="25400" cap="flat" cmpd="sng" algn="ctr">
-          <a:solidFill>
-            <a:schemeClr val="lt1">
-              <a:hueOff val="0"/>
-              <a:satOff val="0"/>
-              <a:lumOff val="0"/>
-              <a:alphaOff val="0"/>
-            </a:schemeClr>
-          </a:solidFill>
-          <a:prstDash val="solid"/>
-        </a:ln>
-        <a:effectLst/>
-      </dsp:spPr>
-      <dsp:style>
-        <a:lnRef idx="2">
-          <a:scrgbClr r="0" g="0" b="0"/>
-        </a:lnRef>
-        <a:fillRef idx="1">
-          <a:scrgbClr r="0" g="0" b="0"/>
-        </a:fillRef>
-        <a:effectRef idx="0">
-          <a:scrgbClr r="0" g="0" b="0"/>
-        </a:effectRef>
-        <a:fontRef idx="minor">
-          <a:schemeClr val="lt1"/>
-        </a:fontRef>
-      </dsp:style>
-      <dsp:txBody>
-        <a:bodyPr spcFirstLastPara="0" vert="horz" wrap="square" lIns="19050" tIns="19050" rIns="19050" bIns="19050" numCol="1" spcCol="1270" anchor="ctr" anchorCtr="0">
-          <a:noAutofit/>
-        </a:bodyPr>
-        <a:lstStyle/>
-        <a:p>
-          <a:pPr lvl="0" algn="ctr" defTabSz="666750">
-            <a:lnSpc>
-              <a:spcPct val="90000"/>
-            </a:lnSpc>
-            <a:spcBef>
-              <a:spcPct val="0"/>
-            </a:spcBef>
-            <a:spcAft>
-              <a:spcPct val="35000"/>
-            </a:spcAft>
-          </a:pPr>
-          <a:r>
-            <a:rPr kumimoji="1" lang="zh-CHS" altLang="en-US" sz="1500" kern="1200" dirty="0" smtClean="0"/>
-            <a:t>从不完整日志中挖掘非自由选择结构</a:t>
-          </a:r>
-          <a:endParaRPr lang="zh-CHS" altLang="en-US" sz="1500" kern="1200" dirty="0"/>
-        </a:p>
-      </dsp:txBody>
-      <dsp:txXfrm>
-        <a:off x="599352" y="218336"/>
-        <a:ext cx="1047111" cy="1047111"/>
-      </dsp:txXfrm>
-    </dsp:sp>
-    <dsp:sp modelId="{2C7BB825-7D2C-4D40-AE13-3B23C7D2259B}">
-      <dsp:nvSpPr>
-        <dsp:cNvPr id="0" name=""/>
-        <dsp:cNvSpPr/>
-      </dsp:nvSpPr>
-      <dsp:spPr>
-        <a:xfrm>
-          <a:off x="693464" y="1602556"/>
-          <a:ext cx="858887" cy="858887"/>
-        </a:xfrm>
-        <a:prstGeom prst="mathPlus">
-          <a:avLst/>
-        </a:prstGeom>
-        <a:solidFill>
-          <a:schemeClr val="accent4">
-            <a:tint val="60000"/>
-            <a:hueOff val="0"/>
-            <a:satOff val="0"/>
-            <a:lumOff val="0"/>
-            <a:alphaOff val="0"/>
-          </a:schemeClr>
-        </a:solidFill>
-        <a:ln>
-          <a:noFill/>
-        </a:ln>
-        <a:effectLst/>
-      </dsp:spPr>
-      <dsp:style>
-        <a:lnRef idx="0">
-          <a:scrgbClr r="0" g="0" b="0"/>
-        </a:lnRef>
-        <a:fillRef idx="1">
-          <a:scrgbClr r="0" g="0" b="0"/>
-        </a:fillRef>
-        <a:effectRef idx="0">
-          <a:scrgbClr r="0" g="0" b="0"/>
-        </a:effectRef>
-        <a:fontRef idx="minor">
-          <a:schemeClr val="lt1"/>
-        </a:fontRef>
-      </dsp:style>
-      <dsp:txBody>
-        <a:bodyPr spcFirstLastPara="0" vert="horz" wrap="square" lIns="0" tIns="0" rIns="0" bIns="0" numCol="1" spcCol="1270" anchor="ctr" anchorCtr="0">
-          <a:noAutofit/>
-        </a:bodyPr>
-        <a:lstStyle/>
-        <a:p>
-          <a:pPr lvl="0" algn="ctr" defTabSz="533400">
-            <a:lnSpc>
-              <a:spcPct val="90000"/>
-            </a:lnSpc>
-            <a:spcBef>
-              <a:spcPct val="0"/>
-            </a:spcBef>
-            <a:spcAft>
-              <a:spcPct val="35000"/>
-            </a:spcAft>
-          </a:pPr>
-          <a:endParaRPr lang="zh-CHS" altLang="en-US" sz="1200" kern="1200"/>
-        </a:p>
-      </dsp:txBody>
-      <dsp:txXfrm>
-        <a:off x="807309" y="1930994"/>
-        <a:ext cx="631197" cy="202011"/>
-      </dsp:txXfrm>
-    </dsp:sp>
-    <dsp:sp modelId="{F88814BE-B1F2-D44F-8A08-0CA44266CD59}">
-      <dsp:nvSpPr>
-        <dsp:cNvPr id="0" name=""/>
-        <dsp:cNvSpPr/>
-      </dsp:nvSpPr>
-      <dsp:spPr>
-        <a:xfrm>
-          <a:off x="382488" y="2581687"/>
-          <a:ext cx="1480839" cy="1480839"/>
-        </a:xfrm>
-        <a:prstGeom prst="ellipse">
-          <a:avLst/>
-        </a:prstGeom>
-        <a:solidFill>
-          <a:schemeClr val="accent4">
-            <a:hueOff val="0"/>
-            <a:satOff val="0"/>
-            <a:lumOff val="0"/>
-            <a:alphaOff val="0"/>
-          </a:schemeClr>
-        </a:solidFill>
-        <a:ln w="25400" cap="flat" cmpd="sng" algn="ctr">
-          <a:solidFill>
-            <a:schemeClr val="lt1">
-              <a:hueOff val="0"/>
-              <a:satOff val="0"/>
-              <a:lumOff val="0"/>
-              <a:alphaOff val="0"/>
-            </a:schemeClr>
-          </a:solidFill>
-          <a:prstDash val="solid"/>
-        </a:ln>
-        <a:effectLst/>
-      </dsp:spPr>
-      <dsp:style>
-        <a:lnRef idx="2">
-          <a:scrgbClr r="0" g="0" b="0"/>
-        </a:lnRef>
-        <a:fillRef idx="1">
-          <a:scrgbClr r="0" g="0" b="0"/>
-        </a:fillRef>
-        <a:effectRef idx="0">
-          <a:scrgbClr r="0" g="0" b="0"/>
-        </a:effectRef>
-        <a:fontRef idx="minor">
-          <a:schemeClr val="lt1"/>
-        </a:fontRef>
-      </dsp:style>
-      <dsp:txBody>
-        <a:bodyPr spcFirstLastPara="0" vert="horz" wrap="square" lIns="19050" tIns="19050" rIns="19050" bIns="19050" numCol="1" spcCol="1270" anchor="ctr" anchorCtr="0">
-          <a:noAutofit/>
-        </a:bodyPr>
-        <a:lstStyle/>
-        <a:p>
-          <a:pPr lvl="0" algn="ctr" defTabSz="666750">
-            <a:lnSpc>
-              <a:spcPct val="90000"/>
-            </a:lnSpc>
-            <a:spcBef>
-              <a:spcPct val="0"/>
-            </a:spcBef>
-            <a:spcAft>
-              <a:spcPct val="35000"/>
-            </a:spcAft>
-          </a:pPr>
-          <a:r>
-            <a:rPr kumimoji="1" lang="zh-CHS" altLang="en-US" sz="1500" kern="1200" dirty="0" smtClean="0"/>
-            <a:t>面向流程挖掘算法评估的典型模型库构建</a:t>
-          </a:r>
-          <a:endParaRPr kumimoji="1" lang="zh-CHS" altLang="en-US" sz="1500" kern="1200" dirty="0" smtClean="0"/>
-        </a:p>
-      </dsp:txBody>
-      <dsp:txXfrm>
-        <a:off x="599352" y="2798551"/>
-        <a:ext cx="1047111" cy="1047111"/>
-      </dsp:txXfrm>
-    </dsp:sp>
-    <dsp:sp modelId="{EECF76B9-E390-4C5E-B012-9B2724BF4598}">
-      <dsp:nvSpPr>
-        <dsp:cNvPr id="0" name=""/>
-        <dsp:cNvSpPr/>
-      </dsp:nvSpPr>
-      <dsp:spPr>
-        <a:xfrm>
-          <a:off x="2085454" y="1756563"/>
-          <a:ext cx="470907" cy="550872"/>
-        </a:xfrm>
-        <a:prstGeom prst="rightArrow">
-          <a:avLst>
-            <a:gd name="adj1" fmla="val 60000"/>
-            <a:gd name="adj2" fmla="val 50000"/>
-          </a:avLst>
-        </a:prstGeom>
-        <a:solidFill>
-          <a:schemeClr val="accent4">
-            <a:tint val="60000"/>
-            <a:hueOff val="0"/>
-            <a:satOff val="0"/>
-            <a:lumOff val="0"/>
-            <a:alphaOff val="0"/>
-          </a:schemeClr>
-        </a:solidFill>
-        <a:ln>
-          <a:noFill/>
-        </a:ln>
-        <a:effectLst/>
-      </dsp:spPr>
-      <dsp:style>
-        <a:lnRef idx="0">
-          <a:scrgbClr r="0" g="0" b="0"/>
-        </a:lnRef>
-        <a:fillRef idx="1">
-          <a:scrgbClr r="0" g="0" b="0"/>
-        </a:fillRef>
-        <a:effectRef idx="0">
-          <a:scrgbClr r="0" g="0" b="0"/>
-        </a:effectRef>
-        <a:fontRef idx="minor">
-          <a:schemeClr val="lt1"/>
-        </a:fontRef>
-      </dsp:style>
-      <dsp:txBody>
-        <a:bodyPr spcFirstLastPara="0" vert="horz" wrap="square" lIns="0" tIns="0" rIns="0" bIns="0" numCol="1" spcCol="1270" anchor="ctr" anchorCtr="0">
-          <a:noAutofit/>
-        </a:bodyPr>
-        <a:lstStyle/>
-        <a:p>
-          <a:pPr lvl="0" algn="ctr" defTabSz="533400">
-            <a:lnSpc>
-              <a:spcPct val="90000"/>
-            </a:lnSpc>
-            <a:spcBef>
-              <a:spcPct val="0"/>
-            </a:spcBef>
-            <a:spcAft>
-              <a:spcPct val="35000"/>
-            </a:spcAft>
-          </a:pPr>
-          <a:endParaRPr lang="zh-CHS" altLang="en-US" sz="1200" kern="1200"/>
-        </a:p>
-      </dsp:txBody>
-      <dsp:txXfrm>
-        <a:off x="2085454" y="1866737"/>
-        <a:ext cx="329635" cy="330524"/>
-      </dsp:txXfrm>
-    </dsp:sp>
-    <dsp:sp modelId="{10897D0E-CF1E-4E67-BED7-7DC1FEBB0CF9}">
-      <dsp:nvSpPr>
-        <dsp:cNvPr id="0" name=""/>
-        <dsp:cNvSpPr/>
-      </dsp:nvSpPr>
-      <dsp:spPr>
-        <a:xfrm>
-          <a:off x="2751832" y="551160"/>
-          <a:ext cx="2961679" cy="2961679"/>
-        </a:xfrm>
-        <a:prstGeom prst="ellipse">
-          <a:avLst/>
-        </a:prstGeom>
-        <a:solidFill>
-          <a:schemeClr val="accent4">
-            <a:hueOff val="0"/>
-            <a:satOff val="0"/>
-            <a:lumOff val="0"/>
-            <a:alphaOff val="0"/>
-          </a:schemeClr>
-        </a:solidFill>
-        <a:ln w="25400" cap="flat" cmpd="sng" algn="ctr">
-          <a:solidFill>
-            <a:schemeClr val="lt1">
-              <a:hueOff val="0"/>
-              <a:satOff val="0"/>
-              <a:lumOff val="0"/>
-              <a:alphaOff val="0"/>
-            </a:schemeClr>
-          </a:solidFill>
-          <a:prstDash val="solid"/>
-        </a:ln>
-        <a:effectLst/>
-      </dsp:spPr>
-      <dsp:style>
-        <a:lnRef idx="2">
-          <a:scrgbClr r="0" g="0" b="0"/>
-        </a:lnRef>
-        <a:fillRef idx="1">
-          <a:scrgbClr r="0" g="0" b="0"/>
-        </a:fillRef>
-        <a:effectRef idx="0">
-          <a:scrgbClr r="0" g="0" b="0"/>
-        </a:effectRef>
-        <a:fontRef idx="minor">
-          <a:schemeClr val="lt1"/>
-        </a:fontRef>
-      </dsp:style>
-      <dsp:txBody>
-        <a:bodyPr spcFirstLastPara="0" vert="horz" wrap="square" lIns="80010" tIns="80010" rIns="80010" bIns="80010" numCol="1" spcCol="1270" anchor="ctr" anchorCtr="0">
-          <a:noAutofit/>
-        </a:bodyPr>
-        <a:lstStyle/>
-        <a:p>
-          <a:pPr lvl="0" algn="ctr" defTabSz="2800350">
-            <a:lnSpc>
-              <a:spcPct val="90000"/>
-            </a:lnSpc>
-            <a:spcBef>
-              <a:spcPct val="0"/>
-            </a:spcBef>
-            <a:spcAft>
-              <a:spcPct val="35000"/>
-            </a:spcAft>
-          </a:pPr>
-          <a:r>
-            <a:rPr lang="zh-CHS" altLang="en-US" sz="6300" kern="1200" dirty="0" smtClean="0"/>
-            <a:t>主要工作</a:t>
-          </a:r>
-          <a:endParaRPr lang="zh-CHS" altLang="en-US" sz="6300" kern="1200" dirty="0"/>
-        </a:p>
-      </dsp:txBody>
-      <dsp:txXfrm>
-        <a:off x="3185560" y="984888"/>
-        <a:ext cx="2094223" cy="2094223"/>
-      </dsp:txXfrm>
-    </dsp:sp>
   </dsp:spTree>
 </dsp:drawing>
 </file>
@@ -8193,320 +7519,6 @@
       <dsp:cNvGrpSpPr/>
     </dsp:nvGrpSpPr>
     <dsp:grpSpPr/>
-    <dsp:sp modelId="{F7985A54-CDB3-4897-A5D1-29A086A25050}">
-      <dsp:nvSpPr>
-        <dsp:cNvPr id="0" name=""/>
-        <dsp:cNvSpPr/>
-      </dsp:nvSpPr>
-      <dsp:spPr>
-        <a:xfrm>
-          <a:off x="0" y="21595"/>
-          <a:ext cx="5348804" cy="900899"/>
-        </a:xfrm>
-        <a:prstGeom prst="roundRect">
-          <a:avLst/>
-        </a:prstGeom>
-        <a:solidFill>
-          <a:schemeClr val="accent4"/>
-        </a:solidFill>
-        <a:ln w="25400" cap="flat" cmpd="sng" algn="ctr">
-          <a:solidFill>
-            <a:schemeClr val="lt1">
-              <a:hueOff val="0"/>
-              <a:satOff val="0"/>
-              <a:lumOff val="0"/>
-              <a:alphaOff val="0"/>
-            </a:schemeClr>
-          </a:solidFill>
-          <a:prstDash val="solid"/>
-        </a:ln>
-        <a:effectLst/>
-      </dsp:spPr>
-      <dsp:style>
-        <a:lnRef idx="2">
-          <a:scrgbClr r="0" g="0" b="0"/>
-        </a:lnRef>
-        <a:fillRef idx="1">
-          <a:scrgbClr r="0" g="0" b="0"/>
-        </a:fillRef>
-        <a:effectRef idx="0">
-          <a:scrgbClr r="0" g="0" b="0"/>
-        </a:effectRef>
-        <a:fontRef idx="minor">
-          <a:schemeClr val="lt1"/>
-        </a:fontRef>
-      </dsp:style>
-      <dsp:txBody>
-        <a:bodyPr spcFirstLastPara="0" vert="horz" wrap="square" lIns="133350" tIns="133350" rIns="133350" bIns="133350" numCol="1" spcCol="1270" anchor="ctr" anchorCtr="0">
-          <a:noAutofit/>
-        </a:bodyPr>
-        <a:lstStyle/>
-        <a:p>
-          <a:pPr lvl="0" algn="l" defTabSz="1555750">
-            <a:lnSpc>
-              <a:spcPct val="90000"/>
-            </a:lnSpc>
-            <a:spcBef>
-              <a:spcPct val="0"/>
-            </a:spcBef>
-            <a:spcAft>
-              <a:spcPct val="35000"/>
-            </a:spcAft>
-          </a:pPr>
-          <a:r>
-            <a:rPr lang="en-US" altLang="zh-CHS" sz="3500" kern="1200" dirty="0" smtClean="0"/>
-            <a:t>1</a:t>
-          </a:r>
-          <a:r>
-            <a:rPr lang="zh-CHS" altLang="en-US" sz="3500" kern="1200" dirty="0" smtClean="0"/>
-            <a:t>、毕业论文题目</a:t>
-          </a:r>
-          <a:endParaRPr lang="en-US" altLang="zh-CHS" sz="3500" kern="1200" dirty="0" smtClean="0"/>
-        </a:p>
-      </dsp:txBody>
-      <dsp:txXfrm>
-        <a:off x="43978" y="65573"/>
-        <a:ext cx="5260848" cy="812943"/>
-      </dsp:txXfrm>
-    </dsp:sp>
-    <dsp:sp modelId="{ADEBA1E4-ED54-4608-9737-5D52C9B5EE72}">
-      <dsp:nvSpPr>
-        <dsp:cNvPr id="0" name=""/>
-        <dsp:cNvSpPr/>
-      </dsp:nvSpPr>
-      <dsp:spPr>
-        <a:xfrm>
-          <a:off x="0" y="1023295"/>
-          <a:ext cx="5348804" cy="900899"/>
-        </a:xfrm>
-        <a:prstGeom prst="roundRect">
-          <a:avLst/>
-        </a:prstGeom>
-        <a:solidFill>
-          <a:schemeClr val="accent4">
-            <a:hueOff val="0"/>
-            <a:satOff val="0"/>
-            <a:lumOff val="0"/>
-            <a:alphaOff val="0"/>
-          </a:schemeClr>
-        </a:solidFill>
-        <a:ln w="25400" cap="flat" cmpd="sng" algn="ctr">
-          <a:solidFill>
-            <a:schemeClr val="lt1">
-              <a:hueOff val="0"/>
-              <a:satOff val="0"/>
-              <a:lumOff val="0"/>
-              <a:alphaOff val="0"/>
-            </a:schemeClr>
-          </a:solidFill>
-          <a:prstDash val="solid"/>
-        </a:ln>
-        <a:effectLst/>
-      </dsp:spPr>
-      <dsp:style>
-        <a:lnRef idx="2">
-          <a:scrgbClr r="0" g="0" b="0"/>
-        </a:lnRef>
-        <a:fillRef idx="1">
-          <a:scrgbClr r="0" g="0" b="0"/>
-        </a:fillRef>
-        <a:effectRef idx="0">
-          <a:scrgbClr r="0" g="0" b="0"/>
-        </a:effectRef>
-        <a:fontRef idx="minor">
-          <a:schemeClr val="lt1"/>
-        </a:fontRef>
-      </dsp:style>
-      <dsp:txBody>
-        <a:bodyPr spcFirstLastPara="0" vert="horz" wrap="square" lIns="133350" tIns="133350" rIns="133350" bIns="133350" numCol="1" spcCol="1270" anchor="ctr" anchorCtr="0">
-          <a:noAutofit/>
-        </a:bodyPr>
-        <a:lstStyle/>
-        <a:p>
-          <a:pPr lvl="0" algn="l" defTabSz="1555750">
-            <a:lnSpc>
-              <a:spcPct val="90000"/>
-            </a:lnSpc>
-            <a:spcBef>
-              <a:spcPct val="0"/>
-            </a:spcBef>
-            <a:spcAft>
-              <a:spcPct val="35000"/>
-            </a:spcAft>
-          </a:pPr>
-          <a:r>
-            <a:rPr lang="en-US" altLang="zh-CHS" sz="3500" kern="1200" dirty="0" smtClean="0"/>
-            <a:t>2</a:t>
-          </a:r>
-          <a:r>
-            <a:rPr lang="zh-CHS" altLang="en-US" sz="3500" kern="1200" dirty="0" smtClean="0"/>
-            <a:t>、框架结构</a:t>
-          </a:r>
-          <a:endParaRPr lang="en-US" altLang="zh-CHS" sz="3500" kern="1200" dirty="0" smtClean="0"/>
-        </a:p>
-      </dsp:txBody>
-      <dsp:txXfrm>
-        <a:off x="43978" y="1067273"/>
-        <a:ext cx="5260848" cy="812943"/>
-      </dsp:txXfrm>
-    </dsp:sp>
-    <dsp:sp modelId="{E0E6F4E1-B250-4D12-B616-2EE21F8977E7}">
-      <dsp:nvSpPr>
-        <dsp:cNvPr id="0" name=""/>
-        <dsp:cNvSpPr/>
-      </dsp:nvSpPr>
-      <dsp:spPr>
-        <a:xfrm>
-          <a:off x="0" y="2024995"/>
-          <a:ext cx="5348804" cy="900899"/>
-        </a:xfrm>
-        <a:prstGeom prst="roundRect">
-          <a:avLst/>
-        </a:prstGeom>
-        <a:solidFill>
-          <a:schemeClr val="accent4">
-            <a:hueOff val="0"/>
-            <a:satOff val="0"/>
-            <a:lumOff val="0"/>
-            <a:alphaOff val="0"/>
-          </a:schemeClr>
-        </a:solidFill>
-        <a:ln w="25400" cap="flat" cmpd="sng" algn="ctr">
-          <a:solidFill>
-            <a:schemeClr val="lt1">
-              <a:hueOff val="0"/>
-              <a:satOff val="0"/>
-              <a:lumOff val="0"/>
-              <a:alphaOff val="0"/>
-            </a:schemeClr>
-          </a:solidFill>
-          <a:prstDash val="solid"/>
-        </a:ln>
-        <a:effectLst/>
-      </dsp:spPr>
-      <dsp:style>
-        <a:lnRef idx="2">
-          <a:scrgbClr r="0" g="0" b="0"/>
-        </a:lnRef>
-        <a:fillRef idx="1">
-          <a:scrgbClr r="0" g="0" b="0"/>
-        </a:fillRef>
-        <a:effectRef idx="0">
-          <a:scrgbClr r="0" g="0" b="0"/>
-        </a:effectRef>
-        <a:fontRef idx="minor">
-          <a:schemeClr val="lt1"/>
-        </a:fontRef>
-      </dsp:style>
-      <dsp:txBody>
-        <a:bodyPr spcFirstLastPara="0" vert="horz" wrap="square" lIns="133350" tIns="133350" rIns="133350" bIns="133350" numCol="1" spcCol="1270" anchor="ctr" anchorCtr="0">
-          <a:noAutofit/>
-        </a:bodyPr>
-        <a:lstStyle/>
-        <a:p>
-          <a:pPr lvl="0" algn="l" defTabSz="1555750">
-            <a:lnSpc>
-              <a:spcPct val="90000"/>
-            </a:lnSpc>
-            <a:spcBef>
-              <a:spcPct val="0"/>
-            </a:spcBef>
-            <a:spcAft>
-              <a:spcPct val="35000"/>
-            </a:spcAft>
-          </a:pPr>
-          <a:r>
-            <a:rPr lang="en-US" altLang="zh-CHS" sz="3500" kern="1200" dirty="0" smtClean="0"/>
-            <a:t>3</a:t>
-          </a:r>
-          <a:r>
-            <a:rPr lang="zh-CHS" altLang="en-US" sz="3500" kern="1200" dirty="0" smtClean="0"/>
-            <a:t>、主要工作</a:t>
-          </a:r>
-          <a:endParaRPr lang="en-US" altLang="zh-CHS" sz="3500" kern="1200" dirty="0" smtClean="0"/>
-        </a:p>
-      </dsp:txBody>
-      <dsp:txXfrm>
-        <a:off x="43978" y="2068973"/>
-        <a:ext cx="5260848" cy="812943"/>
-      </dsp:txXfrm>
-    </dsp:sp>
-    <dsp:sp modelId="{888B1B9D-411D-4964-87FC-D65512886639}">
-      <dsp:nvSpPr>
-        <dsp:cNvPr id="0" name=""/>
-        <dsp:cNvSpPr/>
-      </dsp:nvSpPr>
-      <dsp:spPr>
-        <a:xfrm>
-          <a:off x="0" y="3026695"/>
-          <a:ext cx="5348804" cy="900899"/>
-        </a:xfrm>
-        <a:prstGeom prst="roundRect">
-          <a:avLst/>
-        </a:prstGeom>
-        <a:solidFill>
-          <a:schemeClr val="accent6"/>
-        </a:solidFill>
-        <a:ln w="25400" cap="flat" cmpd="sng" algn="ctr">
-          <a:solidFill>
-            <a:schemeClr val="lt1">
-              <a:hueOff val="0"/>
-              <a:satOff val="0"/>
-              <a:lumOff val="0"/>
-              <a:alphaOff val="0"/>
-            </a:schemeClr>
-          </a:solidFill>
-          <a:prstDash val="solid"/>
-        </a:ln>
-        <a:effectLst/>
-      </dsp:spPr>
-      <dsp:style>
-        <a:lnRef idx="2">
-          <a:scrgbClr r="0" g="0" b="0"/>
-        </a:lnRef>
-        <a:fillRef idx="1">
-          <a:scrgbClr r="0" g="0" b="0"/>
-        </a:fillRef>
-        <a:effectRef idx="0">
-          <a:scrgbClr r="0" g="0" b="0"/>
-        </a:effectRef>
-        <a:fontRef idx="minor">
-          <a:schemeClr val="lt1"/>
-        </a:fontRef>
-      </dsp:style>
-      <dsp:txBody>
-        <a:bodyPr spcFirstLastPara="0" vert="horz" wrap="square" lIns="133350" tIns="133350" rIns="133350" bIns="133350" numCol="1" spcCol="1270" anchor="ctr" anchorCtr="0">
-          <a:noAutofit/>
-        </a:bodyPr>
-        <a:lstStyle/>
-        <a:p>
-          <a:pPr lvl="0" algn="l" defTabSz="1555750">
-            <a:lnSpc>
-              <a:spcPct val="90000"/>
-            </a:lnSpc>
-            <a:spcBef>
-              <a:spcPct val="0"/>
-            </a:spcBef>
-            <a:spcAft>
-              <a:spcPct val="35000"/>
-            </a:spcAft>
-          </a:pPr>
-          <a:r>
-            <a:rPr lang="en-US" altLang="zh-CHS" sz="3500" kern="1200" dirty="0" smtClean="0"/>
-            <a:t>4</a:t>
-          </a:r>
-          <a:r>
-            <a:rPr lang="zh-CHS" altLang="en-US" sz="3500" kern="1200" dirty="0" smtClean="0"/>
-            <a:t>、创新点</a:t>
-          </a:r>
-          <a:endParaRPr lang="en-US" altLang="zh-CHS" sz="3500" kern="1200" dirty="0" smtClean="0"/>
-        </a:p>
-      </dsp:txBody>
-      <dsp:txXfrm>
-        <a:off x="43978" y="3070673"/>
-        <a:ext cx="5260848" cy="812943"/>
-      </dsp:txXfrm>
-    </dsp:sp>
   </dsp:spTree>
 </dsp:drawing>
 </file>
@@ -15864,7 +14876,7 @@
             </a:lvl1pPr>
           </a:lstStyle>
           <a:p>
-            <a:endParaRPr lang="zh-CHS" altLang="en-US"/>
+            <a:endParaRPr lang="zh-Hans" altLang="en-US"/>
           </a:p>
         </p:txBody>
       </p:sp>
@@ -15896,10 +14908,10 @@
           </a:lstStyle>
           <a:p>
             <a:fld id="{3886B343-F061-486A-A6EF-8672489F8F13}" type="datetimeFigureOut">
-              <a:rPr lang="zh-CHS" altLang="en-US" smtClean="0"/>
-              <a:t>15/4/6</a:t>
+              <a:rPr lang="zh-Hans" altLang="en-US" smtClean="0"/>
+              <a:t>2015/4/7</a:t>
             </a:fld>
-            <a:endParaRPr lang="zh-CHS" altLang="en-US"/>
+            <a:endParaRPr lang="zh-Hans" altLang="en-US"/>
           </a:p>
         </p:txBody>
       </p:sp>
@@ -15932,7 +14944,7 @@
           <a:bodyPr vert="horz" lIns="91440" tIns="45720" rIns="91440" bIns="45720" rtlCol="0" anchor="ctr"/>
           <a:lstStyle/>
           <a:p>
-            <a:endParaRPr lang="zh-CHS" altLang="en-US"/>
+            <a:endParaRPr lang="zh-Hans" altLang="en-US"/>
           </a:p>
         </p:txBody>
       </p:sp>
@@ -15961,38 +14973,38 @@
           <a:p>
             <a:pPr lvl="0"/>
             <a:r>
-              <a:rPr lang="zh-CHS" altLang="en-US" smtClean="0"/>
+              <a:rPr lang="zh-Hans" altLang="en-US" smtClean="0"/>
               <a:t>单击此处编辑母版文本样式</a:t>
             </a:r>
           </a:p>
           <a:p>
             <a:pPr lvl="1"/>
             <a:r>
-              <a:rPr lang="zh-CHS" altLang="en-US" smtClean="0"/>
+              <a:rPr lang="zh-Hans" altLang="en-US" smtClean="0"/>
               <a:t>第二级</a:t>
             </a:r>
           </a:p>
           <a:p>
             <a:pPr lvl="2"/>
             <a:r>
-              <a:rPr lang="zh-CHS" altLang="en-US" smtClean="0"/>
+              <a:rPr lang="zh-Hans" altLang="en-US" smtClean="0"/>
               <a:t>第三级</a:t>
             </a:r>
           </a:p>
           <a:p>
             <a:pPr lvl="3"/>
             <a:r>
-              <a:rPr lang="zh-CHS" altLang="en-US" smtClean="0"/>
+              <a:rPr lang="zh-Hans" altLang="en-US" smtClean="0"/>
               <a:t>第四级</a:t>
             </a:r>
           </a:p>
           <a:p>
             <a:pPr lvl="4"/>
             <a:r>
-              <a:rPr lang="zh-CHS" altLang="en-US" smtClean="0"/>
+              <a:rPr lang="zh-Hans" altLang="en-US" smtClean="0"/>
               <a:t>第五级</a:t>
             </a:r>
-            <a:endParaRPr lang="zh-CHS" altLang="en-US"/>
+            <a:endParaRPr lang="zh-Hans" altLang="en-US"/>
           </a:p>
         </p:txBody>
       </p:sp>
@@ -16023,7 +15035,7 @@
             </a:lvl1pPr>
           </a:lstStyle>
           <a:p>
-            <a:endParaRPr lang="zh-CHS" altLang="en-US"/>
+            <a:endParaRPr lang="zh-Hans" altLang="en-US"/>
           </a:p>
         </p:txBody>
       </p:sp>
@@ -16055,10 +15067,10 @@
           </a:lstStyle>
           <a:p>
             <a:fld id="{01C25863-9E84-472F-96CF-935FA849B313}" type="slidenum">
-              <a:rPr lang="zh-CHS" altLang="en-US" smtClean="0"/>
+              <a:rPr lang="zh-Hans" altLang="en-US" smtClean="0"/>
               <a:t>‹#›</a:t>
             </a:fld>
-            <a:endParaRPr lang="zh-CHS" altLang="en-US"/>
+            <a:endParaRPr lang="zh-Hans" altLang="en-US"/>
           </a:p>
         </p:txBody>
       </p:sp>
@@ -16210,7 +15222,7 @@
           <a:lstStyle/>
           <a:p>
             <a:r>
-              <a:rPr kumimoji="1" lang="zh-CHS" altLang="en-US" dirty="0" smtClean="0"/>
+              <a:rPr kumimoji="1" lang="zh-Hans" altLang="en-US" dirty="0" smtClean="0"/>
               <a:t>复杂结构的流程挖掘算法设计及其评估模型库</a:t>
             </a:r>
           </a:p>
@@ -16232,10 +15244,10 @@
           <a:lstStyle/>
           <a:p>
             <a:fld id="{01C25863-9E84-472F-96CF-935FA849B313}" type="slidenum">
-              <a:rPr lang="zh-CHS" altLang="en-US" smtClean="0"/>
+              <a:rPr lang="zh-Hans" altLang="en-US" smtClean="0"/>
               <a:t>4</a:t>
             </a:fld>
-            <a:endParaRPr lang="zh-CHS" altLang="en-US"/>
+            <a:endParaRPr lang="zh-Hans" altLang="en-US"/>
           </a:p>
         </p:txBody>
       </p:sp>
@@ -16297,31 +15309,31 @@
           <a:lstStyle/>
           <a:p>
             <a:r>
-              <a:rPr kumimoji="1" lang="zh-CHS" altLang="en-US" dirty="0" smtClean="0"/>
+              <a:rPr kumimoji="1" lang="zh-Hans" altLang="en-US" dirty="0" smtClean="0"/>
               <a:t>从不完整日志中挖掘非自由选择结构</a:t>
             </a:r>
           </a:p>
           <a:p>
             <a:r>
-              <a:rPr kumimoji="1" lang="en-US" altLang="zh-CHS" dirty="0" smtClean="0"/>
+              <a:rPr kumimoji="1" lang="en-US" altLang="zh-Hans" dirty="0" smtClean="0"/>
               <a:t>Mining non-free-choice construct from event missing</a:t>
             </a:r>
             <a:r>
-              <a:rPr kumimoji="1" lang="en-US" altLang="zh-CHS" baseline="0" dirty="0" smtClean="0"/>
+              <a:rPr kumimoji="1" lang="en-US" altLang="zh-Hans" baseline="0" dirty="0" smtClean="0"/>
               <a:t> log.</a:t>
             </a:r>
           </a:p>
           <a:p>
-            <a:endParaRPr kumimoji="1" lang="en-US" altLang="zh-CHS" baseline="0" dirty="0" smtClean="0"/>
+            <a:endParaRPr kumimoji="1" lang="en-US" altLang="zh-Hans" baseline="0" dirty="0" smtClean="0"/>
           </a:p>
           <a:p>
             <a:r>
-              <a:rPr kumimoji="1" lang="zh-CHS" altLang="en-US" dirty="0" smtClean="0"/>
+              <a:rPr kumimoji="1" lang="zh-Hans" altLang="en-US" dirty="0" smtClean="0"/>
               <a:t>面向流程挖掘算法评估的典型模型库构建</a:t>
             </a:r>
           </a:p>
           <a:p>
-            <a:endParaRPr kumimoji="1" lang="zh-CHS" altLang="en-US" dirty="0"/>
+            <a:endParaRPr kumimoji="1" lang="zh-Hans" altLang="en-US" dirty="0"/>
           </a:p>
         </p:txBody>
       </p:sp>
@@ -16341,10 +15353,10 @@
           <a:lstStyle/>
           <a:p>
             <a:fld id="{01C25863-9E84-472F-96CF-935FA849B313}" type="slidenum">
-              <a:rPr lang="zh-CHS" altLang="en-US" smtClean="0"/>
+              <a:rPr lang="zh-Hans" altLang="en-US" smtClean="0"/>
               <a:t>6</a:t>
             </a:fld>
-            <a:endParaRPr lang="zh-CHS" altLang="en-US"/>
+            <a:endParaRPr lang="zh-Hans" altLang="en-US"/>
           </a:p>
         </p:txBody>
       </p:sp>
@@ -16406,10 +15418,10 @@
           <a:lstStyle/>
           <a:p>
             <a:r>
-              <a:rPr kumimoji="1" lang="zh-CHS" altLang="en-US" dirty="0" smtClean="0"/>
+              <a:rPr kumimoji="1" lang="zh-Hans" altLang="en-US" dirty="0" smtClean="0"/>
               <a:t>非结构化循环。</a:t>
             </a:r>
-            <a:endParaRPr kumimoji="1" lang="zh-CHS" altLang="en-US" dirty="0"/>
+            <a:endParaRPr kumimoji="1" lang="zh-Hans" altLang="en-US" dirty="0"/>
           </a:p>
         </p:txBody>
       </p:sp>
@@ -16429,10 +15441,10 @@
           <a:lstStyle/>
           <a:p>
             <a:fld id="{01C25863-9E84-472F-96CF-935FA849B313}" type="slidenum">
-              <a:rPr lang="zh-CHS" altLang="en-US" smtClean="0"/>
+              <a:rPr lang="zh-Hans" altLang="en-US" smtClean="0"/>
               <a:t>18</a:t>
             </a:fld>
-            <a:endParaRPr lang="zh-CHS" altLang="en-US"/>
+            <a:endParaRPr lang="zh-Hans" altLang="en-US"/>
           </a:p>
         </p:txBody>
       </p:sp>
@@ -16494,33 +15506,33 @@
           <a:lstStyle/>
           <a:p>
             <a:r>
-              <a:rPr kumimoji="1" lang="en-US" altLang="zh-CHS" dirty="0" smtClean="0"/>
+              <a:rPr kumimoji="1" lang="en-US" altLang="zh-Hans" dirty="0" smtClean="0"/>
               <a:t>1.Genetic Miner</a:t>
             </a:r>
             <a:r>
-              <a:rPr kumimoji="1" lang="zh-CHS" altLang="en-US" dirty="0" smtClean="0"/>
+              <a:rPr kumimoji="1" lang="zh-Hans" altLang="en-US" dirty="0" smtClean="0"/>
               <a:t>的例子</a:t>
             </a:r>
             <a:r>
-              <a:rPr kumimoji="1" lang="en-US" altLang="zh-CHS" baseline="0" dirty="0" smtClean="0"/>
+              <a:rPr kumimoji="1" lang="en-US" altLang="zh-Hans" baseline="0" dirty="0" smtClean="0"/>
               <a:t> </a:t>
             </a:r>
             <a:r>
-              <a:rPr kumimoji="1" lang="zh-CHS" altLang="en-US" baseline="0" dirty="0" smtClean="0"/>
+              <a:rPr kumimoji="1" lang="zh-Hans" altLang="en-US" baseline="0" dirty="0" smtClean="0"/>
               <a:t>在他的例子上做很小的修改</a:t>
             </a:r>
             <a:r>
-              <a:rPr kumimoji="1" lang="en-US" altLang="zh-CHS" baseline="0" dirty="0" smtClean="0"/>
+              <a:rPr kumimoji="1" lang="en-US" altLang="zh-Hans" baseline="0" dirty="0" smtClean="0"/>
               <a:t>=&gt;</a:t>
             </a:r>
-            <a:endParaRPr kumimoji="1" lang="zh-CHS" altLang="en-US" baseline="0" dirty="0" smtClean="0"/>
+            <a:endParaRPr kumimoji="1" lang="zh-Hans" altLang="en-US" baseline="0" dirty="0" smtClean="0"/>
           </a:p>
           <a:p>
             <a:r>
-              <a:rPr kumimoji="1" lang="en-US" altLang="zh-CHS" dirty="0" smtClean="0"/>
+              <a:rPr kumimoji="1" lang="en-US" altLang="zh-Hans" dirty="0" smtClean="0"/>
               <a:t>2.</a:t>
             </a:r>
-            <a:endParaRPr kumimoji="1" lang="zh-CHS" altLang="en-US" dirty="0"/>
+            <a:endParaRPr kumimoji="1" lang="zh-Hans" altLang="en-US" dirty="0"/>
           </a:p>
         </p:txBody>
       </p:sp>
@@ -16540,10 +15552,10 @@
           <a:lstStyle/>
           <a:p>
             <a:fld id="{01C25863-9E84-472F-96CF-935FA849B313}" type="slidenum">
-              <a:rPr lang="zh-CHS" altLang="en-US" smtClean="0"/>
+              <a:rPr lang="zh-Hans" altLang="en-US" smtClean="0"/>
               <a:t>22</a:t>
             </a:fld>
-            <a:endParaRPr lang="zh-CHS" altLang="en-US"/>
+            <a:endParaRPr lang="zh-Hans" altLang="en-US"/>
           </a:p>
         </p:txBody>
       </p:sp>
@@ -16626,10 +15638,10 @@
           </a:lstStyle>
           <a:p>
             <a:r>
-              <a:rPr lang="zh-CHS" altLang="en-US" smtClean="0"/>
+              <a:rPr lang="zh-Hans" altLang="en-US" smtClean="0"/>
               <a:t>单击此处编辑母版标题样式</a:t>
             </a:r>
-            <a:endParaRPr lang="zh-CHS" altLang="en-US" dirty="0"/>
+            <a:endParaRPr lang="zh-Hans" altLang="en-US" dirty="0"/>
           </a:p>
         </p:txBody>
       </p:sp>
@@ -16745,10 +15757,10 @@
           </a:lstStyle>
           <a:p>
             <a:r>
-              <a:rPr lang="zh-CHS" altLang="en-US" smtClean="0"/>
+              <a:rPr lang="zh-Hans" altLang="en-US" smtClean="0"/>
               <a:t>单击此处编辑母版副标题样式</a:t>
             </a:r>
-            <a:endParaRPr lang="zh-CHS" altLang="en-US"/>
+            <a:endParaRPr lang="zh-Hans" altLang="en-US"/>
           </a:p>
         </p:txBody>
       </p:sp>
@@ -16805,10 +15817,10 @@
           <a:lstStyle/>
           <a:p>
             <a:r>
-              <a:rPr lang="zh-CHS" altLang="en-US" smtClean="0"/>
+              <a:rPr lang="zh-Hans" altLang="en-US" smtClean="0"/>
               <a:t>单击此处编辑母版标题样式</a:t>
             </a:r>
-            <a:endParaRPr lang="zh-CHS" altLang="en-US"/>
+            <a:endParaRPr lang="zh-Hans" altLang="en-US"/>
           </a:p>
         </p:txBody>
       </p:sp>
@@ -16829,38 +15841,38 @@
           <a:p>
             <a:pPr lvl="0"/>
             <a:r>
-              <a:rPr lang="zh-CHS" altLang="en-US" smtClean="0"/>
+              <a:rPr lang="zh-Hans" altLang="en-US" smtClean="0"/>
               <a:t>单击此处编辑母版文本样式</a:t>
             </a:r>
           </a:p>
           <a:p>
             <a:pPr lvl="1"/>
             <a:r>
-              <a:rPr lang="zh-CHS" altLang="en-US" smtClean="0"/>
+              <a:rPr lang="zh-Hans" altLang="en-US" smtClean="0"/>
               <a:t>第二级</a:t>
             </a:r>
           </a:p>
           <a:p>
             <a:pPr lvl="2"/>
             <a:r>
-              <a:rPr lang="zh-CHS" altLang="en-US" smtClean="0"/>
+              <a:rPr lang="zh-Hans" altLang="en-US" smtClean="0"/>
               <a:t>第三级</a:t>
             </a:r>
           </a:p>
           <a:p>
             <a:pPr lvl="3"/>
             <a:r>
-              <a:rPr lang="zh-CHS" altLang="en-US" smtClean="0"/>
+              <a:rPr lang="zh-Hans" altLang="en-US" smtClean="0"/>
               <a:t>第四级</a:t>
             </a:r>
           </a:p>
           <a:p>
             <a:pPr lvl="4"/>
             <a:r>
-              <a:rPr lang="zh-CHS" altLang="en-US" smtClean="0"/>
+              <a:rPr lang="zh-Hans" altLang="en-US" smtClean="0"/>
               <a:t>第五级</a:t>
             </a:r>
-            <a:endParaRPr lang="zh-CHS" altLang="en-US"/>
+            <a:endParaRPr lang="zh-Hans" altLang="en-US"/>
           </a:p>
         </p:txBody>
       </p:sp>
@@ -16880,10 +15892,10 @@
           <a:lstStyle/>
           <a:p>
             <a:fld id="{20A9609D-18AF-4AB9-810A-C123BC20837E}" type="datetimeFigureOut">
-              <a:rPr lang="zh-CHS" altLang="en-US" smtClean="0"/>
-              <a:t>15/4/6</a:t>
+              <a:rPr lang="zh-Hans" altLang="en-US" smtClean="0"/>
+              <a:t>2015/4/7</a:t>
             </a:fld>
-            <a:endParaRPr lang="zh-CHS" altLang="en-US"/>
+            <a:endParaRPr lang="zh-Hans" altLang="en-US"/>
           </a:p>
         </p:txBody>
       </p:sp>
@@ -16902,7 +15914,7 @@
           <a:bodyPr/>
           <a:lstStyle/>
           <a:p>
-            <a:endParaRPr lang="zh-CHS" altLang="en-US"/>
+            <a:endParaRPr lang="zh-Hans" altLang="en-US"/>
           </a:p>
         </p:txBody>
       </p:sp>
@@ -16922,10 +15934,10 @@
           <a:lstStyle/>
           <a:p>
             <a:fld id="{0F1A6D50-7DBE-4567-87B6-815998E6DBF9}" type="slidenum">
-              <a:rPr lang="zh-CHS" altLang="en-US" smtClean="0"/>
+              <a:rPr lang="zh-Hans" altLang="en-US" smtClean="0"/>
               <a:t>‹#›</a:t>
             </a:fld>
-            <a:endParaRPr lang="zh-CHS" altLang="en-US"/>
+            <a:endParaRPr lang="zh-Hans" altLang="en-US"/>
           </a:p>
         </p:txBody>
       </p:sp>
@@ -16980,10 +15992,10 @@
           <a:lstStyle/>
           <a:p>
             <a:r>
-              <a:rPr lang="zh-CHS" altLang="en-US" smtClean="0"/>
+              <a:rPr lang="zh-Hans" altLang="en-US" smtClean="0"/>
               <a:t>单击此处编辑母版标题样式</a:t>
             </a:r>
-            <a:endParaRPr lang="zh-CHS" altLang="en-US"/>
+            <a:endParaRPr lang="zh-Hans" altLang="en-US"/>
           </a:p>
         </p:txBody>
       </p:sp>
@@ -17009,38 +16021,38 @@
           <a:p>
             <a:pPr lvl="0"/>
             <a:r>
-              <a:rPr lang="zh-CHS" altLang="en-US" smtClean="0"/>
+              <a:rPr lang="zh-Hans" altLang="en-US" smtClean="0"/>
               <a:t>单击此处编辑母版文本样式</a:t>
             </a:r>
           </a:p>
           <a:p>
             <a:pPr lvl="1"/>
             <a:r>
-              <a:rPr lang="zh-CHS" altLang="en-US" smtClean="0"/>
+              <a:rPr lang="zh-Hans" altLang="en-US" smtClean="0"/>
               <a:t>第二级</a:t>
             </a:r>
           </a:p>
           <a:p>
             <a:pPr lvl="2"/>
             <a:r>
-              <a:rPr lang="zh-CHS" altLang="en-US" smtClean="0"/>
+              <a:rPr lang="zh-Hans" altLang="en-US" smtClean="0"/>
               <a:t>第三级</a:t>
             </a:r>
           </a:p>
           <a:p>
             <a:pPr lvl="3"/>
             <a:r>
-              <a:rPr lang="zh-CHS" altLang="en-US" smtClean="0"/>
+              <a:rPr lang="zh-Hans" altLang="en-US" smtClean="0"/>
               <a:t>第四级</a:t>
             </a:r>
           </a:p>
           <a:p>
             <a:pPr lvl="4"/>
             <a:r>
-              <a:rPr lang="zh-CHS" altLang="en-US" smtClean="0"/>
+              <a:rPr lang="zh-Hans" altLang="en-US" smtClean="0"/>
               <a:t>第五级</a:t>
             </a:r>
-            <a:endParaRPr lang="zh-CHS" altLang="en-US"/>
+            <a:endParaRPr lang="zh-Hans" altLang="en-US"/>
           </a:p>
         </p:txBody>
       </p:sp>
@@ -17060,10 +16072,10 @@
           <a:lstStyle/>
           <a:p>
             <a:fld id="{20A9609D-18AF-4AB9-810A-C123BC20837E}" type="datetimeFigureOut">
-              <a:rPr lang="zh-CHS" altLang="en-US" smtClean="0"/>
-              <a:t>15/4/6</a:t>
+              <a:rPr lang="zh-Hans" altLang="en-US" smtClean="0"/>
+              <a:t>2015/4/7</a:t>
             </a:fld>
-            <a:endParaRPr lang="zh-CHS" altLang="en-US"/>
+            <a:endParaRPr lang="zh-Hans" altLang="en-US"/>
           </a:p>
         </p:txBody>
       </p:sp>
@@ -17082,7 +16094,7 @@
           <a:bodyPr/>
           <a:lstStyle/>
           <a:p>
-            <a:endParaRPr lang="zh-CHS" altLang="en-US"/>
+            <a:endParaRPr lang="zh-Hans" altLang="en-US"/>
           </a:p>
         </p:txBody>
       </p:sp>
@@ -17102,10 +16114,10 @@
           <a:lstStyle/>
           <a:p>
             <a:fld id="{0F1A6D50-7DBE-4567-87B6-815998E6DBF9}" type="slidenum">
-              <a:rPr lang="zh-CHS" altLang="en-US" smtClean="0"/>
+              <a:rPr lang="zh-Hans" altLang="en-US" smtClean="0"/>
               <a:t>‹#›</a:t>
             </a:fld>
-            <a:endParaRPr lang="zh-CHS" altLang="en-US"/>
+            <a:endParaRPr lang="zh-Hans" altLang="en-US"/>
           </a:p>
         </p:txBody>
       </p:sp>
@@ -17167,10 +16179,10 @@
           </a:lstStyle>
           <a:p>
             <a:r>
-              <a:rPr lang="zh-CHS" altLang="en-US" smtClean="0"/>
+              <a:rPr lang="zh-Hans" altLang="en-US" smtClean="0"/>
               <a:t>单击此处编辑母版标题样式</a:t>
             </a:r>
-            <a:endParaRPr lang="zh-CHS" altLang="en-US" dirty="0"/>
+            <a:endParaRPr lang="zh-Hans" altLang="en-US" dirty="0"/>
           </a:p>
         </p:txBody>
       </p:sp>
@@ -17191,38 +16203,38 @@
           <a:p>
             <a:pPr lvl="0"/>
             <a:r>
-              <a:rPr lang="zh-CHS" altLang="en-US" smtClean="0"/>
+              <a:rPr lang="zh-Hans" altLang="en-US" smtClean="0"/>
               <a:t>单击此处编辑母版文本样式</a:t>
             </a:r>
           </a:p>
           <a:p>
             <a:pPr lvl="1"/>
             <a:r>
-              <a:rPr lang="zh-CHS" altLang="en-US" smtClean="0"/>
+              <a:rPr lang="zh-Hans" altLang="en-US" smtClean="0"/>
               <a:t>第二级</a:t>
             </a:r>
           </a:p>
           <a:p>
             <a:pPr lvl="2"/>
             <a:r>
-              <a:rPr lang="zh-CHS" altLang="en-US" smtClean="0"/>
+              <a:rPr lang="zh-Hans" altLang="en-US" smtClean="0"/>
               <a:t>第三级</a:t>
             </a:r>
           </a:p>
           <a:p>
             <a:pPr lvl="3"/>
             <a:r>
-              <a:rPr lang="zh-CHS" altLang="en-US" smtClean="0"/>
+              <a:rPr lang="zh-Hans" altLang="en-US" smtClean="0"/>
               <a:t>第四级</a:t>
             </a:r>
           </a:p>
           <a:p>
             <a:pPr lvl="4"/>
             <a:r>
-              <a:rPr lang="zh-CHS" altLang="en-US" smtClean="0"/>
+              <a:rPr lang="zh-Hans" altLang="en-US" smtClean="0"/>
               <a:t>第五级</a:t>
             </a:r>
-            <a:endParaRPr lang="zh-CHS" altLang="en-US"/>
+            <a:endParaRPr lang="zh-Hans" altLang="en-US"/>
           </a:p>
         </p:txBody>
       </p:sp>
@@ -17242,10 +16254,10 @@
           <a:lstStyle/>
           <a:p>
             <a:fld id="{20A9609D-18AF-4AB9-810A-C123BC20837E}" type="datetimeFigureOut">
-              <a:rPr lang="zh-CHS" altLang="en-US" smtClean="0"/>
-              <a:t>15/4/6</a:t>
+              <a:rPr lang="zh-Hans" altLang="en-US" smtClean="0"/>
+              <a:t>2015/4/7</a:t>
             </a:fld>
-            <a:endParaRPr lang="zh-CHS" altLang="en-US"/>
+            <a:endParaRPr lang="zh-Hans" altLang="en-US"/>
           </a:p>
         </p:txBody>
       </p:sp>
@@ -17264,7 +16276,7 @@
           <a:bodyPr/>
           <a:lstStyle/>
           <a:p>
-            <a:endParaRPr lang="zh-CHS" altLang="en-US"/>
+            <a:endParaRPr lang="zh-Hans" altLang="en-US"/>
           </a:p>
         </p:txBody>
       </p:sp>
@@ -17284,10 +16296,10 @@
           <a:lstStyle/>
           <a:p>
             <a:fld id="{0F1A6D50-7DBE-4567-87B6-815998E6DBF9}" type="slidenum">
-              <a:rPr lang="zh-CHS" altLang="en-US" smtClean="0"/>
+              <a:rPr lang="zh-Hans" altLang="en-US" smtClean="0"/>
               <a:t>‹#›</a:t>
             </a:fld>
-            <a:endParaRPr lang="zh-CHS" altLang="en-US"/>
+            <a:endParaRPr lang="zh-Hans" altLang="en-US"/>
           </a:p>
         </p:txBody>
       </p:sp>
@@ -17353,10 +16365,10 @@
           </a:lstStyle>
           <a:p>
             <a:r>
-              <a:rPr lang="zh-CHS" altLang="en-US" smtClean="0"/>
+              <a:rPr lang="zh-Hans" altLang="en-US" smtClean="0"/>
               <a:t>单击此处编辑母版标题样式</a:t>
             </a:r>
-            <a:endParaRPr lang="zh-CHS" altLang="en-US"/>
+            <a:endParaRPr lang="zh-Hans" altLang="en-US"/>
           </a:p>
         </p:txBody>
       </p:sp>
@@ -17473,7 +16485,7 @@
           <a:p>
             <a:pPr lvl="0"/>
             <a:r>
-              <a:rPr lang="zh-CHS" altLang="en-US" smtClean="0"/>
+              <a:rPr lang="zh-Hans" altLang="en-US" smtClean="0"/>
               <a:t>单击此处编辑母版文本样式</a:t>
             </a:r>
           </a:p>
@@ -17495,10 +16507,10 @@
           <a:lstStyle/>
           <a:p>
             <a:fld id="{20A9609D-18AF-4AB9-810A-C123BC20837E}" type="datetimeFigureOut">
-              <a:rPr lang="zh-CHS" altLang="en-US" smtClean="0"/>
-              <a:t>15/4/6</a:t>
+              <a:rPr lang="zh-Hans" altLang="en-US" smtClean="0"/>
+              <a:t>2015/4/7</a:t>
             </a:fld>
-            <a:endParaRPr lang="zh-CHS" altLang="en-US"/>
+            <a:endParaRPr lang="zh-Hans" altLang="en-US"/>
           </a:p>
         </p:txBody>
       </p:sp>
@@ -17517,7 +16529,7 @@
           <a:bodyPr/>
           <a:lstStyle/>
           <a:p>
-            <a:endParaRPr lang="zh-CHS" altLang="en-US"/>
+            <a:endParaRPr lang="zh-Hans" altLang="en-US"/>
           </a:p>
         </p:txBody>
       </p:sp>
@@ -17537,10 +16549,10 @@
           <a:lstStyle/>
           <a:p>
             <a:fld id="{0F1A6D50-7DBE-4567-87B6-815998E6DBF9}" type="slidenum">
-              <a:rPr lang="zh-CHS" altLang="en-US" smtClean="0"/>
+              <a:rPr lang="zh-Hans" altLang="en-US" smtClean="0"/>
               <a:t>‹#›</a:t>
             </a:fld>
-            <a:endParaRPr lang="zh-CHS" altLang="en-US"/>
+            <a:endParaRPr lang="zh-Hans" altLang="en-US"/>
           </a:p>
         </p:txBody>
       </p:sp>
@@ -17590,10 +16602,10 @@
           <a:lstStyle/>
           <a:p>
             <a:r>
-              <a:rPr lang="zh-CHS" altLang="en-US" smtClean="0"/>
+              <a:rPr lang="zh-Hans" altLang="en-US" smtClean="0"/>
               <a:t>单击此处编辑母版标题样式</a:t>
             </a:r>
-            <a:endParaRPr lang="zh-CHS" altLang="en-US"/>
+            <a:endParaRPr lang="zh-Hans" altLang="en-US"/>
           </a:p>
         </p:txBody>
       </p:sp>
@@ -17647,38 +16659,38 @@
           <a:p>
             <a:pPr lvl="0"/>
             <a:r>
-              <a:rPr lang="zh-CHS" altLang="en-US" smtClean="0"/>
+              <a:rPr lang="zh-Hans" altLang="en-US" smtClean="0"/>
               <a:t>单击此处编辑母版文本样式</a:t>
             </a:r>
           </a:p>
           <a:p>
             <a:pPr lvl="1"/>
             <a:r>
-              <a:rPr lang="zh-CHS" altLang="en-US" smtClean="0"/>
+              <a:rPr lang="zh-Hans" altLang="en-US" smtClean="0"/>
               <a:t>第二级</a:t>
             </a:r>
           </a:p>
           <a:p>
             <a:pPr lvl="2"/>
             <a:r>
-              <a:rPr lang="zh-CHS" altLang="en-US" smtClean="0"/>
+              <a:rPr lang="zh-Hans" altLang="en-US" smtClean="0"/>
               <a:t>第三级</a:t>
             </a:r>
           </a:p>
           <a:p>
             <a:pPr lvl="3"/>
             <a:r>
-              <a:rPr lang="zh-CHS" altLang="en-US" smtClean="0"/>
+              <a:rPr lang="zh-Hans" altLang="en-US" smtClean="0"/>
               <a:t>第四级</a:t>
             </a:r>
           </a:p>
           <a:p>
             <a:pPr lvl="4"/>
             <a:r>
-              <a:rPr lang="zh-CHS" altLang="en-US" smtClean="0"/>
+              <a:rPr lang="zh-Hans" altLang="en-US" smtClean="0"/>
               <a:t>第五级</a:t>
             </a:r>
-            <a:endParaRPr lang="zh-CHS" altLang="en-US"/>
+            <a:endParaRPr lang="zh-Hans" altLang="en-US"/>
           </a:p>
         </p:txBody>
       </p:sp>
@@ -17732,38 +16744,38 @@
           <a:p>
             <a:pPr lvl="0"/>
             <a:r>
-              <a:rPr lang="zh-CHS" altLang="en-US" smtClean="0"/>
+              <a:rPr lang="zh-Hans" altLang="en-US" smtClean="0"/>
               <a:t>单击此处编辑母版文本样式</a:t>
             </a:r>
           </a:p>
           <a:p>
             <a:pPr lvl="1"/>
             <a:r>
-              <a:rPr lang="zh-CHS" altLang="en-US" smtClean="0"/>
+              <a:rPr lang="zh-Hans" altLang="en-US" smtClean="0"/>
               <a:t>第二级</a:t>
             </a:r>
           </a:p>
           <a:p>
             <a:pPr lvl="2"/>
             <a:r>
-              <a:rPr lang="zh-CHS" altLang="en-US" smtClean="0"/>
+              <a:rPr lang="zh-Hans" altLang="en-US" smtClean="0"/>
               <a:t>第三级</a:t>
             </a:r>
           </a:p>
           <a:p>
             <a:pPr lvl="3"/>
             <a:r>
-              <a:rPr lang="zh-CHS" altLang="en-US" smtClean="0"/>
+              <a:rPr lang="zh-Hans" altLang="en-US" smtClean="0"/>
               <a:t>第四级</a:t>
             </a:r>
           </a:p>
           <a:p>
             <a:pPr lvl="4"/>
             <a:r>
-              <a:rPr lang="zh-CHS" altLang="en-US" smtClean="0"/>
+              <a:rPr lang="zh-Hans" altLang="en-US" smtClean="0"/>
               <a:t>第五级</a:t>
             </a:r>
-            <a:endParaRPr lang="zh-CHS" altLang="en-US"/>
+            <a:endParaRPr lang="zh-Hans" altLang="en-US"/>
           </a:p>
         </p:txBody>
       </p:sp>
@@ -17783,10 +16795,10 @@
           <a:lstStyle/>
           <a:p>
             <a:fld id="{20A9609D-18AF-4AB9-810A-C123BC20837E}" type="datetimeFigureOut">
-              <a:rPr lang="zh-CHS" altLang="en-US" smtClean="0"/>
-              <a:t>15/4/6</a:t>
+              <a:rPr lang="zh-Hans" altLang="en-US" smtClean="0"/>
+              <a:t>2015/4/7</a:t>
             </a:fld>
-            <a:endParaRPr lang="zh-CHS" altLang="en-US"/>
+            <a:endParaRPr lang="zh-Hans" altLang="en-US"/>
           </a:p>
         </p:txBody>
       </p:sp>
@@ -17805,7 +16817,7 @@
           <a:bodyPr/>
           <a:lstStyle/>
           <a:p>
-            <a:endParaRPr lang="zh-CHS" altLang="en-US"/>
+            <a:endParaRPr lang="zh-Hans" altLang="en-US"/>
           </a:p>
         </p:txBody>
       </p:sp>
@@ -17825,10 +16837,10 @@
           <a:lstStyle/>
           <a:p>
             <a:fld id="{0F1A6D50-7DBE-4567-87B6-815998E6DBF9}" type="slidenum">
-              <a:rPr lang="zh-CHS" altLang="en-US" smtClean="0"/>
+              <a:rPr lang="zh-Hans" altLang="en-US" smtClean="0"/>
               <a:t>‹#›</a:t>
             </a:fld>
-            <a:endParaRPr lang="zh-CHS" altLang="en-US"/>
+            <a:endParaRPr lang="zh-Hans" altLang="en-US"/>
           </a:p>
         </p:txBody>
       </p:sp>
@@ -17882,10 +16894,10 @@
           </a:lstStyle>
           <a:p>
             <a:r>
-              <a:rPr lang="zh-CHS" altLang="en-US" smtClean="0"/>
+              <a:rPr lang="zh-Hans" altLang="en-US" smtClean="0"/>
               <a:t>单击此处编辑母版标题样式</a:t>
             </a:r>
-            <a:endParaRPr lang="zh-CHS" altLang="en-US"/>
+            <a:endParaRPr lang="zh-Hans" altLang="en-US"/>
           </a:p>
         </p:txBody>
       </p:sp>
@@ -17948,7 +16960,7 @@
           <a:p>
             <a:pPr lvl="0"/>
             <a:r>
-              <a:rPr lang="zh-CHS" altLang="en-US" smtClean="0"/>
+              <a:rPr lang="zh-Hans" altLang="en-US" smtClean="0"/>
               <a:t>单击此处编辑母版文本样式</a:t>
             </a:r>
           </a:p>
@@ -18004,38 +17016,38 @@
           <a:p>
             <a:pPr lvl="0"/>
             <a:r>
-              <a:rPr lang="zh-CHS" altLang="en-US" smtClean="0"/>
+              <a:rPr lang="zh-Hans" altLang="en-US" smtClean="0"/>
               <a:t>单击此处编辑母版文本样式</a:t>
             </a:r>
           </a:p>
           <a:p>
             <a:pPr lvl="1"/>
             <a:r>
-              <a:rPr lang="zh-CHS" altLang="en-US" smtClean="0"/>
+              <a:rPr lang="zh-Hans" altLang="en-US" smtClean="0"/>
               <a:t>第二级</a:t>
             </a:r>
           </a:p>
           <a:p>
             <a:pPr lvl="2"/>
             <a:r>
-              <a:rPr lang="zh-CHS" altLang="en-US" smtClean="0"/>
+              <a:rPr lang="zh-Hans" altLang="en-US" smtClean="0"/>
               <a:t>第三级</a:t>
             </a:r>
           </a:p>
           <a:p>
             <a:pPr lvl="3"/>
             <a:r>
-              <a:rPr lang="zh-CHS" altLang="en-US" smtClean="0"/>
+              <a:rPr lang="zh-Hans" altLang="en-US" smtClean="0"/>
               <a:t>第四级</a:t>
             </a:r>
           </a:p>
           <a:p>
             <a:pPr lvl="4"/>
             <a:r>
-              <a:rPr lang="zh-CHS" altLang="en-US" smtClean="0"/>
+              <a:rPr lang="zh-Hans" altLang="en-US" smtClean="0"/>
               <a:t>第五级</a:t>
             </a:r>
-            <a:endParaRPr lang="zh-CHS" altLang="en-US"/>
+            <a:endParaRPr lang="zh-Hans" altLang="en-US"/>
           </a:p>
         </p:txBody>
       </p:sp>
@@ -18098,7 +17110,7 @@
           <a:p>
             <a:pPr lvl="0"/>
             <a:r>
-              <a:rPr lang="zh-CHS" altLang="en-US" smtClean="0"/>
+              <a:rPr lang="zh-Hans" altLang="en-US" smtClean="0"/>
               <a:t>单击此处编辑母版文本样式</a:t>
             </a:r>
           </a:p>
@@ -18154,38 +17166,38 @@
           <a:p>
             <a:pPr lvl="0"/>
             <a:r>
-              <a:rPr lang="zh-CHS" altLang="en-US" smtClean="0"/>
+              <a:rPr lang="zh-Hans" altLang="en-US" smtClean="0"/>
               <a:t>单击此处编辑母版文本样式</a:t>
             </a:r>
           </a:p>
           <a:p>
             <a:pPr lvl="1"/>
             <a:r>
-              <a:rPr lang="zh-CHS" altLang="en-US" smtClean="0"/>
+              <a:rPr lang="zh-Hans" altLang="en-US" smtClean="0"/>
               <a:t>第二级</a:t>
             </a:r>
           </a:p>
           <a:p>
             <a:pPr lvl="2"/>
             <a:r>
-              <a:rPr lang="zh-CHS" altLang="en-US" smtClean="0"/>
+              <a:rPr lang="zh-Hans" altLang="en-US" smtClean="0"/>
               <a:t>第三级</a:t>
             </a:r>
           </a:p>
           <a:p>
             <a:pPr lvl="3"/>
             <a:r>
-              <a:rPr lang="zh-CHS" altLang="en-US" smtClean="0"/>
+              <a:rPr lang="zh-Hans" altLang="en-US" smtClean="0"/>
               <a:t>第四级</a:t>
             </a:r>
           </a:p>
           <a:p>
             <a:pPr lvl="4"/>
             <a:r>
-              <a:rPr lang="zh-CHS" altLang="en-US" smtClean="0"/>
+              <a:rPr lang="zh-Hans" altLang="en-US" smtClean="0"/>
               <a:t>第五级</a:t>
             </a:r>
-            <a:endParaRPr lang="zh-CHS" altLang="en-US"/>
+            <a:endParaRPr lang="zh-Hans" altLang="en-US"/>
           </a:p>
         </p:txBody>
       </p:sp>
@@ -18205,10 +17217,10 @@
           <a:lstStyle/>
           <a:p>
             <a:fld id="{20A9609D-18AF-4AB9-810A-C123BC20837E}" type="datetimeFigureOut">
-              <a:rPr lang="zh-CHS" altLang="en-US" smtClean="0"/>
-              <a:t>15/4/6</a:t>
+              <a:rPr lang="zh-Hans" altLang="en-US" smtClean="0"/>
+              <a:t>2015/4/7</a:t>
             </a:fld>
-            <a:endParaRPr lang="zh-CHS" altLang="en-US"/>
+            <a:endParaRPr lang="zh-Hans" altLang="en-US"/>
           </a:p>
         </p:txBody>
       </p:sp>
@@ -18227,7 +17239,7 @@
           <a:bodyPr/>
           <a:lstStyle/>
           <a:p>
-            <a:endParaRPr lang="zh-CHS" altLang="en-US"/>
+            <a:endParaRPr lang="zh-Hans" altLang="en-US"/>
           </a:p>
         </p:txBody>
       </p:sp>
@@ -18247,10 +17259,10 @@
           <a:lstStyle/>
           <a:p>
             <a:fld id="{0F1A6D50-7DBE-4567-87B6-815998E6DBF9}" type="slidenum">
-              <a:rPr lang="zh-CHS" altLang="en-US" smtClean="0"/>
+              <a:rPr lang="zh-Hans" altLang="en-US" smtClean="0"/>
               <a:t>‹#›</a:t>
             </a:fld>
-            <a:endParaRPr lang="zh-CHS" altLang="en-US"/>
+            <a:endParaRPr lang="zh-Hans" altLang="en-US"/>
           </a:p>
         </p:txBody>
       </p:sp>
@@ -18300,10 +17312,10 @@
           <a:lstStyle/>
           <a:p>
             <a:r>
-              <a:rPr lang="zh-CHS" altLang="en-US" smtClean="0"/>
+              <a:rPr lang="zh-Hans" altLang="en-US" smtClean="0"/>
               <a:t>单击此处编辑母版标题样式</a:t>
             </a:r>
-            <a:endParaRPr lang="zh-CHS" altLang="en-US"/>
+            <a:endParaRPr lang="zh-Hans" altLang="en-US"/>
           </a:p>
         </p:txBody>
       </p:sp>
@@ -18323,10 +17335,10 @@
           <a:lstStyle/>
           <a:p>
             <a:fld id="{20A9609D-18AF-4AB9-810A-C123BC20837E}" type="datetimeFigureOut">
-              <a:rPr lang="zh-CHS" altLang="en-US" smtClean="0"/>
-              <a:t>15/4/6</a:t>
+              <a:rPr lang="zh-Hans" altLang="en-US" smtClean="0"/>
+              <a:t>2015/4/7</a:t>
             </a:fld>
-            <a:endParaRPr lang="zh-CHS" altLang="en-US"/>
+            <a:endParaRPr lang="zh-Hans" altLang="en-US"/>
           </a:p>
         </p:txBody>
       </p:sp>
@@ -18345,7 +17357,7 @@
           <a:bodyPr/>
           <a:lstStyle/>
           <a:p>
-            <a:endParaRPr lang="zh-CHS" altLang="en-US"/>
+            <a:endParaRPr lang="zh-Hans" altLang="en-US"/>
           </a:p>
         </p:txBody>
       </p:sp>
@@ -18365,10 +17377,10 @@
           <a:lstStyle/>
           <a:p>
             <a:fld id="{0F1A6D50-7DBE-4567-87B6-815998E6DBF9}" type="slidenum">
-              <a:rPr lang="zh-CHS" altLang="en-US" smtClean="0"/>
+              <a:rPr lang="zh-Hans" altLang="en-US" smtClean="0"/>
               <a:t>‹#›</a:t>
             </a:fld>
-            <a:endParaRPr lang="zh-CHS" altLang="en-US"/>
+            <a:endParaRPr lang="zh-Hans" altLang="en-US"/>
           </a:p>
         </p:txBody>
       </p:sp>
@@ -18418,10 +17430,10 @@
           <a:lstStyle/>
           <a:p>
             <a:fld id="{20A9609D-18AF-4AB9-810A-C123BC20837E}" type="datetimeFigureOut">
-              <a:rPr lang="zh-CHS" altLang="en-US" smtClean="0"/>
-              <a:t>15/4/6</a:t>
+              <a:rPr lang="zh-Hans" altLang="en-US" smtClean="0"/>
+              <a:t>2015/4/7</a:t>
             </a:fld>
-            <a:endParaRPr lang="zh-CHS" altLang="en-US"/>
+            <a:endParaRPr lang="zh-Hans" altLang="en-US"/>
           </a:p>
         </p:txBody>
       </p:sp>
@@ -18440,7 +17452,7 @@
           <a:bodyPr/>
           <a:lstStyle/>
           <a:p>
-            <a:endParaRPr lang="zh-CHS" altLang="en-US"/>
+            <a:endParaRPr lang="zh-Hans" altLang="en-US"/>
           </a:p>
         </p:txBody>
       </p:sp>
@@ -18460,10 +17472,10 @@
           <a:lstStyle/>
           <a:p>
             <a:fld id="{0F1A6D50-7DBE-4567-87B6-815998E6DBF9}" type="slidenum">
-              <a:rPr lang="zh-CHS" altLang="en-US" smtClean="0"/>
+              <a:rPr lang="zh-Hans" altLang="en-US" smtClean="0"/>
               <a:t>‹#›</a:t>
             </a:fld>
-            <a:endParaRPr lang="zh-CHS" altLang="en-US"/>
+            <a:endParaRPr lang="zh-Hans" altLang="en-US"/>
           </a:p>
         </p:txBody>
       </p:sp>
@@ -18522,10 +17534,10 @@
           </a:lstStyle>
           <a:p>
             <a:r>
-              <a:rPr lang="zh-CHS" altLang="en-US" smtClean="0"/>
+              <a:rPr lang="zh-Hans" altLang="en-US" smtClean="0"/>
               <a:t>单击此处编辑母版标题样式</a:t>
             </a:r>
-            <a:endParaRPr lang="zh-CHS" altLang="en-US"/>
+            <a:endParaRPr lang="zh-Hans" altLang="en-US"/>
           </a:p>
         </p:txBody>
       </p:sp>
@@ -18579,38 +17591,38 @@
           <a:p>
             <a:pPr lvl="0"/>
             <a:r>
-              <a:rPr lang="zh-CHS" altLang="en-US" smtClean="0"/>
+              <a:rPr lang="zh-Hans" altLang="en-US" smtClean="0"/>
               <a:t>单击此处编辑母版文本样式</a:t>
             </a:r>
           </a:p>
           <a:p>
             <a:pPr lvl="1"/>
             <a:r>
-              <a:rPr lang="zh-CHS" altLang="en-US" smtClean="0"/>
+              <a:rPr lang="zh-Hans" altLang="en-US" smtClean="0"/>
               <a:t>第二级</a:t>
             </a:r>
           </a:p>
           <a:p>
             <a:pPr lvl="2"/>
             <a:r>
-              <a:rPr lang="zh-CHS" altLang="en-US" smtClean="0"/>
+              <a:rPr lang="zh-Hans" altLang="en-US" smtClean="0"/>
               <a:t>第三级</a:t>
             </a:r>
           </a:p>
           <a:p>
             <a:pPr lvl="3"/>
             <a:r>
-              <a:rPr lang="zh-CHS" altLang="en-US" smtClean="0"/>
+              <a:rPr lang="zh-Hans" altLang="en-US" smtClean="0"/>
               <a:t>第四级</a:t>
             </a:r>
           </a:p>
           <a:p>
             <a:pPr lvl="4"/>
             <a:r>
-              <a:rPr lang="zh-CHS" altLang="en-US" smtClean="0"/>
+              <a:rPr lang="zh-Hans" altLang="en-US" smtClean="0"/>
               <a:t>第五级</a:t>
             </a:r>
-            <a:endParaRPr lang="zh-CHS" altLang="en-US"/>
+            <a:endParaRPr lang="zh-Hans" altLang="en-US"/>
           </a:p>
         </p:txBody>
       </p:sp>
@@ -18673,7 +17685,7 @@
           <a:p>
             <a:pPr lvl="0"/>
             <a:r>
-              <a:rPr lang="zh-CHS" altLang="en-US" smtClean="0"/>
+              <a:rPr lang="zh-Hans" altLang="en-US" smtClean="0"/>
               <a:t>单击此处编辑母版文本样式</a:t>
             </a:r>
           </a:p>
@@ -18695,10 +17707,10 @@
           <a:lstStyle/>
           <a:p>
             <a:fld id="{20A9609D-18AF-4AB9-810A-C123BC20837E}" type="datetimeFigureOut">
-              <a:rPr lang="zh-CHS" altLang="en-US" smtClean="0"/>
-              <a:t>15/4/6</a:t>
+              <a:rPr lang="zh-Hans" altLang="en-US" smtClean="0"/>
+              <a:t>2015/4/7</a:t>
             </a:fld>
-            <a:endParaRPr lang="zh-CHS" altLang="en-US"/>
+            <a:endParaRPr lang="zh-Hans" altLang="en-US"/>
           </a:p>
         </p:txBody>
       </p:sp>
@@ -18717,7 +17729,7 @@
           <a:bodyPr/>
           <a:lstStyle/>
           <a:p>
-            <a:endParaRPr lang="zh-CHS" altLang="en-US"/>
+            <a:endParaRPr lang="zh-Hans" altLang="en-US"/>
           </a:p>
         </p:txBody>
       </p:sp>
@@ -18737,10 +17749,10 @@
           <a:lstStyle/>
           <a:p>
             <a:fld id="{0F1A6D50-7DBE-4567-87B6-815998E6DBF9}" type="slidenum">
-              <a:rPr lang="zh-CHS" altLang="en-US" smtClean="0"/>
+              <a:rPr lang="zh-Hans" altLang="en-US" smtClean="0"/>
               <a:t>‹#›</a:t>
             </a:fld>
-            <a:endParaRPr lang="zh-CHS" altLang="en-US"/>
+            <a:endParaRPr lang="zh-Hans" altLang="en-US"/>
           </a:p>
         </p:txBody>
       </p:sp>
@@ -18799,10 +17811,10 @@
           </a:lstStyle>
           <a:p>
             <a:r>
-              <a:rPr lang="zh-CHS" altLang="en-US" smtClean="0"/>
+              <a:rPr lang="zh-Hans" altLang="en-US" smtClean="0"/>
               <a:t>单击此处编辑母版标题样式</a:t>
             </a:r>
-            <a:endParaRPr lang="zh-CHS" altLang="en-US"/>
+            <a:endParaRPr lang="zh-Hans" altLang="en-US"/>
           </a:p>
         </p:txBody>
       </p:sp>
@@ -18864,10 +17876,10 @@
           </a:lstStyle>
           <a:p>
             <a:r>
-              <a:rPr lang="zh-CHS" altLang="en-US" smtClean="0"/>
+              <a:rPr lang="zh-Hans" altLang="en-US" smtClean="0"/>
               <a:t>单击图标添加图片</a:t>
             </a:r>
-            <a:endParaRPr lang="zh-CHS" altLang="en-US"/>
+            <a:endParaRPr lang="zh-Hans" altLang="en-US"/>
           </a:p>
         </p:txBody>
       </p:sp>
@@ -18930,7 +17942,7 @@
           <a:p>
             <a:pPr lvl="0"/>
             <a:r>
-              <a:rPr lang="zh-CHS" altLang="en-US" smtClean="0"/>
+              <a:rPr lang="zh-Hans" altLang="en-US" smtClean="0"/>
               <a:t>单击此处编辑母版文本样式</a:t>
             </a:r>
           </a:p>
@@ -18952,10 +17964,10 @@
           <a:lstStyle/>
           <a:p>
             <a:fld id="{20A9609D-18AF-4AB9-810A-C123BC20837E}" type="datetimeFigureOut">
-              <a:rPr lang="zh-CHS" altLang="en-US" smtClean="0"/>
-              <a:t>15/4/6</a:t>
+              <a:rPr lang="zh-Hans" altLang="en-US" smtClean="0"/>
+              <a:t>2015/4/7</a:t>
             </a:fld>
-            <a:endParaRPr lang="zh-CHS" altLang="en-US"/>
+            <a:endParaRPr lang="zh-Hans" altLang="en-US"/>
           </a:p>
         </p:txBody>
       </p:sp>
@@ -18974,7 +17986,7 @@
           <a:bodyPr/>
           <a:lstStyle/>
           <a:p>
-            <a:endParaRPr lang="zh-CHS" altLang="en-US"/>
+            <a:endParaRPr lang="zh-Hans" altLang="en-US"/>
           </a:p>
         </p:txBody>
       </p:sp>
@@ -18994,10 +18006,10 @@
           <a:lstStyle/>
           <a:p>
             <a:fld id="{0F1A6D50-7DBE-4567-87B6-815998E6DBF9}" type="slidenum">
-              <a:rPr lang="zh-CHS" altLang="en-US" smtClean="0"/>
+              <a:rPr lang="zh-Hans" altLang="en-US" smtClean="0"/>
               <a:t>‹#›</a:t>
             </a:fld>
-            <a:endParaRPr lang="zh-CHS" altLang="en-US"/>
+            <a:endParaRPr lang="zh-Hans" altLang="en-US"/>
           </a:p>
         </p:txBody>
       </p:sp>
@@ -19071,10 +18083,10 @@
           <a:lstStyle/>
           <a:p>
             <a:r>
-              <a:rPr lang="zh-CHS" altLang="en-US" dirty="0" smtClean="0"/>
+              <a:rPr lang="zh-Hans" altLang="en-US" dirty="0" smtClean="0"/>
               <a:t>单击此处编辑母版标题样式</a:t>
             </a:r>
-            <a:endParaRPr lang="zh-CHS" altLang="en-US" dirty="0"/>
+            <a:endParaRPr lang="zh-Hans" altLang="en-US" dirty="0"/>
           </a:p>
         </p:txBody>
       </p:sp>
@@ -19105,38 +18117,38 @@
           <a:p>
             <a:pPr lvl="0"/>
             <a:r>
-              <a:rPr lang="zh-CHS" altLang="en-US" dirty="0" smtClean="0"/>
+              <a:rPr lang="zh-Hans" altLang="en-US" dirty="0" smtClean="0"/>
               <a:t>单击此处编辑母版文本样式</a:t>
             </a:r>
           </a:p>
           <a:p>
             <a:pPr lvl="1"/>
             <a:r>
-              <a:rPr lang="zh-CHS" altLang="en-US" dirty="0" smtClean="0"/>
+              <a:rPr lang="zh-Hans" altLang="en-US" dirty="0" smtClean="0"/>
               <a:t>第二级</a:t>
             </a:r>
           </a:p>
           <a:p>
             <a:pPr lvl="2"/>
             <a:r>
-              <a:rPr lang="zh-CHS" altLang="en-US" dirty="0" smtClean="0"/>
+              <a:rPr lang="zh-Hans" altLang="en-US" dirty="0" smtClean="0"/>
               <a:t>第三级</a:t>
             </a:r>
           </a:p>
           <a:p>
             <a:pPr lvl="3"/>
             <a:r>
-              <a:rPr lang="zh-CHS" altLang="en-US" dirty="0" smtClean="0"/>
+              <a:rPr lang="zh-Hans" altLang="en-US" dirty="0" smtClean="0"/>
               <a:t>第四级</a:t>
             </a:r>
           </a:p>
           <a:p>
             <a:pPr lvl="4"/>
             <a:r>
-              <a:rPr lang="zh-CHS" altLang="en-US" dirty="0" smtClean="0"/>
+              <a:rPr lang="zh-Hans" altLang="en-US" dirty="0" smtClean="0"/>
               <a:t>第五级</a:t>
             </a:r>
-            <a:endParaRPr lang="zh-CHS" altLang="en-US" dirty="0"/>
+            <a:endParaRPr lang="zh-Hans" altLang="en-US" dirty="0"/>
           </a:p>
         </p:txBody>
       </p:sp>
@@ -19174,10 +18186,10 @@
           </a:lstStyle>
           <a:p>
             <a:fld id="{20A9609D-18AF-4AB9-810A-C123BC20837E}" type="datetimeFigureOut">
-              <a:rPr lang="zh-CHS" altLang="en-US" smtClean="0"/>
-              <a:t>15/4/6</a:t>
+              <a:rPr lang="zh-Hans" altLang="en-US" smtClean="0"/>
+              <a:t>2015/4/7</a:t>
             </a:fld>
-            <a:endParaRPr lang="zh-CHS" altLang="en-US"/>
+            <a:endParaRPr lang="zh-Hans" altLang="en-US"/>
           </a:p>
         </p:txBody>
       </p:sp>
@@ -19214,7 +18226,7 @@
             </a:lvl1pPr>
           </a:lstStyle>
           <a:p>
-            <a:endParaRPr lang="zh-CHS" altLang="en-US"/>
+            <a:endParaRPr lang="zh-Hans" altLang="en-US"/>
           </a:p>
         </p:txBody>
       </p:sp>
@@ -19250,10 +18262,10 @@
           </a:lstStyle>
           <a:p>
             <a:fld id="{0F1A6D50-7DBE-4567-87B6-815998E6DBF9}" type="slidenum">
-              <a:rPr lang="zh-CHS" altLang="en-US" smtClean="0"/>
+              <a:rPr lang="zh-Hans" altLang="en-US" smtClean="0"/>
               <a:t>‹#›</a:t>
             </a:fld>
-            <a:endParaRPr lang="zh-CHS" altLang="en-US"/>
+            <a:endParaRPr lang="zh-Hans" altLang="en-US"/>
           </a:p>
         </p:txBody>
       </p:sp>
@@ -19441,7 +18453,7 @@
     </p:bodyStyle>
     <p:otherStyle>
       <a:defPPr>
-        <a:defRPr lang="zh-CHS"/>
+        <a:defRPr lang="zh-Hans"/>
       </a:defPPr>
       <a:lvl1pPr marL="0" algn="l" defTabSz="914400" rtl="0" eaLnBrk="1" latinLnBrk="0" hangingPunct="1">
         <a:defRPr sz="1800" kern="1200">
@@ -19573,29 +18585,22 @@
           <a:lstStyle/>
           <a:p>
             <a:r>
-              <a:rPr kumimoji="1" lang="zh-CHS" altLang="en-US" sz="4000" dirty="0" smtClean="0"/>
+              <a:rPr kumimoji="1" lang="zh-Hans" altLang="en-US" sz="4000" dirty="0" smtClean="0"/>
               <a:t>复杂</a:t>
             </a:r>
             <a:r>
-              <a:rPr kumimoji="1" lang="zh-CHS" altLang="en-US" sz="4000" dirty="0"/>
+              <a:rPr kumimoji="1" lang="zh-Hans" altLang="en-US" sz="4000" dirty="0"/>
               <a:t>结构流程挖掘算法设计及其评估</a:t>
             </a:r>
             <a:r>
-              <a:rPr kumimoji="1" lang="zh-CHS" altLang="en-US" sz="4000" dirty="0" smtClean="0"/>
+              <a:rPr kumimoji="1" lang="zh-Hans" altLang="en-US" sz="4000" dirty="0" smtClean="0"/>
               <a:t>模型库</a:t>
             </a:r>
             <a:r>
-              <a:rPr kumimoji="1" lang="zh-CHS" altLang="en-US" sz="4000" dirty="0" smtClean="0"/>
+              <a:rPr kumimoji="1" lang="zh-Hans" altLang="en-US" sz="4000" dirty="0" smtClean="0"/>
               <a:t>构建</a:t>
             </a:r>
-            <a:r>
-              <a:rPr kumimoji="1" lang="zh-CHS" altLang="en-US" sz="4000" dirty="0"/>
-              <a:t/>
-            </a:r>
-            <a:br>
-              <a:rPr kumimoji="1" lang="zh-CHS" altLang="en-US" sz="4000" dirty="0"/>
-            </a:br>
-            <a:endParaRPr lang="zh-CHS" altLang="en-US" sz="4000" dirty="0"/>
+            <a:endParaRPr lang="zh-Hans" altLang="en-US" sz="4000" dirty="0"/>
           </a:p>
         </p:txBody>
       </p:sp>
@@ -19622,24 +18627,24 @@
           <a:lstStyle/>
           <a:p>
             <a:r>
-              <a:rPr lang="zh-CHS" altLang="en-US" sz="2400" dirty="0" smtClean="0"/>
+              <a:rPr lang="zh-Hans" altLang="en-US" sz="2400" dirty="0" smtClean="0"/>
               <a:t>毕业论文初稿交流</a:t>
             </a:r>
-            <a:endParaRPr lang="en-US" altLang="zh-CHS" sz="2400" dirty="0" smtClean="0"/>
+            <a:endParaRPr lang="en-US" altLang="zh-Hans" sz="2400" dirty="0" smtClean="0"/>
           </a:p>
           <a:p>
             <a:r>
-              <a:rPr lang="zh-CHS" altLang="en-US" sz="2400" dirty="0" smtClean="0"/>
+              <a:rPr lang="zh-Hans" altLang="en-US" sz="2400" dirty="0" smtClean="0"/>
               <a:t>郭秦龙</a:t>
             </a:r>
-            <a:endParaRPr lang="zh-CHS" altLang="en-US" sz="2400" dirty="0"/>
+            <a:endParaRPr lang="zh-Hans" altLang="en-US" sz="2400" dirty="0"/>
           </a:p>
           <a:p>
             <a:r>
-              <a:rPr lang="en-US" altLang="zh-CHS" sz="2400" dirty="0" smtClean="0"/>
+              <a:rPr lang="en-US" altLang="zh-Hans" sz="2400" dirty="0" smtClean="0"/>
               <a:t>2015.4.6</a:t>
             </a:r>
-            <a:endParaRPr lang="en-US" altLang="zh-CHS" sz="2400" dirty="0"/>
+            <a:endParaRPr lang="en-US" altLang="zh-Hans" sz="2400" dirty="0"/>
           </a:p>
         </p:txBody>
       </p:sp>
@@ -19719,14 +18724,14 @@
           </a:lstStyle>
           <a:p>
             <a:r>
-              <a:rPr lang="zh-CHS" altLang="en-US" dirty="0" smtClean="0"/>
+              <a:rPr lang="zh-Hans" altLang="en-US" dirty="0" smtClean="0"/>
               <a:t>框架结构</a:t>
             </a:r>
             <a:r>
-              <a:rPr lang="en-US" altLang="zh-CHS" dirty="0" smtClean="0"/>
+              <a:rPr lang="en-US" altLang="zh-Hans" dirty="0" smtClean="0"/>
               <a:t>-4</a:t>
             </a:r>
-            <a:endParaRPr lang="zh-CHS" altLang="en-US" dirty="0"/>
+            <a:endParaRPr lang="zh-Hans" altLang="en-US" dirty="0"/>
           </a:p>
         </p:txBody>
       </p:sp>
@@ -19918,201 +18923,205 @@
           </a:lstStyle>
           <a:p>
             <a:r>
-              <a:rPr lang="zh-CHS" altLang="en-US" dirty="0"/>
+              <a:rPr lang="zh-Hans" altLang="en-US" dirty="0"/>
               <a:t>第</a:t>
             </a:r>
             <a:r>
-              <a:rPr lang="en-US" altLang="zh-CHS" dirty="0"/>
+              <a:rPr lang="en-US" altLang="zh-Hans" dirty="0"/>
               <a:t>4</a:t>
             </a:r>
             <a:r>
-              <a:rPr lang="zh-CHS" altLang="en-US" dirty="0" smtClean="0"/>
-              <a:t>章</a:t>
-            </a:r>
-            <a:r>
-              <a:rPr kumimoji="1" lang="zh-CHS" altLang="en-US" dirty="0"/>
-              <a:t>面向流程挖掘算法评估的典型模型库构建</a:t>
+              <a:rPr lang="zh-Hans" altLang="en-US" dirty="0" smtClean="0"/>
+              <a:t>章 </a:t>
+            </a:r>
+            <a:r>
+              <a:rPr kumimoji="1" lang="zh-Hans" altLang="en-US" dirty="0" smtClean="0"/>
+              <a:t>面向</a:t>
+            </a:r>
+            <a:r>
+              <a:rPr kumimoji="1" lang="zh-Hans" altLang="en-US" dirty="0"/>
+              <a:t>流程挖掘算法评估的典型模型库构建</a:t>
             </a:r>
           </a:p>
           <a:p>
             <a:pPr marL="742950" lvl="2" indent="-342900"/>
             <a:r>
-              <a:rPr lang="zh-CHS" altLang="zh-CHS" dirty="0" smtClean="0"/>
+              <a:rPr lang="zh-Hans" altLang="zh-Hans" dirty="0" smtClean="0"/>
               <a:t>流程</a:t>
             </a:r>
             <a:r>
-              <a:rPr lang="zh-CHS" altLang="zh-CHS" dirty="0"/>
+              <a:rPr lang="zh-Hans" altLang="zh-Hans" dirty="0"/>
               <a:t>挖掘算法框架整体</a:t>
             </a:r>
             <a:r>
-              <a:rPr lang="zh-CHS" altLang="zh-CHS" dirty="0" smtClean="0"/>
+              <a:rPr lang="zh-Hans" altLang="zh-Hans" dirty="0" smtClean="0"/>
               <a:t>介绍</a:t>
             </a:r>
-            <a:endParaRPr lang="en-US" altLang="zh-CHS" dirty="0" smtClean="0"/>
+            <a:endParaRPr lang="en-US" altLang="zh-Hans" dirty="0" smtClean="0"/>
           </a:p>
           <a:p>
             <a:pPr marL="742950" lvl="2" indent="-342900"/>
             <a:r>
-              <a:rPr lang="zh-CHS" altLang="en-US" dirty="0" smtClean="0"/>
+              <a:rPr lang="zh-Hans" altLang="en-US" dirty="0" smtClean="0"/>
               <a:t>流程模型</a:t>
             </a:r>
             <a:r>
-              <a:rPr lang="zh-CHS" altLang="en-US" dirty="0"/>
+              <a:rPr lang="zh-Hans" altLang="en-US" dirty="0"/>
               <a:t>的特征</a:t>
             </a:r>
             <a:r>
-              <a:rPr lang="zh-CHS" altLang="en-US" dirty="0" smtClean="0"/>
+              <a:rPr lang="zh-Hans" altLang="en-US" dirty="0" smtClean="0"/>
               <a:t>选</a:t>
             </a:r>
             <a:r>
-              <a:rPr lang="zh-CHS" altLang="en-US" dirty="0"/>
+              <a:rPr lang="zh-Hans" altLang="en-US" dirty="0"/>
               <a:t>取</a:t>
             </a:r>
-            <a:endParaRPr lang="en-US" altLang="zh-CHS" dirty="0"/>
+            <a:endParaRPr lang="en-US" altLang="zh-Hans" dirty="0"/>
           </a:p>
           <a:p>
             <a:pPr marL="1200150" lvl="3" indent="-342900"/>
             <a:r>
-              <a:rPr lang="zh-CHS" altLang="en-US" dirty="0" smtClean="0"/>
+              <a:rPr lang="zh-Hans" altLang="en-US" dirty="0" smtClean="0"/>
               <a:t>特征选择</a:t>
             </a:r>
             <a:r>
-              <a:rPr lang="zh-CHS" altLang="en-US" dirty="0"/>
+              <a:rPr lang="zh-Hans" altLang="en-US" dirty="0"/>
               <a:t>标准	</a:t>
             </a:r>
-            <a:endParaRPr lang="en-US" altLang="zh-CHS" dirty="0"/>
+            <a:endParaRPr lang="en-US" altLang="zh-Hans" dirty="0"/>
           </a:p>
           <a:p>
             <a:pPr marL="1200150" lvl="3" indent="-342900"/>
             <a:r>
-              <a:rPr lang="zh-CHS" altLang="en-US" dirty="0" smtClean="0"/>
+              <a:rPr lang="zh-Hans" altLang="en-US" dirty="0" smtClean="0"/>
               <a:t>选取</a:t>
             </a:r>
             <a:r>
-              <a:rPr lang="zh-CHS" altLang="en-US" dirty="0"/>
+              <a:rPr lang="zh-Hans" altLang="en-US" dirty="0"/>
               <a:t>的特征	</a:t>
             </a:r>
-            <a:endParaRPr lang="en-US" altLang="zh-CHS" dirty="0"/>
+            <a:endParaRPr lang="en-US" altLang="zh-Hans" dirty="0"/>
           </a:p>
           <a:p>
             <a:pPr marL="742950" lvl="2" indent="-342900"/>
             <a:r>
-              <a:rPr lang="zh-CHS" altLang="en-US" dirty="0" smtClean="0"/>
+              <a:rPr lang="zh-Hans" altLang="en-US" dirty="0" smtClean="0"/>
               <a:t>一</a:t>
             </a:r>
             <a:r>
-              <a:rPr lang="zh-CHS" altLang="en-US" dirty="0"/>
+              <a:rPr lang="zh-Hans" altLang="en-US" dirty="0"/>
               <a:t>组通用的重要参考</a:t>
             </a:r>
             <a:r>
-              <a:rPr lang="zh-CHS" altLang="en-US" dirty="0" smtClean="0"/>
+              <a:rPr lang="zh-Hans" altLang="en-US" dirty="0" smtClean="0"/>
               <a:t>模型</a:t>
             </a:r>
             <a:r>
-              <a:rPr lang="zh-CHS" altLang="en-US" dirty="0"/>
+              <a:rPr lang="zh-Hans" altLang="en-US" dirty="0"/>
               <a:t>集合</a:t>
             </a:r>
-            <a:endParaRPr lang="en-US" altLang="zh-CHS" dirty="0"/>
+            <a:endParaRPr lang="en-US" altLang="zh-Hans" dirty="0"/>
           </a:p>
           <a:p>
             <a:pPr marL="1200150" lvl="3" indent="-342900"/>
             <a:r>
-              <a:rPr lang="zh-CHS" altLang="en-US" dirty="0" smtClean="0"/>
+              <a:rPr lang="zh-Hans" altLang="en-US" dirty="0" smtClean="0"/>
               <a:t>模型</a:t>
             </a:r>
             <a:r>
-              <a:rPr lang="zh-CHS" altLang="en-US" dirty="0"/>
+              <a:rPr lang="zh-Hans" altLang="en-US" dirty="0"/>
               <a:t>集合</a:t>
             </a:r>
             <a:r>
-              <a:rPr lang="zh-CHS" altLang="en-US" dirty="0" smtClean="0"/>
+              <a:rPr lang="zh-Hans" altLang="en-US" dirty="0" smtClean="0"/>
               <a:t>概述</a:t>
             </a:r>
-            <a:endParaRPr lang="en-US" altLang="zh-CHS" dirty="0"/>
+            <a:endParaRPr lang="en-US" altLang="zh-Hans" dirty="0"/>
           </a:p>
           <a:p>
             <a:pPr marL="1200150" lvl="3" indent="-342900"/>
             <a:r>
-              <a:rPr lang="zh-CHS" altLang="en-US" dirty="0" smtClean="0"/>
+              <a:rPr lang="zh-Hans" altLang="en-US" dirty="0" smtClean="0"/>
               <a:t>不</a:t>
             </a:r>
             <a:r>
-              <a:rPr lang="zh-CHS" altLang="en-US" dirty="0"/>
+              <a:rPr lang="zh-Hans" altLang="en-US" dirty="0"/>
               <a:t>可见</a:t>
             </a:r>
             <a:r>
-              <a:rPr lang="zh-CHS" altLang="en-US" dirty="0" smtClean="0"/>
+              <a:rPr lang="zh-Hans" altLang="en-US" dirty="0" smtClean="0"/>
               <a:t>任务、重名任务、非</a:t>
             </a:r>
             <a:r>
-              <a:rPr lang="zh-CHS" altLang="en-US" dirty="0"/>
+              <a:rPr lang="zh-Hans" altLang="en-US" dirty="0"/>
               <a:t>自由</a:t>
             </a:r>
             <a:r>
-              <a:rPr lang="zh-CHS" altLang="en-US" dirty="0" smtClean="0"/>
+              <a:rPr lang="zh-Hans" altLang="en-US" dirty="0" smtClean="0"/>
               <a:t>选择、任意</a:t>
             </a:r>
             <a:r>
-              <a:rPr lang="zh-CHS" altLang="en-US" dirty="0"/>
+              <a:rPr lang="zh-Hans" altLang="en-US" dirty="0"/>
               <a:t>循环	</a:t>
             </a:r>
             <a:r>
-              <a:rPr lang="zh-CHS" altLang="en-US" dirty="0" smtClean="0"/>
+              <a:rPr lang="zh-Hans" altLang="en-US" dirty="0" smtClean="0"/>
               <a:t>、短循环、嵌套循环</a:t>
             </a:r>
-            <a:endParaRPr lang="en-US" altLang="zh-CHS" dirty="0" smtClean="0"/>
+            <a:endParaRPr lang="en-US" altLang="zh-Hans" dirty="0" smtClean="0"/>
           </a:p>
           <a:p>
             <a:pPr marL="742950" lvl="2" indent="-342900"/>
             <a:r>
-              <a:rPr lang="zh-CHS" altLang="en-US" dirty="0" smtClean="0"/>
+              <a:rPr lang="zh-Hans" altLang="en-US" dirty="0" smtClean="0"/>
               <a:t>实验</a:t>
             </a:r>
             <a:r>
-              <a:rPr lang="zh-CHS" altLang="en-US" dirty="0"/>
+              <a:rPr lang="zh-Hans" altLang="en-US" dirty="0"/>
               <a:t>评估	</a:t>
             </a:r>
-            <a:endParaRPr lang="en-US" altLang="zh-CHS" dirty="0"/>
+            <a:endParaRPr lang="en-US" altLang="zh-Hans" dirty="0"/>
           </a:p>
           <a:p>
             <a:pPr marL="1200150" lvl="3" indent="-342900"/>
             <a:r>
-              <a:rPr lang="zh-CHS" altLang="en-US" dirty="0" smtClean="0"/>
+              <a:rPr lang="zh-Hans" altLang="en-US" dirty="0" smtClean="0"/>
               <a:t>流程模型</a:t>
             </a:r>
             <a:r>
-              <a:rPr lang="zh-CHS" altLang="en-US" dirty="0"/>
+              <a:rPr lang="zh-Hans" altLang="en-US" dirty="0"/>
               <a:t>特征</a:t>
             </a:r>
             <a:r>
-              <a:rPr lang="zh-CHS" altLang="en-US" dirty="0" smtClean="0"/>
+              <a:rPr lang="zh-Hans" altLang="en-US" dirty="0" smtClean="0"/>
               <a:t>选取</a:t>
             </a:r>
-            <a:endParaRPr lang="en-US" altLang="zh-CHS" dirty="0"/>
+            <a:endParaRPr lang="en-US" altLang="zh-Hans" dirty="0"/>
           </a:p>
           <a:p>
             <a:pPr marL="1200150" lvl="3" indent="-342900"/>
             <a:r>
-              <a:rPr lang="zh-CHS" altLang="en-US" dirty="0" smtClean="0"/>
+              <a:rPr lang="zh-Hans" altLang="en-US" dirty="0" smtClean="0"/>
               <a:t>参考</a:t>
             </a:r>
             <a:r>
-              <a:rPr lang="zh-CHS" altLang="en-US" dirty="0"/>
+              <a:rPr lang="zh-Hans" altLang="en-US" dirty="0"/>
               <a:t>模型</a:t>
             </a:r>
             <a:r>
-              <a:rPr lang="zh-CHS" altLang="en-US" dirty="0" smtClean="0"/>
+              <a:rPr lang="zh-Hans" altLang="en-US" dirty="0" smtClean="0"/>
               <a:t>集合</a:t>
             </a:r>
-            <a:endParaRPr lang="en-US" altLang="zh-CHS" dirty="0"/>
+            <a:endParaRPr lang="en-US" altLang="zh-Hans" dirty="0"/>
           </a:p>
           <a:p>
             <a:pPr marL="742950" lvl="2" indent="-342900"/>
-            <a:endParaRPr lang="en-US" altLang="zh-CHS" dirty="0"/>
+            <a:endParaRPr lang="en-US" altLang="zh-Hans" dirty="0"/>
           </a:p>
           <a:p>
             <a:pPr marL="742950" lvl="2" indent="-342900"/>
-            <a:endParaRPr lang="en-US" altLang="zh-CHS" dirty="0"/>
+            <a:endParaRPr lang="en-US" altLang="zh-Hans" dirty="0"/>
           </a:p>
         </p:txBody>
       </p:sp>
@@ -20160,7 +19169,7 @@
           <a:lstStyle/>
           <a:p>
             <a:pPr algn="ctr"/>
-            <a:endParaRPr lang="zh-CHS" altLang="en-US"/>
+            <a:endParaRPr lang="zh-Hans" altLang="en-US"/>
           </a:p>
         </p:txBody>
       </p:sp>
@@ -20208,7 +19217,7 @@
           <a:lstStyle/>
           <a:p>
             <a:pPr algn="ctr"/>
-            <a:endParaRPr lang="zh-CHS" altLang="en-US"/>
+            <a:endParaRPr lang="zh-Hans" altLang="en-US"/>
           </a:p>
         </p:txBody>
       </p:sp>
@@ -20248,7 +19257,7 @@
           <a:lstStyle/>
           <a:p>
             <a:pPr algn="ctr"/>
-            <a:endParaRPr lang="zh-CHS" altLang="en-US"/>
+            <a:endParaRPr lang="zh-Hans" altLang="en-US"/>
           </a:p>
         </p:txBody>
       </p:sp>
@@ -20328,14 +19337,14 @@
           </a:lstStyle>
           <a:p>
             <a:r>
-              <a:rPr lang="zh-CHS" altLang="en-US" dirty="0" smtClean="0"/>
+              <a:rPr lang="zh-Hans" altLang="en-US" dirty="0" smtClean="0"/>
               <a:t>框架结构</a:t>
             </a:r>
             <a:r>
-              <a:rPr lang="en-US" altLang="zh-CHS" dirty="0" smtClean="0"/>
+              <a:rPr lang="en-US" altLang="zh-Hans" dirty="0" smtClean="0"/>
               <a:t>-5</a:t>
             </a:r>
-            <a:endParaRPr lang="zh-CHS" altLang="en-US" dirty="0"/>
+            <a:endParaRPr lang="zh-Hans" altLang="en-US" dirty="0"/>
           </a:p>
         </p:txBody>
       </p:sp>
@@ -20528,70 +19537,70 @@
           <a:p>
             <a:pPr marL="0" indent="-400050"/>
             <a:r>
-              <a:rPr lang="zh-CHS" altLang="en-US" dirty="0" smtClean="0"/>
+              <a:rPr lang="zh-Hans" altLang="en-US" dirty="0" smtClean="0"/>
               <a:t>第</a:t>
             </a:r>
             <a:r>
-              <a:rPr lang="en-US" altLang="zh-CHS" dirty="0" smtClean="0"/>
+              <a:rPr lang="en-US" altLang="zh-Hans" dirty="0" smtClean="0"/>
               <a:t>5</a:t>
             </a:r>
             <a:r>
-              <a:rPr lang="zh-CHS" altLang="en-US" dirty="0" smtClean="0"/>
+              <a:rPr lang="zh-Hans" altLang="en-US" dirty="0" smtClean="0"/>
               <a:t>章总结与展望</a:t>
             </a:r>
-            <a:endParaRPr lang="en-US" altLang="zh-CHS" dirty="0" smtClean="0"/>
+            <a:endParaRPr lang="en-US" altLang="zh-Hans" dirty="0" smtClean="0"/>
           </a:p>
           <a:p>
             <a:pPr marL="800100" lvl="2" indent="-400050"/>
             <a:r>
-              <a:rPr lang="zh-CHS" altLang="en-US" dirty="0" smtClean="0"/>
+              <a:rPr lang="zh-Hans" altLang="en-US" dirty="0" smtClean="0"/>
               <a:t>总结</a:t>
             </a:r>
-            <a:endParaRPr lang="en-US" altLang="zh-CHS" dirty="0" smtClean="0"/>
+            <a:endParaRPr lang="en-US" altLang="zh-Hans" dirty="0" smtClean="0"/>
           </a:p>
           <a:p>
             <a:pPr marL="1257300" lvl="3" indent="-400050"/>
             <a:r>
-              <a:rPr lang="zh-CHS" altLang="en-US" dirty="0" smtClean="0"/>
+              <a:rPr lang="zh-Hans" altLang="en-US" dirty="0" smtClean="0"/>
               <a:t>总结全文工作</a:t>
             </a:r>
-            <a:endParaRPr lang="en-US" altLang="zh-CHS" dirty="0" smtClean="0"/>
+            <a:endParaRPr lang="en-US" altLang="zh-Hans" dirty="0" smtClean="0"/>
           </a:p>
           <a:p>
             <a:pPr marL="800100" lvl="2" indent="-400050"/>
             <a:r>
-              <a:rPr lang="zh-CHS" altLang="en-US" dirty="0" smtClean="0"/>
+              <a:rPr lang="zh-Hans" altLang="en-US" dirty="0" smtClean="0"/>
               <a:t>展望</a:t>
             </a:r>
-            <a:endParaRPr lang="en-US" altLang="zh-CHS" dirty="0" smtClean="0"/>
+            <a:endParaRPr lang="en-US" altLang="zh-Hans" dirty="0" smtClean="0"/>
           </a:p>
           <a:p>
             <a:pPr marL="1257300" lvl="3" indent="-400050"/>
             <a:r>
-              <a:rPr lang="zh-CHS" altLang="en-US" dirty="0" smtClean="0"/>
+              <a:rPr lang="zh-Hans" altLang="en-US" dirty="0" smtClean="0"/>
               <a:t>设计算法</a:t>
             </a:r>
             <a:r>
-              <a:rPr lang="en-US" altLang="zh-CHS" dirty="0" smtClean="0"/>
+              <a:rPr lang="en-US" altLang="zh-Hans" dirty="0" smtClean="0"/>
               <a:t>: </a:t>
             </a:r>
             <a:r>
-              <a:rPr lang="zh-CHS" altLang="en-US" dirty="0" smtClean="0"/>
+              <a:rPr lang="zh-Hans" altLang="en-US" dirty="0" smtClean="0"/>
               <a:t>挖掘重名任务、噪声。</a:t>
             </a:r>
-            <a:endParaRPr lang="en-US" altLang="zh-CHS" dirty="0" smtClean="0"/>
+            <a:endParaRPr lang="en-US" altLang="zh-Hans" dirty="0" smtClean="0"/>
           </a:p>
           <a:p>
             <a:pPr marL="1257300" lvl="3" indent="-400050"/>
             <a:r>
-              <a:rPr lang="zh-CHS" altLang="en-US" dirty="0" smtClean="0"/>
+              <a:rPr lang="zh-Hans" altLang="en-US" dirty="0" smtClean="0"/>
               <a:t>证明算法效率</a:t>
             </a:r>
-            <a:endParaRPr lang="en-US" altLang="zh-CHS" dirty="0"/>
+            <a:endParaRPr lang="en-US" altLang="zh-Hans" dirty="0"/>
           </a:p>
           <a:p>
             <a:pPr marL="742950" lvl="2" indent="-342900"/>
-            <a:endParaRPr lang="en-US" altLang="zh-CHS" dirty="0"/>
+            <a:endParaRPr lang="en-US" altLang="zh-Hans" dirty="0"/>
           </a:p>
         </p:txBody>
       </p:sp>
@@ -20639,7 +19648,7 @@
           <a:lstStyle/>
           <a:p>
             <a:pPr algn="ctr"/>
-            <a:endParaRPr lang="zh-CHS" altLang="en-US"/>
+            <a:endParaRPr lang="zh-Hans" altLang="en-US"/>
           </a:p>
         </p:txBody>
       </p:sp>
@@ -20687,7 +19696,7 @@
           <a:lstStyle/>
           <a:p>
             <a:pPr algn="ctr"/>
-            <a:endParaRPr lang="zh-CHS" altLang="en-US"/>
+            <a:endParaRPr lang="zh-Hans" altLang="en-US"/>
           </a:p>
         </p:txBody>
       </p:sp>
@@ -20727,7 +19736,7 @@
           <a:lstStyle/>
           <a:p>
             <a:pPr algn="ctr"/>
-            <a:endParaRPr lang="zh-CHS" altLang="en-US"/>
+            <a:endParaRPr lang="zh-Hans" altLang="en-US"/>
           </a:p>
         </p:txBody>
       </p:sp>
@@ -20830,7 +19839,7 @@
           <a:p>
             <a:pPr lvl="0"/>
             <a:r>
-              <a:rPr lang="zh-CHS" altLang="en-US" dirty="0"/>
+              <a:rPr lang="zh-Hans" altLang="en-US" dirty="0"/>
               <a:t>主要工作</a:t>
             </a:r>
           </a:p>
@@ -20913,7 +19922,7 @@
           <a:p>
             <a:pPr lvl="0"/>
             <a:r>
-              <a:rPr lang="zh-CHS" altLang="en-US" dirty="0"/>
+              <a:rPr lang="zh-Hans" altLang="en-US" dirty="0"/>
               <a:t>主要工作</a:t>
             </a:r>
           </a:p>
@@ -21042,22 +20051,22 @@
           <a:p>
             <a:pPr lvl="0"/>
             <a:r>
-              <a:rPr lang="zh-CHS" altLang="en-US" dirty="0"/>
+              <a:rPr lang="zh-Hans" altLang="en-US" dirty="0"/>
               <a:t>主要</a:t>
             </a:r>
             <a:r>
-              <a:rPr lang="zh-CHS" altLang="en-US" dirty="0" smtClean="0"/>
+              <a:rPr lang="zh-Hans" altLang="en-US" dirty="0" smtClean="0"/>
               <a:t>工作</a:t>
             </a:r>
-            <a:endParaRPr lang="en-US" altLang="zh-CHS" dirty="0" smtClean="0"/>
+            <a:endParaRPr lang="en-US" altLang="zh-Hans" dirty="0" smtClean="0"/>
           </a:p>
           <a:p>
             <a:pPr lvl="0"/>
             <a:r>
-              <a:rPr kumimoji="1" lang="zh-CHS" altLang="en-US" sz="2400" dirty="0"/>
+              <a:rPr kumimoji="1" lang="zh-Hans" altLang="en-US" sz="2400" dirty="0"/>
               <a:t>从不完整日志中挖掘非自由选择结构</a:t>
             </a:r>
-            <a:endParaRPr lang="zh-CHS" altLang="en-US" sz="2400" dirty="0"/>
+            <a:endParaRPr lang="zh-Hans" altLang="en-US" sz="2400" dirty="0"/>
           </a:p>
         </p:txBody>
       </p:sp>
@@ -21222,21 +20231,21 @@
               <a:p>
                 <a:pPr marL="0" indent="-400050"/>
                 <a:r>
-                  <a:rPr lang="zh-CHS" altLang="en-US" dirty="0" smtClean="0"/>
+                  <a:rPr lang="zh-Hans" altLang="en-US" dirty="0" smtClean="0"/>
                   <a:t>完成了算法设计，并已经完成算法。</a:t>
                 </a:r>
-                <a:endParaRPr lang="en-US" altLang="zh-CHS" dirty="0" smtClean="0"/>
+                <a:endParaRPr lang="en-US" altLang="zh-Hans" dirty="0" smtClean="0"/>
               </a:p>
               <a:p>
                 <a:pPr marL="400050" lvl="1" indent="-400050"/>
                 <a:r>
-                  <a:rPr lang="zh-CHS" altLang="en-US" dirty="0" smtClean="0"/>
+                  <a:rPr lang="zh-Hans" altLang="en-US" dirty="0" smtClean="0"/>
                   <a:t>算法是融合了</a:t>
                 </a:r>
                 <a14:m>
                   <m:oMath xmlns:m="http://schemas.openxmlformats.org/officeDocument/2006/math">
                     <m:r>
-                      <a:rPr lang="zh-CHS" altLang="en-US" i="1" smtClean="0">
+                      <a:rPr lang="zh-Hans" altLang="en-US" i="1" smtClean="0">
                         <a:latin typeface="Cambria Math" panose="02040503050406030204" pitchFamily="18" charset="0"/>
                       </a:rPr>
                       <m:t>∝</m:t>
@@ -21244,17 +20253,17 @@
                   </m:oMath>
                 </a14:m>
                 <a:r>
-                  <a:rPr lang="en-US" altLang="zh-CHS" baseline="30000" dirty="0" smtClean="0"/>
+                  <a:rPr lang="en-US" altLang="zh-Hans" baseline="30000" dirty="0" smtClean="0"/>
                   <a:t>++</a:t>
                 </a:r>
                 <a:r>
-                  <a:rPr lang="zh-CHS" altLang="en-US" dirty="0" smtClean="0"/>
+                  <a:rPr lang="zh-Hans" altLang="en-US" dirty="0" smtClean="0"/>
                   <a:t>和</a:t>
                 </a:r>
                 <a14:m>
                   <m:oMath xmlns:m="http://schemas.openxmlformats.org/officeDocument/2006/math">
                     <m:r>
-                      <a:rPr lang="zh-CHS" altLang="en-US" i="1" smtClean="0">
+                      <a:rPr lang="zh-Hans" altLang="en-US" i="1" smtClean="0">
                         <a:latin typeface="Cambria Math" panose="02040503050406030204" pitchFamily="18" charset="0"/>
                       </a:rPr>
                       <m:t>∝</m:t>
@@ -21262,38 +20271,38 @@
                   </m:oMath>
                 </a14:m>
                 <a:r>
-                  <a:rPr lang="en-US" altLang="zh-CHS" baseline="30000" dirty="0" smtClean="0"/>
+                  <a:rPr lang="en-US" altLang="zh-Hans" baseline="30000" dirty="0" smtClean="0"/>
                   <a:t>#</a:t>
                 </a:r>
                 <a:r>
-                  <a:rPr lang="zh-CHS" altLang="en-US" dirty="0" smtClean="0"/>
+                  <a:rPr lang="zh-Hans" altLang="en-US" dirty="0" smtClean="0"/>
                   <a:t>的</a:t>
                 </a:r>
                 <a:r>
-                  <a:rPr lang="zh-CHS" altLang="en-US" dirty="0"/>
+                  <a:rPr lang="zh-Hans" altLang="en-US" dirty="0"/>
                   <a:t>隐式</a:t>
                 </a:r>
                 <a:r>
-                  <a:rPr lang="zh-CHS" altLang="en-US" dirty="0" smtClean="0"/>
+                  <a:rPr lang="zh-Hans" altLang="en-US" dirty="0" smtClean="0"/>
                   <a:t>依赖和虚假依赖</a:t>
                 </a:r>
-                <a:endParaRPr lang="en-US" altLang="zh-CHS" dirty="0" smtClean="0"/>
+                <a:endParaRPr lang="en-US" altLang="zh-Hans" dirty="0" smtClean="0"/>
               </a:p>
               <a:p>
                 <a:pPr marL="400050" lvl="1" indent="-400050"/>
                 <a:r>
-                  <a:rPr lang="zh-CHS" altLang="en-US" dirty="0" smtClean="0"/>
+                  <a:rPr lang="zh-Hans" altLang="en-US" dirty="0" smtClean="0"/>
                   <a:t>在融合中发现了并处理了其中的</a:t>
                 </a:r>
                 <a:r>
-                  <a:rPr lang="zh-CHS" altLang="en-US" dirty="0"/>
+                  <a:rPr lang="zh-Hans" altLang="en-US" dirty="0"/>
                   <a:t>四</a:t>
                 </a:r>
                 <a:r>
-                  <a:rPr lang="zh-CHS" altLang="en-US" dirty="0" smtClean="0"/>
+                  <a:rPr lang="zh-Hans" altLang="en-US" dirty="0" smtClean="0"/>
                   <a:t>个问题</a:t>
                 </a:r>
-                <a:endParaRPr lang="en-US" altLang="zh-CHS" dirty="0"/>
+                <a:endParaRPr lang="en-US" altLang="zh-Hans" dirty="0"/>
               </a:p>
             </p:txBody>
           </p:sp>
@@ -21373,7 +20382,7 @@
           <a:lstStyle/>
           <a:p>
             <a:pPr algn="ctr"/>
-            <a:endParaRPr lang="zh-CHS" altLang="en-US"/>
+            <a:endParaRPr lang="zh-Hans" altLang="en-US"/>
           </a:p>
         </p:txBody>
       </p:sp>
@@ -21413,7 +20422,7 @@
           <a:lstStyle/>
           <a:p>
             <a:pPr algn="ctr"/>
-            <a:endParaRPr lang="zh-CHS" altLang="en-US"/>
+            <a:endParaRPr lang="zh-Hans" altLang="en-US"/>
           </a:p>
         </p:txBody>
       </p:sp>
@@ -21453,7 +20462,7 @@
           <a:lstStyle/>
           <a:p>
             <a:pPr algn="ctr"/>
-            <a:endParaRPr lang="zh-CHS" altLang="en-US"/>
+            <a:endParaRPr lang="zh-Hans" altLang="en-US"/>
           </a:p>
         </p:txBody>
       </p:sp>
@@ -21493,7 +20502,7 @@
           <a:lstStyle/>
           <a:p>
             <a:pPr algn="ctr"/>
-            <a:endParaRPr lang="zh-CHS" altLang="en-US"/>
+            <a:endParaRPr lang="zh-Hans" altLang="en-US"/>
           </a:p>
         </p:txBody>
       </p:sp>
@@ -21725,7 +20734,7 @@
           <a:lstStyle/>
           <a:p>
             <a:pPr algn="ctr"/>
-            <a:endParaRPr lang="zh-CHS" altLang="en-US"/>
+            <a:endParaRPr lang="zh-Hans" altLang="en-US"/>
           </a:p>
         </p:txBody>
       </p:sp>
@@ -21767,7 +20776,7 @@
           <a:lstStyle/>
           <a:p>
             <a:pPr algn="ctr"/>
-            <a:endParaRPr lang="zh-CHS" altLang="en-US"/>
+            <a:endParaRPr lang="zh-Hans" altLang="en-US"/>
           </a:p>
         </p:txBody>
       </p:sp>
@@ -21811,22 +20820,22 @@
           <a:p>
             <a:pPr lvl="0"/>
             <a:r>
-              <a:rPr lang="zh-CHS" altLang="en-US" dirty="0"/>
+              <a:rPr lang="zh-Hans" altLang="en-US" dirty="0"/>
               <a:t>主要</a:t>
             </a:r>
             <a:r>
-              <a:rPr lang="zh-CHS" altLang="en-US" dirty="0" smtClean="0"/>
+              <a:rPr lang="zh-Hans" altLang="en-US" dirty="0" smtClean="0"/>
               <a:t>工作</a:t>
             </a:r>
-            <a:endParaRPr lang="en-US" altLang="zh-CHS" dirty="0" smtClean="0"/>
+            <a:endParaRPr lang="en-US" altLang="zh-Hans" dirty="0" smtClean="0"/>
           </a:p>
           <a:p>
             <a:pPr lvl="0"/>
             <a:r>
-              <a:rPr kumimoji="1" lang="zh-CHS" altLang="en-US" sz="2400" dirty="0"/>
+              <a:rPr kumimoji="1" lang="zh-Hans" altLang="en-US" sz="2400" dirty="0"/>
               <a:t>从不完整日志中挖掘非自由选择结构</a:t>
             </a:r>
-            <a:endParaRPr lang="zh-CHS" altLang="en-US" sz="2400" dirty="0"/>
+            <a:endParaRPr lang="zh-Hans" altLang="en-US" sz="2400" dirty="0"/>
           </a:p>
         </p:txBody>
       </p:sp>
@@ -21855,10 +20864,10 @@
           <a:lstStyle/>
           <a:p>
             <a:r>
-              <a:rPr lang="zh-CHS" altLang="en-US" b="1" dirty="0" smtClean="0"/>
+              <a:rPr lang="zh-Hans" altLang="en-US" b="1" dirty="0" smtClean="0"/>
               <a:t>发现改进的虚假依赖</a:t>
             </a:r>
-            <a:endParaRPr lang="zh-CHS" altLang="en-US" b="1" dirty="0"/>
+            <a:endParaRPr lang="zh-Hans" altLang="en-US" b="1" dirty="0"/>
           </a:p>
         </p:txBody>
       </p:sp>
@@ -21887,10 +20896,10 @@
           <a:lstStyle/>
           <a:p>
             <a:r>
-              <a:rPr lang="zh-CHS" altLang="en-US" b="1" dirty="0" smtClean="0"/>
+              <a:rPr lang="zh-Hans" altLang="en-US" b="1" dirty="0" smtClean="0"/>
               <a:t>补充可达关系</a:t>
             </a:r>
-            <a:endParaRPr lang="zh-CHS" altLang="en-US" b="1" dirty="0"/>
+            <a:endParaRPr lang="zh-Hans" altLang="en-US" b="1" dirty="0"/>
           </a:p>
         </p:txBody>
       </p:sp>
@@ -21917,10 +20926,10 @@
           <a:lstStyle/>
           <a:p>
             <a:r>
-              <a:rPr lang="zh-CHS" altLang="en-US" dirty="0" smtClean="0"/>
+              <a:rPr lang="zh-Hans" altLang="en-US" dirty="0" smtClean="0"/>
               <a:t>对并行影响发现不可见任务做出改进</a:t>
             </a:r>
-            <a:endParaRPr lang="zh-CHS" altLang="en-US" dirty="0"/>
+            <a:endParaRPr lang="zh-Hans" altLang="en-US" dirty="0"/>
           </a:p>
         </p:txBody>
       </p:sp>
@@ -21947,10 +20956,10 @@
           <a:lstStyle/>
           <a:p>
             <a:r>
-              <a:rPr lang="zh-CHS" altLang="en-US" dirty="0" smtClean="0"/>
+              <a:rPr lang="zh-Hans" altLang="en-US" dirty="0" smtClean="0"/>
               <a:t>因为非自由选择结构中不可见任务不在可达关系中，需要人为的补充</a:t>
             </a:r>
-            <a:endParaRPr lang="zh-CHS" altLang="en-US" dirty="0"/>
+            <a:endParaRPr lang="zh-Hans" altLang="en-US" dirty="0"/>
           </a:p>
         </p:txBody>
       </p:sp>
@@ -21976,7 +20985,7 @@
           <a:graphicData uri="http://schemas.openxmlformats.org/presentationml/2006/ole">
             <mc:AlternateContent xmlns:mc="http://schemas.openxmlformats.org/markup-compatibility/2006">
               <mc:Choice xmlns:v="urn:schemas-microsoft-com:vml" Requires="v">
-                <p:oleObj spid="_x0000_s3176" name="Acrobat Document" r:id="rId3" imgW="28946415" imgH="6972129" progId="AcroExch.Document.11">
+                <p:oleObj spid="_x0000_s3180" name="Acrobat Document" r:id="rId3" imgW="28946415" imgH="6972129" progId="AcroExch.Document.11">
                   <p:embed/>
                 </p:oleObj>
               </mc:Choice>
@@ -22033,7 +21042,7 @@
           <a:graphicData uri="http://schemas.openxmlformats.org/presentationml/2006/ole">
             <mc:AlternateContent xmlns:mc="http://schemas.openxmlformats.org/markup-compatibility/2006">
               <mc:Choice xmlns:v="urn:schemas-microsoft-com:vml" Requires="v">
-                <p:oleObj spid="_x0000_s3177" name="Acrobat Document" r:id="rId5" imgW="29432178" imgH="12030032" progId="AcroExch.Document.11">
+                <p:oleObj spid="_x0000_s3181" name="Acrobat Document" r:id="rId5" imgW="29432178" imgH="12030032" progId="AcroExch.Document.11">
                   <p:embed/>
                 </p:oleObj>
               </mc:Choice>
@@ -22145,22 +21154,22 @@
           <a:p>
             <a:pPr lvl="0"/>
             <a:r>
-              <a:rPr lang="zh-CHS" altLang="en-US" dirty="0"/>
+              <a:rPr lang="zh-Hans" altLang="en-US" dirty="0"/>
               <a:t>主要</a:t>
             </a:r>
             <a:r>
-              <a:rPr lang="zh-CHS" altLang="en-US" dirty="0" smtClean="0"/>
+              <a:rPr lang="zh-Hans" altLang="en-US" dirty="0" smtClean="0"/>
               <a:t>工作</a:t>
             </a:r>
-            <a:endParaRPr lang="en-US" altLang="zh-CHS" dirty="0" smtClean="0"/>
+            <a:endParaRPr lang="en-US" altLang="zh-Hans" dirty="0" smtClean="0"/>
           </a:p>
           <a:p>
             <a:pPr lvl="0"/>
             <a:r>
-              <a:rPr kumimoji="1" lang="zh-CHS" altLang="en-US" sz="2400" dirty="0"/>
+              <a:rPr kumimoji="1" lang="zh-Hans" altLang="en-US" sz="2400" dirty="0"/>
               <a:t>从不完整日志中挖掘非自由选择结构</a:t>
             </a:r>
-            <a:endParaRPr lang="zh-CHS" altLang="en-US" sz="2400" dirty="0"/>
+            <a:endParaRPr lang="zh-Hans" altLang="en-US" sz="2400" dirty="0"/>
           </a:p>
         </p:txBody>
       </p:sp>
@@ -22200,7 +21209,7 @@
           <a:lstStyle/>
           <a:p>
             <a:pPr algn="ctr"/>
-            <a:endParaRPr lang="zh-CHS" altLang="en-US"/>
+            <a:endParaRPr lang="zh-Hans" altLang="en-US"/>
           </a:p>
         </p:txBody>
       </p:sp>
@@ -22229,10 +21238,10 @@
           <a:lstStyle/>
           <a:p>
             <a:r>
-              <a:rPr lang="zh-CHS" altLang="en-US" b="1" dirty="0" smtClean="0"/>
+              <a:rPr lang="zh-Hans" altLang="en-US" b="1" dirty="0" smtClean="0"/>
               <a:t>发现非自由选择结构</a:t>
             </a:r>
-            <a:endParaRPr lang="zh-CHS" altLang="en-US" b="1" dirty="0"/>
+            <a:endParaRPr lang="zh-Hans" altLang="en-US" b="1" dirty="0"/>
           </a:p>
         </p:txBody>
       </p:sp>
@@ -22274,7 +21283,7 @@
           <a:lstStyle/>
           <a:p>
             <a:pPr algn="ctr"/>
-            <a:endParaRPr lang="zh-CHS" altLang="en-US"/>
+            <a:endParaRPr lang="zh-Hans" altLang="en-US"/>
           </a:p>
         </p:txBody>
       </p:sp>
@@ -22303,10 +21312,10 @@
           <a:lstStyle/>
           <a:p>
             <a:r>
-              <a:rPr lang="zh-CHS" altLang="en-US" b="1" dirty="0" smtClean="0"/>
+              <a:rPr lang="zh-Hans" altLang="en-US" b="1" dirty="0" smtClean="0"/>
               <a:t>调整不可见任务</a:t>
             </a:r>
-            <a:endParaRPr lang="zh-CHS" altLang="en-US" b="1" dirty="0"/>
+            <a:endParaRPr lang="zh-Hans" altLang="en-US" b="1" dirty="0"/>
           </a:p>
         </p:txBody>
       </p:sp>
@@ -22332,7 +21341,7 @@
           <a:graphicData uri="http://schemas.openxmlformats.org/presentationml/2006/ole">
             <mc:AlternateContent xmlns:mc="http://schemas.openxmlformats.org/markup-compatibility/2006">
               <mc:Choice xmlns:v="urn:schemas-microsoft-com:vml" Requires="v">
-                <p:oleObj spid="_x0000_s4198" name="Acrobat Document" r:id="rId3" imgW="27993675" imgH="13125137" progId="AcroExch.Document.11">
+                <p:oleObj spid="_x0000_s4202" name="Acrobat Document" r:id="rId3" imgW="27993675" imgH="13125137" progId="AcroExch.Document.11">
                   <p:embed/>
                 </p:oleObj>
               </mc:Choice>
@@ -22389,7 +21398,7 @@
           <a:graphicData uri="http://schemas.openxmlformats.org/presentationml/2006/ole">
             <mc:AlternateContent xmlns:mc="http://schemas.openxmlformats.org/markup-compatibility/2006">
               <mc:Choice xmlns:v="urn:schemas-microsoft-com:vml" Requires="v">
-                <p:oleObj spid="_x0000_s4199" name="Acrobat Document" r:id="rId5" imgW="28736697" imgH="15154133" progId="AcroExch.Document.11">
+                <p:oleObj spid="_x0000_s4203" name="Acrobat Document" r:id="rId5" imgW="28736697" imgH="15154133" progId="AcroExch.Document.11">
                   <p:embed/>
                 </p:oleObj>
               </mc:Choice>
@@ -22447,26 +21456,26 @@
           <a:lstStyle/>
           <a:p>
             <a:r>
-              <a:rPr lang="zh-CHS" altLang="en-US" dirty="0" smtClean="0"/>
+              <a:rPr lang="zh-Hans" altLang="en-US" dirty="0" smtClean="0"/>
               <a:t>当</a:t>
             </a:r>
             <a:r>
-              <a:rPr lang="en-US" altLang="zh-CHS" dirty="0" smtClean="0"/>
+              <a:rPr lang="en-US" altLang="zh-Hans" dirty="0" smtClean="0"/>
               <a:t>L1L</a:t>
             </a:r>
             <a:r>
-              <a:rPr lang="zh-CHS" altLang="en-US" dirty="0" smtClean="0"/>
+              <a:rPr lang="zh-Hans" altLang="en-US" dirty="0" smtClean="0"/>
               <a:t>与不可见任务结合时，需要将此类</a:t>
             </a:r>
             <a:r>
-              <a:rPr lang="en-US" altLang="zh-CHS" dirty="0" smtClean="0"/>
+              <a:rPr lang="en-US" altLang="zh-Hans" dirty="0" smtClean="0"/>
               <a:t>L1L</a:t>
             </a:r>
             <a:r>
-              <a:rPr lang="zh-CHS" altLang="en-US" dirty="0" smtClean="0"/>
+              <a:rPr lang="zh-Hans" altLang="en-US" dirty="0" smtClean="0"/>
               <a:t>处理。</a:t>
             </a:r>
-            <a:endParaRPr lang="zh-CHS" altLang="en-US" dirty="0"/>
+            <a:endParaRPr lang="zh-Hans" altLang="en-US" dirty="0"/>
           </a:p>
         </p:txBody>
       </p:sp>
@@ -22493,10 +21502,10 @@
           <a:lstStyle/>
           <a:p>
             <a:r>
-              <a:rPr lang="zh-CHS" altLang="en-US" dirty="0" smtClean="0"/>
+              <a:rPr lang="zh-Hans" altLang="en-US" dirty="0" smtClean="0"/>
               <a:t>为了保证模型的结构完成，需要对于不可见任务进行合并或分开。</a:t>
             </a:r>
-            <a:endParaRPr lang="zh-CHS" altLang="en-US" dirty="0"/>
+            <a:endParaRPr lang="zh-Hans" altLang="en-US" dirty="0"/>
           </a:p>
         </p:txBody>
       </p:sp>
@@ -22575,7 +21584,7 @@
           <a:lstStyle/>
           <a:p>
             <a:pPr algn="ctr"/>
-            <a:endParaRPr lang="zh-CHS" altLang="en-US"/>
+            <a:endParaRPr lang="zh-Hans" altLang="en-US"/>
           </a:p>
         </p:txBody>
       </p:sp>
@@ -22619,22 +21628,22 @@
           <a:p>
             <a:pPr lvl="0"/>
             <a:r>
-              <a:rPr lang="zh-CHS" altLang="en-US" dirty="0"/>
+              <a:rPr lang="zh-Hans" altLang="en-US" dirty="0"/>
               <a:t>主要</a:t>
             </a:r>
             <a:r>
-              <a:rPr lang="zh-CHS" altLang="en-US" dirty="0" smtClean="0"/>
+              <a:rPr lang="zh-Hans" altLang="en-US" dirty="0" smtClean="0"/>
               <a:t>工作</a:t>
             </a:r>
-            <a:endParaRPr lang="en-US" altLang="zh-CHS" dirty="0" smtClean="0"/>
+            <a:endParaRPr lang="en-US" altLang="zh-Hans" dirty="0" smtClean="0"/>
           </a:p>
           <a:p>
             <a:pPr lvl="0"/>
             <a:r>
-              <a:rPr kumimoji="1" lang="zh-CHS" altLang="en-US" sz="2400" dirty="0"/>
+              <a:rPr kumimoji="1" lang="zh-Hans" altLang="en-US" sz="2400" dirty="0"/>
               <a:t>从不完整日志中挖掘非自由选择结构</a:t>
             </a:r>
-            <a:endParaRPr lang="zh-CHS" altLang="en-US" sz="2400" dirty="0"/>
+            <a:endParaRPr lang="zh-Hans" altLang="en-US" sz="2400" dirty="0"/>
           </a:p>
         </p:txBody>
       </p:sp>
@@ -22674,7 +21683,7 @@
           <a:lstStyle/>
           <a:p>
             <a:pPr algn="ctr"/>
-            <a:endParaRPr lang="zh-CHS" altLang="en-US"/>
+            <a:endParaRPr lang="zh-Hans" altLang="en-US"/>
           </a:p>
         </p:txBody>
       </p:sp>
@@ -22751,7 +21760,7 @@
           <a:lstStyle/>
           <a:p>
             <a:r>
-              <a:rPr lang="zh-CHS" altLang="en-US" b="1" dirty="0"/>
+              <a:rPr lang="zh-Hans" altLang="en-US" b="1" dirty="0"/>
               <a:t>人工数据</a:t>
             </a:r>
           </a:p>
@@ -22782,14 +21791,14 @@
           <a:lstStyle/>
           <a:p>
             <a:r>
-              <a:rPr lang="zh-CHS" altLang="en-US" b="1" dirty="0"/>
+              <a:rPr lang="zh-Hans" altLang="en-US" b="1" dirty="0"/>
               <a:t>真实</a:t>
             </a:r>
             <a:r>
-              <a:rPr lang="zh-CHS" altLang="en-US" b="1" dirty="0" smtClean="0"/>
+              <a:rPr lang="zh-Hans" altLang="en-US" b="1" dirty="0" smtClean="0"/>
               <a:t>数据</a:t>
             </a:r>
-            <a:endParaRPr lang="zh-CHS" altLang="en-US" b="1" dirty="0"/>
+            <a:endParaRPr lang="zh-Hans" altLang="en-US" b="1" dirty="0"/>
           </a:p>
         </p:txBody>
       </p:sp>
@@ -22845,7 +21854,7 @@
                         <a:defRPr/>
                       </a:pPr>
                       <a:r>
-                        <a:rPr lang="zh-CHS" altLang="en-US" dirty="0" smtClean="0"/>
+                        <a:rPr lang="zh-Hans" altLang="en-US" dirty="0" smtClean="0"/>
                         <a:t>数据来源</a:t>
                       </a:r>
                     </a:p>
@@ -22875,10 +21884,10 @@
                         <a:defRPr/>
                       </a:pPr>
                       <a:r>
-                        <a:rPr lang="zh-CHS" altLang="en-US" dirty="0" smtClean="0"/>
+                        <a:rPr lang="zh-Hans" altLang="en-US" dirty="0" smtClean="0"/>
                         <a:t>人工构造</a:t>
                       </a:r>
-                      <a:endParaRPr lang="en-US" altLang="zh-CHS" dirty="0" smtClean="0"/>
+                      <a:endParaRPr lang="en-US" altLang="zh-Hans" dirty="0" smtClean="0"/>
                     </a:p>
                   </a:txBody>
                   <a:tcPr/>
@@ -22908,7 +21917,7 @@
                         <a:defRPr/>
                       </a:pPr>
                       <a:r>
-                        <a:rPr lang="zh-CHS" altLang="en-US" dirty="0" smtClean="0"/>
+                        <a:rPr lang="zh-Hans" altLang="en-US" dirty="0" smtClean="0"/>
                         <a:t>规模</a:t>
                       </a:r>
                     </a:p>
@@ -22938,14 +21947,14 @@
                         <a:defRPr/>
                       </a:pPr>
                       <a:r>
-                        <a:rPr lang="en-US" altLang="zh-CHS" dirty="0" smtClean="0"/>
+                        <a:rPr lang="en-US" altLang="zh-Hans" dirty="0" smtClean="0"/>
                         <a:t>40</a:t>
                       </a:r>
                       <a:r>
-                        <a:rPr lang="zh-CHS" altLang="en-US" dirty="0" smtClean="0"/>
+                        <a:rPr lang="zh-Hans" altLang="en-US" dirty="0" smtClean="0"/>
                         <a:t>个</a:t>
                       </a:r>
-                      <a:endParaRPr lang="en-US" altLang="zh-CHS" dirty="0" smtClean="0"/>
+                      <a:endParaRPr lang="en-US" altLang="zh-Hans" dirty="0" smtClean="0"/>
                     </a:p>
                   </a:txBody>
                   <a:tcPr/>
@@ -22958,10 +21967,10 @@
                     <a:lstStyle/>
                     <a:p>
                       <a:r>
-                        <a:rPr lang="zh-CHS" altLang="en-US" dirty="0" smtClean="0"/>
+                        <a:rPr lang="zh-Hans" altLang="en-US" dirty="0" smtClean="0"/>
                         <a:t>评价标准</a:t>
                       </a:r>
-                      <a:endParaRPr lang="zh-CHS" altLang="en-US" dirty="0"/>
+                      <a:endParaRPr lang="zh-Hans" altLang="en-US" dirty="0"/>
                     </a:p>
                   </a:txBody>
                   <a:tcPr/>
@@ -22989,7 +21998,7 @@
                         <a:defRPr/>
                       </a:pPr>
                       <a:r>
-                        <a:rPr lang="en-US" altLang="zh-CHS" sz="1800" dirty="0" smtClean="0"/>
+                        <a:rPr lang="en-US" altLang="zh-Hans" sz="1800" dirty="0" smtClean="0"/>
                         <a:t>Fitness,</a:t>
                       </a:r>
                     </a:p>
@@ -23012,10 +22021,10 @@
                         <a:defRPr/>
                       </a:pPr>
                       <a:r>
-                        <a:rPr lang="en-US" altLang="zh-CHS" sz="1800" dirty="0" err="1" smtClean="0"/>
+                        <a:rPr lang="en-US" altLang="zh-Hans" sz="1800" dirty="0" err="1" smtClean="0"/>
                         <a:t>Rediscoverability</a:t>
                       </a:r>
-                      <a:endParaRPr lang="zh-CHS" altLang="en-US" sz="1800" dirty="0"/>
+                      <a:endParaRPr lang="zh-Hans" altLang="en-US" sz="1800" dirty="0"/>
                     </a:p>
                   </a:txBody>
                   <a:tcPr/>
@@ -23077,7 +22086,7 @@
                         <a:defRPr/>
                       </a:pPr>
                       <a:r>
-                        <a:rPr lang="zh-CHS" altLang="en-US" dirty="0" smtClean="0"/>
+                        <a:rPr lang="zh-Hans" altLang="en-US" dirty="0" smtClean="0"/>
                         <a:t>数据来源</a:t>
                       </a:r>
                     </a:p>
@@ -23107,11 +22116,11 @@
                         <a:defRPr/>
                       </a:pPr>
                       <a:r>
-                        <a:rPr lang="zh-CHS" altLang="en-US" dirty="0" smtClean="0"/>
+                        <a:rPr lang="zh-Hans" altLang="en-US" dirty="0" smtClean="0"/>
                         <a:t>东锅</a:t>
                       </a:r>
                       <a:r>
-                        <a:rPr lang="en-US" altLang="zh-CHS" dirty="0" smtClean="0"/>
+                        <a:rPr lang="en-US" altLang="zh-Hans" dirty="0" smtClean="0"/>
                         <a:t>+BPI Challenge2013</a:t>
                       </a:r>
                     </a:p>
@@ -23143,7 +22152,7 @@
                         <a:defRPr/>
                       </a:pPr>
                       <a:r>
-                        <a:rPr lang="zh-CHS" altLang="en-US" dirty="0" smtClean="0"/>
+                        <a:rPr lang="zh-Hans" altLang="en-US" dirty="0" smtClean="0"/>
                         <a:t>规模</a:t>
                       </a:r>
                     </a:p>
@@ -23173,7 +22182,7 @@
                         <a:defRPr/>
                       </a:pPr>
                       <a:r>
-                        <a:rPr lang="en-US" altLang="zh-CHS" dirty="0" smtClean="0"/>
+                        <a:rPr lang="en-US" altLang="zh-Hans" dirty="0" smtClean="0"/>
                         <a:t>40+1</a:t>
                       </a:r>
                     </a:p>
@@ -23188,10 +22197,10 @@
                     <a:lstStyle/>
                     <a:p>
                       <a:r>
-                        <a:rPr lang="zh-CHS" altLang="en-US" dirty="0" smtClean="0"/>
+                        <a:rPr lang="zh-Hans" altLang="en-US" dirty="0" smtClean="0"/>
                         <a:t>评价标准</a:t>
                       </a:r>
-                      <a:endParaRPr lang="zh-CHS" altLang="en-US" dirty="0"/>
+                      <a:endParaRPr lang="zh-Hans" altLang="en-US" dirty="0"/>
                     </a:p>
                   </a:txBody>
                   <a:tcPr/>
@@ -23219,10 +22228,10 @@
                         <a:defRPr/>
                       </a:pPr>
                       <a:r>
-                        <a:rPr lang="en-US" altLang="zh-CHS" dirty="0" smtClean="0"/>
+                        <a:rPr lang="en-US" altLang="zh-Hans" dirty="0" smtClean="0"/>
                         <a:t>Fitness</a:t>
                       </a:r>
-                      <a:endParaRPr lang="zh-CHS" altLang="en-US" dirty="0"/>
+                      <a:endParaRPr lang="zh-Hans" altLang="en-US" dirty="0"/>
                     </a:p>
                   </a:txBody>
                   <a:tcPr/>
@@ -23309,24 +22318,24 @@
           <a:p>
             <a:pPr lvl="0"/>
             <a:r>
-              <a:rPr lang="zh-CHS" altLang="en-US" dirty="0"/>
+              <a:rPr lang="zh-Hans" altLang="en-US" dirty="0"/>
               <a:t>主要</a:t>
             </a:r>
             <a:r>
-              <a:rPr lang="zh-CHS" altLang="en-US" dirty="0" smtClean="0"/>
+              <a:rPr lang="zh-Hans" altLang="en-US" dirty="0" smtClean="0"/>
               <a:t>工作</a:t>
             </a:r>
-            <a:endParaRPr lang="en-US" altLang="zh-CHS" dirty="0" smtClean="0"/>
+            <a:endParaRPr lang="en-US" altLang="zh-Hans" dirty="0" smtClean="0"/>
           </a:p>
           <a:p>
             <a:r>
-              <a:rPr kumimoji="1" lang="zh-CHS" altLang="en-US" sz="2400" dirty="0"/>
+              <a:rPr kumimoji="1" lang="zh-Hans" altLang="en-US" sz="2400" dirty="0"/>
               <a:t>面向流程挖掘算法评估的典型模型库构建</a:t>
             </a:r>
           </a:p>
           <a:p>
             <a:pPr lvl="0"/>
-            <a:endParaRPr lang="zh-CHS" altLang="en-US" sz="2400" dirty="0"/>
+            <a:endParaRPr lang="zh-Hans" altLang="en-US" sz="2400" dirty="0"/>
           </a:p>
         </p:txBody>
       </p:sp>
@@ -23366,7 +22375,7 @@
           <a:lstStyle/>
           <a:p>
             <a:pPr algn="ctr"/>
-            <a:endParaRPr lang="zh-CHS" altLang="en-US"/>
+            <a:endParaRPr lang="zh-Hans" altLang="en-US"/>
           </a:p>
         </p:txBody>
       </p:sp>
@@ -23395,10 +22404,10 @@
           <a:lstStyle/>
           <a:p>
             <a:r>
-              <a:rPr lang="zh-CHS" altLang="en-US" b="1" dirty="0" smtClean="0"/>
+              <a:rPr lang="zh-Hans" altLang="en-US" b="1" dirty="0" smtClean="0"/>
               <a:t>流程模型属性约减</a:t>
             </a:r>
-            <a:endParaRPr lang="zh-CHS" altLang="en-US" b="1" dirty="0"/>
+            <a:endParaRPr lang="zh-Hans" altLang="en-US" b="1" dirty="0"/>
           </a:p>
         </p:txBody>
       </p:sp>
@@ -23425,40 +22434,40 @@
           <a:lstStyle/>
           <a:p>
             <a:r>
-              <a:rPr lang="zh-CHS" altLang="en-US" b="1" dirty="0" smtClean="0"/>
+              <a:rPr lang="zh-Hans" altLang="en-US" b="1" dirty="0" smtClean="0"/>
               <a:t>约减规则</a:t>
             </a:r>
-            <a:endParaRPr lang="en-US" altLang="zh-CHS" b="1" dirty="0" smtClean="0"/>
+            <a:endParaRPr lang="en-US" altLang="zh-Hans" b="1" dirty="0" smtClean="0"/>
           </a:p>
           <a:p>
             <a:r>
-              <a:rPr lang="en-US" altLang="zh-CHS" dirty="0" smtClean="0"/>
+              <a:rPr lang="en-US" altLang="zh-Hans" dirty="0" smtClean="0"/>
               <a:t>1.</a:t>
             </a:r>
             <a:r>
-              <a:rPr lang="zh-CHS" altLang="en-US" dirty="0" smtClean="0"/>
+              <a:rPr lang="zh-Hans" altLang="en-US" dirty="0" smtClean="0"/>
               <a:t>关于模型大小的属性应该被约减。</a:t>
             </a:r>
-            <a:endParaRPr lang="en-US" altLang="zh-CHS" dirty="0" smtClean="0"/>
+            <a:endParaRPr lang="en-US" altLang="zh-Hans" dirty="0" smtClean="0"/>
           </a:p>
           <a:p>
             <a:r>
-              <a:rPr lang="en-US" altLang="zh-CHS" dirty="0" smtClean="0"/>
+              <a:rPr lang="en-US" altLang="zh-Hans" dirty="0" smtClean="0"/>
               <a:t>2.</a:t>
             </a:r>
             <a:r>
-              <a:rPr lang="zh-CHS" altLang="en-US" dirty="0" smtClean="0"/>
+              <a:rPr lang="zh-Hans" altLang="en-US" dirty="0" smtClean="0"/>
               <a:t>关于模型</a:t>
             </a:r>
             <a:r>
-              <a:rPr lang="en-US" altLang="zh-CHS" dirty="0" smtClean="0"/>
+              <a:rPr lang="en-US" altLang="zh-Hans" dirty="0" smtClean="0"/>
               <a:t>Connector</a:t>
             </a:r>
             <a:r>
-              <a:rPr lang="zh-CHS" altLang="en-US" dirty="0" smtClean="0"/>
+              <a:rPr lang="zh-Hans" altLang="en-US" dirty="0" smtClean="0"/>
               <a:t>的应该被约减。</a:t>
             </a:r>
-            <a:endParaRPr lang="zh-CHS" altLang="en-US" dirty="0"/>
+            <a:endParaRPr lang="zh-Hans" altLang="en-US" dirty="0"/>
           </a:p>
         </p:txBody>
       </p:sp>
@@ -23485,75 +22494,75 @@
           <a:lstStyle/>
           <a:p>
             <a:r>
-              <a:rPr lang="zh-CHS" altLang="en-US" b="1" dirty="0" smtClean="0"/>
+              <a:rPr lang="zh-Hans" altLang="en-US" b="1" dirty="0" smtClean="0"/>
               <a:t>保留属性</a:t>
             </a:r>
             <a:r>
-              <a:rPr lang="en-US" altLang="zh-CHS" b="1" dirty="0" smtClean="0"/>
+              <a:rPr lang="en-US" altLang="zh-Hans" b="1" dirty="0" smtClean="0"/>
               <a:t>:</a:t>
             </a:r>
           </a:p>
           <a:p>
             <a:r>
-              <a:rPr lang="en-US" altLang="zh-CHS" dirty="0" smtClean="0"/>
+              <a:rPr lang="en-US" altLang="zh-Hans" dirty="0" smtClean="0"/>
               <a:t>1.</a:t>
             </a:r>
             <a:r>
-              <a:rPr lang="zh-CHS" altLang="en-US" dirty="0" smtClean="0"/>
+              <a:rPr lang="zh-Hans" altLang="en-US" dirty="0" smtClean="0"/>
               <a:t>不可见任务个数 </a:t>
             </a:r>
             <a:r>
-              <a:rPr lang="en-US" altLang="zh-CHS" dirty="0" smtClean="0"/>
+              <a:rPr lang="en-US" altLang="zh-Hans" dirty="0" smtClean="0"/>
               <a:t>2.</a:t>
             </a:r>
             <a:r>
-              <a:rPr lang="zh-CHS" altLang="en-US" dirty="0" smtClean="0"/>
+              <a:rPr lang="zh-Hans" altLang="en-US" dirty="0" smtClean="0"/>
               <a:t>重名任务个数</a:t>
             </a:r>
-            <a:endParaRPr lang="en-US" altLang="zh-CHS" dirty="0" smtClean="0"/>
+            <a:endParaRPr lang="en-US" altLang="zh-Hans" dirty="0" smtClean="0"/>
           </a:p>
           <a:p>
             <a:r>
-              <a:rPr lang="en-US" altLang="zh-CHS" dirty="0" smtClean="0"/>
+              <a:rPr lang="en-US" altLang="zh-Hans" dirty="0" smtClean="0"/>
               <a:t>3.</a:t>
             </a:r>
             <a:r>
-              <a:rPr lang="zh-CHS" altLang="en-US" dirty="0" smtClean="0"/>
+              <a:rPr lang="zh-Hans" altLang="en-US" dirty="0" smtClean="0"/>
               <a:t>非自由选择结构个数 </a:t>
             </a:r>
             <a:r>
-              <a:rPr lang="en-US" altLang="zh-CHS" dirty="0" smtClean="0"/>
+              <a:rPr lang="en-US" altLang="zh-Hans" dirty="0" smtClean="0"/>
               <a:t>4.</a:t>
             </a:r>
             <a:r>
-              <a:rPr lang="zh-CHS" altLang="en-US" dirty="0"/>
+              <a:rPr lang="zh-Hans" altLang="en-US" dirty="0"/>
               <a:t>短循环个数</a:t>
             </a:r>
-            <a:endParaRPr lang="en-US" altLang="zh-CHS" dirty="0" smtClean="0"/>
+            <a:endParaRPr lang="en-US" altLang="zh-Hans" dirty="0" smtClean="0"/>
           </a:p>
           <a:p>
             <a:r>
-              <a:rPr lang="en-US" altLang="zh-CHS" dirty="0" smtClean="0"/>
+              <a:rPr lang="en-US" altLang="zh-Hans" dirty="0" smtClean="0"/>
               <a:t>5.</a:t>
             </a:r>
             <a:r>
-              <a:rPr lang="zh-CHS" altLang="en-US" dirty="0" smtClean="0"/>
+              <a:rPr lang="zh-Hans" altLang="en-US" dirty="0" smtClean="0"/>
               <a:t>嵌套循环个数 </a:t>
             </a:r>
             <a:r>
-              <a:rPr lang="en-US" altLang="zh-CHS" dirty="0" smtClean="0"/>
+              <a:rPr lang="en-US" altLang="zh-Hans" dirty="0" smtClean="0"/>
               <a:t>6</a:t>
             </a:r>
             <a:r>
-              <a:rPr lang="zh-CHS" altLang="en-US" dirty="0"/>
+              <a:rPr lang="zh-Hans" altLang="en-US" dirty="0"/>
               <a:t>任意</a:t>
             </a:r>
             <a:r>
-              <a:rPr lang="zh-CHS" altLang="en-US" dirty="0" smtClean="0"/>
+              <a:rPr lang="zh-Hans" altLang="en-US" dirty="0" smtClean="0"/>
               <a:t>循环</a:t>
             </a:r>
             <a:r>
-              <a:rPr lang="zh-CHS" altLang="en-US" dirty="0"/>
+              <a:rPr lang="zh-Hans" altLang="en-US" dirty="0"/>
               <a:t>个数 </a:t>
             </a:r>
           </a:p>
@@ -23597,7 +22606,7 @@
           <a:lstStyle/>
           <a:p>
             <a:pPr algn="ctr"/>
-            <a:endParaRPr lang="zh-CHS" altLang="en-US"/>
+            <a:endParaRPr lang="zh-Hans" altLang="en-US"/>
           </a:p>
         </p:txBody>
       </p:sp>
@@ -23626,10 +22635,10 @@
           <a:lstStyle/>
           <a:p>
             <a:r>
-              <a:rPr lang="zh-CHS" altLang="en-US" b="1" dirty="0" smtClean="0"/>
+              <a:rPr lang="zh-Hans" altLang="en-US" b="1" dirty="0" smtClean="0"/>
               <a:t>设计通用有效参考流程模型集合</a:t>
             </a:r>
-            <a:endParaRPr lang="zh-CHS" altLang="en-US" b="1" dirty="0"/>
+            <a:endParaRPr lang="zh-Hans" altLang="en-US" b="1" dirty="0"/>
           </a:p>
         </p:txBody>
       </p:sp>
@@ -23656,45 +22665,45 @@
           <a:lstStyle/>
           <a:p>
             <a:r>
-              <a:rPr lang="zh-CHS" altLang="en-US" dirty="0" smtClean="0"/>
+              <a:rPr lang="zh-Hans" altLang="en-US" dirty="0" smtClean="0"/>
               <a:t>根据</a:t>
             </a:r>
             <a:r>
-              <a:rPr lang="zh-CHS" altLang="en-US" dirty="0"/>
+              <a:rPr lang="zh-Hans" altLang="en-US" dirty="0"/>
               <a:t>六条</a:t>
             </a:r>
             <a:r>
-              <a:rPr lang="zh-CHS" altLang="en-US" b="1" dirty="0" smtClean="0"/>
+              <a:rPr lang="zh-Hans" altLang="en-US" b="1" dirty="0" smtClean="0"/>
               <a:t>保留属性</a:t>
             </a:r>
             <a:r>
-              <a:rPr lang="zh-CHS" altLang="en-US" dirty="0" smtClean="0"/>
+              <a:rPr lang="zh-Hans" altLang="en-US" dirty="0" smtClean="0"/>
               <a:t>构造参考模型集合</a:t>
             </a:r>
-            <a:endParaRPr lang="en-US" altLang="zh-CHS" dirty="0" smtClean="0"/>
+            <a:endParaRPr lang="en-US" altLang="zh-Hans" dirty="0" smtClean="0"/>
           </a:p>
           <a:p>
             <a:r>
-              <a:rPr lang="zh-CHS" altLang="en-US" dirty="0" smtClean="0"/>
+              <a:rPr lang="zh-Hans" altLang="en-US" dirty="0" smtClean="0"/>
               <a:t>共</a:t>
             </a:r>
             <a:r>
-              <a:rPr lang="en-US" altLang="zh-CHS" dirty="0" smtClean="0"/>
+              <a:rPr lang="en-US" altLang="zh-Hans" dirty="0" smtClean="0"/>
               <a:t>60</a:t>
             </a:r>
             <a:r>
-              <a:rPr lang="zh-CHS" altLang="en-US" dirty="0" smtClean="0"/>
+              <a:rPr lang="zh-Hans" altLang="en-US" dirty="0" smtClean="0"/>
               <a:t>个模型，每个属性个</a:t>
             </a:r>
             <a:r>
-              <a:rPr lang="en-US" altLang="zh-CHS" dirty="0" smtClean="0"/>
+              <a:rPr lang="en-US" altLang="zh-Hans" dirty="0" smtClean="0"/>
               <a:t>10</a:t>
             </a:r>
             <a:r>
-              <a:rPr lang="zh-CHS" altLang="en-US" dirty="0" smtClean="0"/>
+              <a:rPr lang="zh-Hans" altLang="en-US" dirty="0" smtClean="0"/>
               <a:t>个人工模型</a:t>
             </a:r>
-            <a:endParaRPr lang="zh-CHS" altLang="en-US" dirty="0"/>
+            <a:endParaRPr lang="zh-Hans" altLang="en-US" dirty="0"/>
           </a:p>
         </p:txBody>
       </p:sp>
@@ -23799,18 +22808,18 @@
           <a:p>
             <a:pPr lvl="0"/>
             <a:r>
-              <a:rPr lang="zh-CHS" altLang="en-US" dirty="0"/>
+              <a:rPr lang="zh-Hans" altLang="en-US" dirty="0"/>
               <a:t>主要</a:t>
             </a:r>
             <a:r>
-              <a:rPr lang="zh-CHS" altLang="en-US" dirty="0" smtClean="0"/>
+              <a:rPr lang="zh-Hans" altLang="en-US" dirty="0" smtClean="0"/>
               <a:t>工作</a:t>
             </a:r>
-            <a:endParaRPr lang="en-US" altLang="zh-CHS" dirty="0" smtClean="0"/>
+            <a:endParaRPr lang="en-US" altLang="zh-Hans" dirty="0" smtClean="0"/>
           </a:p>
           <a:p>
             <a:r>
-              <a:rPr kumimoji="1" lang="zh-CHS" altLang="en-US" sz="2400" dirty="0"/>
+              <a:rPr kumimoji="1" lang="zh-Hans" altLang="en-US" sz="2400" dirty="0"/>
               <a:t>面向流程挖掘算法评估的典型模型库构建</a:t>
             </a:r>
           </a:p>
@@ -23852,7 +22861,7 @@
           <a:lstStyle/>
           <a:p>
             <a:pPr algn="ctr"/>
-            <a:endParaRPr lang="zh-CHS" altLang="en-US"/>
+            <a:endParaRPr lang="zh-Hans" altLang="en-US"/>
           </a:p>
         </p:txBody>
       </p:sp>
@@ -23881,10 +22890,10 @@
           <a:lstStyle/>
           <a:p>
             <a:r>
-              <a:rPr lang="zh-CHS" altLang="en-US" b="1" dirty="0" smtClean="0"/>
+              <a:rPr lang="zh-Hans" altLang="en-US" b="1" dirty="0" smtClean="0"/>
               <a:t>流程模型属性约减</a:t>
             </a:r>
-            <a:endParaRPr lang="zh-CHS" altLang="en-US" b="1" dirty="0"/>
+            <a:endParaRPr lang="zh-Hans" altLang="en-US" b="1" dirty="0"/>
           </a:p>
         </p:txBody>
       </p:sp>
@@ -23926,7 +22935,7 @@
           <a:lstStyle/>
           <a:p>
             <a:pPr algn="ctr"/>
-            <a:endParaRPr lang="zh-CHS" altLang="en-US"/>
+            <a:endParaRPr lang="zh-Hans" altLang="en-US"/>
           </a:p>
         </p:txBody>
       </p:sp>
@@ -23955,10 +22964,10 @@
           <a:lstStyle/>
           <a:p>
             <a:r>
-              <a:rPr lang="zh-CHS" altLang="en-US" b="1" dirty="0" smtClean="0"/>
+              <a:rPr lang="zh-Hans" altLang="en-US" b="1" dirty="0" smtClean="0"/>
               <a:t>设计通用有效参考流程模型集合</a:t>
             </a:r>
-            <a:endParaRPr lang="zh-CHS" altLang="en-US" b="1" dirty="0"/>
+            <a:endParaRPr lang="zh-Hans" altLang="en-US" b="1" dirty="0"/>
           </a:p>
         </p:txBody>
       </p:sp>
@@ -24081,56 +23090,48 @@
           <a:lstStyle/>
           <a:p>
             <a:r>
-              <a:rPr lang="zh-CHS" altLang="en-US" dirty="0" smtClean="0"/>
+              <a:rPr lang="zh-Hans" altLang="en-US" dirty="0" smtClean="0"/>
               <a:t>在评估框架中，分别用通用参考模型集合与模型中自身的参考集合进行时间和准确度对比。</a:t>
             </a:r>
-            <a:endParaRPr lang="en-US" altLang="zh-CHS" dirty="0" smtClean="0"/>
+            <a:endParaRPr lang="en-US" altLang="zh-Hans" dirty="0" smtClean="0"/>
           </a:p>
           <a:p>
             <a:r>
-              <a:rPr lang="zh-CHS" altLang="en-US" dirty="0"/>
+              <a:rPr lang="zh-Hans" altLang="en-US" dirty="0"/>
               <a:t>时间</a:t>
             </a:r>
             <a:r>
-              <a:rPr lang="en-US" altLang="zh-CHS" dirty="0" smtClean="0"/>
+              <a:rPr lang="en-US" altLang="zh-Hans" dirty="0" smtClean="0"/>
               <a:t>:</a:t>
             </a:r>
             <a:r>
-              <a:rPr lang="zh-CHS" altLang="en-US" dirty="0"/>
+              <a:rPr lang="zh-Hans" altLang="en-US" dirty="0"/>
               <a:t>通用</a:t>
             </a:r>
             <a:r>
-              <a:rPr lang="zh-CHS" altLang="en-US" dirty="0" smtClean="0"/>
+              <a:rPr lang="zh-Hans" altLang="en-US" dirty="0" smtClean="0"/>
               <a:t>模型集大幅减少</a:t>
             </a:r>
-            <a:endParaRPr lang="en-US" altLang="zh-CHS" dirty="0" smtClean="0"/>
+            <a:endParaRPr lang="en-US" altLang="zh-Hans" dirty="0" smtClean="0"/>
           </a:p>
           <a:p>
             <a:r>
-              <a:rPr lang="zh-CHS" altLang="en-US" dirty="0" smtClean="0"/>
+              <a:rPr lang="zh-Hans" altLang="en-US" dirty="0" smtClean="0"/>
               <a:t>准确度</a:t>
             </a:r>
             <a:r>
-              <a:rPr lang="en-US" altLang="zh-CHS" dirty="0" smtClean="0"/>
+              <a:rPr lang="en-US" altLang="zh-Hans" dirty="0" smtClean="0"/>
               <a:t>:</a:t>
             </a:r>
             <a:r>
-              <a:rPr lang="zh-CHS" altLang="en-US" dirty="0"/>
+              <a:rPr lang="zh-Hans" altLang="en-US" dirty="0"/>
               <a:t>通用</a:t>
             </a:r>
             <a:r>
-              <a:rPr lang="zh-CHS" altLang="en-US" dirty="0" smtClean="0"/>
-              <a:t>模型</a:t>
-            </a:r>
-            <a:r>
-              <a:rPr lang="zh-CHS" altLang="en-US" dirty="0" smtClean="0"/>
-              <a:t>小幅</a:t>
-            </a:r>
-            <a:r>
-              <a:rPr lang="zh-CHS" altLang="en-US" dirty="0" smtClean="0"/>
-              <a:t>增加</a:t>
-            </a:r>
-            <a:endParaRPr lang="en-US" altLang="zh-CHS" dirty="0"/>
+              <a:rPr lang="zh-Hans" altLang="en-US" dirty="0" smtClean="0"/>
+              <a:t>模型小幅增加</a:t>
+            </a:r>
+            <a:endParaRPr lang="en-US" altLang="zh-Hans" dirty="0"/>
           </a:p>
         </p:txBody>
       </p:sp>
@@ -24157,56 +23158,56 @@
           <a:lstStyle/>
           <a:p>
             <a:r>
-              <a:rPr lang="zh-CHS" altLang="en-US" dirty="0" smtClean="0"/>
+              <a:rPr lang="zh-Hans" altLang="en-US" dirty="0" smtClean="0"/>
               <a:t>在评估框架中，分别用</a:t>
             </a:r>
             <a:r>
-              <a:rPr lang="en-US" altLang="zh-CHS" dirty="0" smtClean="0"/>
+              <a:rPr lang="en-US" altLang="zh-Hans" dirty="0" smtClean="0"/>
               <a:t>48</a:t>
             </a:r>
             <a:r>
-              <a:rPr lang="zh-CHS" altLang="en-US" dirty="0" smtClean="0"/>
+              <a:rPr lang="zh-Hans" altLang="en-US" dirty="0" smtClean="0"/>
               <a:t>维属性和</a:t>
             </a:r>
             <a:r>
-              <a:rPr lang="en-US" altLang="zh-CHS" dirty="0" smtClean="0"/>
+              <a:rPr lang="en-US" altLang="zh-Hans" dirty="0" smtClean="0"/>
               <a:t>6</a:t>
             </a:r>
             <a:r>
-              <a:rPr lang="zh-CHS" altLang="en-US" dirty="0" smtClean="0"/>
+              <a:rPr lang="zh-Hans" altLang="en-US" dirty="0" smtClean="0"/>
               <a:t>维属性，在时间和推荐准确度上进行对比。</a:t>
             </a:r>
-            <a:endParaRPr lang="en-US" altLang="zh-CHS" dirty="0" smtClean="0"/>
+            <a:endParaRPr lang="en-US" altLang="zh-Hans" dirty="0" smtClean="0"/>
           </a:p>
           <a:p>
             <a:r>
-              <a:rPr lang="zh-CHS" altLang="en-US" dirty="0" smtClean="0"/>
+              <a:rPr lang="zh-Hans" altLang="en-US" dirty="0" smtClean="0"/>
               <a:t>时间</a:t>
             </a:r>
             <a:r>
-              <a:rPr lang="en-US" altLang="zh-CHS" dirty="0" smtClean="0"/>
+              <a:rPr lang="en-US" altLang="zh-Hans" dirty="0" smtClean="0"/>
               <a:t>:6</a:t>
             </a:r>
             <a:r>
-              <a:rPr lang="zh-CHS" altLang="en-US" dirty="0" smtClean="0"/>
+              <a:rPr lang="zh-Hans" altLang="en-US" dirty="0" smtClean="0"/>
               <a:t>维较短</a:t>
             </a:r>
-            <a:endParaRPr lang="en-US" altLang="zh-CHS" dirty="0" smtClean="0"/>
+            <a:endParaRPr lang="en-US" altLang="zh-Hans" dirty="0" smtClean="0"/>
           </a:p>
           <a:p>
             <a:r>
-              <a:rPr lang="zh-CHS" altLang="en-US" dirty="0" smtClean="0"/>
+              <a:rPr lang="zh-Hans" altLang="en-US" dirty="0" smtClean="0"/>
               <a:t>准确度</a:t>
             </a:r>
             <a:r>
-              <a:rPr lang="en-US" altLang="zh-CHS" dirty="0" smtClean="0"/>
+              <a:rPr lang="en-US" altLang="zh-Hans" dirty="0" smtClean="0"/>
               <a:t>:6</a:t>
             </a:r>
             <a:r>
-              <a:rPr lang="zh-CHS" altLang="en-US" dirty="0" smtClean="0"/>
+              <a:rPr lang="zh-Hans" altLang="en-US" dirty="0" smtClean="0"/>
               <a:t>维较高</a:t>
             </a:r>
-            <a:endParaRPr lang="en-US" altLang="zh-CHS" dirty="0" smtClean="0"/>
+            <a:endParaRPr lang="en-US" altLang="zh-Hans" dirty="0" smtClean="0"/>
           </a:p>
         </p:txBody>
       </p:sp>
@@ -24308,10 +23309,10 @@
           </a:lstStyle>
           <a:p>
             <a:r>
-              <a:rPr lang="zh-CHS" altLang="en-US" dirty="0" smtClean="0"/>
+              <a:rPr lang="zh-Hans" altLang="en-US" dirty="0" smtClean="0"/>
               <a:t>目录</a:t>
             </a:r>
-            <a:endParaRPr lang="zh-CHS" altLang="en-US" dirty="0"/>
+            <a:endParaRPr lang="zh-Hans" altLang="en-US" dirty="0"/>
           </a:p>
         </p:txBody>
       </p:sp>
@@ -24414,7 +23415,7 @@
           <a:p>
             <a:pPr lvl="0"/>
             <a:r>
-              <a:rPr lang="zh-CHS" altLang="en-US" dirty="0"/>
+              <a:rPr lang="zh-Hans" altLang="en-US" dirty="0"/>
               <a:t>创新点</a:t>
             </a:r>
           </a:p>
@@ -24497,7 +23498,7 @@
           <a:p>
             <a:pPr lvl="0"/>
             <a:r>
-              <a:rPr lang="zh-CHS" altLang="en-US" dirty="0"/>
+              <a:rPr lang="zh-Hans" altLang="en-US" dirty="0"/>
               <a:t>创新点</a:t>
             </a:r>
           </a:p>
@@ -24662,64 +23663,60 @@
           <a:p>
             <a:pPr lvl="0"/>
             <a:r>
-              <a:rPr kumimoji="1" lang="zh-CHS" altLang="en-US" dirty="0" smtClean="0"/>
+              <a:rPr kumimoji="1" lang="zh-Hans" altLang="en-US" dirty="0" smtClean="0"/>
               <a:t>流程挖掘算法设计</a:t>
             </a:r>
             <a:r>
-              <a:rPr kumimoji="1" lang="en-US" altLang="zh-CHS" dirty="0" smtClean="0"/>
+              <a:rPr kumimoji="1" lang="en-US" altLang="zh-Hans" dirty="0" smtClean="0"/>
               <a:t>:</a:t>
             </a:r>
             <a:r>
-              <a:rPr kumimoji="1" lang="zh-CHS" altLang="en-US" dirty="0" smtClean="0"/>
+              <a:rPr kumimoji="1" lang="zh-Hans" altLang="en-US" dirty="0" smtClean="0"/>
               <a:t>从不完整日志中挖掘非自由选择结构</a:t>
             </a:r>
-            <a:endParaRPr lang="zh-CHS" altLang="en-US" dirty="0" smtClean="0"/>
+            <a:endParaRPr lang="zh-Hans" altLang="en-US" dirty="0" smtClean="0"/>
           </a:p>
           <a:p>
             <a:pPr marL="1257300" lvl="3" indent="-400050"/>
             <a:r>
-              <a:rPr lang="zh-CHS" altLang="en-US" dirty="0" smtClean="0"/>
+              <a:rPr lang="zh-Hans" altLang="en-US" dirty="0" smtClean="0"/>
               <a:t>可以</a:t>
             </a:r>
             <a:r>
-              <a:rPr lang="zh-CHS" altLang="en-US" dirty="0"/>
+              <a:rPr lang="zh-Hans" altLang="en-US" dirty="0"/>
               <a:t>同时挖掘不可见任务与非自由选择结构</a:t>
             </a:r>
-            <a:endParaRPr lang="en-US" altLang="zh-CHS" dirty="0" smtClean="0"/>
+            <a:endParaRPr lang="en-US" altLang="zh-Hans" dirty="0" smtClean="0"/>
           </a:p>
           <a:p>
             <a:r>
-              <a:rPr kumimoji="1" lang="zh-CHS" altLang="en-US" dirty="0" smtClean="0"/>
+              <a:rPr kumimoji="1" lang="zh-Hans" altLang="en-US" dirty="0" smtClean="0"/>
               <a:t>构建面向</a:t>
             </a:r>
             <a:r>
-              <a:rPr kumimoji="1" lang="zh-CHS" altLang="en-US" dirty="0"/>
+              <a:rPr kumimoji="1" lang="zh-Hans" altLang="en-US" dirty="0"/>
               <a:t>流程挖掘算法评估的典型模型库构建</a:t>
             </a:r>
           </a:p>
           <a:p>
             <a:pPr marL="1257300" lvl="3" indent="-400050"/>
             <a:r>
-              <a:rPr lang="zh-CHS" altLang="en-US" dirty="0" smtClean="0"/>
-              <a:t>模型</a:t>
-            </a:r>
-            <a:r>
-              <a:rPr lang="zh-CHS" altLang="en-US" dirty="0" smtClean="0"/>
-              <a:t>属性约减</a:t>
-            </a:r>
-            <a:endParaRPr lang="en-US" altLang="zh-CHS" dirty="0" smtClean="0"/>
+              <a:rPr lang="zh-Hans" altLang="en-US" dirty="0" smtClean="0"/>
+              <a:t>模型属性约减</a:t>
+            </a:r>
+            <a:endParaRPr lang="en-US" altLang="zh-Hans" dirty="0" smtClean="0"/>
           </a:p>
           <a:p>
             <a:pPr marL="1257300" lvl="3" indent="-400050"/>
             <a:r>
-              <a:rPr lang="zh-CHS" altLang="en-US" dirty="0"/>
+              <a:rPr lang="zh-Hans" altLang="en-US" dirty="0"/>
               <a:t>一</a:t>
             </a:r>
             <a:r>
-              <a:rPr lang="zh-CHS" altLang="en-US" dirty="0" smtClean="0"/>
+              <a:rPr lang="zh-Hans" altLang="en-US" dirty="0" smtClean="0"/>
               <a:t>组通用的有效参考流程模型</a:t>
             </a:r>
-            <a:endParaRPr lang="en-US" altLang="zh-CHS" dirty="0" smtClean="0"/>
+            <a:endParaRPr lang="en-US" altLang="zh-Hans" dirty="0" smtClean="0"/>
           </a:p>
         </p:txBody>
       </p:sp>
@@ -24800,7 +23797,7 @@
           <a:p>
             <a:pPr algn="ctr"/>
             <a:r>
-              <a:rPr lang="zh-CHS" altLang="en-US" sz="5400" b="1" dirty="0" smtClean="0">
+              <a:rPr lang="zh-Hans" altLang="en-US" sz="5400" b="1" dirty="0" smtClean="0">
                 <a:ln w="12700" cmpd="sng">
                   <a:solidFill>
                     <a:schemeClr val="accent4"/>
@@ -24830,7 +23827,7 @@
               </a:rPr>
               <a:t>感谢老师批评指正</a:t>
             </a:r>
-            <a:endParaRPr lang="zh-CHS" altLang="en-US" sz="5400" b="1" cap="none" spc="0" dirty="0">
+            <a:endParaRPr lang="zh-Hans" altLang="en-US" sz="5400" b="1" cap="none" spc="0" dirty="0">
               <a:ln w="10160">
                 <a:solidFill>
                   <a:schemeClr val="accent5"/>
@@ -24949,10 +23946,10 @@
           </a:lstStyle>
           <a:p>
             <a:r>
-              <a:rPr lang="zh-CHS" altLang="en-US" dirty="0" smtClean="0"/>
+              <a:rPr lang="zh-Hans" altLang="en-US" dirty="0" smtClean="0"/>
               <a:t>毕业论文题目</a:t>
             </a:r>
-            <a:endParaRPr lang="zh-CHS" altLang="en-US" dirty="0"/>
+            <a:endParaRPr lang="zh-Hans" altLang="en-US" dirty="0"/>
           </a:p>
         </p:txBody>
       </p:sp>
@@ -24993,8 +23990,8 @@
           <a:chExt cx="0" cy="0"/>
         </a:xfrm>
       </p:grpSpPr>
-      <mc:AlternateContent xmlns:mc="http://schemas.openxmlformats.org/markup-compatibility/2006">
-        <mc:Choice xmlns:a14="http://schemas.microsoft.com/office/drawing/2010/main" Requires="a14">
+      <mc:AlternateContent xmlns:mc="http://schemas.openxmlformats.org/markup-compatibility/2006" xmlns:a14="http://schemas.microsoft.com/office/drawing/2010/main">
+        <mc:Choice Requires="a14">
           <p:sp>
             <p:nvSpPr>
               <p:cNvPr id="3" name="内容占位符 2"/>
@@ -25013,69 +24010,53 @@
               <a:lstStyle/>
               <a:p>
                 <a:r>
-                  <a:rPr lang="en-US" altLang="zh-CHS" dirty="0" smtClean="0"/>
+                  <a:rPr lang="en-US" altLang="zh-Hans" dirty="0" smtClean="0"/>
                   <a:t>《</a:t>
                 </a:r>
                 <a:r>
-                  <a:rPr kumimoji="1" lang="zh-CHS" altLang="en-US" dirty="0"/>
+                  <a:rPr kumimoji="1" lang="zh-Hans" altLang="en-US" dirty="0"/>
                   <a:t>复杂结构流程挖掘算法设计及其评估</a:t>
                 </a:r>
                 <a:r>
-                  <a:rPr kumimoji="1" lang="zh-CHS" altLang="en-US" dirty="0" smtClean="0"/>
-                  <a:t>模型库</a:t>
+                  <a:rPr kumimoji="1" lang="zh-Hans" altLang="en-US" dirty="0" smtClean="0"/>
+                  <a:t>模型库构建</a:t>
                 </a:r>
                 <a:r>
-                  <a:rPr kumimoji="1" lang="zh-CHS" altLang="en-US" dirty="0" smtClean="0"/>
-                  <a:t>构建</a:t>
-                </a:r>
-                <a:r>
-                  <a:rPr lang="en-US" altLang="zh-CHS" dirty="0" smtClean="0"/>
+                  <a:rPr lang="en-US" altLang="zh-Hans" dirty="0" smtClean="0"/>
                   <a:t>》</a:t>
                 </a:r>
               </a:p>
               <a:p>
-                <a:endParaRPr lang="en-US" altLang="zh-CHS" dirty="0" smtClean="0"/>
+                <a:endParaRPr lang="en-US" altLang="zh-Hans" dirty="0" smtClean="0"/>
               </a:p>
               <a:p>
-                <a:endParaRPr lang="en-US" altLang="zh-CHS" dirty="0" smtClean="0"/>
+                <a:endParaRPr lang="en-US" altLang="zh-Hans" dirty="0" smtClean="0"/>
               </a:p>
               <a:p>
                 <a:r>
-                  <a:rPr lang="zh-CHS" altLang="en-US" dirty="0" smtClean="0"/>
+                  <a:rPr lang="zh-Hans" altLang="en-US" dirty="0" smtClean="0"/>
                   <a:t>围绕</a:t>
                 </a:r>
                 <a:r>
-                  <a:rPr lang="zh-CHS" altLang="en-US" b="1" dirty="0" smtClean="0"/>
+                  <a:rPr lang="zh-Hans" altLang="en-US" b="1" dirty="0" smtClean="0"/>
                   <a:t>流程挖掘</a:t>
                 </a:r>
                 <a:r>
-                  <a:rPr lang="zh-CHS" altLang="en-US" dirty="0" smtClean="0"/>
+                  <a:rPr lang="zh-Hans" altLang="en-US" dirty="0" smtClean="0"/>
                   <a:t>做的两件事：</a:t>
                 </a:r>
-                <a:endParaRPr lang="en-US" altLang="zh-CHS" dirty="0" smtClean="0"/>
+                <a:endParaRPr lang="en-US" altLang="zh-Hans" dirty="0" smtClean="0"/>
               </a:p>
               <a:p>
                 <a:pPr lvl="1"/>
                 <a:r>
-                  <a:rPr lang="zh-CHS" altLang="en-US" dirty="0" smtClean="0"/>
-                  <a:t>设计</a:t>
-                </a:r>
-                <a:r>
-                  <a:rPr lang="zh-CHS" altLang="en-US" dirty="0" smtClean="0"/>
-                  <a:t>付</a:t>
-                </a:r>
-                <a:r>
-                  <a:rPr lang="zh-CHS" altLang="en-US" dirty="0" smtClean="0"/>
-                  <a:t>流程</a:t>
-                </a:r>
-                <a:r>
-                  <a:rPr lang="zh-CHS" altLang="en-US" dirty="0" smtClean="0"/>
-                  <a:t>挖掘算法</a:t>
+                  <a:rPr lang="zh-Hans" altLang="en-US" dirty="0" smtClean="0"/>
+                  <a:t>设计付流程挖掘算法</a:t>
                 </a:r>
                 <a14:m>
                   <m:oMath xmlns:m="http://schemas.openxmlformats.org/officeDocument/2006/math">
                     <m:r>
-                      <a:rPr lang="en-US" altLang="zh-CHS" b="0" i="0" smtClean="0">
+                      <a:rPr lang="en-US" altLang="zh-Hans" b="0" i="0" smtClean="0">
                         <a:latin typeface="Cambria Math" panose="02040503050406030204" pitchFamily="18" charset="0"/>
                       </a:rPr>
                       <m:t>:</m:t>
@@ -25083,14 +24064,14 @@
                     <m:sSup>
                       <m:sSupPr>
                         <m:ctrlPr>
-                          <a:rPr lang="en-US" altLang="zh-CHS" i="1" smtClean="0">
-                            <a:latin typeface="Cambria Math" charset="0"/>
+                          <a:rPr lang="en-US" altLang="zh-Hans" i="1" smtClean="0">
+                            <a:latin typeface="Cambria Math" panose="02040503050406030204" pitchFamily="18" charset="0"/>
                           </a:rPr>
                         </m:ctrlPr>
                       </m:sSupPr>
                       <m:e>
                         <m:r>
-                          <a:rPr lang="en-US" altLang="zh-CHS" i="1" smtClean="0">
+                          <a:rPr lang="en-US" altLang="zh-Hans" i="1" smtClean="0">
                             <a:latin typeface="Cambria Math" panose="02040503050406030204" pitchFamily="18" charset="0"/>
                             <a:ea typeface="Cambria Math" panose="02040503050406030204" pitchFamily="18" charset="0"/>
                           </a:rPr>
@@ -25099,7 +24080,7 @@
                       </m:e>
                       <m:sup>
                         <m:r>
-                          <a:rPr lang="en-US" altLang="zh-CHS" b="0" i="1" smtClean="0">
+                          <a:rPr lang="en-US" altLang="zh-Hans" b="0" i="1" smtClean="0">
                             <a:latin typeface="Cambria Math" panose="02040503050406030204" pitchFamily="18" charset="0"/>
                           </a:rPr>
                           <m:t>$</m:t>
@@ -25108,75 +24089,62 @@
                     </m:sSup>
                   </m:oMath>
                 </a14:m>
-                <a:endParaRPr lang="en-US" altLang="zh-CHS" dirty="0" smtClean="0"/>
+                <a:endParaRPr lang="en-US" altLang="zh-Hans" dirty="0" smtClean="0"/>
               </a:p>
               <a:p>
                 <a:pPr lvl="2"/>
                 <a:r>
-                  <a:rPr lang="zh-CHS" altLang="en-US" dirty="0" smtClean="0"/>
+                  <a:rPr lang="zh-Hans" altLang="en-US" dirty="0" smtClean="0"/>
                   <a:t>同时挖掘不可见任务与非自由选择结构</a:t>
                 </a:r>
-                <a:endParaRPr lang="en-US" altLang="zh-CHS" dirty="0" smtClean="0"/>
+                <a:endParaRPr lang="en-US" altLang="zh-Hans" dirty="0" smtClean="0"/>
               </a:p>
               <a:p>
                 <a:pPr lvl="1"/>
                 <a:r>
-                  <a:rPr lang="zh-CHS" altLang="en-US" dirty="0" smtClean="0"/>
-                  <a:t>构建</a:t>
+                  <a:rPr lang="zh-Hans" altLang="en-US" dirty="0" smtClean="0"/>
+                  <a:t>构建流程挖掘评估模型库</a:t>
                 </a:r>
-                <a:r>
-                  <a:rPr lang="zh-CHS" altLang="en-US" dirty="0" smtClean="0"/>
-                  <a:t>流程挖掘</a:t>
-                </a:r>
-                <a:r>
-                  <a:rPr lang="zh-CHS" altLang="en-US" dirty="0" smtClean="0"/>
-                  <a:t>评估模型库</a:t>
-                </a:r>
-                <a:endParaRPr lang="zh-CHS" altLang="en-US" dirty="0" smtClean="0"/>
               </a:p>
               <a:p>
                 <a:pPr lvl="2"/>
                 <a:r>
-                  <a:rPr lang="zh-CHS" altLang="en-US" dirty="0" smtClean="0"/>
-                  <a:t>描述</a:t>
+                  <a:rPr lang="zh-Hans" altLang="en-US" dirty="0" smtClean="0"/>
+                  <a:t>描述流程模型的属性从</a:t>
                 </a:r>
                 <a:r>
-                  <a:rPr lang="zh-CHS" altLang="en-US" dirty="0" smtClean="0"/>
-                  <a:t>流程模型的属性从</a:t>
-                </a:r>
-                <a:r>
-                  <a:rPr lang="en-US" altLang="zh-CHS" dirty="0" smtClean="0"/>
+                  <a:rPr lang="en-US" altLang="zh-Hans" dirty="0" smtClean="0"/>
                   <a:t>48</a:t>
                 </a:r>
                 <a:r>
-                  <a:rPr lang="zh-CHS" altLang="en-US" dirty="0" smtClean="0"/>
+                  <a:rPr lang="zh-Hans" altLang="en-US" dirty="0" smtClean="0"/>
                   <a:t>维降到</a:t>
                 </a:r>
                 <a:r>
-                  <a:rPr lang="en-US" altLang="zh-CHS" dirty="0" smtClean="0"/>
+                  <a:rPr lang="en-US" altLang="zh-Hans" dirty="0" smtClean="0"/>
                   <a:t>6</a:t>
                 </a:r>
                 <a:r>
-                  <a:rPr lang="zh-CHS" altLang="en-US" dirty="0" smtClean="0"/>
+                  <a:rPr lang="zh-Hans" altLang="en-US" dirty="0" smtClean="0"/>
                   <a:t>维</a:t>
                 </a:r>
-                <a:endParaRPr lang="en-US" altLang="zh-CHS" dirty="0" smtClean="0"/>
+                <a:endParaRPr lang="en-US" altLang="zh-Hans" dirty="0" smtClean="0"/>
               </a:p>
               <a:p>
                 <a:pPr lvl="2"/>
                 <a:r>
-                  <a:rPr lang="zh-CHS" altLang="en-US" dirty="0" smtClean="0"/>
+                  <a:rPr lang="zh-Hans" altLang="en-US" dirty="0" smtClean="0"/>
                   <a:t>设计一组通用的有效参考模型集</a:t>
                 </a:r>
-                <a:endParaRPr lang="en-US" altLang="zh-CHS" dirty="0" smtClean="0"/>
+                <a:endParaRPr lang="en-US" altLang="zh-Hans" dirty="0" smtClean="0"/>
               </a:p>
               <a:p>
-                <a:endParaRPr lang="zh-CHS" altLang="en-US" dirty="0"/>
+                <a:endParaRPr lang="zh-Hans" altLang="en-US" dirty="0"/>
               </a:p>
             </p:txBody>
           </p:sp>
         </mc:Choice>
-        <mc:Fallback>
+        <mc:Fallback xmlns="">
           <p:sp>
             <p:nvSpPr>
               <p:cNvPr id="3" name="内容占位符 2"/>
@@ -25249,10 +24217,10 @@
           </a:lstStyle>
           <a:p>
             <a:r>
-              <a:rPr lang="zh-CHS" altLang="en-US" dirty="0" smtClean="0"/>
+              <a:rPr lang="zh-Hans" altLang="en-US" dirty="0" smtClean="0"/>
               <a:t>毕业论文题目</a:t>
             </a:r>
-            <a:endParaRPr lang="zh-CHS" altLang="en-US" dirty="0"/>
+            <a:endParaRPr lang="zh-Hans" altLang="en-US" dirty="0"/>
           </a:p>
         </p:txBody>
       </p:sp>
@@ -25354,10 +24322,10 @@
           </a:lstStyle>
           <a:p>
             <a:r>
-              <a:rPr lang="zh-CHS" altLang="en-US" dirty="0" smtClean="0"/>
+              <a:rPr lang="zh-Hans" altLang="en-US" dirty="0" smtClean="0"/>
               <a:t>框架结构</a:t>
             </a:r>
-            <a:endParaRPr lang="zh-CHS" altLang="en-US" dirty="0"/>
+            <a:endParaRPr lang="zh-Hans" altLang="en-US" dirty="0"/>
           </a:p>
         </p:txBody>
       </p:sp>
@@ -25437,10 +24405,10 @@
           </a:lstStyle>
           <a:p>
             <a:r>
-              <a:rPr lang="zh-CHS" altLang="en-US" dirty="0" smtClean="0"/>
+              <a:rPr lang="zh-Hans" altLang="en-US" dirty="0" smtClean="0"/>
               <a:t>框架结构</a:t>
             </a:r>
-            <a:endParaRPr lang="zh-CHS" altLang="en-US" dirty="0"/>
+            <a:endParaRPr lang="zh-Hans" altLang="en-US" dirty="0"/>
           </a:p>
         </p:txBody>
       </p:sp>
@@ -25632,105 +24600,105 @@
           </a:lstStyle>
           <a:p>
             <a:r>
-              <a:rPr lang="zh-CHS" altLang="en-US" dirty="0" smtClean="0"/>
+              <a:rPr lang="zh-Hans" altLang="en-US" dirty="0" smtClean="0"/>
               <a:t>论文总共分为</a:t>
             </a:r>
             <a:r>
-              <a:rPr lang="en-US" altLang="zh-CHS" dirty="0" smtClean="0"/>
+              <a:rPr lang="en-US" altLang="zh-Hans" dirty="0" smtClean="0"/>
               <a:t>5</a:t>
             </a:r>
             <a:r>
-              <a:rPr lang="zh-CHS" altLang="en-US" dirty="0" smtClean="0"/>
+              <a:rPr lang="zh-Hans" altLang="en-US" dirty="0" smtClean="0"/>
               <a:t>章：</a:t>
             </a:r>
-            <a:endParaRPr lang="en-US" altLang="zh-CHS" dirty="0" smtClean="0"/>
+            <a:endParaRPr lang="en-US" altLang="zh-Hans" dirty="0" smtClean="0"/>
           </a:p>
           <a:p>
             <a:pPr lvl="1"/>
             <a:r>
-              <a:rPr lang="zh-CHS" altLang="en-US" dirty="0" smtClean="0"/>
+              <a:rPr lang="zh-Hans" altLang="en-US" dirty="0" smtClean="0"/>
               <a:t>第</a:t>
             </a:r>
             <a:r>
-              <a:rPr lang="en-US" altLang="zh-CHS" dirty="0" smtClean="0"/>
+              <a:rPr lang="en-US" altLang="zh-Hans" dirty="0" smtClean="0"/>
               <a:t>1</a:t>
             </a:r>
             <a:r>
-              <a:rPr lang="zh-CHS" altLang="en-US" dirty="0" smtClean="0"/>
+              <a:rPr lang="zh-Hans" altLang="en-US" dirty="0" smtClean="0"/>
               <a:t>章绪论</a:t>
             </a:r>
-            <a:endParaRPr lang="en-US" altLang="zh-CHS" dirty="0" smtClean="0"/>
+            <a:endParaRPr lang="en-US" altLang="zh-Hans" dirty="0" smtClean="0"/>
           </a:p>
           <a:p>
             <a:pPr lvl="1"/>
             <a:r>
-              <a:rPr lang="zh-CHS" altLang="en-US" dirty="0" smtClean="0"/>
+              <a:rPr lang="zh-Hans" altLang="en-US" dirty="0" smtClean="0"/>
               <a:t>第</a:t>
             </a:r>
             <a:r>
-              <a:rPr lang="en-US" altLang="zh-CHS" dirty="0" smtClean="0"/>
+              <a:rPr lang="en-US" altLang="zh-Hans" dirty="0" smtClean="0"/>
               <a:t>2</a:t>
             </a:r>
             <a:r>
-              <a:rPr lang="zh-CHS" altLang="en-US" dirty="0" smtClean="0"/>
+              <a:rPr lang="zh-Hans" altLang="en-US" dirty="0" smtClean="0"/>
               <a:t>章相关工作</a:t>
             </a:r>
-            <a:endParaRPr lang="en-US" altLang="zh-CHS" dirty="0" smtClean="0"/>
+            <a:endParaRPr lang="en-US" altLang="zh-Hans" dirty="0" smtClean="0"/>
           </a:p>
           <a:p>
             <a:pPr lvl="1"/>
             <a:r>
-              <a:rPr lang="zh-CHS" altLang="en-US" dirty="0" smtClean="0"/>
+              <a:rPr lang="zh-Hans" altLang="en-US" dirty="0" smtClean="0"/>
               <a:t>第</a:t>
             </a:r>
             <a:r>
-              <a:rPr lang="en-US" altLang="zh-CHS" dirty="0" smtClean="0"/>
+              <a:rPr lang="en-US" altLang="zh-Hans" dirty="0" smtClean="0"/>
               <a:t>3</a:t>
             </a:r>
             <a:r>
-              <a:rPr lang="zh-CHS" altLang="en-US" dirty="0" smtClean="0"/>
+              <a:rPr lang="zh-Hans" altLang="en-US" dirty="0" smtClean="0"/>
               <a:t>章</a:t>
             </a:r>
             <a:r>
-              <a:rPr kumimoji="1" lang="zh-CHS" altLang="en-US" dirty="0"/>
+              <a:rPr kumimoji="1" lang="zh-Hans" altLang="en-US" dirty="0"/>
               <a:t>从不完整日志中挖掘非自由选择</a:t>
             </a:r>
             <a:r>
-              <a:rPr kumimoji="1" lang="zh-CHS" altLang="en-US" dirty="0" smtClean="0"/>
+              <a:rPr kumimoji="1" lang="zh-Hans" altLang="en-US" dirty="0" smtClean="0"/>
               <a:t>结构</a:t>
             </a:r>
-            <a:endParaRPr lang="en-US" altLang="zh-CHS" dirty="0" smtClean="0"/>
+            <a:endParaRPr lang="en-US" altLang="zh-Hans" dirty="0" smtClean="0"/>
           </a:p>
           <a:p>
             <a:pPr lvl="1"/>
             <a:r>
-              <a:rPr lang="zh-CHS" altLang="en-US" dirty="0" smtClean="0"/>
+              <a:rPr lang="zh-Hans" altLang="en-US" dirty="0" smtClean="0"/>
               <a:t>第</a:t>
             </a:r>
             <a:r>
-              <a:rPr lang="en-US" altLang="zh-CHS" dirty="0" smtClean="0"/>
+              <a:rPr lang="en-US" altLang="zh-Hans" dirty="0" smtClean="0"/>
               <a:t>4</a:t>
             </a:r>
             <a:r>
-              <a:rPr lang="zh-CHS" altLang="en-US" dirty="0"/>
+              <a:rPr lang="zh-Hans" altLang="en-US" dirty="0"/>
               <a:t>章面向流程挖掘算法评估的典型模型库构建</a:t>
             </a:r>
           </a:p>
           <a:p>
             <a:pPr lvl="1"/>
             <a:r>
-              <a:rPr lang="zh-CHS" altLang="en-US" dirty="0" smtClean="0"/>
+              <a:rPr lang="zh-Hans" altLang="en-US" dirty="0" smtClean="0"/>
               <a:t>第</a:t>
             </a:r>
             <a:r>
-              <a:rPr lang="en-US" altLang="zh-CHS" dirty="0" smtClean="0"/>
+              <a:rPr lang="en-US" altLang="zh-Hans" dirty="0" smtClean="0"/>
               <a:t>5</a:t>
             </a:r>
             <a:r>
-              <a:rPr lang="zh-CHS" altLang="en-US" dirty="0" smtClean="0"/>
+              <a:rPr lang="zh-Hans" altLang="en-US" dirty="0" smtClean="0"/>
               <a:t>章总结与展望</a:t>
             </a:r>
-            <a:endParaRPr lang="en-US" altLang="zh-CHS" dirty="0"/>
+            <a:endParaRPr lang="en-US" altLang="zh-Hans" dirty="0"/>
           </a:p>
         </p:txBody>
       </p:sp>
@@ -25886,14 +24854,14 @@
           </a:lstStyle>
           <a:p>
             <a:r>
-              <a:rPr lang="zh-CHS" altLang="en-US" dirty="0" smtClean="0"/>
+              <a:rPr lang="zh-Hans" altLang="en-US" dirty="0" smtClean="0"/>
               <a:t>框架结构</a:t>
             </a:r>
             <a:r>
-              <a:rPr lang="en-US" altLang="zh-CHS" dirty="0" smtClean="0"/>
+              <a:rPr lang="en-US" altLang="zh-Hans" dirty="0" smtClean="0"/>
               <a:t>-1</a:t>
             </a:r>
-            <a:endParaRPr lang="zh-CHS" altLang="en-US" dirty="0"/>
+            <a:endParaRPr lang="zh-Hans" altLang="en-US" dirty="0"/>
           </a:p>
         </p:txBody>
       </p:sp>
@@ -26085,77 +25053,77 @@
           </a:lstStyle>
           <a:p>
             <a:r>
-              <a:rPr lang="zh-CHS" altLang="en-US" dirty="0" smtClean="0"/>
+              <a:rPr lang="zh-Hans" altLang="en-US" dirty="0" smtClean="0"/>
               <a:t>第</a:t>
             </a:r>
             <a:r>
-              <a:rPr lang="en-US" altLang="zh-CHS" dirty="0" smtClean="0"/>
+              <a:rPr lang="en-US" altLang="zh-Hans" dirty="0" smtClean="0"/>
               <a:t>1</a:t>
             </a:r>
             <a:r>
-              <a:rPr lang="zh-CHS" altLang="en-US" dirty="0" smtClean="0"/>
+              <a:rPr lang="zh-Hans" altLang="en-US" dirty="0" smtClean="0"/>
               <a:t>章绪论</a:t>
             </a:r>
-            <a:endParaRPr lang="en-US" altLang="zh-CHS" dirty="0" smtClean="0"/>
+            <a:endParaRPr lang="en-US" altLang="zh-Hans" dirty="0" smtClean="0"/>
           </a:p>
           <a:p>
             <a:pPr lvl="1"/>
             <a:r>
-              <a:rPr lang="zh-CHS" altLang="en-US" dirty="0" smtClean="0"/>
+              <a:rPr lang="zh-Hans" altLang="en-US" dirty="0" smtClean="0"/>
               <a:t>选题的背景与意义</a:t>
             </a:r>
-            <a:endParaRPr lang="en-US" altLang="zh-CHS" dirty="0" smtClean="0"/>
+            <a:endParaRPr lang="en-US" altLang="zh-Hans" dirty="0" smtClean="0"/>
           </a:p>
           <a:p>
             <a:pPr lvl="1"/>
             <a:r>
-              <a:rPr lang="zh-CHS" altLang="en-US" dirty="0"/>
+              <a:rPr lang="zh-Hans" altLang="en-US" dirty="0"/>
               <a:t>基本</a:t>
             </a:r>
             <a:r>
-              <a:rPr lang="zh-CHS" altLang="en-US" dirty="0" smtClean="0"/>
+              <a:rPr lang="zh-Hans" altLang="en-US" dirty="0" smtClean="0"/>
               <a:t>概念</a:t>
             </a:r>
-            <a:endParaRPr lang="en-US" altLang="zh-CHS" dirty="0" smtClean="0"/>
+            <a:endParaRPr lang="en-US" altLang="zh-Hans" dirty="0" smtClean="0"/>
           </a:p>
           <a:p>
             <a:pPr lvl="2"/>
             <a:r>
-              <a:rPr lang="zh-CHS" altLang="en-US" dirty="0"/>
+              <a:rPr lang="zh-Hans" altLang="en-US" dirty="0"/>
               <a:t>事件</a:t>
             </a:r>
             <a:r>
-              <a:rPr lang="zh-CHS" altLang="en-US" dirty="0" smtClean="0"/>
+              <a:rPr lang="zh-Hans" altLang="en-US" dirty="0" smtClean="0"/>
               <a:t>日志、工作流网</a:t>
             </a:r>
-            <a:endParaRPr lang="en-US" altLang="zh-CHS" dirty="0" smtClean="0"/>
+            <a:endParaRPr lang="en-US" altLang="zh-Hans" dirty="0" smtClean="0"/>
           </a:p>
           <a:p>
             <a:pPr lvl="1"/>
             <a:r>
-              <a:rPr lang="zh-CHS" altLang="en-US" dirty="0"/>
+              <a:rPr lang="zh-Hans" altLang="en-US" dirty="0"/>
               <a:t>论文</a:t>
             </a:r>
             <a:r>
-              <a:rPr lang="zh-CHS" altLang="en-US" dirty="0" smtClean="0"/>
+              <a:rPr lang="zh-Hans" altLang="en-US" dirty="0" smtClean="0"/>
               <a:t>主要贡献</a:t>
             </a:r>
-            <a:endParaRPr lang="en-US" altLang="zh-CHS" dirty="0" smtClean="0"/>
+            <a:endParaRPr lang="en-US" altLang="zh-Hans" dirty="0" smtClean="0"/>
           </a:p>
           <a:p>
             <a:pPr lvl="1"/>
             <a:r>
-              <a:rPr lang="zh-CHS" altLang="en-US" dirty="0" smtClean="0"/>
+              <a:rPr lang="zh-Hans" altLang="en-US" dirty="0" smtClean="0"/>
               <a:t>论文章节安排</a:t>
             </a:r>
-            <a:endParaRPr lang="en-US" altLang="zh-CHS" dirty="0" smtClean="0"/>
+            <a:endParaRPr lang="en-US" altLang="zh-Hans" dirty="0" smtClean="0"/>
           </a:p>
           <a:p>
             <a:pPr lvl="1"/>
-            <a:endParaRPr lang="en-US" altLang="zh-CHS" dirty="0"/>
+            <a:endParaRPr lang="en-US" altLang="zh-Hans" dirty="0"/>
           </a:p>
           <a:p>
-            <a:endParaRPr lang="en-US" altLang="zh-CHS" dirty="0" smtClean="0"/>
+            <a:endParaRPr lang="en-US" altLang="zh-Hans" dirty="0" smtClean="0"/>
           </a:p>
         </p:txBody>
       </p:sp>
@@ -26195,7 +25163,7 @@
           <a:lstStyle/>
           <a:p>
             <a:pPr algn="ctr"/>
-            <a:endParaRPr lang="zh-CHS" altLang="en-US"/>
+            <a:endParaRPr lang="zh-Hans" altLang="en-US"/>
           </a:p>
         </p:txBody>
       </p:sp>
@@ -26243,7 +25211,7 @@
           <a:lstStyle/>
           <a:p>
             <a:pPr algn="ctr"/>
-            <a:endParaRPr lang="zh-CHS" altLang="en-US"/>
+            <a:endParaRPr lang="zh-Hans" altLang="en-US"/>
           </a:p>
         </p:txBody>
       </p:sp>
@@ -26323,14 +25291,14 @@
           </a:lstStyle>
           <a:p>
             <a:r>
-              <a:rPr lang="zh-CHS" altLang="en-US" dirty="0" smtClean="0"/>
+              <a:rPr lang="zh-Hans" altLang="en-US" dirty="0" smtClean="0"/>
               <a:t>框架结构</a:t>
             </a:r>
             <a:r>
-              <a:rPr lang="en-US" altLang="zh-CHS" dirty="0" smtClean="0"/>
+              <a:rPr lang="en-US" altLang="zh-Hans" dirty="0" smtClean="0"/>
               <a:t>-2</a:t>
             </a:r>
-            <a:endParaRPr lang="zh-CHS" altLang="en-US" dirty="0"/>
+            <a:endParaRPr lang="zh-Hans" altLang="en-US" dirty="0"/>
           </a:p>
         </p:txBody>
       </p:sp>
@@ -26524,41 +25492,41 @@
               </a:lstStyle>
               <a:p>
                 <a:r>
-                  <a:rPr lang="zh-CHS" altLang="en-US" dirty="0" smtClean="0"/>
+                  <a:rPr lang="zh-Hans" altLang="en-US" dirty="0" smtClean="0"/>
                   <a:t>第</a:t>
                 </a:r>
                 <a:r>
-                  <a:rPr lang="en-US" altLang="zh-CHS" dirty="0" smtClean="0"/>
+                  <a:rPr lang="en-US" altLang="zh-Hans" dirty="0" smtClean="0"/>
                   <a:t>2</a:t>
                 </a:r>
                 <a:r>
-                  <a:rPr lang="zh-CHS" altLang="en-US" dirty="0" smtClean="0"/>
+                  <a:rPr lang="zh-Hans" altLang="en-US" dirty="0" smtClean="0"/>
                   <a:t>章相关工作</a:t>
                 </a:r>
-                <a:endParaRPr lang="en-US" altLang="zh-CHS" dirty="0" smtClean="0"/>
+                <a:endParaRPr lang="en-US" altLang="zh-Hans" dirty="0" smtClean="0"/>
               </a:p>
               <a:p>
                 <a:pPr lvl="1"/>
                 <a:r>
-                  <a:rPr lang="zh-CHS" altLang="en-US" dirty="0" smtClean="0"/>
+                  <a:rPr lang="zh-Hans" altLang="en-US" dirty="0" smtClean="0"/>
                   <a:t>相关挖掘算法介绍</a:t>
                 </a:r>
-                <a:endParaRPr lang="en-US" altLang="zh-CHS" dirty="0" smtClean="0"/>
+                <a:endParaRPr lang="en-US" altLang="zh-Hans" dirty="0" smtClean="0"/>
               </a:p>
               <a:p>
                 <a:pPr lvl="2"/>
                 <a:r>
-                  <a:rPr lang="zh-CHS" altLang="en-US" dirty="0"/>
+                  <a:rPr lang="zh-Hans" altLang="en-US" dirty="0"/>
                   <a:t>重点</a:t>
                 </a:r>
                 <a:r>
-                  <a:rPr lang="zh-CHS" altLang="en-US" dirty="0" smtClean="0"/>
+                  <a:rPr lang="zh-Hans" altLang="en-US" dirty="0" smtClean="0"/>
                   <a:t>介绍</a:t>
                 </a:r>
                 <a14:m>
                   <m:oMath xmlns:m="http://schemas.openxmlformats.org/officeDocument/2006/math">
                     <m:r>
-                      <a:rPr lang="en-US" altLang="zh-CHS" i="1" smtClean="0">
+                      <a:rPr lang="en-US" altLang="zh-Hans" i="1" smtClean="0">
                         <a:latin typeface="Cambria Math" panose="02040503050406030204" pitchFamily="18" charset="0"/>
                         <a:ea typeface="Cambria Math" panose="02040503050406030204" pitchFamily="18" charset="0"/>
                       </a:rPr>
@@ -26567,15 +25535,15 @@
                   </m:oMath>
                 </a14:m>
                 <a:r>
-                  <a:rPr lang="zh-CHS" altLang="en-US" dirty="0" smtClean="0"/>
+                  <a:rPr lang="zh-Hans" altLang="en-US" dirty="0" smtClean="0"/>
                   <a:t>系列</a:t>
                 </a:r>
                 <a:r>
-                  <a:rPr lang="en-US" altLang="zh-CHS" dirty="0" smtClean="0"/>
+                  <a:rPr lang="en-US" altLang="zh-Hans" dirty="0" smtClean="0"/>
                   <a:t>:</a:t>
                 </a:r>
                 <a:r>
-                  <a:rPr lang="en-US" altLang="zh-CHS" dirty="0">
+                  <a:rPr lang="en-US" altLang="zh-Hans" dirty="0">
                     <a:ea typeface="Cambria Math" panose="02040503050406030204" pitchFamily="18" charset="0"/>
                   </a:rPr>
                   <a:t> </a:t>
@@ -26583,7 +25551,7 @@
                 <a14:m>
                   <m:oMath xmlns:m="http://schemas.openxmlformats.org/officeDocument/2006/math">
                     <m:r>
-                      <a:rPr lang="en-US" altLang="zh-CHS" i="1">
+                      <a:rPr lang="en-US" altLang="zh-Hans" i="1">
                         <a:latin typeface="Cambria Math" panose="02040503050406030204" pitchFamily="18" charset="0"/>
                         <a:ea typeface="Cambria Math" panose="02040503050406030204" pitchFamily="18" charset="0"/>
                       </a:rPr>
@@ -26592,11 +25560,11 @@
                   </m:oMath>
                 </a14:m>
                 <a:r>
-                  <a:rPr lang="en-US" altLang="zh-CHS" dirty="0" smtClean="0"/>
+                  <a:rPr lang="en-US" altLang="zh-Hans" dirty="0" smtClean="0"/>
                   <a:t>,</a:t>
                 </a:r>
                 <a:r>
-                  <a:rPr lang="en-US" altLang="zh-CHS" dirty="0">
+                  <a:rPr lang="en-US" altLang="zh-Hans" dirty="0">
                     <a:ea typeface="Cambria Math" panose="02040503050406030204" pitchFamily="18" charset="0"/>
                   </a:rPr>
                   <a:t> </a:t>
@@ -26604,7 +25572,7 @@
                 <a14:m>
                   <m:oMath xmlns:m="http://schemas.openxmlformats.org/officeDocument/2006/math">
                     <m:r>
-                      <a:rPr lang="en-US" altLang="zh-CHS" i="1">
+                      <a:rPr lang="en-US" altLang="zh-Hans" i="1">
                         <a:latin typeface="Cambria Math" panose="02040503050406030204" pitchFamily="18" charset="0"/>
                         <a:ea typeface="Cambria Math" panose="02040503050406030204" pitchFamily="18" charset="0"/>
                       </a:rPr>
@@ -26613,15 +25581,15 @@
                   </m:oMath>
                 </a14:m>
                 <a:r>
-                  <a:rPr lang="en-US" altLang="zh-CHS" baseline="30000" dirty="0"/>
+                  <a:rPr lang="en-US" altLang="zh-Hans" baseline="30000" dirty="0"/>
                   <a:t>++</a:t>
                 </a:r>
                 <a:r>
-                  <a:rPr lang="en-US" altLang="zh-CHS" dirty="0" smtClean="0"/>
+                  <a:rPr lang="en-US" altLang="zh-Hans" dirty="0" smtClean="0"/>
                   <a:t>,</a:t>
                 </a:r>
                 <a:r>
-                  <a:rPr lang="en-US" altLang="zh-CHS" dirty="0" smtClean="0">
+                  <a:rPr lang="en-US" altLang="zh-Hans" dirty="0" smtClean="0">
                     <a:ea typeface="Cambria Math" panose="02040503050406030204" pitchFamily="18" charset="0"/>
                   </a:rPr>
                   <a:t> </a:t>
@@ -26629,7 +25597,7 @@
                 <a14:m>
                   <m:oMath xmlns:m="http://schemas.openxmlformats.org/officeDocument/2006/math">
                     <m:r>
-                      <a:rPr lang="en-US" altLang="zh-CHS" i="1">
+                      <a:rPr lang="en-US" altLang="zh-Hans" i="1">
                         <a:latin typeface="Cambria Math" panose="02040503050406030204" pitchFamily="18" charset="0"/>
                         <a:ea typeface="Cambria Math" panose="02040503050406030204" pitchFamily="18" charset="0"/>
                       </a:rPr>
@@ -26638,13 +25606,13 @@
                   </m:oMath>
                 </a14:m>
                 <a:r>
-                  <a:rPr lang="en-US" altLang="zh-CHS" dirty="0">
+                  <a:rPr lang="en-US" altLang="zh-Hans" dirty="0">
                     <a:ea typeface="Cambria Math" panose="02040503050406030204" pitchFamily="18" charset="0"/>
                   </a:rPr>
                   <a:t> </a:t>
                 </a:r>
                 <a:r>
-                  <a:rPr lang="en-US" altLang="zh-CHS" baseline="30000" dirty="0" smtClean="0">
+                  <a:rPr lang="en-US" altLang="zh-Hans" baseline="30000" dirty="0" smtClean="0">
                     <a:ea typeface="Cambria Math" panose="02040503050406030204" pitchFamily="18" charset="0"/>
                   </a:rPr>
                   <a:t>#</a:t>
@@ -26653,65 +25621,65 @@
               <a:p>
                 <a:pPr lvl="2"/>
                 <a:r>
-                  <a:rPr lang="en-US" altLang="zh-CHS" dirty="0" smtClean="0"/>
+                  <a:rPr lang="en-US" altLang="zh-Hans" dirty="0" smtClean="0"/>
                   <a:t>Genetic, Heuristic, Region, ILP</a:t>
                 </a:r>
               </a:p>
               <a:p>
                 <a:pPr lvl="1"/>
                 <a:r>
-                  <a:rPr lang="zh-CHS" altLang="en-US" dirty="0" smtClean="0"/>
+                  <a:rPr lang="zh-Hans" altLang="en-US" dirty="0" smtClean="0"/>
                   <a:t>流程挖掘算法评估框架介绍</a:t>
                 </a:r>
-                <a:endParaRPr lang="en-US" altLang="zh-CHS" dirty="0" smtClean="0"/>
+                <a:endParaRPr lang="en-US" altLang="zh-Hans" dirty="0" smtClean="0"/>
               </a:p>
               <a:p>
                 <a:pPr lvl="2"/>
                 <a:r>
-                  <a:rPr lang="zh-CHS" altLang="en-US" dirty="0" smtClean="0"/>
+                  <a:rPr lang="zh-Hans" altLang="en-US" dirty="0" smtClean="0"/>
                   <a:t>基于专用模型全集的流程挖掘算法评估框架</a:t>
                 </a:r>
-                <a:endParaRPr lang="en-US" altLang="zh-CHS" dirty="0" smtClean="0"/>
+                <a:endParaRPr lang="en-US" altLang="zh-Hans" dirty="0" smtClean="0"/>
               </a:p>
               <a:p>
                 <a:pPr lvl="3"/>
                 <a:r>
-                  <a:rPr lang="en-US" altLang="zh-CHS" dirty="0" err="1" smtClean="0"/>
+                  <a:rPr lang="en-US" altLang="zh-Hans" dirty="0" err="1" smtClean="0"/>
                   <a:t>Rozinat</a:t>
                 </a:r>
                 <a:r>
-                  <a:rPr lang="zh-CHS" altLang="en-US" dirty="0" smtClean="0"/>
+                  <a:rPr lang="zh-Hans" altLang="en-US" dirty="0" smtClean="0"/>
                   <a:t>和</a:t>
                 </a:r>
                 <a:r>
-                  <a:rPr lang="en-US" altLang="zh-CHS" dirty="0" smtClean="0"/>
+                  <a:rPr lang="en-US" altLang="zh-Hans" dirty="0" smtClean="0"/>
                   <a:t>SAC2012</a:t>
                 </a:r>
                 <a:r>
-                  <a:rPr lang="zh-CHS" altLang="en-US" dirty="0" smtClean="0"/>
+                  <a:rPr lang="zh-Hans" altLang="en-US" dirty="0" smtClean="0"/>
                   <a:t>论文</a:t>
                 </a:r>
-                <a:endParaRPr lang="en-US" altLang="zh-CHS" dirty="0" smtClean="0"/>
+                <a:endParaRPr lang="en-US" altLang="zh-Hans" dirty="0" smtClean="0"/>
               </a:p>
               <a:p>
                 <a:pPr lvl="2"/>
                 <a:r>
-                  <a:rPr lang="zh-CHS" altLang="en-US" dirty="0" smtClean="0"/>
+                  <a:rPr lang="zh-Hans" altLang="en-US" dirty="0" smtClean="0"/>
                   <a:t>基于专用模型子集与推荐技术的流程挖掘算法评估框架</a:t>
                 </a:r>
-                <a:endParaRPr lang="en-US" altLang="zh-CHS" dirty="0" smtClean="0"/>
+                <a:endParaRPr lang="en-US" altLang="zh-Hans" dirty="0" smtClean="0"/>
               </a:p>
               <a:p>
                 <a:pPr lvl="3"/>
                 <a:r>
-                  <a:rPr lang="en-US" altLang="zh-CHS" dirty="0" smtClean="0"/>
+                  <a:rPr lang="en-US" altLang="zh-Hans" dirty="0" smtClean="0"/>
                   <a:t>ICWS/TSC</a:t>
                 </a:r>
                 <a:r>
-                  <a:rPr lang="zh-CHS" altLang="en-US" dirty="0" smtClean="0"/>
+                  <a:rPr lang="zh-Hans" altLang="en-US" dirty="0" smtClean="0"/>
                   <a:t>论文</a:t>
                 </a:r>
-                <a:endParaRPr lang="en-US" altLang="zh-CHS" dirty="0"/>
+                <a:endParaRPr lang="en-US" altLang="zh-Hans" dirty="0"/>
               </a:p>
             </p:txBody>
           </p:sp>
@@ -26791,7 +25759,7 @@
           <a:lstStyle/>
           <a:p>
             <a:pPr algn="ctr"/>
-            <a:endParaRPr lang="zh-CHS" altLang="en-US"/>
+            <a:endParaRPr lang="zh-Hans" altLang="en-US"/>
           </a:p>
         </p:txBody>
       </p:sp>
@@ -26839,7 +25807,7 @@
           <a:lstStyle/>
           <a:p>
             <a:pPr algn="ctr"/>
-            <a:endParaRPr lang="zh-CHS" altLang="en-US"/>
+            <a:endParaRPr lang="zh-Hans" altLang="en-US"/>
           </a:p>
         </p:txBody>
       </p:sp>
@@ -26919,14 +25887,14 @@
           </a:lstStyle>
           <a:p>
             <a:r>
-              <a:rPr lang="zh-CHS" altLang="en-US" dirty="0" smtClean="0"/>
+              <a:rPr lang="zh-Hans" altLang="en-US" dirty="0" smtClean="0"/>
               <a:t>框架结构</a:t>
             </a:r>
             <a:r>
-              <a:rPr lang="en-US" altLang="zh-CHS" dirty="0" smtClean="0"/>
+              <a:rPr lang="en-US" altLang="zh-Hans" dirty="0" smtClean="0"/>
               <a:t>-3</a:t>
             </a:r>
-            <a:endParaRPr lang="zh-CHS" altLang="en-US" dirty="0"/>
+            <a:endParaRPr lang="zh-Hans" altLang="en-US" dirty="0"/>
           </a:p>
         </p:txBody>
       </p:sp>
@@ -27118,157 +26086,149 @@
           </a:lstStyle>
           <a:p>
             <a:r>
-              <a:rPr lang="zh-CHS" altLang="en-US" dirty="0" smtClean="0"/>
+              <a:rPr lang="zh-Hans" altLang="en-US" dirty="0" smtClean="0"/>
               <a:t>第</a:t>
             </a:r>
             <a:r>
-              <a:rPr lang="en-US" altLang="zh-CHS" dirty="0" smtClean="0"/>
+              <a:rPr lang="en-US" altLang="zh-Hans" dirty="0" smtClean="0"/>
               <a:t>3</a:t>
             </a:r>
             <a:r>
-              <a:rPr lang="zh-CHS" altLang="en-US" dirty="0" smtClean="0"/>
+              <a:rPr lang="zh-Hans" altLang="en-US" dirty="0" smtClean="0"/>
               <a:t>章</a:t>
             </a:r>
             <a:r>
-              <a:rPr lang="en-US" altLang="zh-CHS" dirty="0" smtClean="0"/>
+              <a:rPr lang="en-US" altLang="zh-Hans" dirty="0" smtClean="0"/>
               <a:t> </a:t>
             </a:r>
             <a:r>
-              <a:rPr kumimoji="1" lang="zh-CHS" altLang="en-US" dirty="0" smtClean="0"/>
-              <a:t>从不</a:t>
-            </a:r>
-            <a:r>
-              <a:rPr kumimoji="1" lang="zh-CHS" altLang="en-US" dirty="0"/>
-              <a:t>完整日志中挖掘非自由选择</a:t>
-            </a:r>
-            <a:r>
-              <a:rPr kumimoji="1" lang="zh-CHS" altLang="en-US" dirty="0" smtClean="0"/>
-              <a:t>结构</a:t>
-            </a:r>
-            <a:endParaRPr lang="en-US" altLang="zh-CHS" dirty="0" smtClean="0"/>
+              <a:rPr kumimoji="1" lang="zh-Hans" altLang="en-US" dirty="0" smtClean="0"/>
+              <a:t>从不完整日志中挖掘非自由选择结构</a:t>
+            </a:r>
+            <a:endParaRPr lang="en-US" altLang="zh-Hans" dirty="0" smtClean="0"/>
           </a:p>
           <a:p>
             <a:pPr lvl="1"/>
             <a:r>
-              <a:rPr lang="zh-CHS" altLang="zh-CHS" dirty="0"/>
-              <a:t>流程挖掘算法</a:t>
-            </a:r>
-            <a:r>
-              <a:rPr lang="zh-CHS" altLang="zh-CHS" dirty="0" smtClean="0"/>
-              <a:t>概述</a:t>
-            </a:r>
-            <a:endParaRPr lang="en-US" altLang="zh-CHS" dirty="0" smtClean="0"/>
+              <a:rPr lang="zh-Hans" altLang="zh-Hans" dirty="0" smtClean="0"/>
+              <a:t>流程挖掘算法概述</a:t>
+            </a:r>
+            <a:endParaRPr lang="en-US" altLang="zh-Hans" dirty="0" smtClean="0"/>
           </a:p>
           <a:p>
             <a:pPr lvl="2"/>
             <a:r>
-              <a:rPr lang="zh-CHS" altLang="en-US" dirty="0" smtClean="0"/>
-              <a:t>动机、基本关系、算法基本流程</a:t>
-            </a:r>
-            <a:r>
-              <a:rPr lang="en-US" altLang="zh-CHS" dirty="0" smtClean="0"/>
+              <a:rPr lang="zh-Hans" altLang="en-US" dirty="0" smtClean="0"/>
+              <a:t>动机</a:t>
+            </a:r>
+            <a:r>
+              <a:rPr lang="zh-Hans" altLang="en-US" dirty="0" smtClean="0"/>
+              <a:t>、基本关系、算法基本流程</a:t>
+            </a:r>
+            <a:r>
+              <a:rPr lang="en-US" altLang="zh-Hans" dirty="0" smtClean="0"/>
               <a:t>(</a:t>
             </a:r>
             <a:r>
-              <a:rPr lang="zh-CHS" altLang="en-US" dirty="0"/>
+              <a:rPr lang="zh-Hans" altLang="en-US" dirty="0"/>
               <a:t>形式化</a:t>
             </a:r>
             <a:r>
-              <a:rPr lang="en-US" altLang="zh-CHS" dirty="0" smtClean="0"/>
+              <a:rPr lang="en-US" altLang="zh-Hans" dirty="0" smtClean="0"/>
               <a:t>)</a:t>
             </a:r>
           </a:p>
           <a:p>
             <a:pPr lvl="1"/>
             <a:r>
-              <a:rPr lang="zh-CHS" altLang="zh-CHS" dirty="0"/>
+              <a:rPr lang="zh-Hans" altLang="zh-Hans" dirty="0"/>
               <a:t>发现改进的虚假</a:t>
             </a:r>
             <a:r>
-              <a:rPr lang="zh-CHS" altLang="zh-CHS" dirty="0" smtClean="0"/>
+              <a:rPr lang="zh-Hans" altLang="zh-Hans" dirty="0" smtClean="0"/>
               <a:t>依赖</a:t>
             </a:r>
-            <a:endParaRPr lang="en-US" altLang="zh-CHS" dirty="0" smtClean="0"/>
+            <a:endParaRPr lang="en-US" altLang="zh-Hans" dirty="0" smtClean="0"/>
           </a:p>
           <a:p>
             <a:pPr lvl="1"/>
             <a:r>
-              <a:rPr lang="zh-CHS" altLang="zh-CHS" dirty="0"/>
+              <a:rPr lang="zh-Hans" altLang="zh-Hans" dirty="0"/>
               <a:t>补充可达</a:t>
             </a:r>
             <a:r>
-              <a:rPr lang="zh-CHS" altLang="zh-CHS" dirty="0" smtClean="0"/>
+              <a:rPr lang="zh-Hans" altLang="zh-Hans" dirty="0" smtClean="0"/>
               <a:t>关系</a:t>
             </a:r>
-            <a:endParaRPr lang="en-US" altLang="zh-CHS" dirty="0" smtClean="0"/>
+            <a:endParaRPr lang="en-US" altLang="zh-Hans" dirty="0" smtClean="0"/>
           </a:p>
           <a:p>
             <a:pPr lvl="1"/>
             <a:r>
-              <a:rPr lang="zh-CHS" altLang="zh-CHS" dirty="0"/>
+              <a:rPr lang="zh-Hans" altLang="zh-Hans" dirty="0"/>
               <a:t>发现非自由选择</a:t>
             </a:r>
             <a:r>
-              <a:rPr lang="zh-CHS" altLang="zh-CHS" dirty="0" smtClean="0"/>
+              <a:rPr lang="zh-Hans" altLang="zh-Hans" dirty="0" smtClean="0"/>
               <a:t>结构</a:t>
             </a:r>
-            <a:endParaRPr lang="en-US" altLang="zh-CHS" dirty="0" smtClean="0"/>
+            <a:endParaRPr lang="en-US" altLang="zh-Hans" dirty="0" smtClean="0"/>
           </a:p>
           <a:p>
             <a:pPr lvl="1"/>
             <a:r>
-              <a:rPr lang="zh-CHS" altLang="zh-CHS" dirty="0"/>
+              <a:rPr lang="zh-Hans" altLang="zh-Hans" dirty="0"/>
               <a:t>调整不可见</a:t>
             </a:r>
             <a:r>
-              <a:rPr lang="zh-CHS" altLang="zh-CHS" dirty="0" smtClean="0"/>
+              <a:rPr lang="zh-Hans" altLang="zh-Hans" dirty="0" smtClean="0"/>
               <a:t>任务</a:t>
             </a:r>
-            <a:endParaRPr lang="en-US" altLang="zh-CHS" dirty="0" smtClean="0"/>
+            <a:endParaRPr lang="en-US" altLang="zh-Hans" dirty="0" smtClean="0"/>
           </a:p>
           <a:p>
             <a:pPr lvl="1"/>
             <a:r>
-              <a:rPr lang="zh-CHS" altLang="zh-CHS" dirty="0"/>
+              <a:rPr lang="zh-Hans" altLang="zh-Hans" dirty="0"/>
               <a:t>算法的</a:t>
             </a:r>
             <a:r>
-              <a:rPr lang="zh-CHS" altLang="zh-CHS" dirty="0" smtClean="0"/>
+              <a:rPr lang="zh-Hans" altLang="zh-Hans" dirty="0" smtClean="0"/>
               <a:t>实现</a:t>
             </a:r>
-            <a:endParaRPr lang="en-US" altLang="zh-CHS" dirty="0" smtClean="0"/>
+            <a:endParaRPr lang="en-US" altLang="zh-Hans" dirty="0" smtClean="0"/>
           </a:p>
           <a:p>
             <a:pPr lvl="2"/>
             <a:r>
-              <a:rPr lang="en-US" altLang="zh-CHS" dirty="0" err="1" smtClean="0"/>
+              <a:rPr lang="en-US" altLang="zh-Hans" dirty="0" err="1" smtClean="0"/>
               <a:t>BeehiveZ</a:t>
             </a:r>
             <a:r>
-              <a:rPr lang="zh-CHS" altLang="en-US" dirty="0" smtClean="0"/>
+              <a:rPr lang="zh-Hans" altLang="en-US" dirty="0" smtClean="0"/>
               <a:t>上实现</a:t>
             </a:r>
-            <a:endParaRPr lang="en-US" altLang="zh-CHS" dirty="0" smtClean="0"/>
+            <a:endParaRPr lang="en-US" altLang="zh-Hans" dirty="0" smtClean="0"/>
           </a:p>
           <a:p>
             <a:pPr lvl="1"/>
             <a:r>
-              <a:rPr lang="zh-CHS" altLang="zh-CHS" dirty="0"/>
+              <a:rPr lang="zh-Hans" altLang="zh-Hans" dirty="0"/>
               <a:t>实验设计与</a:t>
             </a:r>
             <a:r>
-              <a:rPr lang="zh-CHS" altLang="zh-CHS" dirty="0" smtClean="0"/>
+              <a:rPr lang="zh-Hans" altLang="zh-Hans" dirty="0" smtClean="0"/>
               <a:t>分析</a:t>
             </a:r>
-            <a:endParaRPr lang="en-US" altLang="zh-CHS" dirty="0" smtClean="0"/>
+            <a:endParaRPr lang="en-US" altLang="zh-Hans" dirty="0" smtClean="0"/>
           </a:p>
           <a:p>
             <a:pPr lvl="2"/>
             <a:r>
-              <a:rPr lang="zh-CHS" altLang="en-US" dirty="0" smtClean="0"/>
+              <a:rPr lang="zh-Hans" altLang="en-US" dirty="0" smtClean="0"/>
               <a:t>人工、真实</a:t>
             </a:r>
-            <a:endParaRPr lang="en-US" altLang="zh-CHS" dirty="0" smtClean="0"/>
+            <a:endParaRPr lang="en-US" altLang="zh-Hans" dirty="0" smtClean="0"/>
           </a:p>
         </p:txBody>
       </p:sp>
@@ -27308,7 +26268,7 @@
           <a:lstStyle/>
           <a:p>
             <a:pPr algn="ctr"/>
-            <a:endParaRPr lang="zh-CHS" altLang="en-US"/>
+            <a:endParaRPr lang="zh-Hans" altLang="en-US"/>
           </a:p>
         </p:txBody>
       </p:sp>
@@ -27356,7 +26316,7 @@
           <a:lstStyle/>
           <a:p>
             <a:pPr algn="ctr"/>
-            <a:endParaRPr lang="zh-CHS" altLang="en-US"/>
+            <a:endParaRPr lang="zh-Hans" altLang="en-US"/>
           </a:p>
         </p:txBody>
       </p:sp>
@@ -27404,7 +26364,7 @@
           <a:lstStyle/>
           <a:p>
             <a:pPr algn="ctr"/>
-            <a:endParaRPr lang="zh-CHS" altLang="en-US"/>
+            <a:endParaRPr lang="zh-Hans" altLang="en-US"/>
           </a:p>
         </p:txBody>
       </p:sp>
@@ -27444,7 +26404,7 @@
           <a:lstStyle/>
           <a:p>
             <a:pPr algn="ctr"/>
-            <a:endParaRPr lang="zh-CHS" altLang="en-US"/>
+            <a:endParaRPr lang="zh-Hans" altLang="en-US"/>
           </a:p>
         </p:txBody>
       </p:sp>
